--- a/Presentation/lesson-15-design-patterns.pptx
+++ b/Presentation/lesson-15-design-patterns.pptx
@@ -5,25 +5,24 @@
     <p:sldMasterId id="2147483648" r:id="rId1"/>
   </p:sldMasterIdLst>
   <p:notesMasterIdLst>
-    <p:notesMasterId r:id="rId18"/>
+    <p:notesMasterId r:id="rId17"/>
   </p:notesMasterIdLst>
   <p:sldIdLst>
     <p:sldId id="257" r:id="rId2"/>
     <p:sldId id="258" r:id="rId3"/>
-    <p:sldId id="259" r:id="rId4"/>
-    <p:sldId id="260" r:id="rId5"/>
-    <p:sldId id="261" r:id="rId6"/>
-    <p:sldId id="272" r:id="rId7"/>
-    <p:sldId id="262" r:id="rId8"/>
-    <p:sldId id="263" r:id="rId9"/>
-    <p:sldId id="265" r:id="rId10"/>
-    <p:sldId id="264" r:id="rId11"/>
-    <p:sldId id="266" r:id="rId12"/>
-    <p:sldId id="267" r:id="rId13"/>
-    <p:sldId id="268" r:id="rId14"/>
-    <p:sldId id="269" r:id="rId15"/>
-    <p:sldId id="270" r:id="rId16"/>
-    <p:sldId id="271" r:id="rId17"/>
+    <p:sldId id="273" r:id="rId4"/>
+    <p:sldId id="261" r:id="rId5"/>
+    <p:sldId id="272" r:id="rId6"/>
+    <p:sldId id="262" r:id="rId7"/>
+    <p:sldId id="263" r:id="rId8"/>
+    <p:sldId id="265" r:id="rId9"/>
+    <p:sldId id="264" r:id="rId10"/>
+    <p:sldId id="266" r:id="rId11"/>
+    <p:sldId id="267" r:id="rId12"/>
+    <p:sldId id="268" r:id="rId13"/>
+    <p:sldId id="269" r:id="rId14"/>
+    <p:sldId id="270" r:id="rId15"/>
+    <p:sldId id="271" r:id="rId16"/>
   </p:sldIdLst>
   <p:sldSz cx="9144000" cy="6858000" type="screen4x3"/>
   <p:notesSz cx="6858000" cy="9144000"/>
@@ -207,7 +206,7 @@
           <a:p>
             <a:fld id="{B24A7054-7FFB-49F4-A126-5DF6E687FF53}" type="datetimeFigureOut">
               <a:rPr lang="ru-RU" smtClean="0"/>
-              <a:t>06.11.2012</a:t>
+              <a:t>27.03.2013</a:t>
             </a:fld>
             <a:endParaRPr lang="ru-RU"/>
           </a:p>
@@ -1489,7 +1488,7 @@
           <a:p>
             <a:fld id="{8E6E6A2A-E9D3-4A0D-B04A-ABDD367A1E08}" type="datetimeFigureOut">
               <a:rPr lang="ru-RU" smtClean="0"/>
-              <a:t>06.11.2012</a:t>
+              <a:t>27.03.2013</a:t>
             </a:fld>
             <a:endParaRPr lang="ru-RU"/>
           </a:p>
@@ -2934,7 +2933,7 @@
           <a:p>
             <a:fld id="{AC3D3127-B7C4-45E3-9797-C527EC9FDD78}" type="datetimeFigureOut">
               <a:rPr lang="ru-RU" smtClean="0"/>
-              <a:t>06.11.2012</a:t>
+              <a:t>27.03.2013</a:t>
             </a:fld>
             <a:endParaRPr lang="ru-RU"/>
           </a:p>
@@ -3540,17 +3539,21 @@
           <a:p>
             <a:pPr marL="742950" indent="-742950">
               <a:buFont typeface="+mj-lt"/>
-              <a:buAutoNum type="arabicPeriod" startAt="3"/>
+              <a:buAutoNum type="arabicPeriod"/>
             </a:pPr>
             <a:r>
               <a:rPr lang="ru-RU" sz="3600" dirty="0"/>
-              <a:t>Порождающие шаблоны (</a:t>
+              <a:t>Структурные шаблоны (</a:t>
             </a:r>
             <a:r>
               <a:rPr lang="en-US" sz="3600" dirty="0"/>
-              <a:t>Creational)</a:t>
-            </a:r>
-            <a:endParaRPr lang="ru-RU" sz="3600" dirty="0"/>
+              <a:t>Structural</a:t>
+            </a:r>
+            <a:r>
+              <a:rPr lang="en-US" sz="3600" dirty="0" smtClean="0"/>
+              <a:t>)</a:t>
+            </a:r>
+            <a:endParaRPr lang="en-US" sz="3600" dirty="0"/>
           </a:p>
         </p:txBody>
       </p:sp>
@@ -3567,168 +3570,29 @@
         <p:spPr/>
         <p:txBody>
           <a:bodyPr>
-            <a:normAutofit fontScale="70000" lnSpcReduction="20000"/>
+            <a:normAutofit/>
           </a:bodyPr>
           <a:lstStyle/>
           <a:p>
-            <a:r>
-              <a:rPr lang="ru-RU" dirty="0" smtClean="0">
-                <a:solidFill>
-                  <a:srgbClr val="FFFF00"/>
-                </a:solidFill>
-              </a:rPr>
-              <a:t>Одиночка (Singleton</a:t>
-            </a:r>
-            <a:r>
-              <a:rPr lang="ru-RU" dirty="0">
-                <a:solidFill>
-                  <a:srgbClr val="FFFF00"/>
-                </a:solidFill>
-              </a:rPr>
-              <a:t>).</a:t>
+            <a:pPr marL="0" indent="0">
+              <a:buNone/>
+            </a:pPr>
+            <a:r>
+              <a:rPr lang="ru-RU" dirty="0" smtClean="0"/>
+              <a:t>Определяют </a:t>
             </a:r>
             <a:r>
               <a:rPr lang="ru-RU" dirty="0"/>
-              <a:t> Класс, который может иметь только один экземпляр.</a:t>
-            </a:r>
-          </a:p>
-          <a:p>
-            <a:r>
-              <a:rPr lang="ru-RU" dirty="0">
-                <a:solidFill>
-                  <a:srgbClr val="FFFF00"/>
-                </a:solidFill>
-              </a:rPr>
-              <a:t>Пул </a:t>
-            </a:r>
-            <a:r>
-              <a:rPr lang="ru-RU" dirty="0" smtClean="0">
-                <a:solidFill>
-                  <a:srgbClr val="FFFF00"/>
-                </a:solidFill>
-              </a:rPr>
-              <a:t>одиночек (Multiton</a:t>
-            </a:r>
-            <a:r>
-              <a:rPr lang="ru-RU" dirty="0">
-                <a:solidFill>
-                  <a:srgbClr val="FFFF00"/>
-                </a:solidFill>
-              </a:rPr>
-              <a:t>).</a:t>
-            </a:r>
-            <a:r>
-              <a:rPr lang="ru-RU" dirty="0"/>
-              <a:t> Гарантирует, что класс имеет поименованные экземпляры объекта и обеспечивает глобальную точку доступа к ним .</a:t>
-            </a:r>
-          </a:p>
-          <a:p>
-            <a:r>
-              <a:rPr lang="ru-RU" dirty="0">
-                <a:solidFill>
-                  <a:srgbClr val="FFFF00"/>
-                </a:solidFill>
-              </a:rPr>
-              <a:t>Объектный </a:t>
-            </a:r>
-            <a:r>
-              <a:rPr lang="ru-RU" dirty="0" smtClean="0">
-                <a:solidFill>
-                  <a:srgbClr val="FFFF00"/>
-                </a:solidFill>
-              </a:rPr>
-              <a:t>пул (Object pool).</a:t>
-            </a:r>
-            <a:r>
-              <a:rPr lang="ru-RU" dirty="0" smtClean="0"/>
-              <a:t> Класс</a:t>
-            </a:r>
-            <a:r>
-              <a:rPr lang="ru-RU" dirty="0"/>
-              <a:t>, который представляет собой интерфейс для работы с набором инициализированных и готовых к использованию </a:t>
-            </a:r>
-            <a:r>
-              <a:rPr lang="ru-RU" dirty="0" smtClean="0"/>
-              <a:t>объектов.</a:t>
-            </a:r>
-            <a:endParaRPr lang="ru-RU" dirty="0"/>
-          </a:p>
-          <a:p>
-            <a:r>
-              <a:rPr lang="ru-RU" dirty="0" smtClean="0">
-                <a:solidFill>
-                  <a:srgbClr val="FFFF00"/>
-                </a:solidFill>
-              </a:rPr>
-              <a:t>Прототип (Prototype).</a:t>
-            </a:r>
-            <a:r>
-              <a:rPr lang="ru-RU" dirty="0" smtClean="0"/>
-              <a:t> Определяет </a:t>
-            </a:r>
-            <a:r>
-              <a:rPr lang="ru-RU" dirty="0"/>
-              <a:t>интерфейс создания объекта через клонирование другого объекта вместо создания через </a:t>
-            </a:r>
-            <a:r>
-              <a:rPr lang="ru-RU" dirty="0" smtClean="0"/>
-              <a:t>конструктор.</a:t>
-            </a:r>
-            <a:endParaRPr lang="ru-RU" dirty="0"/>
-          </a:p>
-          <a:p>
-            <a:r>
-              <a:rPr lang="ru-RU" dirty="0">
-                <a:solidFill>
-                  <a:srgbClr val="FFFF00"/>
-                </a:solidFill>
-              </a:rPr>
-              <a:t>Получение ресурса есть </a:t>
-            </a:r>
-            <a:r>
-              <a:rPr lang="ru-RU" dirty="0" smtClean="0">
-                <a:solidFill>
-                  <a:srgbClr val="FFFF00"/>
-                </a:solidFill>
-              </a:rPr>
-              <a:t>инициализация (Resource </a:t>
-            </a:r>
-            <a:r>
-              <a:rPr lang="ru-RU" dirty="0">
-                <a:solidFill>
-                  <a:srgbClr val="FFFF00"/>
-                </a:solidFill>
-              </a:rPr>
-              <a:t>acquisition is initialization (RAII</a:t>
-            </a:r>
-            <a:r>
-              <a:rPr lang="ru-RU" dirty="0" smtClean="0">
-                <a:solidFill>
-                  <a:srgbClr val="FFFF00"/>
-                </a:solidFill>
-              </a:rPr>
-              <a:t>)).</a:t>
-            </a:r>
-            <a:r>
-              <a:rPr lang="ru-RU" dirty="0" smtClean="0"/>
-              <a:t> Получение </a:t>
-            </a:r>
-            <a:r>
-              <a:rPr lang="ru-RU" dirty="0"/>
-              <a:t>некоторого ресурса совмещается с инициализацией, а освобождение — с уничтожением </a:t>
-            </a:r>
-            <a:r>
-              <a:rPr lang="ru-RU" dirty="0" smtClean="0"/>
-              <a:t>объекта.</a:t>
-            </a:r>
-            <a:endParaRPr lang="ru-RU" dirty="0"/>
+              <a:t>различные сложные структуры, которые изменяют интерфейс уже существующих объектов или его реализацию, позволяя облегчить разработку и оптимизировать программу.</a:t>
+            </a:r>
+            <a:endParaRPr lang="en-US" dirty="0"/>
           </a:p>
         </p:txBody>
       </p:sp>
     </p:spTree>
     <p:extLst>
       <p:ext uri="{BB962C8B-B14F-4D97-AF65-F5344CB8AC3E}">
-        <p14:creationId xmlns:p14="http://schemas.microsoft.com/office/powerpoint/2010/main" val="3876317382"/>
+        <p14:creationId xmlns:p14="http://schemas.microsoft.com/office/powerpoint/2010/main" val="2463800246"/>
       </p:ext>
     </p:extLst>
   </p:cSld>
@@ -3774,7 +3638,7 @@
           <a:p>
             <a:pPr marL="742950" indent="-742950">
               <a:buFont typeface="+mj-lt"/>
-              <a:buAutoNum type="arabicPeriod"/>
+              <a:buAutoNum type="arabicPeriod" startAt="2"/>
             </a:pPr>
             <a:r>
               <a:rPr lang="ru-RU" sz="3600" dirty="0"/>
@@ -3805,29 +3669,169 @@
         <p:spPr/>
         <p:txBody>
           <a:bodyPr>
-            <a:normAutofit/>
+            <a:normAutofit fontScale="77500" lnSpcReduction="20000"/>
           </a:bodyPr>
           <a:lstStyle/>
           <a:p>
-            <a:pPr marL="0" indent="0">
-              <a:buNone/>
-            </a:pPr>
-            <a:r>
-              <a:rPr lang="ru-RU" dirty="0" smtClean="0"/>
-              <a:t>Определяют </a:t>
+            <a:r>
+              <a:rPr lang="ru-RU" dirty="0">
+                <a:solidFill>
+                  <a:srgbClr val="FFFF00"/>
+                </a:solidFill>
+              </a:rPr>
+              <a:t>Адаптер </a:t>
+            </a:r>
+            <a:r>
+              <a:rPr lang="ru-RU" dirty="0" smtClean="0">
+                <a:solidFill>
+                  <a:srgbClr val="FFFF00"/>
+                </a:solidFill>
+              </a:rPr>
+              <a:t>(Adapter </a:t>
+            </a:r>
+            <a:r>
+              <a:rPr lang="ru-RU" dirty="0">
+                <a:solidFill>
+                  <a:srgbClr val="FFFF00"/>
+                </a:solidFill>
+              </a:rPr>
+              <a:t>/ </a:t>
+            </a:r>
+            <a:r>
+              <a:rPr lang="ru-RU" dirty="0" smtClean="0">
+                <a:solidFill>
+                  <a:srgbClr val="FFFF00"/>
+                </a:solidFill>
+              </a:rPr>
+              <a:t>Wrapper).</a:t>
+            </a:r>
+            <a:r>
+              <a:rPr lang="ru-RU" dirty="0" smtClean="0"/>
+              <a:t> </a:t>
             </a:r>
             <a:r>
               <a:rPr lang="ru-RU" dirty="0"/>
-              <a:t>различные сложные структуры, которые изменяют интерфейс уже существующих объектов или его реализацию, позволяя облегчить разработку и оптимизировать программу.</a:t>
-            </a:r>
-            <a:endParaRPr lang="en-US" dirty="0"/>
+              <a:t>Объект, обеспечивающий взаимодействие двух других объектов, один из которых использует, а другой предоставляет несовместимый с первым </a:t>
+            </a:r>
+            <a:r>
+              <a:rPr lang="ru-RU" dirty="0" smtClean="0"/>
+              <a:t>интерфейс.</a:t>
+            </a:r>
+            <a:endParaRPr lang="ru-RU" dirty="0"/>
+          </a:p>
+          <a:p>
+            <a:r>
+              <a:rPr lang="ru-RU" dirty="0">
+                <a:solidFill>
+                  <a:srgbClr val="FFFF00"/>
+                </a:solidFill>
+              </a:rPr>
+              <a:t>Мост </a:t>
+            </a:r>
+            <a:r>
+              <a:rPr lang="ru-RU" dirty="0" smtClean="0">
+                <a:solidFill>
+                  <a:srgbClr val="FFFF00"/>
+                </a:solidFill>
+              </a:rPr>
+              <a:t>(Bridge).</a:t>
+            </a:r>
+            <a:r>
+              <a:rPr lang="ru-RU" dirty="0" smtClean="0"/>
+              <a:t> </a:t>
+            </a:r>
+            <a:r>
+              <a:rPr lang="ru-RU" dirty="0"/>
+              <a:t>Структура, позволяющая изменять интерфейс обращения и интерфейс реализации класса независимо</a:t>
+            </a:r>
+          </a:p>
+          <a:p>
+            <a:r>
+              <a:rPr lang="ru-RU" dirty="0" smtClean="0">
+                <a:solidFill>
+                  <a:srgbClr val="FFFF00"/>
+                </a:solidFill>
+              </a:rPr>
+              <a:t>Компоновщик (Composite).</a:t>
+            </a:r>
+            <a:r>
+              <a:rPr lang="ru-RU" dirty="0" smtClean="0"/>
+              <a:t> </a:t>
+            </a:r>
+            <a:r>
+              <a:rPr lang="ru-RU" dirty="0"/>
+              <a:t>Объект, который объединяет в себе объекты, подобные ему самому</a:t>
+            </a:r>
+          </a:p>
+          <a:p>
+            <a:r>
+              <a:rPr lang="en-US" dirty="0" smtClean="0">
+                <a:solidFill>
+                  <a:srgbClr val="FFC000"/>
+                </a:solidFill>
+              </a:rPr>
+              <a:t>[C#]</a:t>
+            </a:r>
+            <a:r>
+              <a:rPr lang="en-US" dirty="0" smtClean="0">
+                <a:solidFill>
+                  <a:srgbClr val="FFFF00"/>
+                </a:solidFill>
+              </a:rPr>
+              <a:t> </a:t>
+            </a:r>
+            <a:r>
+              <a:rPr lang="ru-RU" dirty="0" smtClean="0">
+                <a:solidFill>
+                  <a:srgbClr val="FFFF00"/>
+                </a:solidFill>
+              </a:rPr>
+              <a:t>Декоратор (Decorator).</a:t>
+            </a:r>
+            <a:r>
+              <a:rPr lang="ru-RU" dirty="0" smtClean="0"/>
+              <a:t> </a:t>
+            </a:r>
+            <a:r>
+              <a:rPr lang="ru-RU" dirty="0"/>
+              <a:t>Класс, расширяющий функциональность другого класса без использования </a:t>
+            </a:r>
+            <a:r>
+              <a:rPr lang="ru-RU" dirty="0" smtClean="0"/>
+              <a:t>наследования.</a:t>
+            </a:r>
+            <a:r>
+              <a:rPr lang="en-US" dirty="0" smtClean="0"/>
+              <a:t> </a:t>
+            </a:r>
+            <a:r>
+              <a:rPr lang="en-US" dirty="0" smtClean="0">
+                <a:solidFill>
+                  <a:srgbClr val="FFC000"/>
+                </a:solidFill>
+              </a:rPr>
+              <a:t>Extension </a:t>
+            </a:r>
+            <a:r>
+              <a:rPr lang="ru-RU" dirty="0" smtClean="0">
+                <a:solidFill>
+                  <a:srgbClr val="FFC000"/>
+                </a:solidFill>
+              </a:rPr>
+              <a:t>методы.</a:t>
+            </a:r>
+            <a:endParaRPr lang="en-US" dirty="0">
+              <a:solidFill>
+                <a:srgbClr val="FFC000"/>
+              </a:solidFill>
+            </a:endParaRPr>
           </a:p>
         </p:txBody>
       </p:sp>
     </p:spTree>
     <p:extLst>
       <p:ext uri="{BB962C8B-B14F-4D97-AF65-F5344CB8AC3E}">
-        <p14:creationId xmlns:p14="http://schemas.microsoft.com/office/powerpoint/2010/main" val="2463800246"/>
+        <p14:creationId xmlns:p14="http://schemas.microsoft.com/office/powerpoint/2010/main" val="1760599577"/>
       </p:ext>
     </p:extLst>
   </p:cSld>
@@ -3873,7 +3877,7 @@
           <a:p>
             <a:pPr marL="742950" indent="-742950">
               <a:buFont typeface="+mj-lt"/>
-              <a:buAutoNum type="arabicPeriod" startAt="2"/>
+              <a:buAutoNum type="arabicPeriod" startAt="3"/>
             </a:pPr>
             <a:r>
               <a:rPr lang="ru-RU" sz="3600" dirty="0"/>
@@ -3904,17 +3908,40 @@
         <p:spPr/>
         <p:txBody>
           <a:bodyPr>
-            <a:normAutofit fontScale="77500" lnSpcReduction="20000"/>
+            <a:normAutofit fontScale="70000" lnSpcReduction="20000"/>
           </a:bodyPr>
           <a:lstStyle/>
           <a:p>
             <a:r>
+              <a:rPr lang="ru-RU" dirty="0" smtClean="0">
+                <a:solidFill>
+                  <a:srgbClr val="FFFF00"/>
+                </a:solidFill>
+              </a:rPr>
+              <a:t>Фасад (Facade).</a:t>
+            </a:r>
+            <a:r>
+              <a:rPr lang="ru-RU" dirty="0" smtClean="0"/>
+              <a:t> </a:t>
+            </a:r>
+            <a:r>
+              <a:rPr lang="ru-RU" dirty="0"/>
+              <a:t>Объект, который абстрагирует работу с несколькими классами, объединяя их в единое </a:t>
+            </a:r>
+            <a:r>
+              <a:rPr lang="ru-RU" dirty="0" smtClean="0"/>
+              <a:t>целое.</a:t>
+            </a:r>
+            <a:endParaRPr lang="ru-RU" dirty="0"/>
+          </a:p>
+          <a:p>
+            <a:r>
               <a:rPr lang="ru-RU" dirty="0">
                 <a:solidFill>
                   <a:srgbClr val="FFFF00"/>
                 </a:solidFill>
               </a:rPr>
-              <a:t>Адаптер </a:t>
+              <a:t>Единая точка входа </a:t>
             </a:r>
             <a:r>
               <a:rPr lang="ru-RU" dirty="0" smtClean="0">
@@ -3922,15 +3949,30 @@
                   <a:srgbClr val="FFFF00"/>
                 </a:solidFill>
               </a:rPr>
-              <a:t>(Adapter </a:t>
-            </a:r>
+              <a:t>(Front Controller).</a:t>
+            </a:r>
+            <a:r>
+              <a:rPr lang="ru-RU" dirty="0" smtClean="0"/>
+              <a:t> </a:t>
+            </a:r>
+            <a:r>
+              <a:rPr lang="ru-RU" dirty="0"/>
+              <a:t>Обеспечивает унифицированный интерфейс для интерфейсов в подсистеме. Front Controller определяет высокоуровневый интерфейс, упрощающий использование </a:t>
+            </a:r>
+            <a:r>
+              <a:rPr lang="ru-RU" dirty="0" smtClean="0"/>
+              <a:t>подсистемы.</a:t>
+            </a:r>
+            <a:endParaRPr lang="ru-RU" dirty="0"/>
+          </a:p>
+          <a:p>
             <a:r>
               <a:rPr lang="ru-RU" dirty="0">
                 <a:solidFill>
                   <a:srgbClr val="FFFF00"/>
                 </a:solidFill>
               </a:rPr>
-              <a:t>/ </a:t>
+              <a:t>Приспособленец </a:t>
             </a:r>
             <a:r>
               <a:rPr lang="ru-RU" dirty="0" smtClean="0">
@@ -3938,7 +3980,7 @@
                   <a:srgbClr val="FFFF00"/>
                 </a:solidFill>
               </a:rPr>
-              <a:t>Wrapper).</a:t>
+              <a:t>(Flyweight).</a:t>
             </a:r>
             <a:r>
               <a:rPr lang="ru-RU" dirty="0" smtClean="0"/>
@@ -3946,30 +3988,22 @@
             </a:r>
             <a:r>
               <a:rPr lang="ru-RU" dirty="0"/>
-              <a:t>Объект, обеспечивающий взаимодействие двух других объектов, один из которых использует, а другой предоставляет несовместимый с первым </a:t>
-            </a:r>
-            <a:r>
-              <a:rPr lang="ru-RU" dirty="0" smtClean="0"/>
-              <a:t>интерфейс.</a:t>
+              <a:t>Это объект, представляющий себя как уникальный экземпляр в разных местах программы, но по факту не являющийся </a:t>
+            </a:r>
+            <a:r>
+              <a:rPr lang="ru-RU" dirty="0" smtClean="0"/>
+              <a:t>таковым.</a:t>
             </a:r>
             <a:endParaRPr lang="ru-RU" dirty="0"/>
           </a:p>
           <a:p>
             <a:r>
-              <a:rPr lang="ru-RU" dirty="0">
-                <a:solidFill>
-                  <a:srgbClr val="FFFF00"/>
-                </a:solidFill>
-              </a:rPr>
-              <a:t>Мост </a:t>
-            </a:r>
-            <a:r>
               <a:rPr lang="ru-RU" dirty="0" smtClean="0">
                 <a:solidFill>
                   <a:srgbClr val="FFFF00"/>
                 </a:solidFill>
               </a:rPr>
-              <a:t>(Bridge).</a:t>
+              <a:t>Заместитель (Proxy).</a:t>
             </a:r>
             <a:r>
               <a:rPr lang="ru-RU" dirty="0" smtClean="0"/>
@@ -3977,96 +4011,20 @@
             </a:r>
             <a:r>
               <a:rPr lang="ru-RU" dirty="0"/>
-              <a:t>Структура, позволяющая изменять интерфейс обращения и интерфейс реализации класса независимо</a:t>
-            </a:r>
-          </a:p>
-          <a:p>
-            <a:r>
-              <a:rPr lang="ru-RU" dirty="0" smtClean="0">
-                <a:solidFill>
-                  <a:srgbClr val="FFFF00"/>
-                </a:solidFill>
-              </a:rPr>
-              <a:t>Компоновщик (Composite).</a:t>
-            </a:r>
-            <a:r>
-              <a:rPr lang="ru-RU" dirty="0" smtClean="0"/>
-              <a:t> </a:t>
-            </a:r>
-            <a:r>
-              <a:rPr lang="ru-RU" dirty="0"/>
-              <a:t>Объект, который объединяет в себе объекты, подобные ему самому</a:t>
-            </a:r>
-          </a:p>
-          <a:p>
-            <a:r>
-              <a:rPr lang="en-US" dirty="0" smtClean="0">
-                <a:solidFill>
-                  <a:srgbClr val="FFC000"/>
-                </a:solidFill>
-              </a:rPr>
-              <a:t>[C#]</a:t>
-            </a:r>
-            <a:r>
-              <a:rPr lang="en-US" dirty="0" smtClean="0">
-                <a:solidFill>
-                  <a:srgbClr val="FFFF00"/>
-                </a:solidFill>
-              </a:rPr>
-              <a:t> </a:t>
-            </a:r>
-            <a:r>
-              <a:rPr lang="ru-RU" dirty="0" smtClean="0">
-                <a:solidFill>
-                  <a:srgbClr val="FFFF00"/>
-                </a:solidFill>
-              </a:rPr>
-              <a:t>Декоратор (Decorator).</a:t>
-            </a:r>
-            <a:r>
-              <a:rPr lang="ru-RU" dirty="0" smtClean="0"/>
-              <a:t> </a:t>
-            </a:r>
-            <a:r>
-              <a:rPr lang="ru-RU" dirty="0"/>
-              <a:t>Класс, расширяющий функциональность другого класса без использования </a:t>
-            </a:r>
-            <a:r>
-              <a:rPr lang="ru-RU" dirty="0" smtClean="0"/>
-              <a:t>наследования.</a:t>
-            </a:r>
-            <a:r>
-              <a:rPr lang="en-US" dirty="0" smtClean="0"/>
-              <a:t> </a:t>
-            </a:r>
-            <a:r>
-              <a:rPr lang="en-US" dirty="0" smtClean="0">
-                <a:solidFill>
-                  <a:srgbClr val="FFC000"/>
-                </a:solidFill>
-              </a:rPr>
-              <a:t>Extension </a:t>
-            </a:r>
-            <a:r>
-              <a:rPr lang="ru-RU" dirty="0" smtClean="0">
-                <a:solidFill>
-                  <a:srgbClr val="FFC000"/>
-                </a:solidFill>
-              </a:rPr>
-              <a:t>методы.</a:t>
-            </a:r>
-            <a:endParaRPr lang="en-US" dirty="0">
-              <a:solidFill>
-                <a:srgbClr val="FFC000"/>
-              </a:solidFill>
-            </a:endParaRPr>
+              <a:t>Объект, который является посредником между двумя другими объектами, и который реализовывает/ограничивает доступ к объекту, к которому обращаются через </a:t>
+            </a:r>
+            <a:r>
+              <a:rPr lang="ru-RU" dirty="0" smtClean="0"/>
+              <a:t>него.</a:t>
+            </a:r>
+            <a:endParaRPr lang="en-US" dirty="0"/>
           </a:p>
         </p:txBody>
       </p:sp>
     </p:spTree>
     <p:extLst>
       <p:ext uri="{BB962C8B-B14F-4D97-AF65-F5344CB8AC3E}">
-        <p14:creationId xmlns:p14="http://schemas.microsoft.com/office/powerpoint/2010/main" val="1760599577"/>
+        <p14:creationId xmlns:p14="http://schemas.microsoft.com/office/powerpoint/2010/main" val="843854959"/>
       </p:ext>
     </p:extLst>
   </p:cSld>
@@ -4112,18 +4070,14 @@
           <a:p>
             <a:pPr marL="742950" indent="-742950">
               <a:buFont typeface="+mj-lt"/>
-              <a:buAutoNum type="arabicPeriod" startAt="3"/>
+              <a:buAutoNum type="arabicPeriod"/>
             </a:pPr>
             <a:r>
               <a:rPr lang="ru-RU" sz="3600" dirty="0"/>
-              <a:t>Структурные шаблоны (</a:t>
-            </a:r>
-            <a:r>
-              <a:rPr lang="en-US" sz="3600" dirty="0"/>
-              <a:t>Structural</a:t>
-            </a:r>
-            <a:r>
-              <a:rPr lang="en-US" sz="3600" dirty="0" smtClean="0"/>
+              <a:t>Поведенческие шаблоны (Behavioral</a:t>
+            </a:r>
+            <a:r>
+              <a:rPr lang="ru-RU" sz="3600" dirty="0" smtClean="0"/>
               <a:t>)</a:t>
             </a:r>
             <a:endParaRPr lang="en-US" sz="3600" dirty="0"/>
@@ -4142,115 +4096,19 @@
         </p:nvSpPr>
         <p:spPr/>
         <p:txBody>
-          <a:bodyPr>
-            <a:normAutofit fontScale="70000" lnSpcReduction="20000"/>
-          </a:bodyPr>
+          <a:bodyPr/>
           <a:lstStyle/>
           <a:p>
-            <a:r>
-              <a:rPr lang="ru-RU" dirty="0" smtClean="0">
-                <a:solidFill>
-                  <a:srgbClr val="FFFF00"/>
-                </a:solidFill>
-              </a:rPr>
-              <a:t>Фасад (Facade).</a:t>
-            </a:r>
-            <a:r>
-              <a:rPr lang="ru-RU" dirty="0" smtClean="0"/>
-              <a:t> </a:t>
+            <a:pPr marL="0" indent="0">
+              <a:buNone/>
+            </a:pPr>
+            <a:r>
+              <a:rPr lang="ru-RU" dirty="0" smtClean="0"/>
+              <a:t>Определяют </a:t>
             </a:r>
             <a:r>
               <a:rPr lang="ru-RU" dirty="0"/>
-              <a:t>Объект, который абстрагирует работу с несколькими классами, объединяя их в единое </a:t>
-            </a:r>
-            <a:r>
-              <a:rPr lang="ru-RU" dirty="0" smtClean="0"/>
-              <a:t>целое.</a:t>
-            </a:r>
-            <a:endParaRPr lang="ru-RU" dirty="0"/>
-          </a:p>
-          <a:p>
-            <a:r>
-              <a:rPr lang="ru-RU" dirty="0">
-                <a:solidFill>
-                  <a:srgbClr val="FFFF00"/>
-                </a:solidFill>
-              </a:rPr>
-              <a:t>Единая точка входа </a:t>
-            </a:r>
-            <a:r>
-              <a:rPr lang="ru-RU" dirty="0" smtClean="0">
-                <a:solidFill>
-                  <a:srgbClr val="FFFF00"/>
-                </a:solidFill>
-              </a:rPr>
-              <a:t>(Front Controller).</a:t>
-            </a:r>
-            <a:r>
-              <a:rPr lang="ru-RU" dirty="0" smtClean="0"/>
-              <a:t> </a:t>
-            </a:r>
-            <a:r>
-              <a:rPr lang="ru-RU" dirty="0"/>
-              <a:t>Обеспечивает унифицированный интерфейс для интерфейсов в подсистеме. Front Controller определяет высокоуровневый интерфейс, упрощающий использование </a:t>
-            </a:r>
-            <a:r>
-              <a:rPr lang="ru-RU" dirty="0" smtClean="0"/>
-              <a:t>подсистемы.</a:t>
-            </a:r>
-            <a:endParaRPr lang="ru-RU" dirty="0"/>
-          </a:p>
-          <a:p>
-            <a:r>
-              <a:rPr lang="ru-RU" dirty="0">
-                <a:solidFill>
-                  <a:srgbClr val="FFFF00"/>
-                </a:solidFill>
-              </a:rPr>
-              <a:t>Приспособленец </a:t>
-            </a:r>
-            <a:r>
-              <a:rPr lang="ru-RU" dirty="0" smtClean="0">
-                <a:solidFill>
-                  <a:srgbClr val="FFFF00"/>
-                </a:solidFill>
-              </a:rPr>
-              <a:t>(Flyweight).</a:t>
-            </a:r>
-            <a:r>
-              <a:rPr lang="ru-RU" dirty="0" smtClean="0"/>
-              <a:t> </a:t>
-            </a:r>
-            <a:r>
-              <a:rPr lang="ru-RU" dirty="0"/>
-              <a:t>Это объект, представляющий себя как уникальный экземпляр в разных местах программы, но по факту не являющийся </a:t>
-            </a:r>
-            <a:r>
-              <a:rPr lang="ru-RU" dirty="0" smtClean="0"/>
-              <a:t>таковым.</a:t>
-            </a:r>
-            <a:endParaRPr lang="ru-RU" dirty="0"/>
-          </a:p>
-          <a:p>
-            <a:r>
-              <a:rPr lang="ru-RU" dirty="0" smtClean="0">
-                <a:solidFill>
-                  <a:srgbClr val="FFFF00"/>
-                </a:solidFill>
-              </a:rPr>
-              <a:t>Заместитель (Proxy).</a:t>
-            </a:r>
-            <a:r>
-              <a:rPr lang="ru-RU" dirty="0" smtClean="0"/>
-              <a:t> </a:t>
-            </a:r>
-            <a:r>
-              <a:rPr lang="ru-RU" dirty="0"/>
-              <a:t>Объект, который является посредником между двумя другими объектами, и который реализовывает/ограничивает доступ к объекту, к которому обращаются через </a:t>
-            </a:r>
-            <a:r>
-              <a:rPr lang="ru-RU" dirty="0" smtClean="0"/>
-              <a:t>него.</a:t>
+              <a:t>взаимодействие между объектами, увеличивая таким образом его гибкость.</a:t>
             </a:r>
             <a:endParaRPr lang="en-US" dirty="0"/>
           </a:p>
@@ -4259,7 +4117,7 @@
     </p:spTree>
     <p:extLst>
       <p:ext uri="{BB962C8B-B14F-4D97-AF65-F5344CB8AC3E}">
-        <p14:creationId xmlns:p14="http://schemas.microsoft.com/office/powerpoint/2010/main" val="843854959"/>
+        <p14:creationId xmlns:p14="http://schemas.microsoft.com/office/powerpoint/2010/main" val="1660261524"/>
       </p:ext>
     </p:extLst>
   </p:cSld>
@@ -4305,99 +4163,6 @@
           <a:p>
             <a:pPr marL="742950" indent="-742950">
               <a:buFont typeface="+mj-lt"/>
-              <a:buAutoNum type="arabicPeriod"/>
-            </a:pPr>
-            <a:r>
-              <a:rPr lang="ru-RU" sz="3600" dirty="0"/>
-              <a:t>Поведенческие шаблоны (Behavioral</a:t>
-            </a:r>
-            <a:r>
-              <a:rPr lang="ru-RU" sz="3600" dirty="0" smtClean="0"/>
-              <a:t>)</a:t>
-            </a:r>
-            <a:endParaRPr lang="en-US" sz="3600" dirty="0"/>
-          </a:p>
-        </p:txBody>
-      </p:sp>
-      <p:sp>
-        <p:nvSpPr>
-          <p:cNvPr id="3" name="Content Placeholder 2"/>
-          <p:cNvSpPr>
-            <a:spLocks noGrp="1"/>
-          </p:cNvSpPr>
-          <p:nvPr>
-            <p:ph idx="1"/>
-          </p:nvPr>
-        </p:nvSpPr>
-        <p:spPr/>
-        <p:txBody>
-          <a:bodyPr/>
-          <a:lstStyle/>
-          <a:p>
-            <a:pPr marL="0" indent="0">
-              <a:buNone/>
-            </a:pPr>
-            <a:r>
-              <a:rPr lang="ru-RU" dirty="0" smtClean="0"/>
-              <a:t>Определяют </a:t>
-            </a:r>
-            <a:r>
-              <a:rPr lang="ru-RU" dirty="0"/>
-              <a:t>взаимодействие между объектами, увеличивая таким образом его гибкость.</a:t>
-            </a:r>
-            <a:endParaRPr lang="en-US" dirty="0"/>
-          </a:p>
-        </p:txBody>
-      </p:sp>
-    </p:spTree>
-    <p:extLst>
-      <p:ext uri="{BB962C8B-B14F-4D97-AF65-F5344CB8AC3E}">
-        <p14:creationId xmlns:p14="http://schemas.microsoft.com/office/powerpoint/2010/main" val="1660261524"/>
-      </p:ext>
-    </p:extLst>
-  </p:cSld>
-  <p:clrMapOvr>
-    <a:masterClrMapping/>
-  </p:clrMapOvr>
-</p:sld>
-</file>
-
-<file path=ppt/slides/slide15.xml><?xml version="1.0" encoding="utf-8"?>
-<p:sld xmlns:a="http://schemas.openxmlformats.org/drawingml/2006/main" xmlns:r="http://schemas.openxmlformats.org/officeDocument/2006/relationships" xmlns:p="http://schemas.openxmlformats.org/presentationml/2006/main">
-  <p:cSld>
-    <p:spTree>
-      <p:nvGrpSpPr>
-        <p:cNvPr id="1" name=""/>
-        <p:cNvGrpSpPr/>
-        <p:nvPr/>
-      </p:nvGrpSpPr>
-      <p:grpSpPr>
-        <a:xfrm>
-          <a:off x="0" y="0"/>
-          <a:ext cx="0" cy="0"/>
-          <a:chOff x="0" y="0"/>
-          <a:chExt cx="0" cy="0"/>
-        </a:xfrm>
-      </p:grpSpPr>
-      <p:sp>
-        <p:nvSpPr>
-          <p:cNvPr id="2" name="Title 1"/>
-          <p:cNvSpPr>
-            <a:spLocks noGrp="1"/>
-          </p:cNvSpPr>
-          <p:nvPr>
-            <p:ph type="title"/>
-          </p:nvPr>
-        </p:nvSpPr>
-        <p:spPr/>
-        <p:txBody>
-          <a:bodyPr>
-            <a:normAutofit/>
-          </a:bodyPr>
-          <a:lstStyle/>
-          <a:p>
-            <a:pPr marL="742950" indent="-742950">
-              <a:buFont typeface="+mj-lt"/>
               <a:buAutoNum type="arabicPeriod" startAt="2"/>
             </a:pPr>
             <a:r>
@@ -4730,7 +4495,7 @@
 </p:sld>
 </file>
 
-<file path=ppt/slides/slide16.xml><?xml version="1.0" encoding="utf-8"?>
+<file path=ppt/slides/slide15.xml><?xml version="1.0" encoding="utf-8"?>
 <p:sld xmlns:a="http://schemas.openxmlformats.org/drawingml/2006/main" xmlns:r="http://schemas.openxmlformats.org/officeDocument/2006/relationships" xmlns:p="http://schemas.openxmlformats.org/presentationml/2006/main">
   <p:cSld>
     <p:spTree>
@@ -5277,28 +5042,44 @@
       </p:grpSpPr>
       <p:sp>
         <p:nvSpPr>
-          <p:cNvPr id="3" name="Rectangle 2"/>
-          <p:cNvSpPr/>
-          <p:nvPr/>
-        </p:nvSpPr>
-        <p:spPr>
-          <a:xfrm>
-            <a:off x="251520" y="2397949"/>
-            <a:ext cx="8640960" cy="2062103"/>
-          </a:xfrm>
-          <a:prstGeom prst="rect">
-            <a:avLst/>
-          </a:prstGeom>
-        </p:spPr>
-        <p:txBody>
-          <a:bodyPr wrap="square">
-            <a:spAutoFit/>
-          </a:bodyPr>
+          <p:cNvPr id="2" name="Title 1"/>
+          <p:cNvSpPr>
+            <a:spLocks noGrp="1"/>
+          </p:cNvSpPr>
+          <p:nvPr>
+            <p:ph type="title"/>
+          </p:nvPr>
+        </p:nvSpPr>
+        <p:spPr/>
+        <p:txBody>
+          <a:bodyPr/>
           <a:lstStyle/>
           <a:p>
-            <a:pPr lvl="0" algn="ctr"/>
-            <a:r>
-              <a:rPr lang="en-US" sz="3200" dirty="0">
+            <a:r>
+              <a:rPr lang="ru-RU" dirty="0" smtClean="0"/>
+              <a:t>Материалы для обучения</a:t>
+            </a:r>
+            <a:endParaRPr lang="en-US" dirty="0"/>
+          </a:p>
+        </p:txBody>
+      </p:sp>
+      <p:sp>
+        <p:nvSpPr>
+          <p:cNvPr id="3" name="Content Placeholder 2"/>
+          <p:cNvSpPr>
+            <a:spLocks noGrp="1"/>
+          </p:cNvSpPr>
+          <p:nvPr>
+            <p:ph idx="1"/>
+          </p:nvPr>
+        </p:nvSpPr>
+        <p:spPr/>
+        <p:txBody>
+          <a:bodyPr/>
+          <a:lstStyle/>
+          <a:p>
+            <a:r>
+              <a:rPr lang="en-US" dirty="0">
                 <a:solidFill>
                   <a:schemeClr val="bg1"/>
                 </a:solidFill>
@@ -5307,7 +5088,7 @@
               <a:t>https://</a:t>
             </a:r>
             <a:r>
-              <a:rPr lang="en-US" sz="3200" dirty="0" smtClean="0">
+              <a:rPr lang="en-US" dirty="0" smtClean="0">
                 <a:solidFill>
                   <a:schemeClr val="bg1"/>
                 </a:solidFill>
@@ -5315,73 +5096,100 @@
               </a:rPr>
               <a:t>github.com/bazile/Training</a:t>
             </a:r>
-            <a:endParaRPr lang="en-US" sz="3200" dirty="0" smtClean="0">
+            <a:r>
+              <a:rPr lang="en-US" dirty="0" smtClean="0">
+                <a:solidFill>
+                  <a:schemeClr val="bg1"/>
+                </a:solidFill>
+              </a:rPr>
+              <a:t/>
+            </a:r>
+            <a:br>
+              <a:rPr lang="en-US" dirty="0" smtClean="0">
+                <a:solidFill>
+                  <a:schemeClr val="bg1"/>
+                </a:solidFill>
+              </a:rPr>
+            </a:br>
+            <a:r>
+              <a:rPr lang="ru-RU" dirty="0" smtClean="0">
+                <a:solidFill>
+                  <a:schemeClr val="bg1"/>
+                </a:solidFill>
+              </a:rPr>
+              <a:t>Презентации и примеры кода используемые во время занятия</a:t>
+            </a:r>
+          </a:p>
+          <a:p>
+            <a:endParaRPr lang="ru-RU" dirty="0" smtClean="0">
               <a:solidFill>
                 <a:schemeClr val="bg1"/>
               </a:solidFill>
             </a:endParaRPr>
           </a:p>
           <a:p>
-            <a:pPr lvl="0" algn="ctr"/>
-            <a:endParaRPr lang="en-US" sz="3200" dirty="0">
+            <a:r>
+              <a:rPr lang="en-US" dirty="0">
+                <a:solidFill>
+                  <a:schemeClr val="bg1"/>
+                </a:solidFill>
+                <a:hlinkClick r:id="rId3"/>
+              </a:rPr>
+              <a:t>http://belhard.nullptr.ru</a:t>
+            </a:r>
+            <a:r>
+              <a:rPr lang="en-US" dirty="0" smtClean="0">
+                <a:solidFill>
+                  <a:schemeClr val="bg1"/>
+                </a:solidFill>
+                <a:hlinkClick r:id="rId3"/>
+              </a:rPr>
+              <a:t>/</a:t>
+            </a:r>
+            <a:r>
+              <a:rPr lang="ru-RU" dirty="0" smtClean="0">
+                <a:solidFill>
+                  <a:schemeClr val="bg1"/>
+                </a:solidFill>
+              </a:rPr>
+              <a:t/>
+            </a:r>
+            <a:br>
+              <a:rPr lang="ru-RU" dirty="0" smtClean="0">
+                <a:solidFill>
+                  <a:schemeClr val="bg1"/>
+                </a:solidFill>
+              </a:rPr>
+            </a:br>
+            <a:r>
+              <a:rPr lang="ru-RU" dirty="0" smtClean="0">
+                <a:solidFill>
+                  <a:schemeClr val="bg1"/>
+                </a:solidFill>
+              </a:rPr>
+              <a:t>Книги, примеры к ним и другие полезные файлы.</a:t>
+            </a:r>
+            <a:endParaRPr lang="ru-RU" dirty="0">
               <a:solidFill>
                 <a:schemeClr val="bg1"/>
               </a:solidFill>
             </a:endParaRPr>
           </a:p>
           <a:p>
-            <a:pPr lvl="0" algn="ctr"/>
-            <a:endParaRPr lang="en-US" sz="3200" dirty="0" smtClean="0">
-              <a:solidFill>
-                <a:schemeClr val="bg1"/>
-              </a:solidFill>
-            </a:endParaRPr>
-          </a:p>
-          <a:p>
-            <a:pPr lvl="0" algn="ctr"/>
-            <a:r>
-              <a:rPr lang="en-US" sz="3200" dirty="0">
-                <a:solidFill>
-                  <a:schemeClr val="bg1"/>
-                </a:solidFill>
-                <a:hlinkClick r:id="rId3"/>
-              </a:rPr>
-              <a:t>http://belhard.nullptr.ru</a:t>
-            </a:r>
-            <a:r>
-              <a:rPr lang="en-US" sz="3200" dirty="0" smtClean="0">
-                <a:solidFill>
-                  <a:schemeClr val="bg1"/>
-                </a:solidFill>
-                <a:hlinkClick r:id="rId3"/>
-              </a:rPr>
-              <a:t>/</a:t>
-            </a:r>
-            <a:endParaRPr lang="en-US" sz="3200" dirty="0" smtClean="0">
-              <a:solidFill>
-                <a:schemeClr val="bg1"/>
-              </a:solidFill>
-            </a:endParaRPr>
+            <a:endParaRPr lang="en-US" dirty="0"/>
           </a:p>
         </p:txBody>
       </p:sp>
     </p:spTree>
     <p:extLst>
       <p:ext uri="{BB962C8B-B14F-4D97-AF65-F5344CB8AC3E}">
-        <p14:creationId xmlns:p14="http://schemas.microsoft.com/office/powerpoint/2010/main" val="1418730179"/>
+        <p14:creationId xmlns:p14="http://schemas.microsoft.com/office/powerpoint/2010/main" val="3887189667"/>
       </p:ext>
     </p:extLst>
   </p:cSld>
   <p:clrMapOvr>
     <a:masterClrMapping/>
   </p:clrMapOvr>
-  <p:timing>
-    <p:tnLst>
-      <p:par>
-        <p:cTn id="1" dur="indefinite" restart="never" nodeType="tmRoot"/>
-      </p:par>
-    </p:tnLst>
-  </p:timing>
 </p:sld>
 </file>
 
@@ -5412,49 +5220,79 @@
             <p:ph type="title"/>
           </p:nvPr>
         </p:nvSpPr>
-        <p:spPr>
-          <a:xfrm>
-            <a:off x="457200" y="2857500"/>
-            <a:ext cx="8229600" cy="1143000"/>
-          </a:xfrm>
-        </p:spPr>
+        <p:spPr/>
         <p:txBody>
           <a:bodyPr/>
           <a:lstStyle/>
           <a:p>
             <a:r>
-              <a:rPr lang="en-US" dirty="0" smtClean="0"/>
-              <a:t>email@me.name</a:t>
+              <a:rPr lang="ru-RU" dirty="0" smtClean="0"/>
+              <a:t>Шаблон проектирования</a:t>
             </a:r>
             <a:endParaRPr lang="ru-RU" dirty="0"/>
+          </a:p>
+        </p:txBody>
+      </p:sp>
+      <p:sp>
+        <p:nvSpPr>
+          <p:cNvPr id="3" name="Content Placeholder 2"/>
+          <p:cNvSpPr>
+            <a:spLocks noGrp="1"/>
+          </p:cNvSpPr>
+          <p:nvPr>
+            <p:ph idx="1"/>
+          </p:nvPr>
+        </p:nvSpPr>
+        <p:spPr/>
+        <p:txBody>
+          <a:bodyPr>
+            <a:normAutofit fontScale="85000" lnSpcReduction="10000"/>
+          </a:bodyPr>
+          <a:lstStyle/>
+          <a:p>
+            <a:pPr marL="0" indent="0">
+              <a:buNone/>
+            </a:pPr>
+            <a:r>
+              <a:rPr lang="ru-RU" dirty="0"/>
+              <a:t>В разработке программного обеспечения, шаблон проектирования или паттерн </a:t>
+            </a:r>
+            <a:r>
+              <a:rPr lang="ru-RU" dirty="0" smtClean="0"/>
+              <a:t>(design </a:t>
+            </a:r>
+            <a:r>
+              <a:rPr lang="ru-RU" dirty="0"/>
+              <a:t>pattern) — повторимая архитектурная конструкция, представляющая собой решение проблемы проектирования в рамках некоторого часто возникающего контекста.</a:t>
+            </a:r>
+          </a:p>
+          <a:p>
+            <a:pPr marL="0" indent="0">
+              <a:buNone/>
+            </a:pPr>
+            <a:endParaRPr lang="ru-RU" dirty="0"/>
+          </a:p>
+          <a:p>
+            <a:pPr marL="0" indent="0">
+              <a:buNone/>
+            </a:pPr>
+            <a:r>
+              <a:rPr lang="ru-RU" dirty="0"/>
+              <a:t>Обычно шаблон не является законченным образцом, который может быть прямо преобразован в код; это лишь пример решения задачи, который можно использовать в различных ситуациях</a:t>
+            </a:r>
           </a:p>
         </p:txBody>
       </p:sp>
     </p:spTree>
     <p:extLst>
       <p:ext uri="{BB962C8B-B14F-4D97-AF65-F5344CB8AC3E}">
-        <p14:creationId xmlns:p14="http://schemas.microsoft.com/office/powerpoint/2010/main" val="1218094238"/>
+        <p14:creationId xmlns:p14="http://schemas.microsoft.com/office/powerpoint/2010/main" val="2340800245"/>
       </p:ext>
     </p:extLst>
   </p:cSld>
   <p:clrMapOvr>
     <a:masterClrMapping/>
   </p:clrMapOvr>
-  <mc:AlternateContent xmlns:mc="http://schemas.openxmlformats.org/markup-compatibility/2006" xmlns:p14="http://schemas.microsoft.com/office/powerpoint/2010/main">
-    <mc:Choice Requires="p14">
-      <p:transition p14:dur="0"/>
-    </mc:Choice>
-    <mc:Fallback xmlns="">
-      <p:transition/>
-    </mc:Fallback>
-  </mc:AlternateContent>
-  <p:timing>
-    <p:tnLst>
-      <p:par>
-        <p:cTn id="1" dur="indefinite" restart="never" nodeType="tmRoot"/>
-      </p:par>
-    </p:tnLst>
-  </p:timing>
 </p:sld>
 </file>
 
@@ -5491,10 +5329,10 @@
           <a:lstStyle/>
           <a:p>
             <a:r>
-              <a:rPr lang="ru-RU" dirty="0" smtClean="0"/>
-              <a:t>Шаблон проектирования</a:t>
-            </a:r>
-            <a:endParaRPr lang="ru-RU" dirty="0"/>
+              <a:rPr lang="ru-RU" dirty="0"/>
+              <a:t>Типы шаблонов проектирования</a:t>
+            </a:r>
+            <a:endParaRPr lang="en-US" dirty="0"/>
           </a:p>
         </p:txBody>
       </p:sp>
@@ -5510,48 +5348,41 @@
         </p:nvSpPr>
         <p:spPr/>
         <p:txBody>
-          <a:bodyPr>
-            <a:normAutofit fontScale="85000" lnSpcReduction="10000"/>
-          </a:bodyPr>
+          <a:bodyPr/>
           <a:lstStyle/>
           <a:p>
-            <a:pPr marL="0" indent="0">
-              <a:buNone/>
-            </a:pPr>
-            <a:r>
-              <a:rPr lang="ru-RU" dirty="0"/>
-              <a:t>В разработке программного обеспечения, шаблон проектирования или паттерн </a:t>
-            </a:r>
-            <a:r>
-              <a:rPr lang="ru-RU" dirty="0" smtClean="0"/>
-              <a:t>(design </a:t>
-            </a:r>
-            <a:r>
-              <a:rPr lang="ru-RU" dirty="0"/>
-              <a:t>pattern) — повторимая архитектурная конструкция, представляющая собой решение проблемы проектирования в рамках некоторого часто возникающего контекста.</a:t>
-            </a:r>
-          </a:p>
-          <a:p>
-            <a:pPr marL="0" indent="0">
-              <a:buNone/>
-            </a:pPr>
-            <a:endParaRPr lang="ru-RU" dirty="0"/>
-          </a:p>
-          <a:p>
-            <a:pPr marL="0" indent="0">
-              <a:buNone/>
-            </a:pPr>
-            <a:r>
-              <a:rPr lang="ru-RU" dirty="0"/>
-              <a:t>Обычно шаблон не является законченным образцом, который может быть прямо преобразован в код; это лишь пример решения задачи, который можно использовать в различных ситуациях</a:t>
-            </a:r>
+            <a:r>
+              <a:rPr lang="ru-RU" dirty="0" smtClean="0"/>
+              <a:t>Основные</a:t>
+            </a:r>
+          </a:p>
+          <a:p>
+            <a:r>
+              <a:rPr lang="ru-RU" dirty="0" smtClean="0"/>
+              <a:t>Порождающие</a:t>
+            </a:r>
+          </a:p>
+          <a:p>
+            <a:r>
+              <a:rPr lang="ru-RU" dirty="0" smtClean="0"/>
+              <a:t>Структурные</a:t>
+            </a:r>
+          </a:p>
+          <a:p>
+            <a:r>
+              <a:rPr lang="ru-RU" dirty="0" smtClean="0"/>
+              <a:t>Поведенческие</a:t>
+            </a:r>
+          </a:p>
+          <a:p>
+            <a:endParaRPr lang="en-US" dirty="0"/>
           </a:p>
         </p:txBody>
       </p:sp>
     </p:spTree>
     <p:extLst>
       <p:ext uri="{BB962C8B-B14F-4D97-AF65-F5344CB8AC3E}">
-        <p14:creationId xmlns:p14="http://schemas.microsoft.com/office/powerpoint/2010/main" val="2340800245"/>
+        <p14:creationId xmlns:p14="http://schemas.microsoft.com/office/powerpoint/2010/main" val="3252191658"/>
       </p:ext>
     </p:extLst>
   </p:cSld>
@@ -5590,14 +5421,20 @@
         </p:nvSpPr>
         <p:spPr/>
         <p:txBody>
-          <a:bodyPr/>
+          <a:bodyPr>
+            <a:normAutofit/>
+          </a:bodyPr>
           <a:lstStyle/>
           <a:p>
             <a:r>
-              <a:rPr lang="ru-RU" dirty="0"/>
-              <a:t>Типы шаблонов проектирования</a:t>
-            </a:r>
-            <a:endParaRPr lang="en-US" dirty="0"/>
+              <a:rPr lang="ru-RU" sz="4000" dirty="0"/>
+              <a:t>Основные шаблоны (</a:t>
+            </a:r>
+            <a:r>
+              <a:rPr lang="en-US" sz="4000" dirty="0"/>
+              <a:t>Fundamental)</a:t>
+            </a:r>
+            <a:endParaRPr lang="ru-RU" sz="4000" dirty="0"/>
           </a:p>
         </p:txBody>
       </p:sp>
@@ -5613,41 +5450,133 @@
         </p:nvSpPr>
         <p:spPr/>
         <p:txBody>
-          <a:bodyPr/>
+          <a:bodyPr>
+            <a:normAutofit fontScale="85000" lnSpcReduction="20000"/>
+          </a:bodyPr>
           <a:lstStyle/>
           <a:p>
             <a:r>
-              <a:rPr lang="ru-RU" dirty="0" smtClean="0"/>
-              <a:t>Основные</a:t>
-            </a:r>
-          </a:p>
-          <a:p>
-            <a:r>
-              <a:rPr lang="ru-RU" dirty="0" smtClean="0"/>
-              <a:t>Порождающие</a:t>
-            </a:r>
-          </a:p>
-          <a:p>
-            <a:r>
-              <a:rPr lang="ru-RU" dirty="0" smtClean="0"/>
-              <a:t>Структурные</a:t>
-            </a:r>
-          </a:p>
-          <a:p>
-            <a:r>
-              <a:rPr lang="ru-RU" dirty="0" smtClean="0"/>
-              <a:t>Поведенческие</a:t>
-            </a:r>
-          </a:p>
-          <a:p>
-            <a:endParaRPr lang="en-US" dirty="0"/>
+              <a:rPr lang="en-US" dirty="0" smtClean="0">
+                <a:solidFill>
+                  <a:srgbClr val="FFC000"/>
+                </a:solidFill>
+              </a:rPr>
+              <a:t>[.NET]</a:t>
+            </a:r>
+            <a:r>
+              <a:rPr lang="en-US" dirty="0" smtClean="0">
+                <a:solidFill>
+                  <a:schemeClr val="bg1"/>
+                </a:solidFill>
+              </a:rPr>
+              <a:t> </a:t>
+            </a:r>
+            <a:r>
+              <a:rPr lang="ru-RU" dirty="0" smtClean="0">
+                <a:solidFill>
+                  <a:srgbClr val="FFFF00"/>
+                </a:solidFill>
+              </a:rPr>
+              <a:t>Шаблон делегирования (Delegation pattern).</a:t>
+            </a:r>
+            <a:r>
+              <a:rPr lang="ru-RU" dirty="0" smtClean="0"/>
+              <a:t> Объект внешне </a:t>
+            </a:r>
+            <a:r>
+              <a:rPr lang="ru-RU" dirty="0"/>
+              <a:t>выражает некоторое поведение, но в реальности передаёт ответственность за выполнение этого поведения связанному </a:t>
+            </a:r>
+            <a:r>
+              <a:rPr lang="ru-RU" dirty="0" smtClean="0"/>
+              <a:t>объекту.</a:t>
+            </a:r>
+            <a:endParaRPr lang="ru-RU" dirty="0"/>
+          </a:p>
+          <a:p>
+            <a:r>
+              <a:rPr lang="ru-RU" dirty="0" smtClean="0">
+                <a:solidFill>
+                  <a:srgbClr val="FFFF00"/>
+                </a:solidFill>
+              </a:rPr>
+              <a:t>Шаблон </a:t>
+            </a:r>
+            <a:r>
+              <a:rPr lang="ru-RU" dirty="0">
+                <a:solidFill>
+                  <a:srgbClr val="FFFF00"/>
+                </a:solidFill>
+              </a:rPr>
+              <a:t>функционального </a:t>
+            </a:r>
+            <a:r>
+              <a:rPr lang="ru-RU" dirty="0" smtClean="0">
+                <a:solidFill>
+                  <a:srgbClr val="FFFF00"/>
+                </a:solidFill>
+              </a:rPr>
+              <a:t>дизайна (Functional design).</a:t>
+            </a:r>
+            <a:r>
+              <a:rPr lang="ru-RU" dirty="0" smtClean="0"/>
+              <a:t> Гарантирует</a:t>
+            </a:r>
+            <a:r>
+              <a:rPr lang="ru-RU" dirty="0"/>
+              <a:t>, что каждый модуль </a:t>
+            </a:r>
+            <a:r>
+              <a:rPr lang="ru-RU" dirty="0" smtClean="0"/>
+              <a:t>компьютерной программы </a:t>
+            </a:r>
+            <a:r>
+              <a:rPr lang="ru-RU" dirty="0"/>
+              <a:t>имеет только одну обязанность и исполняет её с минимумом побочных эффектов на другие части </a:t>
+            </a:r>
+            <a:r>
+              <a:rPr lang="ru-RU" dirty="0" smtClean="0"/>
+              <a:t>программы.</a:t>
+            </a:r>
+            <a:endParaRPr lang="ru-RU" dirty="0"/>
+          </a:p>
+          <a:p>
+            <a:r>
+              <a:rPr lang="en-US" dirty="0" smtClean="0">
+                <a:solidFill>
+                  <a:srgbClr val="FFC000"/>
+                </a:solidFill>
+              </a:rPr>
+              <a:t>[F#] </a:t>
+            </a:r>
+            <a:r>
+              <a:rPr lang="ru-RU" dirty="0" smtClean="0">
+                <a:solidFill>
+                  <a:srgbClr val="FFFF00"/>
+                </a:solidFill>
+              </a:rPr>
+              <a:t>Неизменяемый объект (Immutable).</a:t>
+            </a:r>
+            <a:r>
+              <a:rPr lang="ru-RU" dirty="0" smtClean="0"/>
+              <a:t> Объект</a:t>
+            </a:r>
+            <a:r>
+              <a:rPr lang="ru-RU" dirty="0"/>
+              <a:t>, который не может быть изменён после своего </a:t>
+            </a:r>
+            <a:r>
+              <a:rPr lang="ru-RU" dirty="0" smtClean="0"/>
+              <a:t>создания.</a:t>
+            </a:r>
+            <a:endParaRPr lang="ru-RU" dirty="0"/>
           </a:p>
         </p:txBody>
       </p:sp>
     </p:spTree>
     <p:extLst>
       <p:ext uri="{BB962C8B-B14F-4D97-AF65-F5344CB8AC3E}">
-        <p14:creationId xmlns:p14="http://schemas.microsoft.com/office/powerpoint/2010/main" val="3252191658"/>
+        <p14:creationId xmlns:p14="http://schemas.microsoft.com/office/powerpoint/2010/main" val="632874674"/>
       </p:ext>
     </p:extLst>
   </p:cSld>
@@ -5691,15 +5620,19 @@
           </a:bodyPr>
           <a:lstStyle/>
           <a:p>
-            <a:r>
-              <a:rPr lang="ru-RU" sz="4000" dirty="0"/>
-              <a:t>Основные шаблоны (</a:t>
-            </a:r>
-            <a:r>
-              <a:rPr lang="en-US" sz="4000" dirty="0"/>
-              <a:t>Fundamental)</a:t>
-            </a:r>
-            <a:endParaRPr lang="ru-RU" sz="4000" dirty="0"/>
+            <a:pPr marL="742950" indent="-742950">
+              <a:buFont typeface="+mj-lt"/>
+              <a:buAutoNum type="arabicPeriod"/>
+            </a:pPr>
+            <a:r>
+              <a:rPr lang="ru-RU" sz="3600" dirty="0"/>
+              <a:t>Порождающие шаблоны (</a:t>
+            </a:r>
+            <a:r>
+              <a:rPr lang="en-US" sz="3600" dirty="0"/>
+              <a:t>Creational)</a:t>
+            </a:r>
+            <a:endParaRPr lang="ru-RU" sz="3600" dirty="0"/>
           </a:p>
         </p:txBody>
       </p:sp>
@@ -5716,132 +5649,28 @@
         <p:spPr/>
         <p:txBody>
           <a:bodyPr>
-            <a:normAutofit fontScale="85000" lnSpcReduction="20000"/>
+            <a:normAutofit lnSpcReduction="10000"/>
           </a:bodyPr>
           <a:lstStyle/>
           <a:p>
-            <a:r>
-              <a:rPr lang="en-US" dirty="0" smtClean="0">
-                <a:solidFill>
-                  <a:srgbClr val="FFC000"/>
-                </a:solidFill>
-              </a:rPr>
-              <a:t>[.NET]</a:t>
-            </a:r>
-            <a:r>
-              <a:rPr lang="en-US" dirty="0" smtClean="0">
-                <a:solidFill>
-                  <a:schemeClr val="bg1"/>
-                </a:solidFill>
-              </a:rPr>
-              <a:t> </a:t>
-            </a:r>
-            <a:r>
-              <a:rPr lang="ru-RU" dirty="0" smtClean="0">
-                <a:solidFill>
-                  <a:srgbClr val="FFFF00"/>
-                </a:solidFill>
-              </a:rPr>
-              <a:t>Шаблон делегирования (Delegation pattern).</a:t>
-            </a:r>
-            <a:r>
-              <a:rPr lang="ru-RU" dirty="0" smtClean="0"/>
-              <a:t> Объект внешне </a:t>
+            <a:pPr marL="0" indent="0">
+              <a:buNone/>
+            </a:pPr>
+            <a:r>
+              <a:rPr lang="ru-RU" dirty="0" smtClean="0"/>
+              <a:t>Шаблоны </a:t>
             </a:r>
             <a:r>
               <a:rPr lang="ru-RU" dirty="0"/>
-              <a:t>выражает некоторое поведение, но в реальности передаёт ответственность за выполнение этого поведения связанному </a:t>
-            </a:r>
-            <a:r>
-              <a:rPr lang="ru-RU" dirty="0" smtClean="0"/>
-              <a:t>объекту.</a:t>
-            </a:r>
-            <a:endParaRPr lang="ru-RU" dirty="0"/>
-          </a:p>
-          <a:p>
-            <a:r>
-              <a:rPr lang="ru-RU" dirty="0" smtClean="0">
-                <a:solidFill>
-                  <a:srgbClr val="FFFF00"/>
-                </a:solidFill>
-              </a:rPr>
-              <a:t>Шаблон </a:t>
-            </a:r>
-            <a:r>
-              <a:rPr lang="ru-RU" dirty="0">
-                <a:solidFill>
-                  <a:srgbClr val="FFFF00"/>
-                </a:solidFill>
-              </a:rPr>
-              <a:t>функционального </a:t>
-            </a:r>
-            <a:r>
-              <a:rPr lang="ru-RU" dirty="0" smtClean="0">
-                <a:solidFill>
-                  <a:srgbClr val="FFFF00"/>
-                </a:solidFill>
-              </a:rPr>
-              <a:t>дизайна (Functional design).</a:t>
-            </a:r>
-            <a:r>
-              <a:rPr lang="ru-RU" dirty="0" smtClean="0"/>
-              <a:t> Гарантирует</a:t>
-            </a:r>
-            <a:r>
-              <a:rPr lang="ru-RU" dirty="0"/>
-              <a:t>, что каждый модуль </a:t>
-            </a:r>
-            <a:r>
-              <a:rPr lang="ru-RU" dirty="0" smtClean="0"/>
-              <a:t>компьютерной программы </a:t>
-            </a:r>
-            <a:r>
-              <a:rPr lang="ru-RU" dirty="0"/>
-              <a:t>имеет только одну обязанность и исполняет её с минимумом побочных эффектов на другие части </a:t>
-            </a:r>
-            <a:r>
-              <a:rPr lang="ru-RU" dirty="0" smtClean="0"/>
-              <a:t>программы.</a:t>
-            </a:r>
-            <a:endParaRPr lang="ru-RU" dirty="0"/>
-          </a:p>
-          <a:p>
-            <a:r>
-              <a:rPr lang="en-US" dirty="0" smtClean="0">
-                <a:solidFill>
-                  <a:srgbClr val="FFC000"/>
-                </a:solidFill>
-              </a:rPr>
-              <a:t>[F#] </a:t>
-            </a:r>
-            <a:r>
-              <a:rPr lang="ru-RU" dirty="0" smtClean="0">
-                <a:solidFill>
-                  <a:srgbClr val="FFFF00"/>
-                </a:solidFill>
-              </a:rPr>
-              <a:t>Неизменяемый объект (Immutable).</a:t>
-            </a:r>
-            <a:r>
-              <a:rPr lang="ru-RU" dirty="0" smtClean="0"/>
-              <a:t> Объект</a:t>
-            </a:r>
-            <a:r>
-              <a:rPr lang="ru-RU" dirty="0"/>
-              <a:t>, который не может быть изменён после своего </a:t>
-            </a:r>
-            <a:r>
-              <a:rPr lang="ru-RU" dirty="0" smtClean="0"/>
-              <a:t>создания.</a:t>
-            </a:r>
-            <a:endParaRPr lang="ru-RU" dirty="0"/>
+              <a:t>проектирования, которые абстрагируют процесс инстанцирования. Они позволяют сделать систему независимой от способа создания, композиции и представления объектов. Шаблон, порождающий классы, использует наследование, чтобы изменять инстанцируемый класс, а шаблон, порождающий объекты, делегирует инстанцирование другому объекту.</a:t>
+            </a:r>
           </a:p>
         </p:txBody>
       </p:sp>
     </p:spTree>
     <p:extLst>
       <p:ext uri="{BB962C8B-B14F-4D97-AF65-F5344CB8AC3E}">
-        <p14:creationId xmlns:p14="http://schemas.microsoft.com/office/powerpoint/2010/main" val="632874674"/>
+        <p14:creationId xmlns:p14="http://schemas.microsoft.com/office/powerpoint/2010/main" val="2711097098"/>
       </p:ext>
     </p:extLst>
   </p:cSld>
@@ -5887,7 +5716,7 @@
           <a:p>
             <a:pPr marL="742950" indent="-742950">
               <a:buFont typeface="+mj-lt"/>
-              <a:buAutoNum type="arabicPeriod"/>
+              <a:buAutoNum type="arabicPeriod" startAt="2"/>
             </a:pPr>
             <a:r>
               <a:rPr lang="ru-RU" sz="3600" dirty="0"/>
@@ -5914,28 +5743,143 @@
         <p:spPr/>
         <p:txBody>
           <a:bodyPr>
-            <a:normAutofit lnSpcReduction="10000"/>
+            <a:normAutofit fontScale="85000" lnSpcReduction="20000"/>
           </a:bodyPr>
           <a:lstStyle/>
           <a:p>
-            <a:pPr marL="0" indent="0">
-              <a:buNone/>
-            </a:pPr>
-            <a:r>
-              <a:rPr lang="ru-RU" dirty="0" smtClean="0"/>
-              <a:t>Шаблоны </a:t>
+            <a:r>
+              <a:rPr lang="ru-RU" dirty="0" smtClean="0">
+                <a:solidFill>
+                  <a:srgbClr val="FFFF00"/>
+                </a:solidFill>
+              </a:rPr>
+              <a:t>Абстрактная фабрика (Abstract factory).</a:t>
+            </a:r>
+            <a:r>
+              <a:rPr lang="ru-RU" dirty="0" smtClean="0"/>
+              <a:t> Класс</a:t>
             </a:r>
             <a:r>
               <a:rPr lang="ru-RU" dirty="0"/>
-              <a:t>проектирования, которые абстрагируют процесс инстанцирования. Они позволяют сделать систему независимой от способа создания, композиции и представления объектов. Шаблон, порождающий классы, использует наследование, чтобы изменять инстанцируемый класс, а шаблон, порождающий объекты, делегирует инстанцирование другому объекту.</a:t>
-            </a:r>
+              <a:t>, который представляет собой интерфейс для создания компонентов системы. </a:t>
+            </a:r>
+            <a:endParaRPr lang="ru-RU" dirty="0" smtClean="0"/>
+          </a:p>
+          <a:p>
+            <a:r>
+              <a:rPr lang="ru-RU" dirty="0" smtClean="0">
+                <a:solidFill>
+                  <a:srgbClr val="FFFF00"/>
+                </a:solidFill>
+              </a:rPr>
+              <a:t>Строитель (Builder).</a:t>
+            </a:r>
+            <a:r>
+              <a:rPr lang="ru-RU" dirty="0" smtClean="0"/>
+              <a:t> Класс</a:t>
+            </a:r>
+            <a:r>
+              <a:rPr lang="ru-RU" dirty="0"/>
+              <a:t>, который представляет собой интерфейс для создания сложного </a:t>
+            </a:r>
+            <a:r>
+              <a:rPr lang="ru-RU" dirty="0" smtClean="0"/>
+              <a:t>объекта.</a:t>
+            </a:r>
+            <a:endParaRPr lang="ru-RU" dirty="0"/>
+          </a:p>
+          <a:p>
+            <a:r>
+              <a:rPr lang="ru-RU" dirty="0" smtClean="0">
+                <a:solidFill>
+                  <a:srgbClr val="FFFF00"/>
+                </a:solidFill>
+              </a:rPr>
+              <a:t>Фабричный метод (Factory method).</a:t>
+            </a:r>
+            <a:r>
+              <a:rPr lang="ru-RU" dirty="0" smtClean="0"/>
+              <a:t> Определяет </a:t>
+            </a:r>
+            <a:r>
+              <a:rPr lang="ru-RU" dirty="0"/>
+              <a:t>интерфейс для создания объекта, но оставляет подклассам решение о том, какой класс </a:t>
+            </a:r>
+            <a:r>
+              <a:rPr lang="ru-RU" dirty="0" smtClean="0"/>
+              <a:t>инстанциировать.</a:t>
+            </a:r>
+            <a:endParaRPr lang="ru-RU" dirty="0"/>
+          </a:p>
+          <a:p>
+            <a:r>
+              <a:rPr lang="en-US" dirty="0">
+                <a:solidFill>
+                  <a:srgbClr val="FFC000"/>
+                </a:solidFill>
+              </a:rPr>
+              <a:t>[.NET]</a:t>
+            </a:r>
+            <a:r>
+              <a:rPr lang="en-US" dirty="0">
+                <a:solidFill>
+                  <a:schemeClr val="bg1"/>
+                </a:solidFill>
+              </a:rPr>
+              <a:t> </a:t>
+            </a:r>
+            <a:r>
+              <a:rPr lang="ru-RU" dirty="0" smtClean="0">
+                <a:solidFill>
+                  <a:srgbClr val="FFFF00"/>
+                </a:solidFill>
+              </a:rPr>
+              <a:t>Отложенная инициализация (Lazy initialization).</a:t>
+            </a:r>
+            <a:r>
+              <a:rPr lang="ru-RU" dirty="0" smtClean="0"/>
+              <a:t> Объект</a:t>
+            </a:r>
+            <a:r>
+              <a:rPr lang="ru-RU" dirty="0"/>
+              <a:t>, инициализируемый во время первого обращения к </a:t>
+            </a:r>
+            <a:r>
+              <a:rPr lang="ru-RU" dirty="0" smtClean="0"/>
+              <a:t>нему.</a:t>
+            </a:r>
+            <a:r>
+              <a:rPr lang="en-US" dirty="0" smtClean="0"/>
+              <a:t> </a:t>
+            </a:r>
+            <a:r>
+              <a:rPr lang="en-US" dirty="0" err="1" smtClean="0">
+                <a:solidFill>
+                  <a:srgbClr val="FFC000"/>
+                </a:solidFill>
+              </a:rPr>
+              <a:t>System.Lazy</a:t>
+            </a:r>
+            <a:r>
+              <a:rPr lang="en-US" dirty="0" smtClean="0">
+                <a:solidFill>
+                  <a:srgbClr val="FFC000"/>
+                </a:solidFill>
+              </a:rPr>
+              <a:t>&lt;T&gt;.</a:t>
+            </a:r>
+            <a:endParaRPr lang="ru-RU" dirty="0">
+              <a:solidFill>
+                <a:srgbClr val="FFC000"/>
+              </a:solidFill>
+            </a:endParaRPr>
           </a:p>
         </p:txBody>
       </p:sp>
     </p:spTree>
     <p:extLst>
       <p:ext uri="{BB962C8B-B14F-4D97-AF65-F5344CB8AC3E}">
-        <p14:creationId xmlns:p14="http://schemas.microsoft.com/office/powerpoint/2010/main" val="2711097098"/>
+        <p14:creationId xmlns:p14="http://schemas.microsoft.com/office/powerpoint/2010/main" val="4068049520"/>
       </p:ext>
     </p:extLst>
   </p:cSld>
@@ -5981,7 +5925,7 @@
           <a:p>
             <a:pPr marL="742950" indent="-742950">
               <a:buFont typeface="+mj-lt"/>
-              <a:buAutoNum type="arabicPeriod" startAt="2"/>
+              <a:buAutoNum type="arabicPeriod" startAt="3"/>
             </a:pPr>
             <a:r>
               <a:rPr lang="ru-RU" sz="3600" dirty="0"/>
@@ -6008,7 +5952,7 @@
         <p:spPr/>
         <p:txBody>
           <a:bodyPr>
-            <a:normAutofit fontScale="85000" lnSpcReduction="20000"/>
+            <a:normAutofit fontScale="70000" lnSpcReduction="20000"/>
           </a:bodyPr>
           <a:lstStyle/>
           <a:p>
@@ -6018,7 +5962,67 @@
                   <a:srgbClr val="FFFF00"/>
                 </a:solidFill>
               </a:rPr>
-              <a:t>Абстрактная фабрика (Abstract factory).</a:t>
+              <a:t>Одиночка (Singleton</a:t>
+            </a:r>
+            <a:r>
+              <a:rPr lang="ru-RU" dirty="0">
+                <a:solidFill>
+                  <a:srgbClr val="FFFF00"/>
+                </a:solidFill>
+              </a:rPr>
+              <a:t>).</a:t>
+            </a:r>
+            <a:r>
+              <a:rPr lang="ru-RU" dirty="0"/>
+              <a:t> Класс, который может иметь только один экземпляр.</a:t>
+            </a:r>
+          </a:p>
+          <a:p>
+            <a:r>
+              <a:rPr lang="ru-RU" dirty="0">
+                <a:solidFill>
+                  <a:srgbClr val="FFFF00"/>
+                </a:solidFill>
+              </a:rPr>
+              <a:t>Пул </a:t>
+            </a:r>
+            <a:r>
+              <a:rPr lang="ru-RU" dirty="0" smtClean="0">
+                <a:solidFill>
+                  <a:srgbClr val="FFFF00"/>
+                </a:solidFill>
+              </a:rPr>
+              <a:t>одиночек (Multiton</a:t>
+            </a:r>
+            <a:r>
+              <a:rPr lang="ru-RU" dirty="0">
+                <a:solidFill>
+                  <a:srgbClr val="FFFF00"/>
+                </a:solidFill>
+              </a:rPr>
+              <a:t>).</a:t>
+            </a:r>
+            <a:r>
+              <a:rPr lang="ru-RU" dirty="0"/>
+              <a:t> Гарантирует, что класс имеет поименованные экземпляры объекта и обеспечивает глобальную точку доступа к ним .</a:t>
+            </a:r>
+          </a:p>
+          <a:p>
+            <a:r>
+              <a:rPr lang="ru-RU" dirty="0">
+                <a:solidFill>
+                  <a:srgbClr val="FFFF00"/>
+                </a:solidFill>
+              </a:rPr>
+              <a:t>Объектный </a:t>
+            </a:r>
+            <a:r>
+              <a:rPr lang="ru-RU" dirty="0" smtClean="0">
+                <a:solidFill>
+                  <a:srgbClr val="FFFF00"/>
+                </a:solidFill>
+              </a:rPr>
+              <a:t>пул (Object pool).</a:t>
             </a:r>
             <a:r>
               <a:rPr lang="ru-RU" dirty="0" smtClean="0"/>
@@ -6026,9 +6030,13 @@
             </a:r>
             <a:r>
               <a:rPr lang="ru-RU" dirty="0"/>
-              <a:t>, который представляет собой интерфейс для создания компонентов системы. </a:t>
-            </a:r>
-            <a:endParaRPr lang="ru-RU" dirty="0" smtClean="0"/>
+              <a:t>, который представляет собой интерфейс для работы с набором инициализированных и готовых к использованию </a:t>
+            </a:r>
+            <a:r>
+              <a:rPr lang="ru-RU" dirty="0" smtClean="0"/>
+              <a:t>объектов.</a:t>
+            </a:r>
+            <a:endParaRPr lang="ru-RU" dirty="0"/>
           </a:p>
           <a:p>
             <a:r>
@@ -6037,114 +6045,75 @@
                   <a:srgbClr val="FFFF00"/>
                 </a:solidFill>
               </a:rPr>
-              <a:t>Строитель (Builder).</a:t>
-            </a:r>
-            <a:r>
-              <a:rPr lang="ru-RU" dirty="0" smtClean="0"/>
-              <a:t> Класс</a:t>
+              <a:t>Прототип (Prototype).</a:t>
+            </a:r>
+            <a:r>
+              <a:rPr lang="ru-RU" dirty="0" smtClean="0"/>
+              <a:t> Определяет </a:t>
             </a:r>
             <a:r>
               <a:rPr lang="ru-RU" dirty="0"/>
-              <a:t>, который представляет собой интерфейс для создания сложного </a:t>
+              <a:t>интерфейс создания объекта через клонирование другого объекта вместо создания через </a:t>
+            </a:r>
+            <a:r>
+              <a:rPr lang="ru-RU" dirty="0" smtClean="0"/>
+              <a:t>конструктор.</a:t>
+            </a:r>
+            <a:endParaRPr lang="ru-RU" dirty="0"/>
+          </a:p>
+          <a:p>
+            <a:r>
+              <a:rPr lang="ru-RU" dirty="0">
+                <a:solidFill>
+                  <a:srgbClr val="FFFF00"/>
+                </a:solidFill>
+              </a:rPr>
+              <a:t>Получение ресурса есть </a:t>
+            </a:r>
+            <a:r>
+              <a:rPr lang="ru-RU" dirty="0" smtClean="0">
+                <a:solidFill>
+                  <a:srgbClr val="FFFF00"/>
+                </a:solidFill>
+              </a:rPr>
+              <a:t>инициализация (Resource </a:t>
+            </a:r>
+            <a:r>
+              <a:rPr lang="ru-RU" dirty="0">
+                <a:solidFill>
+                  <a:srgbClr val="FFFF00"/>
+                </a:solidFill>
+              </a:rPr>
+              <a:t>acquisition is initialization (RAII</a:t>
+            </a:r>
+            <a:r>
+              <a:rPr lang="ru-RU" dirty="0" smtClean="0">
+                <a:solidFill>
+                  <a:srgbClr val="FFFF00"/>
+                </a:solidFill>
+              </a:rPr>
+              <a:t>)).</a:t>
+            </a:r>
+            <a:r>
+              <a:rPr lang="ru-RU" dirty="0" smtClean="0"/>
+              <a:t> Получение </a:t>
+            </a:r>
+            <a:r>
+              <a:rPr lang="ru-RU" dirty="0"/>
+              <a:t>некоторого ресурса совмещается с инициализацией, а освобождение — с уничтожением </a:t>
             </a:r>
             <a:r>
               <a:rPr lang="ru-RU" dirty="0" smtClean="0"/>
               <a:t>объекта.</a:t>
             </a:r>
             <a:endParaRPr lang="ru-RU" dirty="0"/>
-          </a:p>
-          <a:p>
-            <a:r>
-              <a:rPr lang="ru-RU" dirty="0" smtClean="0">
-                <a:solidFill>
-                  <a:srgbClr val="FFFF00"/>
-                </a:solidFill>
-              </a:rPr>
-              <a:t>Фабричный метод (Factory method).</a:t>
-            </a:r>
-            <a:r>
-              <a:rPr lang="ru-RU" dirty="0" smtClean="0"/>
-              <a:t> Определяет </a:t>
-            </a:r>
-            <a:r>
-              <a:rPr lang="ru-RU" dirty="0"/>
-              <a:t>интерфейс для создания объекта, но оставляет подклассам решение о том, какой класс </a:t>
-            </a:r>
-            <a:r>
-              <a:rPr lang="ru-RU" dirty="0" smtClean="0"/>
-              <a:t>инстанциировать.</a:t>
-            </a:r>
-            <a:endParaRPr lang="ru-RU" dirty="0"/>
-          </a:p>
-          <a:p>
-            <a:r>
-              <a:rPr lang="en-US" dirty="0">
-                <a:solidFill>
-                  <a:srgbClr val="FFC000"/>
-                </a:solidFill>
-              </a:rPr>
-              <a:t>[.NET]</a:t>
-            </a:r>
-            <a:r>
-              <a:rPr lang="en-US" dirty="0">
-                <a:solidFill>
-                  <a:schemeClr val="bg1"/>
-                </a:solidFill>
-              </a:rPr>
-              <a:t> </a:t>
-            </a:r>
-            <a:r>
-              <a:rPr lang="ru-RU" dirty="0" smtClean="0">
-                <a:solidFill>
-                  <a:srgbClr val="FFFF00"/>
-                </a:solidFill>
-              </a:rPr>
-              <a:t>Отложенная инициализация (Lazy initialization).</a:t>
-            </a:r>
-            <a:r>
-              <a:rPr lang="ru-RU" dirty="0" smtClean="0"/>
-              <a:t> Объект</a:t>
-            </a:r>
-            <a:r>
-              <a:rPr lang="ru-RU" dirty="0"/>
-              <a:t>, инициализируемый во время первого обращения к </a:t>
-            </a:r>
-            <a:r>
-              <a:rPr lang="ru-RU" dirty="0" smtClean="0"/>
-              <a:t>нему.</a:t>
-            </a:r>
-            <a:r>
-              <a:rPr lang="en-US" dirty="0" smtClean="0"/>
-              <a:t> </a:t>
-            </a:r>
-            <a:r>
-              <a:rPr lang="en-US" dirty="0" err="1" smtClean="0">
-                <a:solidFill>
-                  <a:srgbClr val="FFC000"/>
-                </a:solidFill>
-              </a:rPr>
-              <a:t>System.Lazy</a:t>
-            </a:r>
-            <a:r>
-              <a:rPr lang="en-US" dirty="0" smtClean="0">
-                <a:solidFill>
-                  <a:srgbClr val="FFC000"/>
-                </a:solidFill>
-              </a:rPr>
-              <a:t>&lt;T&gt;.</a:t>
-            </a:r>
-            <a:endParaRPr lang="ru-RU" dirty="0">
-              <a:solidFill>
-                <a:srgbClr val="FFC000"/>
-              </a:solidFill>
-            </a:endParaRPr>
           </a:p>
         </p:txBody>
       </p:sp>
     </p:spTree>
     <p:extLst>
       <p:ext uri="{BB962C8B-B14F-4D97-AF65-F5344CB8AC3E}">
-        <p14:creationId xmlns:p14="http://schemas.microsoft.com/office/powerpoint/2010/main" val="4068049520"/>
+        <p14:creationId xmlns:p14="http://schemas.microsoft.com/office/powerpoint/2010/main" val="3876317382"/>
       </p:ext>
     </p:extLst>
   </p:cSld>

--- a/Presentation/lesson-15-design-patterns.pptx
+++ b/Presentation/lesson-15-design-patterns.pptx
@@ -3,26 +3,28 @@
 <p:presentation xmlns:a="http://schemas.openxmlformats.org/drawingml/2006/main" xmlns:r="http://schemas.openxmlformats.org/officeDocument/2006/relationships" xmlns:p="http://schemas.openxmlformats.org/presentationml/2006/main" removePersonalInfoOnSave="1" saveSubsetFonts="1">
   <p:sldMasterIdLst>
     <p:sldMasterId id="2147483648" r:id="rId1"/>
+    <p:sldMasterId id="2147483663" r:id="rId2"/>
   </p:sldMasterIdLst>
   <p:notesMasterIdLst>
-    <p:notesMasterId r:id="rId17"/>
+    <p:notesMasterId r:id="rId19"/>
   </p:notesMasterIdLst>
   <p:sldIdLst>
-    <p:sldId id="257" r:id="rId2"/>
-    <p:sldId id="258" r:id="rId3"/>
-    <p:sldId id="273" r:id="rId4"/>
-    <p:sldId id="261" r:id="rId5"/>
-    <p:sldId id="272" r:id="rId6"/>
-    <p:sldId id="262" r:id="rId7"/>
-    <p:sldId id="263" r:id="rId8"/>
-    <p:sldId id="265" r:id="rId9"/>
-    <p:sldId id="264" r:id="rId10"/>
-    <p:sldId id="266" r:id="rId11"/>
-    <p:sldId id="267" r:id="rId12"/>
-    <p:sldId id="268" r:id="rId13"/>
-    <p:sldId id="269" r:id="rId14"/>
-    <p:sldId id="270" r:id="rId15"/>
-    <p:sldId id="271" r:id="rId16"/>
+    <p:sldId id="257" r:id="rId3"/>
+    <p:sldId id="258" r:id="rId4"/>
+    <p:sldId id="273" r:id="rId5"/>
+    <p:sldId id="274" r:id="rId6"/>
+    <p:sldId id="261" r:id="rId7"/>
+    <p:sldId id="272" r:id="rId8"/>
+    <p:sldId id="262" r:id="rId9"/>
+    <p:sldId id="263" r:id="rId10"/>
+    <p:sldId id="265" r:id="rId11"/>
+    <p:sldId id="264" r:id="rId12"/>
+    <p:sldId id="266" r:id="rId13"/>
+    <p:sldId id="267" r:id="rId14"/>
+    <p:sldId id="268" r:id="rId15"/>
+    <p:sldId id="269" r:id="rId16"/>
+    <p:sldId id="270" r:id="rId17"/>
+    <p:sldId id="271" r:id="rId18"/>
   </p:sldIdLst>
   <p:sldSz cx="9144000" cy="6858000" type="screen4x3"/>
   <p:notesSz cx="6858000" cy="9144000"/>
@@ -206,7 +208,7 @@
           <a:p>
             <a:fld id="{B24A7054-7FFB-49F4-A126-5DF6E687FF53}" type="datetimeFigureOut">
               <a:rPr lang="ru-RU" smtClean="0"/>
-              <a:t>27.03.2013</a:t>
+              <a:t>29.04.2013</a:t>
             </a:fld>
             <a:endParaRPr lang="ru-RU"/>
           </a:p>
@@ -1488,7 +1490,7 @@
           <a:p>
             <a:fld id="{8E6E6A2A-E9D3-4A0D-B04A-ABDD367A1E08}" type="datetimeFigureOut">
               <a:rPr lang="ru-RU" smtClean="0"/>
-              <a:t>27.03.2013</a:t>
+              <a:t>29.04.2013</a:t>
             </a:fld>
             <a:endParaRPr lang="ru-RU"/>
           </a:p>
@@ -1549,9 +1551,9 @@
 </p:sldLayout>
 </file>
 
-<file path=ppt/slideLayouts/slideLayout2.xml><?xml version="1.0" encoding="utf-8"?>
+<file path=ppt/slideLayouts/slideLayout15.xml><?xml version="1.0" encoding="utf-8"?>
 <p:sldLayout xmlns:a="http://schemas.openxmlformats.org/drawingml/2006/main" xmlns:r="http://schemas.openxmlformats.org/officeDocument/2006/relationships" xmlns:p="http://schemas.openxmlformats.org/presentationml/2006/main" preserve="1" userDrawn="1">
-  <p:cSld name="1_Title Slide">
+  <p:cSld name="Title Slide">
     <p:spTree>
       <p:nvGrpSpPr>
         <p:cNvPr id="1" name=""/>
@@ -1568,68 +1570,6 @@
       </p:grpSpPr>
       <p:sp>
         <p:nvSpPr>
-          <p:cNvPr id="9" name="TextBox 8"/>
-          <p:cNvSpPr txBox="1"/>
-          <p:nvPr userDrawn="1"/>
-        </p:nvSpPr>
-        <p:spPr>
-          <a:xfrm>
-            <a:off x="2774873" y="2528900"/>
-            <a:ext cx="4240263" cy="461665"/>
-          </a:xfrm>
-          <a:prstGeom prst="rect">
-            <a:avLst/>
-          </a:prstGeom>
-          <a:noFill/>
-        </p:spPr>
-        <p:txBody>
-          <a:bodyPr wrap="none" rtlCol="0">
-            <a:spAutoFit/>
-          </a:bodyPr>
-          <a:lstStyle/>
-          <a:p>
-            <a:r>
-              <a:rPr lang="ru-RU" sz="2400" dirty="0">
-                <a:solidFill>
-                  <a:schemeClr val="bg1"/>
-                </a:solidFill>
-              </a:rPr>
-              <a:t>Занятие </a:t>
-            </a:r>
-            <a:r>
-              <a:rPr lang="ru-RU" sz="2400" dirty="0" smtClean="0">
-                <a:solidFill>
-                  <a:schemeClr val="bg1"/>
-                </a:solidFill>
-              </a:rPr>
-              <a:t>№</a:t>
-            </a:r>
-            <a:r>
-              <a:rPr lang="en-US" sz="2400" dirty="0" smtClean="0">
-                <a:solidFill>
-                  <a:schemeClr val="bg1"/>
-                </a:solidFill>
-              </a:rPr>
-              <a:t>2</a:t>
-            </a:r>
-            <a:r>
-              <a:rPr lang="ru-RU" sz="2400" dirty="0" smtClean="0">
-                <a:solidFill>
-                  <a:schemeClr val="bg1"/>
-                </a:solidFill>
-              </a:rPr>
-              <a:t>. Название занятия</a:t>
-            </a:r>
-            <a:endParaRPr lang="en-US" sz="2400" dirty="0">
-              <a:solidFill>
-                <a:schemeClr val="bg1"/>
-              </a:solidFill>
-            </a:endParaRPr>
-          </a:p>
-        </p:txBody>
-      </p:sp>
-      <p:sp>
-        <p:nvSpPr>
           <p:cNvPr id="7" name="Rectangle 6"/>
           <p:cNvSpPr/>
           <p:nvPr userDrawn="1"/>
@@ -1653,7 +1593,7 @@
             <a:r>
               <a:rPr lang="ru-RU" sz="3600" b="1" i="1" dirty="0" smtClean="0">
                 <a:solidFill>
-                  <a:schemeClr val="bg1"/>
+                  <a:prstClr val="white"/>
                 </a:solidFill>
               </a:rPr>
               <a:t>Основы программирования на </a:t>
@@ -1661,14 +1601,14 @@
             <a:r>
               <a:rPr lang="en-US" sz="3600" b="1" i="1" dirty="0" smtClean="0">
                 <a:solidFill>
-                  <a:schemeClr val="bg1"/>
+                  <a:prstClr val="white"/>
                 </a:solidFill>
               </a:rPr>
               <a:t>C#</a:t>
             </a:r>
             <a:endParaRPr lang="ru-RU" sz="3600" b="1" i="1" dirty="0">
               <a:solidFill>
-                <a:schemeClr val="bg1"/>
+                <a:prstClr val="white"/>
               </a:solidFill>
             </a:endParaRPr>
           </a:p>
@@ -1738,6 +1678,1136 @@
           </a:extLst>
         </p:spPr>
       </p:pic>
+      <p:sp>
+        <p:nvSpPr>
+          <p:cNvPr id="9" name="TextBox 8"/>
+          <p:cNvSpPr txBox="1"/>
+          <p:nvPr userDrawn="1"/>
+        </p:nvSpPr>
+        <p:spPr>
+          <a:xfrm>
+            <a:off x="2774873" y="2528900"/>
+            <a:ext cx="4240263" cy="461665"/>
+          </a:xfrm>
+          <a:prstGeom prst="rect">
+            <a:avLst/>
+          </a:prstGeom>
+          <a:noFill/>
+        </p:spPr>
+        <p:txBody>
+          <a:bodyPr wrap="none" rtlCol="0">
+            <a:spAutoFit/>
+          </a:bodyPr>
+          <a:lstStyle/>
+          <a:p>
+            <a:r>
+              <a:rPr lang="ru-RU" sz="2400" dirty="0">
+                <a:solidFill>
+                  <a:prstClr val="white"/>
+                </a:solidFill>
+              </a:rPr>
+              <a:t>Занятие </a:t>
+            </a:r>
+            <a:r>
+              <a:rPr lang="ru-RU" sz="2400" dirty="0" smtClean="0">
+                <a:solidFill>
+                  <a:prstClr val="white"/>
+                </a:solidFill>
+              </a:rPr>
+              <a:t>№</a:t>
+            </a:r>
+            <a:r>
+              <a:rPr lang="en-US" sz="2400" dirty="0" smtClean="0">
+                <a:solidFill>
+                  <a:prstClr val="white"/>
+                </a:solidFill>
+              </a:rPr>
+              <a:t>?</a:t>
+            </a:r>
+            <a:r>
+              <a:rPr lang="ru-RU" sz="2400" dirty="0" smtClean="0">
+                <a:solidFill>
+                  <a:prstClr val="white"/>
+                </a:solidFill>
+              </a:rPr>
+              <a:t>. Название занятия</a:t>
+            </a:r>
+            <a:endParaRPr lang="en-US" sz="2400" dirty="0">
+              <a:solidFill>
+                <a:prstClr val="white"/>
+              </a:solidFill>
+            </a:endParaRPr>
+          </a:p>
+        </p:txBody>
+      </p:sp>
+    </p:spTree>
+    <p:extLst>
+      <p:ext uri="{BB962C8B-B14F-4D97-AF65-F5344CB8AC3E}">
+        <p14:creationId xmlns:p14="http://schemas.microsoft.com/office/powerpoint/2010/main" val="2283288550"/>
+      </p:ext>
+    </p:extLst>
+  </p:cSld>
+  <p:clrMapOvr>
+    <a:masterClrMapping/>
+  </p:clrMapOvr>
+</p:sldLayout>
+</file>
+
+<file path=ppt/slideLayouts/slideLayout16.xml><?xml version="1.0" encoding="utf-8"?>
+<p:sldLayout xmlns:a="http://schemas.openxmlformats.org/drawingml/2006/main" xmlns:r="http://schemas.openxmlformats.org/officeDocument/2006/relationships" xmlns:p="http://schemas.openxmlformats.org/presentationml/2006/main" type="obj" preserve="1">
+  <p:cSld name="Title and Content">
+    <p:spTree>
+      <p:nvGrpSpPr>
+        <p:cNvPr id="1" name=""/>
+        <p:cNvGrpSpPr/>
+        <p:nvPr/>
+      </p:nvGrpSpPr>
+      <p:grpSpPr>
+        <a:xfrm>
+          <a:off x="0" y="0"/>
+          <a:ext cx="0" cy="0"/>
+          <a:chOff x="0" y="0"/>
+          <a:chExt cx="0" cy="0"/>
+        </a:xfrm>
+      </p:grpSpPr>
+      <p:sp>
+        <p:nvSpPr>
+          <p:cNvPr id="2" name="Title 1"/>
+          <p:cNvSpPr>
+            <a:spLocks noGrp="1"/>
+          </p:cNvSpPr>
+          <p:nvPr>
+            <p:ph type="title"/>
+          </p:nvPr>
+        </p:nvSpPr>
+        <p:spPr/>
+        <p:txBody>
+          <a:bodyPr/>
+          <a:lstStyle/>
+          <a:p>
+            <a:r>
+              <a:rPr lang="en-US" smtClean="0"/>
+              <a:t>Click to edit Master title style</a:t>
+            </a:r>
+            <a:endParaRPr lang="ru-RU" dirty="0"/>
+          </a:p>
+        </p:txBody>
+      </p:sp>
+      <p:sp>
+        <p:nvSpPr>
+          <p:cNvPr id="3" name="Content Placeholder 2"/>
+          <p:cNvSpPr>
+            <a:spLocks noGrp="1"/>
+          </p:cNvSpPr>
+          <p:nvPr>
+            <p:ph idx="1"/>
+          </p:nvPr>
+        </p:nvSpPr>
+        <p:spPr/>
+        <p:txBody>
+          <a:bodyPr/>
+          <a:lstStyle/>
+          <a:p>
+            <a:pPr lvl="0"/>
+            <a:r>
+              <a:rPr lang="en-US" smtClean="0"/>
+              <a:t>Click to edit Master text styles</a:t>
+            </a:r>
+          </a:p>
+          <a:p>
+            <a:pPr lvl="1"/>
+            <a:r>
+              <a:rPr lang="en-US" smtClean="0"/>
+              <a:t>Second level</a:t>
+            </a:r>
+          </a:p>
+          <a:p>
+            <a:pPr lvl="2"/>
+            <a:r>
+              <a:rPr lang="en-US" smtClean="0"/>
+              <a:t>Third level</a:t>
+            </a:r>
+          </a:p>
+          <a:p>
+            <a:pPr lvl="3"/>
+            <a:r>
+              <a:rPr lang="en-US" smtClean="0"/>
+              <a:t>Fourth level</a:t>
+            </a:r>
+          </a:p>
+          <a:p>
+            <a:pPr lvl="4"/>
+            <a:r>
+              <a:rPr lang="en-US" smtClean="0"/>
+              <a:t>Fifth level</a:t>
+            </a:r>
+            <a:endParaRPr lang="ru-RU" dirty="0"/>
+          </a:p>
+        </p:txBody>
+      </p:sp>
+    </p:spTree>
+    <p:extLst>
+      <p:ext uri="{BB962C8B-B14F-4D97-AF65-F5344CB8AC3E}">
+        <p14:creationId xmlns:p14="http://schemas.microsoft.com/office/powerpoint/2010/main" val="2894946407"/>
+      </p:ext>
+    </p:extLst>
+  </p:cSld>
+  <p:clrMapOvr>
+    <a:masterClrMapping/>
+  </p:clrMapOvr>
+</p:sldLayout>
+</file>
+
+<file path=ppt/slideLayouts/slideLayout17.xml><?xml version="1.0" encoding="utf-8"?>
+<p:sldLayout xmlns:a="http://schemas.openxmlformats.org/drawingml/2006/main" xmlns:r="http://schemas.openxmlformats.org/officeDocument/2006/relationships" xmlns:p="http://schemas.openxmlformats.org/presentationml/2006/main" type="secHead" preserve="1">
+  <p:cSld name="Section Header">
+    <p:spTree>
+      <p:nvGrpSpPr>
+        <p:cNvPr id="1" name=""/>
+        <p:cNvGrpSpPr/>
+        <p:nvPr/>
+      </p:nvGrpSpPr>
+      <p:grpSpPr>
+        <a:xfrm>
+          <a:off x="0" y="0"/>
+          <a:ext cx="0" cy="0"/>
+          <a:chOff x="0" y="0"/>
+          <a:chExt cx="0" cy="0"/>
+        </a:xfrm>
+      </p:grpSpPr>
+      <p:sp>
+        <p:nvSpPr>
+          <p:cNvPr id="2" name="Title 1"/>
+          <p:cNvSpPr>
+            <a:spLocks noGrp="1"/>
+          </p:cNvSpPr>
+          <p:nvPr>
+            <p:ph type="title"/>
+          </p:nvPr>
+        </p:nvSpPr>
+        <p:spPr>
+          <a:xfrm>
+            <a:off x="722313" y="4406900"/>
+            <a:ext cx="7772400" cy="1362075"/>
+          </a:xfrm>
+        </p:spPr>
+        <p:txBody>
+          <a:bodyPr anchor="t"/>
+          <a:lstStyle>
+            <a:lvl1pPr algn="l">
+              <a:defRPr sz="4000" b="1" cap="all"/>
+            </a:lvl1pPr>
+          </a:lstStyle>
+          <a:p>
+            <a:r>
+              <a:rPr lang="en-US" smtClean="0"/>
+              <a:t>Click to edit Master title style</a:t>
+            </a:r>
+            <a:endParaRPr lang="ru-RU" dirty="0"/>
+          </a:p>
+        </p:txBody>
+      </p:sp>
+      <p:sp>
+        <p:nvSpPr>
+          <p:cNvPr id="3" name="Text Placeholder 2"/>
+          <p:cNvSpPr>
+            <a:spLocks noGrp="1"/>
+          </p:cNvSpPr>
+          <p:nvPr>
+            <p:ph type="body" idx="1"/>
+          </p:nvPr>
+        </p:nvSpPr>
+        <p:spPr>
+          <a:xfrm>
+            <a:off x="722313" y="2906713"/>
+            <a:ext cx="7772400" cy="1500187"/>
+          </a:xfrm>
+        </p:spPr>
+        <p:txBody>
+          <a:bodyPr anchor="b"/>
+          <a:lstStyle>
+            <a:lvl1pPr marL="0" indent="0">
+              <a:buNone/>
+              <a:defRPr sz="2000">
+                <a:solidFill>
+                  <a:schemeClr val="tx1">
+                    <a:tint val="75000"/>
+                  </a:schemeClr>
+                </a:solidFill>
+              </a:defRPr>
+            </a:lvl1pPr>
+            <a:lvl2pPr marL="457200" indent="0">
+              <a:buNone/>
+              <a:defRPr sz="1800">
+                <a:solidFill>
+                  <a:schemeClr val="tx1">
+                    <a:tint val="75000"/>
+                  </a:schemeClr>
+                </a:solidFill>
+              </a:defRPr>
+            </a:lvl2pPr>
+            <a:lvl3pPr marL="914400" indent="0">
+              <a:buNone/>
+              <a:defRPr sz="1600">
+                <a:solidFill>
+                  <a:schemeClr val="tx1">
+                    <a:tint val="75000"/>
+                  </a:schemeClr>
+                </a:solidFill>
+              </a:defRPr>
+            </a:lvl3pPr>
+            <a:lvl4pPr marL="1371600" indent="0">
+              <a:buNone/>
+              <a:defRPr sz="1400">
+                <a:solidFill>
+                  <a:schemeClr val="tx1">
+                    <a:tint val="75000"/>
+                  </a:schemeClr>
+                </a:solidFill>
+              </a:defRPr>
+            </a:lvl4pPr>
+            <a:lvl5pPr marL="1828800" indent="0">
+              <a:buNone/>
+              <a:defRPr sz="1400">
+                <a:solidFill>
+                  <a:schemeClr val="tx1">
+                    <a:tint val="75000"/>
+                  </a:schemeClr>
+                </a:solidFill>
+              </a:defRPr>
+            </a:lvl5pPr>
+            <a:lvl6pPr marL="2286000" indent="0">
+              <a:buNone/>
+              <a:defRPr sz="1400">
+                <a:solidFill>
+                  <a:schemeClr val="tx1">
+                    <a:tint val="75000"/>
+                  </a:schemeClr>
+                </a:solidFill>
+              </a:defRPr>
+            </a:lvl6pPr>
+            <a:lvl7pPr marL="2743200" indent="0">
+              <a:buNone/>
+              <a:defRPr sz="1400">
+                <a:solidFill>
+                  <a:schemeClr val="tx1">
+                    <a:tint val="75000"/>
+                  </a:schemeClr>
+                </a:solidFill>
+              </a:defRPr>
+            </a:lvl7pPr>
+            <a:lvl8pPr marL="3200400" indent="0">
+              <a:buNone/>
+              <a:defRPr sz="1400">
+                <a:solidFill>
+                  <a:schemeClr val="tx1">
+                    <a:tint val="75000"/>
+                  </a:schemeClr>
+                </a:solidFill>
+              </a:defRPr>
+            </a:lvl8pPr>
+            <a:lvl9pPr marL="3657600" indent="0">
+              <a:buNone/>
+              <a:defRPr sz="1400">
+                <a:solidFill>
+                  <a:schemeClr val="tx1">
+                    <a:tint val="75000"/>
+                  </a:schemeClr>
+                </a:solidFill>
+              </a:defRPr>
+            </a:lvl9pPr>
+          </a:lstStyle>
+          <a:p>
+            <a:pPr lvl="0"/>
+            <a:r>
+              <a:rPr lang="en-US" smtClean="0"/>
+              <a:t>Click to edit Master text styles</a:t>
+            </a:r>
+          </a:p>
+        </p:txBody>
+      </p:sp>
+    </p:spTree>
+    <p:extLst>
+      <p:ext uri="{BB962C8B-B14F-4D97-AF65-F5344CB8AC3E}">
+        <p14:creationId xmlns:p14="http://schemas.microsoft.com/office/powerpoint/2010/main" val="3380252611"/>
+      </p:ext>
+    </p:extLst>
+  </p:cSld>
+  <p:clrMapOvr>
+    <a:masterClrMapping/>
+  </p:clrMapOvr>
+</p:sldLayout>
+</file>
+
+<file path=ppt/slideLayouts/slideLayout18.xml><?xml version="1.0" encoding="utf-8"?>
+<p:sldLayout xmlns:a="http://schemas.openxmlformats.org/drawingml/2006/main" xmlns:r="http://schemas.openxmlformats.org/officeDocument/2006/relationships" xmlns:p="http://schemas.openxmlformats.org/presentationml/2006/main" type="twoObj" preserve="1">
+  <p:cSld name="Two Content">
+    <p:spTree>
+      <p:nvGrpSpPr>
+        <p:cNvPr id="1" name=""/>
+        <p:cNvGrpSpPr/>
+        <p:nvPr/>
+      </p:nvGrpSpPr>
+      <p:grpSpPr>
+        <a:xfrm>
+          <a:off x="0" y="0"/>
+          <a:ext cx="0" cy="0"/>
+          <a:chOff x="0" y="0"/>
+          <a:chExt cx="0" cy="0"/>
+        </a:xfrm>
+      </p:grpSpPr>
+      <p:sp>
+        <p:nvSpPr>
+          <p:cNvPr id="2" name="Title 1"/>
+          <p:cNvSpPr>
+            <a:spLocks noGrp="1"/>
+          </p:cNvSpPr>
+          <p:nvPr>
+            <p:ph type="title"/>
+          </p:nvPr>
+        </p:nvSpPr>
+        <p:spPr/>
+        <p:txBody>
+          <a:bodyPr/>
+          <a:lstStyle/>
+          <a:p>
+            <a:r>
+              <a:rPr lang="en-US" smtClean="0"/>
+              <a:t>Click to edit Master title style</a:t>
+            </a:r>
+            <a:endParaRPr lang="ru-RU" dirty="0"/>
+          </a:p>
+        </p:txBody>
+      </p:sp>
+      <p:sp>
+        <p:nvSpPr>
+          <p:cNvPr id="3" name="Content Placeholder 2"/>
+          <p:cNvSpPr>
+            <a:spLocks noGrp="1"/>
+          </p:cNvSpPr>
+          <p:nvPr>
+            <p:ph sz="half" idx="1"/>
+          </p:nvPr>
+        </p:nvSpPr>
+        <p:spPr>
+          <a:xfrm>
+            <a:off x="457200" y="1600200"/>
+            <a:ext cx="4038600" cy="4525963"/>
+          </a:xfrm>
+        </p:spPr>
+        <p:txBody>
+          <a:bodyPr/>
+          <a:lstStyle>
+            <a:lvl1pPr>
+              <a:defRPr sz="2800"/>
+            </a:lvl1pPr>
+            <a:lvl2pPr>
+              <a:defRPr sz="2400"/>
+            </a:lvl2pPr>
+            <a:lvl3pPr>
+              <a:defRPr sz="2000"/>
+            </a:lvl3pPr>
+            <a:lvl4pPr>
+              <a:defRPr sz="1800"/>
+            </a:lvl4pPr>
+            <a:lvl5pPr>
+              <a:defRPr sz="1800"/>
+            </a:lvl5pPr>
+            <a:lvl6pPr>
+              <a:defRPr sz="1800"/>
+            </a:lvl6pPr>
+            <a:lvl7pPr>
+              <a:defRPr sz="1800"/>
+            </a:lvl7pPr>
+            <a:lvl8pPr>
+              <a:defRPr sz="1800"/>
+            </a:lvl8pPr>
+            <a:lvl9pPr>
+              <a:defRPr sz="1800"/>
+            </a:lvl9pPr>
+          </a:lstStyle>
+          <a:p>
+            <a:pPr lvl="0"/>
+            <a:r>
+              <a:rPr lang="en-US" smtClean="0"/>
+              <a:t>Click to edit Master text styles</a:t>
+            </a:r>
+          </a:p>
+          <a:p>
+            <a:pPr lvl="1"/>
+            <a:r>
+              <a:rPr lang="en-US" smtClean="0"/>
+              <a:t>Second level</a:t>
+            </a:r>
+          </a:p>
+          <a:p>
+            <a:pPr lvl="2"/>
+            <a:r>
+              <a:rPr lang="en-US" smtClean="0"/>
+              <a:t>Third level</a:t>
+            </a:r>
+          </a:p>
+          <a:p>
+            <a:pPr lvl="3"/>
+            <a:r>
+              <a:rPr lang="en-US" smtClean="0"/>
+              <a:t>Fourth level</a:t>
+            </a:r>
+          </a:p>
+          <a:p>
+            <a:pPr lvl="4"/>
+            <a:r>
+              <a:rPr lang="en-US" smtClean="0"/>
+              <a:t>Fifth level</a:t>
+            </a:r>
+            <a:endParaRPr lang="ru-RU" dirty="0"/>
+          </a:p>
+        </p:txBody>
+      </p:sp>
+      <p:sp>
+        <p:nvSpPr>
+          <p:cNvPr id="4" name="Content Placeholder 3"/>
+          <p:cNvSpPr>
+            <a:spLocks noGrp="1"/>
+          </p:cNvSpPr>
+          <p:nvPr>
+            <p:ph sz="half" idx="2"/>
+          </p:nvPr>
+        </p:nvSpPr>
+        <p:spPr>
+          <a:xfrm>
+            <a:off x="4648200" y="1600200"/>
+            <a:ext cx="4038600" cy="4525963"/>
+          </a:xfrm>
+        </p:spPr>
+        <p:txBody>
+          <a:bodyPr/>
+          <a:lstStyle>
+            <a:lvl1pPr>
+              <a:defRPr sz="2800"/>
+            </a:lvl1pPr>
+            <a:lvl2pPr>
+              <a:defRPr sz="2400"/>
+            </a:lvl2pPr>
+            <a:lvl3pPr>
+              <a:defRPr sz="2000"/>
+            </a:lvl3pPr>
+            <a:lvl4pPr>
+              <a:defRPr sz="1800"/>
+            </a:lvl4pPr>
+            <a:lvl5pPr>
+              <a:defRPr sz="1800"/>
+            </a:lvl5pPr>
+            <a:lvl6pPr>
+              <a:defRPr sz="1800"/>
+            </a:lvl6pPr>
+            <a:lvl7pPr>
+              <a:defRPr sz="1800"/>
+            </a:lvl7pPr>
+            <a:lvl8pPr>
+              <a:defRPr sz="1800"/>
+            </a:lvl8pPr>
+            <a:lvl9pPr>
+              <a:defRPr sz="1800"/>
+            </a:lvl9pPr>
+          </a:lstStyle>
+          <a:p>
+            <a:pPr lvl="0"/>
+            <a:r>
+              <a:rPr lang="en-US" smtClean="0"/>
+              <a:t>Click to edit Master text styles</a:t>
+            </a:r>
+          </a:p>
+          <a:p>
+            <a:pPr lvl="1"/>
+            <a:r>
+              <a:rPr lang="en-US" smtClean="0"/>
+              <a:t>Second level</a:t>
+            </a:r>
+          </a:p>
+          <a:p>
+            <a:pPr lvl="2"/>
+            <a:r>
+              <a:rPr lang="en-US" smtClean="0"/>
+              <a:t>Third level</a:t>
+            </a:r>
+          </a:p>
+          <a:p>
+            <a:pPr lvl="3"/>
+            <a:r>
+              <a:rPr lang="en-US" smtClean="0"/>
+              <a:t>Fourth level</a:t>
+            </a:r>
+          </a:p>
+          <a:p>
+            <a:pPr lvl="4"/>
+            <a:r>
+              <a:rPr lang="en-US" smtClean="0"/>
+              <a:t>Fifth level</a:t>
+            </a:r>
+            <a:endParaRPr lang="ru-RU" dirty="0"/>
+          </a:p>
+        </p:txBody>
+      </p:sp>
+    </p:spTree>
+    <p:extLst>
+      <p:ext uri="{BB962C8B-B14F-4D97-AF65-F5344CB8AC3E}">
+        <p14:creationId xmlns:p14="http://schemas.microsoft.com/office/powerpoint/2010/main" val="4080060054"/>
+      </p:ext>
+    </p:extLst>
+  </p:cSld>
+  <p:clrMapOvr>
+    <a:masterClrMapping/>
+  </p:clrMapOvr>
+</p:sldLayout>
+</file>
+
+<file path=ppt/slideLayouts/slideLayout19.xml><?xml version="1.0" encoding="utf-8"?>
+<p:sldLayout xmlns:a="http://schemas.openxmlformats.org/drawingml/2006/main" xmlns:r="http://schemas.openxmlformats.org/officeDocument/2006/relationships" xmlns:p="http://schemas.openxmlformats.org/presentationml/2006/main" type="twoTxTwoObj" preserve="1">
+  <p:cSld name="Comparison">
+    <p:spTree>
+      <p:nvGrpSpPr>
+        <p:cNvPr id="1" name=""/>
+        <p:cNvGrpSpPr/>
+        <p:nvPr/>
+      </p:nvGrpSpPr>
+      <p:grpSpPr>
+        <a:xfrm>
+          <a:off x="0" y="0"/>
+          <a:ext cx="0" cy="0"/>
+          <a:chOff x="0" y="0"/>
+          <a:chExt cx="0" cy="0"/>
+        </a:xfrm>
+      </p:grpSpPr>
+      <p:sp>
+        <p:nvSpPr>
+          <p:cNvPr id="2" name="Title 1"/>
+          <p:cNvSpPr>
+            <a:spLocks noGrp="1"/>
+          </p:cNvSpPr>
+          <p:nvPr>
+            <p:ph type="title"/>
+          </p:nvPr>
+        </p:nvSpPr>
+        <p:spPr/>
+        <p:txBody>
+          <a:bodyPr/>
+          <a:lstStyle>
+            <a:lvl1pPr>
+              <a:defRPr/>
+            </a:lvl1pPr>
+          </a:lstStyle>
+          <a:p>
+            <a:r>
+              <a:rPr lang="en-US" smtClean="0"/>
+              <a:t>Click to edit Master title style</a:t>
+            </a:r>
+            <a:endParaRPr lang="ru-RU" dirty="0"/>
+          </a:p>
+        </p:txBody>
+      </p:sp>
+      <p:sp>
+        <p:nvSpPr>
+          <p:cNvPr id="3" name="Text Placeholder 2"/>
+          <p:cNvSpPr>
+            <a:spLocks noGrp="1"/>
+          </p:cNvSpPr>
+          <p:nvPr>
+            <p:ph type="body" idx="1"/>
+          </p:nvPr>
+        </p:nvSpPr>
+        <p:spPr>
+          <a:xfrm>
+            <a:off x="457200" y="1535113"/>
+            <a:ext cx="4040188" cy="639762"/>
+          </a:xfrm>
+        </p:spPr>
+        <p:txBody>
+          <a:bodyPr anchor="b"/>
+          <a:lstStyle>
+            <a:lvl1pPr marL="0" indent="0">
+              <a:buNone/>
+              <a:defRPr sz="2400" b="1"/>
+            </a:lvl1pPr>
+            <a:lvl2pPr marL="457200" indent="0">
+              <a:buNone/>
+              <a:defRPr sz="2000" b="1"/>
+            </a:lvl2pPr>
+            <a:lvl3pPr marL="914400" indent="0">
+              <a:buNone/>
+              <a:defRPr sz="1800" b="1"/>
+            </a:lvl3pPr>
+            <a:lvl4pPr marL="1371600" indent="0">
+              <a:buNone/>
+              <a:defRPr sz="1600" b="1"/>
+            </a:lvl4pPr>
+            <a:lvl5pPr marL="1828800" indent="0">
+              <a:buNone/>
+              <a:defRPr sz="1600" b="1"/>
+            </a:lvl5pPr>
+            <a:lvl6pPr marL="2286000" indent="0">
+              <a:buNone/>
+              <a:defRPr sz="1600" b="1"/>
+            </a:lvl6pPr>
+            <a:lvl7pPr marL="2743200" indent="0">
+              <a:buNone/>
+              <a:defRPr sz="1600" b="1"/>
+            </a:lvl7pPr>
+            <a:lvl8pPr marL="3200400" indent="0">
+              <a:buNone/>
+              <a:defRPr sz="1600" b="1"/>
+            </a:lvl8pPr>
+            <a:lvl9pPr marL="3657600" indent="0">
+              <a:buNone/>
+              <a:defRPr sz="1600" b="1"/>
+            </a:lvl9pPr>
+          </a:lstStyle>
+          <a:p>
+            <a:pPr lvl="0"/>
+            <a:r>
+              <a:rPr lang="en-US" smtClean="0"/>
+              <a:t>Click to edit Master text styles</a:t>
+            </a:r>
+          </a:p>
+        </p:txBody>
+      </p:sp>
+      <p:sp>
+        <p:nvSpPr>
+          <p:cNvPr id="4" name="Content Placeholder 3"/>
+          <p:cNvSpPr>
+            <a:spLocks noGrp="1"/>
+          </p:cNvSpPr>
+          <p:nvPr>
+            <p:ph sz="half" idx="2"/>
+          </p:nvPr>
+        </p:nvSpPr>
+        <p:spPr>
+          <a:xfrm>
+            <a:off x="457200" y="2174875"/>
+            <a:ext cx="4040188" cy="3951288"/>
+          </a:xfrm>
+        </p:spPr>
+        <p:txBody>
+          <a:bodyPr/>
+          <a:lstStyle>
+            <a:lvl1pPr>
+              <a:defRPr sz="2400"/>
+            </a:lvl1pPr>
+            <a:lvl2pPr>
+              <a:defRPr sz="2000"/>
+            </a:lvl2pPr>
+            <a:lvl3pPr>
+              <a:defRPr sz="1800"/>
+            </a:lvl3pPr>
+            <a:lvl4pPr>
+              <a:defRPr sz="1600"/>
+            </a:lvl4pPr>
+            <a:lvl5pPr>
+              <a:defRPr sz="1600"/>
+            </a:lvl5pPr>
+            <a:lvl6pPr>
+              <a:defRPr sz="1600"/>
+            </a:lvl6pPr>
+            <a:lvl7pPr>
+              <a:defRPr sz="1600"/>
+            </a:lvl7pPr>
+            <a:lvl8pPr>
+              <a:defRPr sz="1600"/>
+            </a:lvl8pPr>
+            <a:lvl9pPr>
+              <a:defRPr sz="1600"/>
+            </a:lvl9pPr>
+          </a:lstStyle>
+          <a:p>
+            <a:pPr lvl="0"/>
+            <a:r>
+              <a:rPr lang="en-US" smtClean="0"/>
+              <a:t>Click to edit Master text styles</a:t>
+            </a:r>
+          </a:p>
+          <a:p>
+            <a:pPr lvl="1"/>
+            <a:r>
+              <a:rPr lang="en-US" smtClean="0"/>
+              <a:t>Second level</a:t>
+            </a:r>
+          </a:p>
+          <a:p>
+            <a:pPr lvl="2"/>
+            <a:r>
+              <a:rPr lang="en-US" smtClean="0"/>
+              <a:t>Third level</a:t>
+            </a:r>
+          </a:p>
+          <a:p>
+            <a:pPr lvl="3"/>
+            <a:r>
+              <a:rPr lang="en-US" smtClean="0"/>
+              <a:t>Fourth level</a:t>
+            </a:r>
+          </a:p>
+          <a:p>
+            <a:pPr lvl="4"/>
+            <a:r>
+              <a:rPr lang="en-US" smtClean="0"/>
+              <a:t>Fifth level</a:t>
+            </a:r>
+            <a:endParaRPr lang="ru-RU" dirty="0"/>
+          </a:p>
+        </p:txBody>
+      </p:sp>
+      <p:sp>
+        <p:nvSpPr>
+          <p:cNvPr id="5" name="Text Placeholder 4"/>
+          <p:cNvSpPr>
+            <a:spLocks noGrp="1"/>
+          </p:cNvSpPr>
+          <p:nvPr>
+            <p:ph type="body" sz="quarter" idx="3"/>
+          </p:nvPr>
+        </p:nvSpPr>
+        <p:spPr>
+          <a:xfrm>
+            <a:off x="4645025" y="1535113"/>
+            <a:ext cx="4041775" cy="639762"/>
+          </a:xfrm>
+        </p:spPr>
+        <p:txBody>
+          <a:bodyPr anchor="b"/>
+          <a:lstStyle>
+            <a:lvl1pPr marL="0" indent="0">
+              <a:buNone/>
+              <a:defRPr sz="2400" b="1"/>
+            </a:lvl1pPr>
+            <a:lvl2pPr marL="457200" indent="0">
+              <a:buNone/>
+              <a:defRPr sz="2000" b="1"/>
+            </a:lvl2pPr>
+            <a:lvl3pPr marL="914400" indent="0">
+              <a:buNone/>
+              <a:defRPr sz="1800" b="1"/>
+            </a:lvl3pPr>
+            <a:lvl4pPr marL="1371600" indent="0">
+              <a:buNone/>
+              <a:defRPr sz="1600" b="1"/>
+            </a:lvl4pPr>
+            <a:lvl5pPr marL="1828800" indent="0">
+              <a:buNone/>
+              <a:defRPr sz="1600" b="1"/>
+            </a:lvl5pPr>
+            <a:lvl6pPr marL="2286000" indent="0">
+              <a:buNone/>
+              <a:defRPr sz="1600" b="1"/>
+            </a:lvl6pPr>
+            <a:lvl7pPr marL="2743200" indent="0">
+              <a:buNone/>
+              <a:defRPr sz="1600" b="1"/>
+            </a:lvl7pPr>
+            <a:lvl8pPr marL="3200400" indent="0">
+              <a:buNone/>
+              <a:defRPr sz="1600" b="1"/>
+            </a:lvl8pPr>
+            <a:lvl9pPr marL="3657600" indent="0">
+              <a:buNone/>
+              <a:defRPr sz="1600" b="1"/>
+            </a:lvl9pPr>
+          </a:lstStyle>
+          <a:p>
+            <a:pPr lvl="0"/>
+            <a:r>
+              <a:rPr lang="en-US" smtClean="0"/>
+              <a:t>Click to edit Master text styles</a:t>
+            </a:r>
+          </a:p>
+        </p:txBody>
+      </p:sp>
+      <p:sp>
+        <p:nvSpPr>
+          <p:cNvPr id="6" name="Content Placeholder 5"/>
+          <p:cNvSpPr>
+            <a:spLocks noGrp="1"/>
+          </p:cNvSpPr>
+          <p:nvPr>
+            <p:ph sz="quarter" idx="4"/>
+          </p:nvPr>
+        </p:nvSpPr>
+        <p:spPr>
+          <a:xfrm>
+            <a:off x="4645025" y="2174875"/>
+            <a:ext cx="4041775" cy="3951288"/>
+          </a:xfrm>
+        </p:spPr>
+        <p:txBody>
+          <a:bodyPr/>
+          <a:lstStyle>
+            <a:lvl1pPr>
+              <a:defRPr sz="2400"/>
+            </a:lvl1pPr>
+            <a:lvl2pPr>
+              <a:defRPr sz="2000"/>
+            </a:lvl2pPr>
+            <a:lvl3pPr>
+              <a:defRPr sz="1800"/>
+            </a:lvl3pPr>
+            <a:lvl4pPr>
+              <a:defRPr sz="1600"/>
+            </a:lvl4pPr>
+            <a:lvl5pPr>
+              <a:defRPr sz="1600"/>
+            </a:lvl5pPr>
+            <a:lvl6pPr>
+              <a:defRPr sz="1600"/>
+            </a:lvl6pPr>
+            <a:lvl7pPr>
+              <a:defRPr sz="1600"/>
+            </a:lvl7pPr>
+            <a:lvl8pPr>
+              <a:defRPr sz="1600"/>
+            </a:lvl8pPr>
+            <a:lvl9pPr>
+              <a:defRPr sz="1600"/>
+            </a:lvl9pPr>
+          </a:lstStyle>
+          <a:p>
+            <a:pPr lvl="0"/>
+            <a:r>
+              <a:rPr lang="en-US" smtClean="0"/>
+              <a:t>Click to edit Master text styles</a:t>
+            </a:r>
+          </a:p>
+          <a:p>
+            <a:pPr lvl="1"/>
+            <a:r>
+              <a:rPr lang="en-US" smtClean="0"/>
+              <a:t>Second level</a:t>
+            </a:r>
+          </a:p>
+          <a:p>
+            <a:pPr lvl="2"/>
+            <a:r>
+              <a:rPr lang="en-US" smtClean="0"/>
+              <a:t>Third level</a:t>
+            </a:r>
+          </a:p>
+          <a:p>
+            <a:pPr lvl="3"/>
+            <a:r>
+              <a:rPr lang="en-US" smtClean="0"/>
+              <a:t>Fourth level</a:t>
+            </a:r>
+          </a:p>
+          <a:p>
+            <a:pPr lvl="4"/>
+            <a:r>
+              <a:rPr lang="en-US" smtClean="0"/>
+              <a:t>Fifth level</a:t>
+            </a:r>
+            <a:endParaRPr lang="ru-RU" dirty="0"/>
+          </a:p>
+        </p:txBody>
+      </p:sp>
+    </p:spTree>
+    <p:extLst>
+      <p:ext uri="{BB962C8B-B14F-4D97-AF65-F5344CB8AC3E}">
+        <p14:creationId xmlns:p14="http://schemas.microsoft.com/office/powerpoint/2010/main" val="4096204342"/>
+      </p:ext>
+    </p:extLst>
+  </p:cSld>
+  <p:clrMapOvr>
+    <a:masterClrMapping/>
+  </p:clrMapOvr>
+</p:sldLayout>
+</file>
+
+<file path=ppt/slideLayouts/slideLayout2.xml><?xml version="1.0" encoding="utf-8"?>
+<p:sldLayout xmlns:a="http://schemas.openxmlformats.org/drawingml/2006/main" xmlns:r="http://schemas.openxmlformats.org/officeDocument/2006/relationships" xmlns:p="http://schemas.openxmlformats.org/presentationml/2006/main" preserve="1" userDrawn="1">
+  <p:cSld name="1_Title Slide">
+    <p:spTree>
+      <p:nvGrpSpPr>
+        <p:cNvPr id="1" name=""/>
+        <p:cNvGrpSpPr/>
+        <p:nvPr/>
+      </p:nvGrpSpPr>
+      <p:grpSpPr>
+        <a:xfrm>
+          <a:off x="0" y="0"/>
+          <a:ext cx="0" cy="0"/>
+          <a:chOff x="0" y="0"/>
+          <a:chExt cx="0" cy="0"/>
+        </a:xfrm>
+      </p:grpSpPr>
+      <p:sp>
+        <p:nvSpPr>
+          <p:cNvPr id="9" name="TextBox 8"/>
+          <p:cNvSpPr txBox="1"/>
+          <p:nvPr userDrawn="1"/>
+        </p:nvSpPr>
+        <p:spPr>
+          <a:xfrm>
+            <a:off x="2774873" y="2528900"/>
+            <a:ext cx="4240263" cy="461665"/>
+          </a:xfrm>
+          <a:prstGeom prst="rect">
+            <a:avLst/>
+          </a:prstGeom>
+          <a:noFill/>
+        </p:spPr>
+        <p:txBody>
+          <a:bodyPr wrap="none" rtlCol="0">
+            <a:spAutoFit/>
+          </a:bodyPr>
+          <a:lstStyle/>
+          <a:p>
+            <a:r>
+              <a:rPr lang="ru-RU" sz="2400" dirty="0">
+                <a:solidFill>
+                  <a:schemeClr val="bg1"/>
+                </a:solidFill>
+              </a:rPr>
+              <a:t>Занятие </a:t>
+            </a:r>
+            <a:r>
+              <a:rPr lang="ru-RU" sz="2400" dirty="0" smtClean="0">
+                <a:solidFill>
+                  <a:schemeClr val="bg1"/>
+                </a:solidFill>
+              </a:rPr>
+              <a:t>№</a:t>
+            </a:r>
+            <a:r>
+              <a:rPr lang="en-US" sz="2400" dirty="0" smtClean="0">
+                <a:solidFill>
+                  <a:schemeClr val="bg1"/>
+                </a:solidFill>
+              </a:rPr>
+              <a:t>2</a:t>
+            </a:r>
+            <a:r>
+              <a:rPr lang="ru-RU" sz="2400" dirty="0" smtClean="0">
+                <a:solidFill>
+                  <a:schemeClr val="bg1"/>
+                </a:solidFill>
+              </a:rPr>
+              <a:t>. Название занятия</a:t>
+            </a:r>
+            <a:endParaRPr lang="en-US" sz="2400" dirty="0">
+              <a:solidFill>
+                <a:schemeClr val="bg1"/>
+              </a:solidFill>
+            </a:endParaRPr>
+          </a:p>
+        </p:txBody>
+      </p:sp>
+      <p:sp>
+        <p:nvSpPr>
+          <p:cNvPr id="7" name="Rectangle 6"/>
+          <p:cNvSpPr/>
+          <p:nvPr userDrawn="1"/>
+        </p:nvSpPr>
+        <p:spPr>
+          <a:xfrm>
+            <a:off x="143508" y="1304764"/>
+            <a:ext cx="8856984" cy="646331"/>
+          </a:xfrm>
+          <a:prstGeom prst="rect">
+            <a:avLst/>
+          </a:prstGeom>
+        </p:spPr>
+        <p:txBody>
+          <a:bodyPr wrap="square">
+            <a:spAutoFit/>
+          </a:bodyPr>
+          <a:lstStyle/>
+          <a:p>
+            <a:pPr algn="ctr"/>
+            <a:r>
+              <a:rPr lang="ru-RU" sz="3600" b="1" i="1" dirty="0" smtClean="0">
+                <a:solidFill>
+                  <a:schemeClr val="bg1"/>
+                </a:solidFill>
+              </a:rPr>
+              <a:t>Основы программирования на </a:t>
+            </a:r>
+            <a:r>
+              <a:rPr lang="en-US" sz="3600" b="1" i="1" dirty="0" smtClean="0">
+                <a:solidFill>
+                  <a:schemeClr val="bg1"/>
+                </a:solidFill>
+              </a:rPr>
+              <a:t>C#</a:t>
+            </a:r>
+            <a:endParaRPr lang="ru-RU" sz="3600" b="1" i="1" dirty="0">
+              <a:solidFill>
+                <a:schemeClr val="bg1"/>
+              </a:solidFill>
+            </a:endParaRPr>
+          </a:p>
+        </p:txBody>
+      </p:sp>
+      <p:pic>
+        <p:nvPicPr>
+          <p:cNvPr id="8" name="Picture 5"/>
+          <p:cNvPicPr>
+            <a:picLocks noChangeAspect="1" noChangeArrowheads="1"/>
+          </p:cNvPicPr>
+          <p:nvPr userDrawn="1"/>
+        </p:nvPicPr>
+        <p:blipFill>
+          <a:blip r:embed="rId2">
+            <a:extLst>
+              <a:ext uri="{28A0092B-C50C-407E-A947-70E740481C1C}">
+                <a14:useLocalDpi xmlns:a14="http://schemas.microsoft.com/office/drawing/2010/main" val="0"/>
+              </a:ext>
+            </a:extLst>
+          </a:blip>
+          <a:srcRect/>
+          <a:stretch>
+            <a:fillRect/>
+          </a:stretch>
+        </p:blipFill>
+        <p:spPr bwMode="auto">
+          <a:xfrm>
+            <a:off x="1638300" y="3829211"/>
+            <a:ext cx="5867400" cy="1724025"/>
+          </a:xfrm>
+          <a:prstGeom prst="rect">
+            <a:avLst/>
+          </a:prstGeom>
+          <a:noFill/>
+          <a:ln>
+            <a:noFill/>
+          </a:ln>
+          <a:effectLst/>
+          <a:extLst>
+            <a:ext uri="{909E8E84-426E-40DD-AFC4-6F175D3DCCD1}">
+              <a14:hiddenFill xmlns:a14="http://schemas.microsoft.com/office/drawing/2010/main">
+                <a:solidFill>
+                  <a:schemeClr val="accent1"/>
+                </a:solidFill>
+              </a14:hiddenFill>
+            </a:ext>
+            <a:ext uri="{91240B29-F687-4F45-9708-019B960494DF}">
+              <a14:hiddenLine xmlns:a14="http://schemas.microsoft.com/office/drawing/2010/main" w="9525">
+                <a:solidFill>
+                  <a:schemeClr val="tx1"/>
+                </a:solidFill>
+                <a:miter lim="800000"/>
+                <a:headEnd/>
+                <a:tailEnd/>
+              </a14:hiddenLine>
+            </a:ext>
+            <a:ext uri="{AF507438-7753-43E0-B8FC-AC1667EBCBE1}">
+              <a14:hiddenEffects xmlns:a14="http://schemas.microsoft.com/office/drawing/2010/main">
+                <a:effectLst>
+                  <a:outerShdw dist="35921" dir="2700000" algn="ctr" rotWithShape="0">
+                    <a:schemeClr val="bg2"/>
+                  </a:outerShdw>
+                </a:effectLst>
+              </a14:hiddenEffects>
+            </a:ext>
+          </a:extLst>
+        </p:spPr>
+      </p:pic>
     </p:spTree>
     <p:extLst>
       <p:ext uri="{BB962C8B-B14F-4D97-AF65-F5344CB8AC3E}">
@@ -1755,6 +2825,1051 @@
       </p:par>
     </p:tnLst>
   </p:timing>
+</p:sldLayout>
+</file>
+
+<file path=ppt/slideLayouts/slideLayout20.xml><?xml version="1.0" encoding="utf-8"?>
+<p:sldLayout xmlns:a="http://schemas.openxmlformats.org/drawingml/2006/main" xmlns:r="http://schemas.openxmlformats.org/officeDocument/2006/relationships" xmlns:p="http://schemas.openxmlformats.org/presentationml/2006/main" type="titleOnly" preserve="1">
+  <p:cSld name="Title Only">
+    <p:spTree>
+      <p:nvGrpSpPr>
+        <p:cNvPr id="1" name=""/>
+        <p:cNvGrpSpPr/>
+        <p:nvPr/>
+      </p:nvGrpSpPr>
+      <p:grpSpPr>
+        <a:xfrm>
+          <a:off x="0" y="0"/>
+          <a:ext cx="0" cy="0"/>
+          <a:chOff x="0" y="0"/>
+          <a:chExt cx="0" cy="0"/>
+        </a:xfrm>
+      </p:grpSpPr>
+      <p:sp>
+        <p:nvSpPr>
+          <p:cNvPr id="2" name="Title 1"/>
+          <p:cNvSpPr>
+            <a:spLocks noGrp="1"/>
+          </p:cNvSpPr>
+          <p:nvPr>
+            <p:ph type="title"/>
+          </p:nvPr>
+        </p:nvSpPr>
+        <p:spPr/>
+        <p:txBody>
+          <a:bodyPr/>
+          <a:lstStyle/>
+          <a:p>
+            <a:r>
+              <a:rPr lang="en-US" smtClean="0"/>
+              <a:t>Click to edit Master title style</a:t>
+            </a:r>
+            <a:endParaRPr lang="ru-RU" dirty="0"/>
+          </a:p>
+        </p:txBody>
+      </p:sp>
+    </p:spTree>
+    <p:extLst>
+      <p:ext uri="{BB962C8B-B14F-4D97-AF65-F5344CB8AC3E}">
+        <p14:creationId xmlns:p14="http://schemas.microsoft.com/office/powerpoint/2010/main" val="1966664860"/>
+      </p:ext>
+    </p:extLst>
+  </p:cSld>
+  <p:clrMapOvr>
+    <a:masterClrMapping/>
+  </p:clrMapOvr>
+</p:sldLayout>
+</file>
+
+<file path=ppt/slideLayouts/slideLayout21.xml><?xml version="1.0" encoding="utf-8"?>
+<p:sldLayout xmlns:a="http://schemas.openxmlformats.org/drawingml/2006/main" xmlns:r="http://schemas.openxmlformats.org/officeDocument/2006/relationships" xmlns:p="http://schemas.openxmlformats.org/presentationml/2006/main" preserve="1" userDrawn="1">
+  <p:cSld name="Demo">
+    <p:spTree>
+      <p:nvGrpSpPr>
+        <p:cNvPr id="1" name=""/>
+        <p:cNvGrpSpPr/>
+        <p:nvPr/>
+      </p:nvGrpSpPr>
+      <p:grpSpPr>
+        <a:xfrm>
+          <a:off x="0" y="0"/>
+          <a:ext cx="0" cy="0"/>
+          <a:chOff x="0" y="0"/>
+          <a:chExt cx="0" cy="0"/>
+        </a:xfrm>
+      </p:grpSpPr>
+      <p:sp>
+        <p:nvSpPr>
+          <p:cNvPr id="10" name="TextBox 9"/>
+          <p:cNvSpPr txBox="1"/>
+          <p:nvPr userDrawn="1"/>
+        </p:nvSpPr>
+        <p:spPr>
+          <a:xfrm>
+            <a:off x="359532" y="3136613"/>
+            <a:ext cx="8424936" cy="584775"/>
+          </a:xfrm>
+          <a:prstGeom prst="rect">
+            <a:avLst/>
+          </a:prstGeom>
+          <a:noFill/>
+        </p:spPr>
+        <p:txBody>
+          <a:bodyPr wrap="square" rtlCol="0" anchor="ctr">
+            <a:spAutoFit/>
+          </a:bodyPr>
+          <a:lstStyle/>
+          <a:p>
+            <a:pPr algn="ctr"/>
+            <a:r>
+              <a:rPr lang="ru-RU" sz="3200" dirty="0" smtClean="0">
+                <a:solidFill>
+                  <a:srgbClr val="FFFFFF"/>
+                </a:solidFill>
+              </a:rPr>
+              <a:t>Название. Демонстрация.</a:t>
+            </a:r>
+          </a:p>
+        </p:txBody>
+      </p:sp>
+    </p:spTree>
+    <p:extLst>
+      <p:ext uri="{BB962C8B-B14F-4D97-AF65-F5344CB8AC3E}">
+        <p14:creationId xmlns:p14="http://schemas.microsoft.com/office/powerpoint/2010/main" val="54194552"/>
+      </p:ext>
+    </p:extLst>
+  </p:cSld>
+  <p:clrMapOvr>
+    <a:masterClrMapping/>
+  </p:clrMapOvr>
+</p:sldLayout>
+</file>
+
+<file path=ppt/slideLayouts/slideLayout22.xml><?xml version="1.0" encoding="utf-8"?>
+<p:sldLayout xmlns:a="http://schemas.openxmlformats.org/drawingml/2006/main" xmlns:r="http://schemas.openxmlformats.org/officeDocument/2006/relationships" xmlns:p="http://schemas.openxmlformats.org/presentationml/2006/main" type="blank" preserve="1">
+  <p:cSld name="1_Blank">
+    <p:spTree>
+      <p:nvGrpSpPr>
+        <p:cNvPr id="1" name=""/>
+        <p:cNvGrpSpPr/>
+        <p:nvPr/>
+      </p:nvGrpSpPr>
+      <p:grpSpPr>
+        <a:xfrm>
+          <a:off x="0" y="0"/>
+          <a:ext cx="0" cy="0"/>
+          <a:chOff x="0" y="0"/>
+          <a:chExt cx="0" cy="0"/>
+        </a:xfrm>
+      </p:grpSpPr>
+    </p:spTree>
+    <p:extLst>
+      <p:ext uri="{BB962C8B-B14F-4D97-AF65-F5344CB8AC3E}">
+        <p14:creationId xmlns:p14="http://schemas.microsoft.com/office/powerpoint/2010/main" val="3772800379"/>
+      </p:ext>
+    </p:extLst>
+  </p:cSld>
+  <p:clrMapOvr>
+    <a:masterClrMapping/>
+  </p:clrMapOvr>
+</p:sldLayout>
+</file>
+
+<file path=ppt/slideLayouts/slideLayout23.xml><?xml version="1.0" encoding="utf-8"?>
+<p:sldLayout xmlns:a="http://schemas.openxmlformats.org/drawingml/2006/main" xmlns:r="http://schemas.openxmlformats.org/officeDocument/2006/relationships" xmlns:p="http://schemas.openxmlformats.org/presentationml/2006/main" type="objTx" preserve="1">
+  <p:cSld name="Content with Caption">
+    <p:spTree>
+      <p:nvGrpSpPr>
+        <p:cNvPr id="1" name=""/>
+        <p:cNvGrpSpPr/>
+        <p:nvPr/>
+      </p:nvGrpSpPr>
+      <p:grpSpPr>
+        <a:xfrm>
+          <a:off x="0" y="0"/>
+          <a:ext cx="0" cy="0"/>
+          <a:chOff x="0" y="0"/>
+          <a:chExt cx="0" cy="0"/>
+        </a:xfrm>
+      </p:grpSpPr>
+      <p:sp>
+        <p:nvSpPr>
+          <p:cNvPr id="2" name="Title 1"/>
+          <p:cNvSpPr>
+            <a:spLocks noGrp="1"/>
+          </p:cNvSpPr>
+          <p:nvPr>
+            <p:ph type="title"/>
+          </p:nvPr>
+        </p:nvSpPr>
+        <p:spPr>
+          <a:xfrm>
+            <a:off x="457200" y="273050"/>
+            <a:ext cx="3008313" cy="1162050"/>
+          </a:xfrm>
+        </p:spPr>
+        <p:txBody>
+          <a:bodyPr anchor="b"/>
+          <a:lstStyle>
+            <a:lvl1pPr algn="l">
+              <a:defRPr sz="2000" b="1"/>
+            </a:lvl1pPr>
+          </a:lstStyle>
+          <a:p>
+            <a:r>
+              <a:rPr lang="en-US" smtClean="0"/>
+              <a:t>Click to edit Master title style</a:t>
+            </a:r>
+            <a:endParaRPr lang="ru-RU" dirty="0"/>
+          </a:p>
+        </p:txBody>
+      </p:sp>
+      <p:sp>
+        <p:nvSpPr>
+          <p:cNvPr id="3" name="Content Placeholder 2"/>
+          <p:cNvSpPr>
+            <a:spLocks noGrp="1"/>
+          </p:cNvSpPr>
+          <p:nvPr>
+            <p:ph idx="1"/>
+          </p:nvPr>
+        </p:nvSpPr>
+        <p:spPr>
+          <a:xfrm>
+            <a:off x="3575050" y="273050"/>
+            <a:ext cx="5111750" cy="5853113"/>
+          </a:xfrm>
+        </p:spPr>
+        <p:txBody>
+          <a:bodyPr/>
+          <a:lstStyle>
+            <a:lvl1pPr>
+              <a:defRPr sz="3200"/>
+            </a:lvl1pPr>
+            <a:lvl2pPr>
+              <a:defRPr sz="2800"/>
+            </a:lvl2pPr>
+            <a:lvl3pPr>
+              <a:defRPr sz="2400"/>
+            </a:lvl3pPr>
+            <a:lvl4pPr>
+              <a:defRPr sz="2000"/>
+            </a:lvl4pPr>
+            <a:lvl5pPr>
+              <a:defRPr sz="2000"/>
+            </a:lvl5pPr>
+            <a:lvl6pPr>
+              <a:defRPr sz="2000"/>
+            </a:lvl6pPr>
+            <a:lvl7pPr>
+              <a:defRPr sz="2000"/>
+            </a:lvl7pPr>
+            <a:lvl8pPr>
+              <a:defRPr sz="2000"/>
+            </a:lvl8pPr>
+            <a:lvl9pPr>
+              <a:defRPr sz="2000"/>
+            </a:lvl9pPr>
+          </a:lstStyle>
+          <a:p>
+            <a:pPr lvl="0"/>
+            <a:r>
+              <a:rPr lang="en-US" smtClean="0"/>
+              <a:t>Click to edit Master text styles</a:t>
+            </a:r>
+          </a:p>
+          <a:p>
+            <a:pPr lvl="1"/>
+            <a:r>
+              <a:rPr lang="en-US" smtClean="0"/>
+              <a:t>Second level</a:t>
+            </a:r>
+          </a:p>
+          <a:p>
+            <a:pPr lvl="2"/>
+            <a:r>
+              <a:rPr lang="en-US" smtClean="0"/>
+              <a:t>Third level</a:t>
+            </a:r>
+          </a:p>
+          <a:p>
+            <a:pPr lvl="3"/>
+            <a:r>
+              <a:rPr lang="en-US" smtClean="0"/>
+              <a:t>Fourth level</a:t>
+            </a:r>
+          </a:p>
+          <a:p>
+            <a:pPr lvl="4"/>
+            <a:r>
+              <a:rPr lang="en-US" smtClean="0"/>
+              <a:t>Fifth level</a:t>
+            </a:r>
+            <a:endParaRPr lang="ru-RU" dirty="0"/>
+          </a:p>
+        </p:txBody>
+      </p:sp>
+      <p:sp>
+        <p:nvSpPr>
+          <p:cNvPr id="4" name="Text Placeholder 3"/>
+          <p:cNvSpPr>
+            <a:spLocks noGrp="1"/>
+          </p:cNvSpPr>
+          <p:nvPr>
+            <p:ph type="body" sz="half" idx="2"/>
+          </p:nvPr>
+        </p:nvSpPr>
+        <p:spPr>
+          <a:xfrm>
+            <a:off x="457200" y="1435100"/>
+            <a:ext cx="3008313" cy="4691063"/>
+          </a:xfrm>
+        </p:spPr>
+        <p:txBody>
+          <a:bodyPr/>
+          <a:lstStyle>
+            <a:lvl1pPr marL="0" indent="0">
+              <a:buNone/>
+              <a:defRPr sz="1400"/>
+            </a:lvl1pPr>
+            <a:lvl2pPr marL="457200" indent="0">
+              <a:buNone/>
+              <a:defRPr sz="1200"/>
+            </a:lvl2pPr>
+            <a:lvl3pPr marL="914400" indent="0">
+              <a:buNone/>
+              <a:defRPr sz="1000"/>
+            </a:lvl3pPr>
+            <a:lvl4pPr marL="1371600" indent="0">
+              <a:buNone/>
+              <a:defRPr sz="900"/>
+            </a:lvl4pPr>
+            <a:lvl5pPr marL="1828800" indent="0">
+              <a:buNone/>
+              <a:defRPr sz="900"/>
+            </a:lvl5pPr>
+            <a:lvl6pPr marL="2286000" indent="0">
+              <a:buNone/>
+              <a:defRPr sz="900"/>
+            </a:lvl6pPr>
+            <a:lvl7pPr marL="2743200" indent="0">
+              <a:buNone/>
+              <a:defRPr sz="900"/>
+            </a:lvl7pPr>
+            <a:lvl8pPr marL="3200400" indent="0">
+              <a:buNone/>
+              <a:defRPr sz="900"/>
+            </a:lvl8pPr>
+            <a:lvl9pPr marL="3657600" indent="0">
+              <a:buNone/>
+              <a:defRPr sz="900"/>
+            </a:lvl9pPr>
+          </a:lstStyle>
+          <a:p>
+            <a:pPr lvl="0"/>
+            <a:r>
+              <a:rPr lang="en-US" smtClean="0"/>
+              <a:t>Click to edit Master text styles</a:t>
+            </a:r>
+          </a:p>
+        </p:txBody>
+      </p:sp>
+    </p:spTree>
+    <p:extLst>
+      <p:ext uri="{BB962C8B-B14F-4D97-AF65-F5344CB8AC3E}">
+        <p14:creationId xmlns:p14="http://schemas.microsoft.com/office/powerpoint/2010/main" val="3011748040"/>
+      </p:ext>
+    </p:extLst>
+  </p:cSld>
+  <p:clrMapOvr>
+    <a:masterClrMapping/>
+  </p:clrMapOvr>
+</p:sldLayout>
+</file>
+
+<file path=ppt/slideLayouts/slideLayout24.xml><?xml version="1.0" encoding="utf-8"?>
+<p:sldLayout xmlns:a="http://schemas.openxmlformats.org/drawingml/2006/main" xmlns:r="http://schemas.openxmlformats.org/officeDocument/2006/relationships" xmlns:p="http://schemas.openxmlformats.org/presentationml/2006/main" type="picTx" preserve="1">
+  <p:cSld name="Picture with Caption">
+    <p:spTree>
+      <p:nvGrpSpPr>
+        <p:cNvPr id="1" name=""/>
+        <p:cNvGrpSpPr/>
+        <p:nvPr/>
+      </p:nvGrpSpPr>
+      <p:grpSpPr>
+        <a:xfrm>
+          <a:off x="0" y="0"/>
+          <a:ext cx="0" cy="0"/>
+          <a:chOff x="0" y="0"/>
+          <a:chExt cx="0" cy="0"/>
+        </a:xfrm>
+      </p:grpSpPr>
+      <p:sp>
+        <p:nvSpPr>
+          <p:cNvPr id="2" name="Title 1"/>
+          <p:cNvSpPr>
+            <a:spLocks noGrp="1"/>
+          </p:cNvSpPr>
+          <p:nvPr>
+            <p:ph type="title"/>
+          </p:nvPr>
+        </p:nvSpPr>
+        <p:spPr>
+          <a:xfrm>
+            <a:off x="1792288" y="4800600"/>
+            <a:ext cx="5486400" cy="566738"/>
+          </a:xfrm>
+        </p:spPr>
+        <p:txBody>
+          <a:bodyPr anchor="b"/>
+          <a:lstStyle>
+            <a:lvl1pPr algn="l">
+              <a:defRPr sz="2000" b="1"/>
+            </a:lvl1pPr>
+          </a:lstStyle>
+          <a:p>
+            <a:r>
+              <a:rPr lang="en-US" smtClean="0"/>
+              <a:t>Click to edit Master title style</a:t>
+            </a:r>
+            <a:endParaRPr lang="ru-RU" dirty="0"/>
+          </a:p>
+        </p:txBody>
+      </p:sp>
+      <p:sp>
+        <p:nvSpPr>
+          <p:cNvPr id="3" name="Picture Placeholder 2"/>
+          <p:cNvSpPr>
+            <a:spLocks noGrp="1"/>
+          </p:cNvSpPr>
+          <p:nvPr>
+            <p:ph type="pic" idx="1"/>
+          </p:nvPr>
+        </p:nvSpPr>
+        <p:spPr>
+          <a:xfrm>
+            <a:off x="1792288" y="612775"/>
+            <a:ext cx="5486400" cy="4114800"/>
+          </a:xfrm>
+        </p:spPr>
+        <p:txBody>
+          <a:bodyPr/>
+          <a:lstStyle>
+            <a:lvl1pPr marL="0" indent="0">
+              <a:buNone/>
+              <a:defRPr sz="3200"/>
+            </a:lvl1pPr>
+            <a:lvl2pPr marL="457200" indent="0">
+              <a:buNone/>
+              <a:defRPr sz="2800"/>
+            </a:lvl2pPr>
+            <a:lvl3pPr marL="914400" indent="0">
+              <a:buNone/>
+              <a:defRPr sz="2400"/>
+            </a:lvl3pPr>
+            <a:lvl4pPr marL="1371600" indent="0">
+              <a:buNone/>
+              <a:defRPr sz="2000"/>
+            </a:lvl4pPr>
+            <a:lvl5pPr marL="1828800" indent="0">
+              <a:buNone/>
+              <a:defRPr sz="2000"/>
+            </a:lvl5pPr>
+            <a:lvl6pPr marL="2286000" indent="0">
+              <a:buNone/>
+              <a:defRPr sz="2000"/>
+            </a:lvl6pPr>
+            <a:lvl7pPr marL="2743200" indent="0">
+              <a:buNone/>
+              <a:defRPr sz="2000"/>
+            </a:lvl7pPr>
+            <a:lvl8pPr marL="3200400" indent="0">
+              <a:buNone/>
+              <a:defRPr sz="2000"/>
+            </a:lvl8pPr>
+            <a:lvl9pPr marL="3657600" indent="0">
+              <a:buNone/>
+              <a:defRPr sz="2000"/>
+            </a:lvl9pPr>
+          </a:lstStyle>
+          <a:p>
+            <a:r>
+              <a:rPr lang="en-US" smtClean="0"/>
+              <a:t>Click icon to add picture</a:t>
+            </a:r>
+            <a:endParaRPr lang="ru-RU"/>
+          </a:p>
+        </p:txBody>
+      </p:sp>
+      <p:sp>
+        <p:nvSpPr>
+          <p:cNvPr id="4" name="Text Placeholder 3"/>
+          <p:cNvSpPr>
+            <a:spLocks noGrp="1"/>
+          </p:cNvSpPr>
+          <p:nvPr>
+            <p:ph type="body" sz="half" idx="2"/>
+          </p:nvPr>
+        </p:nvSpPr>
+        <p:spPr>
+          <a:xfrm>
+            <a:off x="1792288" y="5367338"/>
+            <a:ext cx="5486400" cy="804862"/>
+          </a:xfrm>
+        </p:spPr>
+        <p:txBody>
+          <a:bodyPr/>
+          <a:lstStyle>
+            <a:lvl1pPr marL="0" indent="0">
+              <a:buNone/>
+              <a:defRPr sz="1400"/>
+            </a:lvl1pPr>
+            <a:lvl2pPr marL="457200" indent="0">
+              <a:buNone/>
+              <a:defRPr sz="1200"/>
+            </a:lvl2pPr>
+            <a:lvl3pPr marL="914400" indent="0">
+              <a:buNone/>
+              <a:defRPr sz="1000"/>
+            </a:lvl3pPr>
+            <a:lvl4pPr marL="1371600" indent="0">
+              <a:buNone/>
+              <a:defRPr sz="900"/>
+            </a:lvl4pPr>
+            <a:lvl5pPr marL="1828800" indent="0">
+              <a:buNone/>
+              <a:defRPr sz="900"/>
+            </a:lvl5pPr>
+            <a:lvl6pPr marL="2286000" indent="0">
+              <a:buNone/>
+              <a:defRPr sz="900"/>
+            </a:lvl6pPr>
+            <a:lvl7pPr marL="2743200" indent="0">
+              <a:buNone/>
+              <a:defRPr sz="900"/>
+            </a:lvl7pPr>
+            <a:lvl8pPr marL="3200400" indent="0">
+              <a:buNone/>
+              <a:defRPr sz="900"/>
+            </a:lvl8pPr>
+            <a:lvl9pPr marL="3657600" indent="0">
+              <a:buNone/>
+              <a:defRPr sz="900"/>
+            </a:lvl9pPr>
+          </a:lstStyle>
+          <a:p>
+            <a:pPr lvl="0"/>
+            <a:r>
+              <a:rPr lang="en-US" smtClean="0"/>
+              <a:t>Click to edit Master text styles</a:t>
+            </a:r>
+          </a:p>
+        </p:txBody>
+      </p:sp>
+    </p:spTree>
+    <p:extLst>
+      <p:ext uri="{BB962C8B-B14F-4D97-AF65-F5344CB8AC3E}">
+        <p14:creationId xmlns:p14="http://schemas.microsoft.com/office/powerpoint/2010/main" val="3308479087"/>
+      </p:ext>
+    </p:extLst>
+  </p:cSld>
+  <p:clrMapOvr>
+    <a:masterClrMapping/>
+  </p:clrMapOvr>
+</p:sldLayout>
+</file>
+
+<file path=ppt/slideLayouts/slideLayout25.xml><?xml version="1.0" encoding="utf-8"?>
+<p:sldLayout xmlns:a="http://schemas.openxmlformats.org/drawingml/2006/main" xmlns:r="http://schemas.openxmlformats.org/officeDocument/2006/relationships" xmlns:p="http://schemas.openxmlformats.org/presentationml/2006/main" type="vertTx" preserve="1">
+  <p:cSld name="Title and Vertical Text">
+    <p:spTree>
+      <p:nvGrpSpPr>
+        <p:cNvPr id="1" name=""/>
+        <p:cNvGrpSpPr/>
+        <p:nvPr/>
+      </p:nvGrpSpPr>
+      <p:grpSpPr>
+        <a:xfrm>
+          <a:off x="0" y="0"/>
+          <a:ext cx="0" cy="0"/>
+          <a:chOff x="0" y="0"/>
+          <a:chExt cx="0" cy="0"/>
+        </a:xfrm>
+      </p:grpSpPr>
+      <p:sp>
+        <p:nvSpPr>
+          <p:cNvPr id="2" name="Title 1"/>
+          <p:cNvSpPr>
+            <a:spLocks noGrp="1"/>
+          </p:cNvSpPr>
+          <p:nvPr>
+            <p:ph type="title"/>
+          </p:nvPr>
+        </p:nvSpPr>
+        <p:spPr/>
+        <p:txBody>
+          <a:bodyPr/>
+          <a:lstStyle/>
+          <a:p>
+            <a:r>
+              <a:rPr lang="en-US" smtClean="0"/>
+              <a:t>Click to edit Master title style</a:t>
+            </a:r>
+            <a:endParaRPr lang="ru-RU" dirty="0"/>
+          </a:p>
+        </p:txBody>
+      </p:sp>
+      <p:sp>
+        <p:nvSpPr>
+          <p:cNvPr id="3" name="Vertical Text Placeholder 2"/>
+          <p:cNvSpPr>
+            <a:spLocks noGrp="1"/>
+          </p:cNvSpPr>
+          <p:nvPr>
+            <p:ph type="body" orient="vert" idx="1"/>
+          </p:nvPr>
+        </p:nvSpPr>
+        <p:spPr/>
+        <p:txBody>
+          <a:bodyPr vert="eaVert"/>
+          <a:lstStyle/>
+          <a:p>
+            <a:pPr lvl="0"/>
+            <a:r>
+              <a:rPr lang="en-US" smtClean="0"/>
+              <a:t>Click to edit Master text styles</a:t>
+            </a:r>
+          </a:p>
+          <a:p>
+            <a:pPr lvl="1"/>
+            <a:r>
+              <a:rPr lang="en-US" smtClean="0"/>
+              <a:t>Second level</a:t>
+            </a:r>
+          </a:p>
+          <a:p>
+            <a:pPr lvl="2"/>
+            <a:r>
+              <a:rPr lang="en-US" smtClean="0"/>
+              <a:t>Third level</a:t>
+            </a:r>
+          </a:p>
+          <a:p>
+            <a:pPr lvl="3"/>
+            <a:r>
+              <a:rPr lang="en-US" smtClean="0"/>
+              <a:t>Fourth level</a:t>
+            </a:r>
+          </a:p>
+          <a:p>
+            <a:pPr lvl="4"/>
+            <a:r>
+              <a:rPr lang="en-US" smtClean="0"/>
+              <a:t>Fifth level</a:t>
+            </a:r>
+            <a:endParaRPr lang="ru-RU" dirty="0"/>
+          </a:p>
+        </p:txBody>
+      </p:sp>
+    </p:spTree>
+    <p:extLst>
+      <p:ext uri="{BB962C8B-B14F-4D97-AF65-F5344CB8AC3E}">
+        <p14:creationId xmlns:p14="http://schemas.microsoft.com/office/powerpoint/2010/main" val="1217899872"/>
+      </p:ext>
+    </p:extLst>
+  </p:cSld>
+  <p:clrMapOvr>
+    <a:masterClrMapping/>
+  </p:clrMapOvr>
+</p:sldLayout>
+</file>
+
+<file path=ppt/slideLayouts/slideLayout26.xml><?xml version="1.0" encoding="utf-8"?>
+<p:sldLayout xmlns:a="http://schemas.openxmlformats.org/drawingml/2006/main" xmlns:r="http://schemas.openxmlformats.org/officeDocument/2006/relationships" xmlns:p="http://schemas.openxmlformats.org/presentationml/2006/main" type="vertTitleAndTx" preserve="1">
+  <p:cSld name="Vertical Title and Text">
+    <p:spTree>
+      <p:nvGrpSpPr>
+        <p:cNvPr id="1" name=""/>
+        <p:cNvGrpSpPr/>
+        <p:nvPr/>
+      </p:nvGrpSpPr>
+      <p:grpSpPr>
+        <a:xfrm>
+          <a:off x="0" y="0"/>
+          <a:ext cx="0" cy="0"/>
+          <a:chOff x="0" y="0"/>
+          <a:chExt cx="0" cy="0"/>
+        </a:xfrm>
+      </p:grpSpPr>
+      <p:sp>
+        <p:nvSpPr>
+          <p:cNvPr id="2" name="Vertical Title 1"/>
+          <p:cNvSpPr>
+            <a:spLocks noGrp="1"/>
+          </p:cNvSpPr>
+          <p:nvPr>
+            <p:ph type="title" orient="vert"/>
+          </p:nvPr>
+        </p:nvSpPr>
+        <p:spPr>
+          <a:xfrm>
+            <a:off x="6629400" y="274638"/>
+            <a:ext cx="2057400" cy="5851525"/>
+          </a:xfrm>
+        </p:spPr>
+        <p:txBody>
+          <a:bodyPr vert="eaVert"/>
+          <a:lstStyle/>
+          <a:p>
+            <a:r>
+              <a:rPr lang="en-US" smtClean="0"/>
+              <a:t>Click to edit Master title style</a:t>
+            </a:r>
+            <a:endParaRPr lang="ru-RU" dirty="0"/>
+          </a:p>
+        </p:txBody>
+      </p:sp>
+      <p:sp>
+        <p:nvSpPr>
+          <p:cNvPr id="3" name="Vertical Text Placeholder 2"/>
+          <p:cNvSpPr>
+            <a:spLocks noGrp="1"/>
+          </p:cNvSpPr>
+          <p:nvPr>
+            <p:ph type="body" orient="vert" idx="1"/>
+          </p:nvPr>
+        </p:nvSpPr>
+        <p:spPr>
+          <a:xfrm>
+            <a:off x="457200" y="274638"/>
+            <a:ext cx="6019800" cy="5851525"/>
+          </a:xfrm>
+        </p:spPr>
+        <p:txBody>
+          <a:bodyPr vert="eaVert"/>
+          <a:lstStyle/>
+          <a:p>
+            <a:pPr lvl="0"/>
+            <a:r>
+              <a:rPr lang="en-US" smtClean="0"/>
+              <a:t>Click to edit Master text styles</a:t>
+            </a:r>
+          </a:p>
+          <a:p>
+            <a:pPr lvl="1"/>
+            <a:r>
+              <a:rPr lang="en-US" smtClean="0"/>
+              <a:t>Second level</a:t>
+            </a:r>
+          </a:p>
+          <a:p>
+            <a:pPr lvl="2"/>
+            <a:r>
+              <a:rPr lang="en-US" smtClean="0"/>
+              <a:t>Third level</a:t>
+            </a:r>
+          </a:p>
+          <a:p>
+            <a:pPr lvl="3"/>
+            <a:r>
+              <a:rPr lang="en-US" smtClean="0"/>
+              <a:t>Fourth level</a:t>
+            </a:r>
+          </a:p>
+          <a:p>
+            <a:pPr lvl="4"/>
+            <a:r>
+              <a:rPr lang="en-US" smtClean="0"/>
+              <a:t>Fifth level</a:t>
+            </a:r>
+            <a:endParaRPr lang="ru-RU" dirty="0"/>
+          </a:p>
+        </p:txBody>
+      </p:sp>
+    </p:spTree>
+    <p:extLst>
+      <p:ext uri="{BB962C8B-B14F-4D97-AF65-F5344CB8AC3E}">
+        <p14:creationId xmlns:p14="http://schemas.microsoft.com/office/powerpoint/2010/main" val="2012421427"/>
+      </p:ext>
+    </p:extLst>
+  </p:cSld>
+  <p:clrMapOvr>
+    <a:masterClrMapping/>
+  </p:clrMapOvr>
+</p:sldLayout>
+</file>
+
+<file path=ppt/slideLayouts/slideLayout27.xml><?xml version="1.0" encoding="utf-8"?>
+<p:sldLayout xmlns:a="http://schemas.openxmlformats.org/drawingml/2006/main" xmlns:r="http://schemas.openxmlformats.org/officeDocument/2006/relationships" xmlns:p="http://schemas.openxmlformats.org/presentationml/2006/main" type="title">
+  <p:cSld name="2_Title Slide">
+    <p:spTree>
+      <p:nvGrpSpPr>
+        <p:cNvPr id="1" name=""/>
+        <p:cNvGrpSpPr/>
+        <p:nvPr/>
+      </p:nvGrpSpPr>
+      <p:grpSpPr>
+        <a:xfrm>
+          <a:off x="0" y="0"/>
+          <a:ext cx="0" cy="0"/>
+          <a:chOff x="0" y="0"/>
+          <a:chExt cx="0" cy="0"/>
+        </a:xfrm>
+      </p:grpSpPr>
+      <p:sp>
+        <p:nvSpPr>
+          <p:cNvPr id="2" name="Title 1"/>
+          <p:cNvSpPr>
+            <a:spLocks noGrp="1"/>
+          </p:cNvSpPr>
+          <p:nvPr>
+            <p:ph type="ctrTitle"/>
+          </p:nvPr>
+        </p:nvSpPr>
+        <p:spPr>
+          <a:xfrm>
+            <a:off x="685800" y="2130425"/>
+            <a:ext cx="7772400" cy="1470025"/>
+          </a:xfrm>
+        </p:spPr>
+        <p:txBody>
+          <a:bodyPr/>
+          <a:lstStyle/>
+          <a:p>
+            <a:r>
+              <a:rPr lang="en-US" smtClean="0"/>
+              <a:t>Click to edit Master title style</a:t>
+            </a:r>
+            <a:endParaRPr lang="ru-RU"/>
+          </a:p>
+        </p:txBody>
+      </p:sp>
+      <p:sp>
+        <p:nvSpPr>
+          <p:cNvPr id="3" name="Subtitle 2"/>
+          <p:cNvSpPr>
+            <a:spLocks noGrp="1"/>
+          </p:cNvSpPr>
+          <p:nvPr>
+            <p:ph type="subTitle" idx="1"/>
+          </p:nvPr>
+        </p:nvSpPr>
+        <p:spPr>
+          <a:xfrm>
+            <a:off x="1371600" y="3886200"/>
+            <a:ext cx="6400800" cy="1752600"/>
+          </a:xfrm>
+        </p:spPr>
+        <p:txBody>
+          <a:bodyPr/>
+          <a:lstStyle>
+            <a:lvl1pPr marL="0" indent="0" algn="ctr">
+              <a:buNone/>
+              <a:defRPr>
+                <a:solidFill>
+                  <a:schemeClr val="tx1">
+                    <a:tint val="75000"/>
+                  </a:schemeClr>
+                </a:solidFill>
+              </a:defRPr>
+            </a:lvl1pPr>
+            <a:lvl2pPr marL="457200" indent="0" algn="ctr">
+              <a:buNone/>
+              <a:defRPr>
+                <a:solidFill>
+                  <a:schemeClr val="tx1">
+                    <a:tint val="75000"/>
+                  </a:schemeClr>
+                </a:solidFill>
+              </a:defRPr>
+            </a:lvl2pPr>
+            <a:lvl3pPr marL="914400" indent="0" algn="ctr">
+              <a:buNone/>
+              <a:defRPr>
+                <a:solidFill>
+                  <a:schemeClr val="tx1">
+                    <a:tint val="75000"/>
+                  </a:schemeClr>
+                </a:solidFill>
+              </a:defRPr>
+            </a:lvl3pPr>
+            <a:lvl4pPr marL="1371600" indent="0" algn="ctr">
+              <a:buNone/>
+              <a:defRPr>
+                <a:solidFill>
+                  <a:schemeClr val="tx1">
+                    <a:tint val="75000"/>
+                  </a:schemeClr>
+                </a:solidFill>
+              </a:defRPr>
+            </a:lvl4pPr>
+            <a:lvl5pPr marL="1828800" indent="0" algn="ctr">
+              <a:buNone/>
+              <a:defRPr>
+                <a:solidFill>
+                  <a:schemeClr val="tx1">
+                    <a:tint val="75000"/>
+                  </a:schemeClr>
+                </a:solidFill>
+              </a:defRPr>
+            </a:lvl5pPr>
+            <a:lvl6pPr marL="2286000" indent="0" algn="ctr">
+              <a:buNone/>
+              <a:defRPr>
+                <a:solidFill>
+                  <a:schemeClr val="tx1">
+                    <a:tint val="75000"/>
+                  </a:schemeClr>
+                </a:solidFill>
+              </a:defRPr>
+            </a:lvl6pPr>
+            <a:lvl7pPr marL="2743200" indent="0" algn="ctr">
+              <a:buNone/>
+              <a:defRPr>
+                <a:solidFill>
+                  <a:schemeClr val="tx1">
+                    <a:tint val="75000"/>
+                  </a:schemeClr>
+                </a:solidFill>
+              </a:defRPr>
+            </a:lvl7pPr>
+            <a:lvl8pPr marL="3200400" indent="0" algn="ctr">
+              <a:buNone/>
+              <a:defRPr>
+                <a:solidFill>
+                  <a:schemeClr val="tx1">
+                    <a:tint val="75000"/>
+                  </a:schemeClr>
+                </a:solidFill>
+              </a:defRPr>
+            </a:lvl8pPr>
+            <a:lvl9pPr marL="3657600" indent="0" algn="ctr">
+              <a:buNone/>
+              <a:defRPr>
+                <a:solidFill>
+                  <a:schemeClr val="tx1">
+                    <a:tint val="75000"/>
+                  </a:schemeClr>
+                </a:solidFill>
+              </a:defRPr>
+            </a:lvl9pPr>
+          </a:lstStyle>
+          <a:p>
+            <a:r>
+              <a:rPr lang="en-US" smtClean="0"/>
+              <a:t>Click to edit Master subtitle style</a:t>
+            </a:r>
+            <a:endParaRPr lang="ru-RU"/>
+          </a:p>
+        </p:txBody>
+      </p:sp>
+      <p:sp>
+        <p:nvSpPr>
+          <p:cNvPr id="4" name="Date Placeholder 3"/>
+          <p:cNvSpPr>
+            <a:spLocks noGrp="1"/>
+          </p:cNvSpPr>
+          <p:nvPr>
+            <p:ph type="dt" sz="half" idx="10"/>
+          </p:nvPr>
+        </p:nvSpPr>
+        <p:spPr/>
+        <p:txBody>
+          <a:bodyPr/>
+          <a:lstStyle/>
+          <a:p>
+            <a:fld id="{8E6E6A2A-E9D3-4A0D-B04A-ABDD367A1E08}" type="datetimeFigureOut">
+              <a:rPr lang="ru-RU" smtClean="0">
+                <a:solidFill>
+                  <a:srgbClr val="FFFFFF">
+                    <a:tint val="75000"/>
+                  </a:srgbClr>
+                </a:solidFill>
+              </a:rPr>
+              <a:pPr/>
+              <a:t>29.04.2013</a:t>
+            </a:fld>
+            <a:endParaRPr lang="ru-RU">
+              <a:solidFill>
+                <a:srgbClr val="FFFFFF">
+                  <a:tint val="75000"/>
+                </a:srgbClr>
+              </a:solidFill>
+            </a:endParaRPr>
+          </a:p>
+        </p:txBody>
+      </p:sp>
+      <p:sp>
+        <p:nvSpPr>
+          <p:cNvPr id="5" name="Footer Placeholder 4"/>
+          <p:cNvSpPr>
+            <a:spLocks noGrp="1"/>
+          </p:cNvSpPr>
+          <p:nvPr>
+            <p:ph type="ftr" sz="quarter" idx="11"/>
+          </p:nvPr>
+        </p:nvSpPr>
+        <p:spPr/>
+        <p:txBody>
+          <a:bodyPr/>
+          <a:lstStyle/>
+          <a:p>
+            <a:endParaRPr lang="ru-RU">
+              <a:solidFill>
+                <a:srgbClr val="FFFFFF">
+                  <a:tint val="75000"/>
+                </a:srgbClr>
+              </a:solidFill>
+            </a:endParaRPr>
+          </a:p>
+        </p:txBody>
+      </p:sp>
+      <p:sp>
+        <p:nvSpPr>
+          <p:cNvPr id="6" name="Slide Number Placeholder 5"/>
+          <p:cNvSpPr>
+            <a:spLocks noGrp="1"/>
+          </p:cNvSpPr>
+          <p:nvPr>
+            <p:ph type="sldNum" sz="quarter" idx="12"/>
+          </p:nvPr>
+        </p:nvSpPr>
+        <p:spPr/>
+        <p:txBody>
+          <a:bodyPr/>
+          <a:lstStyle/>
+          <a:p>
+            <a:fld id="{BC0D3D34-2E8A-4A38-B864-C677BA056495}" type="slidenum">
+              <a:rPr lang="ru-RU" smtClean="0">
+                <a:solidFill>
+                  <a:srgbClr val="FFFFFF">
+                    <a:tint val="75000"/>
+                  </a:srgbClr>
+                </a:solidFill>
+              </a:rPr>
+              <a:pPr/>
+              <a:t>‹#›</a:t>
+            </a:fld>
+            <a:endParaRPr lang="ru-RU">
+              <a:solidFill>
+                <a:srgbClr val="FFFFFF">
+                  <a:tint val="75000"/>
+                </a:srgbClr>
+              </a:solidFill>
+            </a:endParaRPr>
+          </a:p>
+        </p:txBody>
+      </p:sp>
+    </p:spTree>
+    <p:extLst>
+      <p:ext uri="{BB962C8B-B14F-4D97-AF65-F5344CB8AC3E}">
+        <p14:creationId xmlns:p14="http://schemas.microsoft.com/office/powerpoint/2010/main" val="3790443034"/>
+      </p:ext>
+    </p:extLst>
+  </p:cSld>
+  <p:clrMapOvr>
+    <a:masterClrMapping/>
+  </p:clrMapOvr>
 </p:sldLayout>
 </file>
 
@@ -2933,7 +5048,7 @@
           <a:p>
             <a:fld id="{AC3D3127-B7C4-45E3-9797-C527EC9FDD78}" type="datetimeFigureOut">
               <a:rPr lang="ru-RU" smtClean="0"/>
-              <a:t>27.03.2013</a:t>
+              <a:t>29.04.2013</a:t>
             </a:fld>
             <a:endParaRPr lang="ru-RU"/>
           </a:p>
@@ -3301,6 +5416,559 @@
 </p:sldMaster>
 </file>
 
+<file path=ppt/slideMasters/slideMaster2.xml><?xml version="1.0" encoding="utf-8"?>
+<p:sldMaster xmlns:a="http://schemas.openxmlformats.org/drawingml/2006/main" xmlns:r="http://schemas.openxmlformats.org/officeDocument/2006/relationships" xmlns:p="http://schemas.openxmlformats.org/presentationml/2006/main">
+  <p:cSld>
+    <p:bg>
+      <p:bgPr>
+        <a:blipFill dpi="0" rotWithShape="1">
+          <a:blip r:embed="rId15">
+            <a:lum/>
+          </a:blip>
+          <a:srcRect/>
+          <a:stretch>
+            <a:fillRect/>
+          </a:stretch>
+        </a:blipFill>
+        <a:effectLst/>
+      </p:bgPr>
+    </p:bg>
+    <p:spTree>
+      <p:nvGrpSpPr>
+        <p:cNvPr id="1" name=""/>
+        <p:cNvGrpSpPr/>
+        <p:nvPr/>
+      </p:nvGrpSpPr>
+      <p:grpSpPr>
+        <a:xfrm>
+          <a:off x="0" y="0"/>
+          <a:ext cx="0" cy="0"/>
+          <a:chOff x="0" y="0"/>
+          <a:chExt cx="0" cy="0"/>
+        </a:xfrm>
+      </p:grpSpPr>
+      <p:sp>
+        <p:nvSpPr>
+          <p:cNvPr id="2" name="Title Placeholder 1"/>
+          <p:cNvSpPr>
+            <a:spLocks noGrp="1"/>
+          </p:cNvSpPr>
+          <p:nvPr>
+            <p:ph type="title"/>
+          </p:nvPr>
+        </p:nvSpPr>
+        <p:spPr>
+          <a:xfrm>
+            <a:off x="457200" y="274638"/>
+            <a:ext cx="8229600" cy="1143000"/>
+          </a:xfrm>
+          <a:prstGeom prst="rect">
+            <a:avLst/>
+          </a:prstGeom>
+        </p:spPr>
+        <p:txBody>
+          <a:bodyPr vert="horz" lIns="91440" tIns="45720" rIns="91440" bIns="45720" rtlCol="0" anchor="ctr">
+            <a:normAutofit/>
+          </a:bodyPr>
+          <a:lstStyle/>
+          <a:p>
+            <a:r>
+              <a:rPr lang="en-US" smtClean="0"/>
+              <a:t>Click to edit Master title style</a:t>
+            </a:r>
+            <a:endParaRPr lang="ru-RU"/>
+          </a:p>
+        </p:txBody>
+      </p:sp>
+      <p:sp>
+        <p:nvSpPr>
+          <p:cNvPr id="3" name="Text Placeholder 2"/>
+          <p:cNvSpPr>
+            <a:spLocks noGrp="1"/>
+          </p:cNvSpPr>
+          <p:nvPr>
+            <p:ph type="body" idx="1"/>
+          </p:nvPr>
+        </p:nvSpPr>
+        <p:spPr>
+          <a:xfrm>
+            <a:off x="457200" y="1600200"/>
+            <a:ext cx="8229600" cy="4525963"/>
+          </a:xfrm>
+          <a:prstGeom prst="rect">
+            <a:avLst/>
+          </a:prstGeom>
+        </p:spPr>
+        <p:txBody>
+          <a:bodyPr vert="horz" lIns="91440" tIns="45720" rIns="91440" bIns="45720" rtlCol="0">
+            <a:normAutofit/>
+          </a:bodyPr>
+          <a:lstStyle/>
+          <a:p>
+            <a:pPr lvl="0"/>
+            <a:r>
+              <a:rPr lang="en-US" smtClean="0"/>
+              <a:t>Click to edit Master text styles</a:t>
+            </a:r>
+          </a:p>
+          <a:p>
+            <a:pPr lvl="1"/>
+            <a:r>
+              <a:rPr lang="en-US" smtClean="0"/>
+              <a:t>Second level</a:t>
+            </a:r>
+          </a:p>
+          <a:p>
+            <a:pPr lvl="2"/>
+            <a:r>
+              <a:rPr lang="en-US" smtClean="0"/>
+              <a:t>Third level</a:t>
+            </a:r>
+          </a:p>
+          <a:p>
+            <a:pPr lvl="3"/>
+            <a:r>
+              <a:rPr lang="en-US" smtClean="0"/>
+              <a:t>Fourth level</a:t>
+            </a:r>
+          </a:p>
+          <a:p>
+            <a:pPr lvl="4"/>
+            <a:r>
+              <a:rPr lang="en-US" smtClean="0"/>
+              <a:t>Fifth level</a:t>
+            </a:r>
+            <a:endParaRPr lang="ru-RU"/>
+          </a:p>
+        </p:txBody>
+      </p:sp>
+      <p:sp>
+        <p:nvSpPr>
+          <p:cNvPr id="4" name="Date Placeholder 3"/>
+          <p:cNvSpPr>
+            <a:spLocks noGrp="1"/>
+          </p:cNvSpPr>
+          <p:nvPr>
+            <p:ph type="dt" sz="half" idx="2"/>
+          </p:nvPr>
+        </p:nvSpPr>
+        <p:spPr>
+          <a:xfrm>
+            <a:off x="457200" y="6356350"/>
+            <a:ext cx="2133600" cy="365125"/>
+          </a:xfrm>
+          <a:prstGeom prst="rect">
+            <a:avLst/>
+          </a:prstGeom>
+        </p:spPr>
+        <p:txBody>
+          <a:bodyPr vert="horz" lIns="91440" tIns="45720" rIns="91440" bIns="45720" rtlCol="0" anchor="ctr"/>
+          <a:lstStyle>
+            <a:lvl1pPr algn="l">
+              <a:defRPr sz="1200">
+                <a:solidFill>
+                  <a:schemeClr val="tx1">
+                    <a:tint val="75000"/>
+                  </a:schemeClr>
+                </a:solidFill>
+              </a:defRPr>
+            </a:lvl1pPr>
+          </a:lstStyle>
+          <a:p>
+            <a:fld id="{AC3D3127-B7C4-45E3-9797-C527EC9FDD78}" type="datetimeFigureOut">
+              <a:rPr lang="ru-RU" smtClean="0">
+                <a:solidFill>
+                  <a:srgbClr val="FFFFFF">
+                    <a:tint val="75000"/>
+                  </a:srgbClr>
+                </a:solidFill>
+              </a:rPr>
+              <a:pPr/>
+              <a:t>29.04.2013</a:t>
+            </a:fld>
+            <a:endParaRPr lang="ru-RU">
+              <a:solidFill>
+                <a:srgbClr val="FFFFFF">
+                  <a:tint val="75000"/>
+                </a:srgbClr>
+              </a:solidFill>
+            </a:endParaRPr>
+          </a:p>
+        </p:txBody>
+      </p:sp>
+      <p:sp>
+        <p:nvSpPr>
+          <p:cNvPr id="5" name="Footer Placeholder 4"/>
+          <p:cNvSpPr>
+            <a:spLocks noGrp="1"/>
+          </p:cNvSpPr>
+          <p:nvPr>
+            <p:ph type="ftr" sz="quarter" idx="3"/>
+          </p:nvPr>
+        </p:nvSpPr>
+        <p:spPr>
+          <a:xfrm>
+            <a:off x="3124200" y="6356350"/>
+            <a:ext cx="2895600" cy="365125"/>
+          </a:xfrm>
+          <a:prstGeom prst="rect">
+            <a:avLst/>
+          </a:prstGeom>
+        </p:spPr>
+        <p:txBody>
+          <a:bodyPr vert="horz" lIns="91440" tIns="45720" rIns="91440" bIns="45720" rtlCol="0" anchor="ctr"/>
+          <a:lstStyle>
+            <a:lvl1pPr algn="ctr">
+              <a:defRPr sz="1200">
+                <a:solidFill>
+                  <a:schemeClr val="tx1">
+                    <a:tint val="75000"/>
+                  </a:schemeClr>
+                </a:solidFill>
+              </a:defRPr>
+            </a:lvl1pPr>
+          </a:lstStyle>
+          <a:p>
+            <a:endParaRPr lang="ru-RU">
+              <a:solidFill>
+                <a:srgbClr val="FFFFFF">
+                  <a:tint val="75000"/>
+                </a:srgbClr>
+              </a:solidFill>
+            </a:endParaRPr>
+          </a:p>
+        </p:txBody>
+      </p:sp>
+      <p:sp>
+        <p:nvSpPr>
+          <p:cNvPr id="6" name="Slide Number Placeholder 5"/>
+          <p:cNvSpPr>
+            <a:spLocks noGrp="1"/>
+          </p:cNvSpPr>
+          <p:nvPr>
+            <p:ph type="sldNum" sz="quarter" idx="4"/>
+          </p:nvPr>
+        </p:nvSpPr>
+        <p:spPr>
+          <a:xfrm>
+            <a:off x="6553200" y="6356350"/>
+            <a:ext cx="2133600" cy="365125"/>
+          </a:xfrm>
+          <a:prstGeom prst="rect">
+            <a:avLst/>
+          </a:prstGeom>
+        </p:spPr>
+        <p:txBody>
+          <a:bodyPr vert="horz" lIns="91440" tIns="45720" rIns="91440" bIns="45720" rtlCol="0" anchor="ctr"/>
+          <a:lstStyle>
+            <a:lvl1pPr algn="r">
+              <a:defRPr sz="1200">
+                <a:solidFill>
+                  <a:schemeClr val="tx1">
+                    <a:tint val="75000"/>
+                  </a:schemeClr>
+                </a:solidFill>
+              </a:defRPr>
+            </a:lvl1pPr>
+          </a:lstStyle>
+          <a:p>
+            <a:fld id="{1E929BC3-9972-4A35-985B-BE0C2CB1D3A5}" type="slidenum">
+              <a:rPr lang="ru-RU" smtClean="0">
+                <a:solidFill>
+                  <a:srgbClr val="FFFFFF">
+                    <a:tint val="75000"/>
+                  </a:srgbClr>
+                </a:solidFill>
+              </a:rPr>
+              <a:pPr/>
+              <a:t>‹#›</a:t>
+            </a:fld>
+            <a:endParaRPr lang="ru-RU">
+              <a:solidFill>
+                <a:srgbClr val="FFFFFF">
+                  <a:tint val="75000"/>
+                </a:srgbClr>
+              </a:solidFill>
+            </a:endParaRPr>
+          </a:p>
+        </p:txBody>
+      </p:sp>
+    </p:spTree>
+    <p:extLst>
+      <p:ext uri="{BB962C8B-B14F-4D97-AF65-F5344CB8AC3E}">
+        <p14:creationId xmlns:p14="http://schemas.microsoft.com/office/powerpoint/2010/main" val="1144575841"/>
+      </p:ext>
+    </p:extLst>
+  </p:cSld>
+  <p:clrMap bg1="lt1" tx1="dk1" bg2="lt2" tx2="dk2" accent1="accent1" accent2="accent2" accent3="accent3" accent4="accent4" accent5="accent5" accent6="accent6" hlink="hlink" folHlink="folHlink"/>
+  <p:sldLayoutIdLst>
+    <p:sldLayoutId id="2147483664" r:id="rId1"/>
+    <p:sldLayoutId id="2147483665" r:id="rId2"/>
+    <p:sldLayoutId id="2147483666" r:id="rId3"/>
+    <p:sldLayoutId id="2147483667" r:id="rId4"/>
+    <p:sldLayoutId id="2147483668" r:id="rId5"/>
+    <p:sldLayoutId id="2147483669" r:id="rId6"/>
+    <p:sldLayoutId id="2147483670" r:id="rId7"/>
+    <p:sldLayoutId id="2147483671" r:id="rId8"/>
+    <p:sldLayoutId id="2147483672" r:id="rId9"/>
+    <p:sldLayoutId id="2147483673" r:id="rId10"/>
+    <p:sldLayoutId id="2147483674" r:id="rId11"/>
+    <p:sldLayoutId id="2147483675" r:id="rId12"/>
+    <p:sldLayoutId id="2147483676" r:id="rId13"/>
+  </p:sldLayoutIdLst>
+  <p:txStyles>
+    <p:titleStyle>
+      <a:lvl1pPr algn="ctr" defTabSz="914400" rtl="0" eaLnBrk="1" latinLnBrk="0" hangingPunct="1">
+        <a:spcBef>
+          <a:spcPct val="0"/>
+        </a:spcBef>
+        <a:buNone/>
+        <a:defRPr sz="4400" kern="1200">
+          <a:solidFill>
+            <a:schemeClr val="tx1"/>
+          </a:solidFill>
+          <a:latin typeface="+mj-lt"/>
+          <a:ea typeface="+mj-ea"/>
+          <a:cs typeface="+mj-cs"/>
+        </a:defRPr>
+      </a:lvl1pPr>
+    </p:titleStyle>
+    <p:bodyStyle>
+      <a:lvl1pPr marL="342900" indent="-342900" algn="l" defTabSz="914400" rtl="0" eaLnBrk="1" latinLnBrk="0" hangingPunct="1">
+        <a:spcBef>
+          <a:spcPct val="20000"/>
+        </a:spcBef>
+        <a:buFont typeface="Arial" pitchFamily="34" charset="0"/>
+        <a:buChar char="•"/>
+        <a:defRPr sz="3200" kern="1200">
+          <a:solidFill>
+            <a:schemeClr val="tx1"/>
+          </a:solidFill>
+          <a:latin typeface="+mn-lt"/>
+          <a:ea typeface="+mn-ea"/>
+          <a:cs typeface="+mn-cs"/>
+        </a:defRPr>
+      </a:lvl1pPr>
+      <a:lvl2pPr marL="742950" indent="-285750" algn="l" defTabSz="914400" rtl="0" eaLnBrk="1" latinLnBrk="0" hangingPunct="1">
+        <a:spcBef>
+          <a:spcPct val="20000"/>
+        </a:spcBef>
+        <a:buFont typeface="Arial" pitchFamily="34" charset="0"/>
+        <a:buChar char="–"/>
+        <a:defRPr sz="2800" kern="1200">
+          <a:solidFill>
+            <a:schemeClr val="tx1"/>
+          </a:solidFill>
+          <a:latin typeface="+mn-lt"/>
+          <a:ea typeface="+mn-ea"/>
+          <a:cs typeface="+mn-cs"/>
+        </a:defRPr>
+      </a:lvl2pPr>
+      <a:lvl3pPr marL="1143000" indent="-228600" algn="l" defTabSz="914400" rtl="0" eaLnBrk="1" latinLnBrk="0" hangingPunct="1">
+        <a:spcBef>
+          <a:spcPct val="20000"/>
+        </a:spcBef>
+        <a:buFont typeface="Arial" pitchFamily="34" charset="0"/>
+        <a:buChar char="•"/>
+        <a:defRPr sz="2400" kern="1200">
+          <a:solidFill>
+            <a:schemeClr val="tx1"/>
+          </a:solidFill>
+          <a:latin typeface="+mn-lt"/>
+          <a:ea typeface="+mn-ea"/>
+          <a:cs typeface="+mn-cs"/>
+        </a:defRPr>
+      </a:lvl3pPr>
+      <a:lvl4pPr marL="1600200" indent="-228600" algn="l" defTabSz="914400" rtl="0" eaLnBrk="1" latinLnBrk="0" hangingPunct="1">
+        <a:spcBef>
+          <a:spcPct val="20000"/>
+        </a:spcBef>
+        <a:buFont typeface="Arial" pitchFamily="34" charset="0"/>
+        <a:buChar char="–"/>
+        <a:defRPr sz="2000" kern="1200">
+          <a:solidFill>
+            <a:schemeClr val="tx1"/>
+          </a:solidFill>
+          <a:latin typeface="+mn-lt"/>
+          <a:ea typeface="+mn-ea"/>
+          <a:cs typeface="+mn-cs"/>
+        </a:defRPr>
+      </a:lvl4pPr>
+      <a:lvl5pPr marL="2057400" indent="-228600" algn="l" defTabSz="914400" rtl="0" eaLnBrk="1" latinLnBrk="0" hangingPunct="1">
+        <a:spcBef>
+          <a:spcPct val="20000"/>
+        </a:spcBef>
+        <a:buFont typeface="Arial" pitchFamily="34" charset="0"/>
+        <a:buChar char="»"/>
+        <a:defRPr sz="2000" kern="1200">
+          <a:solidFill>
+            <a:schemeClr val="tx1"/>
+          </a:solidFill>
+          <a:latin typeface="+mn-lt"/>
+          <a:ea typeface="+mn-ea"/>
+          <a:cs typeface="+mn-cs"/>
+        </a:defRPr>
+      </a:lvl5pPr>
+      <a:lvl6pPr marL="2514600" indent="-228600" algn="l" defTabSz="914400" rtl="0" eaLnBrk="1" latinLnBrk="0" hangingPunct="1">
+        <a:spcBef>
+          <a:spcPct val="20000"/>
+        </a:spcBef>
+        <a:buFont typeface="Arial" pitchFamily="34" charset="0"/>
+        <a:buChar char="•"/>
+        <a:defRPr sz="2000" kern="1200">
+          <a:solidFill>
+            <a:schemeClr val="tx1"/>
+          </a:solidFill>
+          <a:latin typeface="+mn-lt"/>
+          <a:ea typeface="+mn-ea"/>
+          <a:cs typeface="+mn-cs"/>
+        </a:defRPr>
+      </a:lvl6pPr>
+      <a:lvl7pPr marL="2971800" indent="-228600" algn="l" defTabSz="914400" rtl="0" eaLnBrk="1" latinLnBrk="0" hangingPunct="1">
+        <a:spcBef>
+          <a:spcPct val="20000"/>
+        </a:spcBef>
+        <a:buFont typeface="Arial" pitchFamily="34" charset="0"/>
+        <a:buChar char="•"/>
+        <a:defRPr sz="2000" kern="1200">
+          <a:solidFill>
+            <a:schemeClr val="tx1"/>
+          </a:solidFill>
+          <a:latin typeface="+mn-lt"/>
+          <a:ea typeface="+mn-ea"/>
+          <a:cs typeface="+mn-cs"/>
+        </a:defRPr>
+      </a:lvl7pPr>
+      <a:lvl8pPr marL="3429000" indent="-228600" algn="l" defTabSz="914400" rtl="0" eaLnBrk="1" latinLnBrk="0" hangingPunct="1">
+        <a:spcBef>
+          <a:spcPct val="20000"/>
+        </a:spcBef>
+        <a:buFont typeface="Arial" pitchFamily="34" charset="0"/>
+        <a:buChar char="•"/>
+        <a:defRPr sz="2000" kern="1200">
+          <a:solidFill>
+            <a:schemeClr val="tx1"/>
+          </a:solidFill>
+          <a:latin typeface="+mn-lt"/>
+          <a:ea typeface="+mn-ea"/>
+          <a:cs typeface="+mn-cs"/>
+        </a:defRPr>
+      </a:lvl8pPr>
+      <a:lvl9pPr marL="3886200" indent="-228600" algn="l" defTabSz="914400" rtl="0" eaLnBrk="1" latinLnBrk="0" hangingPunct="1">
+        <a:spcBef>
+          <a:spcPct val="20000"/>
+        </a:spcBef>
+        <a:buFont typeface="Arial" pitchFamily="34" charset="0"/>
+        <a:buChar char="•"/>
+        <a:defRPr sz="2000" kern="1200">
+          <a:solidFill>
+            <a:schemeClr val="tx1"/>
+          </a:solidFill>
+          <a:latin typeface="+mn-lt"/>
+          <a:ea typeface="+mn-ea"/>
+          <a:cs typeface="+mn-cs"/>
+        </a:defRPr>
+      </a:lvl9pPr>
+    </p:bodyStyle>
+    <p:otherStyle>
+      <a:defPPr>
+        <a:defRPr lang="ru-RU"/>
+      </a:defPPr>
+      <a:lvl1pPr marL="0" algn="l" defTabSz="914400" rtl="0" eaLnBrk="1" latinLnBrk="0" hangingPunct="1">
+        <a:defRPr sz="1800" kern="1200">
+          <a:solidFill>
+            <a:schemeClr val="tx1"/>
+          </a:solidFill>
+          <a:latin typeface="+mn-lt"/>
+          <a:ea typeface="+mn-ea"/>
+          <a:cs typeface="+mn-cs"/>
+        </a:defRPr>
+      </a:lvl1pPr>
+      <a:lvl2pPr marL="457200" algn="l" defTabSz="914400" rtl="0" eaLnBrk="1" latinLnBrk="0" hangingPunct="1">
+        <a:defRPr sz="1800" kern="1200">
+          <a:solidFill>
+            <a:schemeClr val="tx1"/>
+          </a:solidFill>
+          <a:latin typeface="+mn-lt"/>
+          <a:ea typeface="+mn-ea"/>
+          <a:cs typeface="+mn-cs"/>
+        </a:defRPr>
+      </a:lvl2pPr>
+      <a:lvl3pPr marL="914400" algn="l" defTabSz="914400" rtl="0" eaLnBrk="1" latinLnBrk="0" hangingPunct="1">
+        <a:defRPr sz="1800" kern="1200">
+          <a:solidFill>
+            <a:schemeClr val="tx1"/>
+          </a:solidFill>
+          <a:latin typeface="+mn-lt"/>
+          <a:ea typeface="+mn-ea"/>
+          <a:cs typeface="+mn-cs"/>
+        </a:defRPr>
+      </a:lvl3pPr>
+      <a:lvl4pPr marL="1371600" algn="l" defTabSz="914400" rtl="0" eaLnBrk="1" latinLnBrk="0" hangingPunct="1">
+        <a:defRPr sz="1800" kern="1200">
+          <a:solidFill>
+            <a:schemeClr val="tx1"/>
+          </a:solidFill>
+          <a:latin typeface="+mn-lt"/>
+          <a:ea typeface="+mn-ea"/>
+          <a:cs typeface="+mn-cs"/>
+        </a:defRPr>
+      </a:lvl4pPr>
+      <a:lvl5pPr marL="1828800" algn="l" defTabSz="914400" rtl="0" eaLnBrk="1" latinLnBrk="0" hangingPunct="1">
+        <a:defRPr sz="1800" kern="1200">
+          <a:solidFill>
+            <a:schemeClr val="tx1"/>
+          </a:solidFill>
+          <a:latin typeface="+mn-lt"/>
+          <a:ea typeface="+mn-ea"/>
+          <a:cs typeface="+mn-cs"/>
+        </a:defRPr>
+      </a:lvl5pPr>
+      <a:lvl6pPr marL="2286000" algn="l" defTabSz="914400" rtl="0" eaLnBrk="1" latinLnBrk="0" hangingPunct="1">
+        <a:defRPr sz="1800" kern="1200">
+          <a:solidFill>
+            <a:schemeClr val="tx1"/>
+          </a:solidFill>
+          <a:latin typeface="+mn-lt"/>
+          <a:ea typeface="+mn-ea"/>
+          <a:cs typeface="+mn-cs"/>
+        </a:defRPr>
+      </a:lvl6pPr>
+      <a:lvl7pPr marL="2743200" algn="l" defTabSz="914400" rtl="0" eaLnBrk="1" latinLnBrk="0" hangingPunct="1">
+        <a:defRPr sz="1800" kern="1200">
+          <a:solidFill>
+            <a:schemeClr val="tx1"/>
+          </a:solidFill>
+          <a:latin typeface="+mn-lt"/>
+          <a:ea typeface="+mn-ea"/>
+          <a:cs typeface="+mn-cs"/>
+        </a:defRPr>
+      </a:lvl7pPr>
+      <a:lvl8pPr marL="3200400" algn="l" defTabSz="914400" rtl="0" eaLnBrk="1" latinLnBrk="0" hangingPunct="1">
+        <a:defRPr sz="1800" kern="1200">
+          <a:solidFill>
+            <a:schemeClr val="tx1"/>
+          </a:solidFill>
+          <a:latin typeface="+mn-lt"/>
+          <a:ea typeface="+mn-ea"/>
+          <a:cs typeface="+mn-cs"/>
+        </a:defRPr>
+      </a:lvl8pPr>
+      <a:lvl9pPr marL="3657600" algn="l" defTabSz="914400" rtl="0" eaLnBrk="1" latinLnBrk="0" hangingPunct="1">
+        <a:defRPr sz="1800" kern="1200">
+          <a:solidFill>
+            <a:schemeClr val="tx1"/>
+          </a:solidFill>
+          <a:latin typeface="+mn-lt"/>
+          <a:ea typeface="+mn-ea"/>
+          <a:cs typeface="+mn-cs"/>
+        </a:defRPr>
+      </a:lvl9pPr>
+    </p:otherStyle>
+  </p:txStyles>
+</p:sldMaster>
+</file>
+
 <file path=ppt/slides/slide1.xml><?xml version="1.0" encoding="utf-8"?>
 <p:sld xmlns:a="http://schemas.openxmlformats.org/drawingml/2006/main" xmlns:r="http://schemas.openxmlformats.org/officeDocument/2006/relationships" xmlns:p="http://schemas.openxmlformats.org/presentationml/2006/main">
   <p:cSld>
@@ -3539,21 +6207,17 @@
           <a:p>
             <a:pPr marL="742950" indent="-742950">
               <a:buFont typeface="+mj-lt"/>
-              <a:buAutoNum type="arabicPeriod"/>
+              <a:buAutoNum type="arabicPeriod" startAt="3"/>
             </a:pPr>
             <a:r>
               <a:rPr lang="ru-RU" sz="3600" dirty="0"/>
-              <a:t>Структурные шаблоны (</a:t>
+              <a:t>Порождающие шаблоны (</a:t>
             </a:r>
             <a:r>
               <a:rPr lang="en-US" sz="3600" dirty="0"/>
-              <a:t>Structural</a:t>
-            </a:r>
-            <a:r>
-              <a:rPr lang="en-US" sz="3600" dirty="0" smtClean="0"/>
-              <a:t>)</a:t>
-            </a:r>
-            <a:endParaRPr lang="en-US" sz="3600" dirty="0"/>
+              <a:t>Creational)</a:t>
+            </a:r>
+            <a:endParaRPr lang="ru-RU" sz="3600" dirty="0"/>
           </a:p>
         </p:txBody>
       </p:sp>
@@ -3570,29 +6234,168 @@
         <p:spPr/>
         <p:txBody>
           <a:bodyPr>
-            <a:normAutofit/>
+            <a:normAutofit fontScale="70000" lnSpcReduction="20000"/>
           </a:bodyPr>
           <a:lstStyle/>
           <a:p>
-            <a:pPr marL="0" indent="0">
-              <a:buNone/>
-            </a:pPr>
+            <a:r>
+              <a:rPr lang="ru-RU" dirty="0" smtClean="0">
+                <a:solidFill>
+                  <a:srgbClr val="FFFF00"/>
+                </a:solidFill>
+              </a:rPr>
+              <a:t>Одиночка (Singleton</a:t>
+            </a:r>
+            <a:r>
+              <a:rPr lang="ru-RU" dirty="0">
+                <a:solidFill>
+                  <a:srgbClr val="FFFF00"/>
+                </a:solidFill>
+              </a:rPr>
+              <a:t>).</a:t>
+            </a:r>
+            <a:r>
+              <a:rPr lang="ru-RU" dirty="0"/>
+              <a:t> Класс, который может иметь только один экземпляр.</a:t>
+            </a:r>
+          </a:p>
+          <a:p>
+            <a:r>
+              <a:rPr lang="ru-RU" dirty="0">
+                <a:solidFill>
+                  <a:srgbClr val="FFFF00"/>
+                </a:solidFill>
+              </a:rPr>
+              <a:t>Пул </a:t>
+            </a:r>
+            <a:r>
+              <a:rPr lang="ru-RU" dirty="0" smtClean="0">
+                <a:solidFill>
+                  <a:srgbClr val="FFFF00"/>
+                </a:solidFill>
+              </a:rPr>
+              <a:t>одиночек (Multiton</a:t>
+            </a:r>
+            <a:r>
+              <a:rPr lang="ru-RU" dirty="0">
+                <a:solidFill>
+                  <a:srgbClr val="FFFF00"/>
+                </a:solidFill>
+              </a:rPr>
+              <a:t>).</a:t>
+            </a:r>
+            <a:r>
+              <a:rPr lang="ru-RU" dirty="0"/>
+              <a:t> Гарантирует, что класс имеет поименованные экземпляры объекта и обеспечивает глобальную точку доступа к ним .</a:t>
+            </a:r>
+          </a:p>
+          <a:p>
+            <a:r>
+              <a:rPr lang="ru-RU" dirty="0">
+                <a:solidFill>
+                  <a:srgbClr val="FFFF00"/>
+                </a:solidFill>
+              </a:rPr>
+              <a:t>Объектный </a:t>
+            </a:r>
+            <a:r>
+              <a:rPr lang="ru-RU" dirty="0" smtClean="0">
+                <a:solidFill>
+                  <a:srgbClr val="FFFF00"/>
+                </a:solidFill>
+              </a:rPr>
+              <a:t>пул (Object pool).</a:t>
+            </a:r>
             <a:r>
               <a:rPr lang="ru-RU" dirty="0" smtClean="0"/>
-              <a:t>Определяют </a:t>
+              <a:t> Класс</a:t>
             </a:r>
             <a:r>
               <a:rPr lang="ru-RU" dirty="0"/>
-              <a:t>различные сложные структуры, которые изменяют интерфейс уже существующих объектов или его реализацию, позволяя облегчить разработку и оптимизировать программу.</a:t>
-            </a:r>
-            <a:endParaRPr lang="en-US" dirty="0"/>
+              <a:t>, который представляет собой интерфейс для работы с набором инициализированных и готовых к использованию </a:t>
+            </a:r>
+            <a:r>
+              <a:rPr lang="ru-RU" dirty="0" smtClean="0"/>
+              <a:t>объектов.</a:t>
+            </a:r>
+            <a:endParaRPr lang="ru-RU" dirty="0"/>
+          </a:p>
+          <a:p>
+            <a:r>
+              <a:rPr lang="ru-RU" dirty="0" smtClean="0">
+                <a:solidFill>
+                  <a:srgbClr val="FFFF00"/>
+                </a:solidFill>
+              </a:rPr>
+              <a:t>Прототип (Prototype).</a:t>
+            </a:r>
+            <a:r>
+              <a:rPr lang="ru-RU" dirty="0" smtClean="0"/>
+              <a:t> Определяет </a:t>
+            </a:r>
+            <a:r>
+              <a:rPr lang="ru-RU" dirty="0"/>
+              <a:t>интерфейс создания объекта через клонирование другого объекта вместо создания через </a:t>
+            </a:r>
+            <a:r>
+              <a:rPr lang="ru-RU" dirty="0" smtClean="0"/>
+              <a:t>конструктор.</a:t>
+            </a:r>
+            <a:endParaRPr lang="ru-RU" dirty="0"/>
+          </a:p>
+          <a:p>
+            <a:r>
+              <a:rPr lang="ru-RU" dirty="0">
+                <a:solidFill>
+                  <a:srgbClr val="FFFF00"/>
+                </a:solidFill>
+              </a:rPr>
+              <a:t>Получение ресурса есть </a:t>
+            </a:r>
+            <a:r>
+              <a:rPr lang="ru-RU" dirty="0" smtClean="0">
+                <a:solidFill>
+                  <a:srgbClr val="FFFF00"/>
+                </a:solidFill>
+              </a:rPr>
+              <a:t>инициализация (Resource </a:t>
+            </a:r>
+            <a:r>
+              <a:rPr lang="ru-RU" dirty="0">
+                <a:solidFill>
+                  <a:srgbClr val="FFFF00"/>
+                </a:solidFill>
+              </a:rPr>
+              <a:t>acquisition is initialization (RAII</a:t>
+            </a:r>
+            <a:r>
+              <a:rPr lang="ru-RU" dirty="0" smtClean="0">
+                <a:solidFill>
+                  <a:srgbClr val="FFFF00"/>
+                </a:solidFill>
+              </a:rPr>
+              <a:t>)).</a:t>
+            </a:r>
+            <a:r>
+              <a:rPr lang="ru-RU" dirty="0" smtClean="0"/>
+              <a:t> Получение </a:t>
+            </a:r>
+            <a:r>
+              <a:rPr lang="ru-RU" dirty="0"/>
+              <a:t>некоторого ресурса совмещается с инициализацией, а освобождение — с уничтожением </a:t>
+            </a:r>
+            <a:r>
+              <a:rPr lang="ru-RU" dirty="0" smtClean="0"/>
+              <a:t>объекта.</a:t>
+            </a:r>
+            <a:endParaRPr lang="ru-RU" dirty="0"/>
           </a:p>
         </p:txBody>
       </p:sp>
     </p:spTree>
     <p:extLst>
       <p:ext uri="{BB962C8B-B14F-4D97-AF65-F5344CB8AC3E}">
-        <p14:creationId xmlns:p14="http://schemas.microsoft.com/office/powerpoint/2010/main" val="2463800246"/>
+        <p14:creationId xmlns:p14="http://schemas.microsoft.com/office/powerpoint/2010/main" val="3876317382"/>
       </p:ext>
     </p:extLst>
   </p:cSld>
@@ -3638,7 +6441,7 @@
           <a:p>
             <a:pPr marL="742950" indent="-742950">
               <a:buFont typeface="+mj-lt"/>
-              <a:buAutoNum type="arabicPeriod" startAt="2"/>
+              <a:buAutoNum type="arabicPeriod"/>
             </a:pPr>
             <a:r>
               <a:rPr lang="ru-RU" sz="3600" dirty="0"/>
@@ -3669,169 +6472,29 @@
         <p:spPr/>
         <p:txBody>
           <a:bodyPr>
-            <a:normAutofit fontScale="77500" lnSpcReduction="20000"/>
+            <a:normAutofit/>
           </a:bodyPr>
           <a:lstStyle/>
           <a:p>
-            <a:r>
-              <a:rPr lang="ru-RU" dirty="0">
-                <a:solidFill>
-                  <a:srgbClr val="FFFF00"/>
-                </a:solidFill>
-              </a:rPr>
-              <a:t>Адаптер </a:t>
-            </a:r>
-            <a:r>
-              <a:rPr lang="ru-RU" dirty="0" smtClean="0">
-                <a:solidFill>
-                  <a:srgbClr val="FFFF00"/>
-                </a:solidFill>
-              </a:rPr>
-              <a:t>(Adapter </a:t>
-            </a:r>
-            <a:r>
-              <a:rPr lang="ru-RU" dirty="0">
-                <a:solidFill>
-                  <a:srgbClr val="FFFF00"/>
-                </a:solidFill>
-              </a:rPr>
-              <a:t>/ </a:t>
-            </a:r>
-            <a:r>
-              <a:rPr lang="ru-RU" dirty="0" smtClean="0">
-                <a:solidFill>
-                  <a:srgbClr val="FFFF00"/>
-                </a:solidFill>
-              </a:rPr>
-              <a:t>Wrapper).</a:t>
-            </a:r>
+            <a:pPr marL="0" indent="0">
+              <a:buNone/>
+            </a:pPr>
             <a:r>
               <a:rPr lang="ru-RU" dirty="0" smtClean="0"/>
-              <a:t> </a:t>
+              <a:t>Определяют </a:t>
             </a:r>
             <a:r>
               <a:rPr lang="ru-RU" dirty="0"/>
-              <a:t>Объект, обеспечивающий взаимодействие двух других объектов, один из которых использует, а другой предоставляет несовместимый с первым </a:t>
-            </a:r>
-            <a:r>
-              <a:rPr lang="ru-RU" dirty="0" smtClean="0"/>
-              <a:t>интерфейс.</a:t>
-            </a:r>
-            <a:endParaRPr lang="ru-RU" dirty="0"/>
-          </a:p>
-          <a:p>
-            <a:r>
-              <a:rPr lang="ru-RU" dirty="0">
-                <a:solidFill>
-                  <a:srgbClr val="FFFF00"/>
-                </a:solidFill>
-              </a:rPr>
-              <a:t>Мост </a:t>
-            </a:r>
-            <a:r>
-              <a:rPr lang="ru-RU" dirty="0" smtClean="0">
-                <a:solidFill>
-                  <a:srgbClr val="FFFF00"/>
-                </a:solidFill>
-              </a:rPr>
-              <a:t>(Bridge).</a:t>
-            </a:r>
-            <a:r>
-              <a:rPr lang="ru-RU" dirty="0" smtClean="0"/>
-              <a:t> </a:t>
-            </a:r>
-            <a:r>
-              <a:rPr lang="ru-RU" dirty="0"/>
-              <a:t>Структура, позволяющая изменять интерфейс обращения и интерфейс реализации класса независимо</a:t>
-            </a:r>
-          </a:p>
-          <a:p>
-            <a:r>
-              <a:rPr lang="ru-RU" dirty="0" smtClean="0">
-                <a:solidFill>
-                  <a:srgbClr val="FFFF00"/>
-                </a:solidFill>
-              </a:rPr>
-              <a:t>Компоновщик (Composite).</a:t>
-            </a:r>
-            <a:r>
-              <a:rPr lang="ru-RU" dirty="0" smtClean="0"/>
-              <a:t> </a:t>
-            </a:r>
-            <a:r>
-              <a:rPr lang="ru-RU" dirty="0"/>
-              <a:t>Объект, который объединяет в себе объекты, подобные ему самому</a:t>
-            </a:r>
-          </a:p>
-          <a:p>
-            <a:r>
-              <a:rPr lang="en-US" dirty="0" smtClean="0">
-                <a:solidFill>
-                  <a:srgbClr val="FFC000"/>
-                </a:solidFill>
-              </a:rPr>
-              <a:t>[C#]</a:t>
-            </a:r>
-            <a:r>
-              <a:rPr lang="en-US" dirty="0" smtClean="0">
-                <a:solidFill>
-                  <a:srgbClr val="FFFF00"/>
-                </a:solidFill>
-              </a:rPr>
-              <a:t> </a:t>
-            </a:r>
-            <a:r>
-              <a:rPr lang="ru-RU" dirty="0" smtClean="0">
-                <a:solidFill>
-                  <a:srgbClr val="FFFF00"/>
-                </a:solidFill>
-              </a:rPr>
-              <a:t>Декоратор (Decorator).</a:t>
-            </a:r>
-            <a:r>
-              <a:rPr lang="ru-RU" dirty="0" smtClean="0"/>
-              <a:t> </a:t>
-            </a:r>
-            <a:r>
-              <a:rPr lang="ru-RU" dirty="0"/>
-              <a:t>Класс, расширяющий функциональность другого класса без использования </a:t>
-            </a:r>
-            <a:r>
-              <a:rPr lang="ru-RU" dirty="0" smtClean="0"/>
-              <a:t>наследования.</a:t>
-            </a:r>
-            <a:r>
-              <a:rPr lang="en-US" dirty="0" smtClean="0"/>
-              <a:t> </a:t>
-            </a:r>
-            <a:r>
-              <a:rPr lang="en-US" dirty="0" smtClean="0">
-                <a:solidFill>
-                  <a:srgbClr val="FFC000"/>
-                </a:solidFill>
-              </a:rPr>
-              <a:t>Extension </a:t>
-            </a:r>
-            <a:r>
-              <a:rPr lang="ru-RU" dirty="0" smtClean="0">
-                <a:solidFill>
-                  <a:srgbClr val="FFC000"/>
-                </a:solidFill>
-              </a:rPr>
-              <a:t>методы.</a:t>
-            </a:r>
-            <a:endParaRPr lang="en-US" dirty="0">
-              <a:solidFill>
-                <a:srgbClr val="FFC000"/>
-              </a:solidFill>
-            </a:endParaRPr>
+              <a:t>различные сложные структуры, которые изменяют интерфейс уже существующих объектов или его реализацию, позволяя облегчить разработку и оптимизировать программу.</a:t>
+            </a:r>
+            <a:endParaRPr lang="en-US" dirty="0"/>
           </a:p>
         </p:txBody>
       </p:sp>
     </p:spTree>
     <p:extLst>
       <p:ext uri="{BB962C8B-B14F-4D97-AF65-F5344CB8AC3E}">
-        <p14:creationId xmlns:p14="http://schemas.microsoft.com/office/powerpoint/2010/main" val="1760599577"/>
+        <p14:creationId xmlns:p14="http://schemas.microsoft.com/office/powerpoint/2010/main" val="2463800246"/>
       </p:ext>
     </p:extLst>
   </p:cSld>
@@ -3877,7 +6540,7 @@
           <a:p>
             <a:pPr marL="742950" indent="-742950">
               <a:buFont typeface="+mj-lt"/>
-              <a:buAutoNum type="arabicPeriod" startAt="3"/>
+              <a:buAutoNum type="arabicPeriod" startAt="2"/>
             </a:pPr>
             <a:r>
               <a:rPr lang="ru-RU" sz="3600" dirty="0"/>
@@ -3908,17 +6571,41 @@
         <p:spPr/>
         <p:txBody>
           <a:bodyPr>
-            <a:normAutofit fontScale="70000" lnSpcReduction="20000"/>
+            <a:normAutofit fontScale="77500" lnSpcReduction="20000"/>
           </a:bodyPr>
           <a:lstStyle/>
           <a:p>
             <a:r>
+              <a:rPr lang="ru-RU" dirty="0">
+                <a:solidFill>
+                  <a:srgbClr val="FFFF00"/>
+                </a:solidFill>
+              </a:rPr>
+              <a:t>Адаптер </a:t>
+            </a:r>
+            <a:r>
               <a:rPr lang="ru-RU" dirty="0" smtClean="0">
                 <a:solidFill>
                   <a:srgbClr val="FFFF00"/>
                 </a:solidFill>
               </a:rPr>
-              <a:t>Фасад (Facade).</a:t>
+              <a:t>(Adapter </a:t>
+            </a:r>
+            <a:r>
+              <a:rPr lang="ru-RU" dirty="0">
+                <a:solidFill>
+                  <a:srgbClr val="FFFF00"/>
+                </a:solidFill>
+              </a:rPr>
+              <a:t>/ </a:t>
+            </a:r>
+            <a:r>
+              <a:rPr lang="ru-RU" dirty="0" smtClean="0">
+                <a:solidFill>
+                  <a:srgbClr val="FFFF00"/>
+                </a:solidFill>
+              </a:rPr>
+              <a:t>Wrapper).</a:t>
             </a:r>
             <a:r>
               <a:rPr lang="ru-RU" dirty="0" smtClean="0"/>
@@ -3926,11 +6613,11 @@
             </a:r>
             <a:r>
               <a:rPr lang="ru-RU" dirty="0"/>
-              <a:t>Объект, который абстрагирует работу с несколькими классами, объединяя их в единое </a:t>
+              <a:t>Объект, обеспечивающий взаимодействие двух других объектов, один из которых использует, а другой предоставляет несовместимый с первым </a:t>
             </a:r>
             <a:r>
               <a:rPr lang="ru-RU" dirty="0" smtClean="0"/>
-              <a:t>целое.</a:t>
+              <a:t>интерфейс.</a:t>
             </a:r>
             <a:endParaRPr lang="ru-RU" dirty="0"/>
           </a:p>
@@ -3941,7 +6628,7 @@
                   <a:srgbClr val="FFFF00"/>
                 </a:solidFill>
               </a:rPr>
-              <a:t>Единая точка входа </a:t>
+              <a:t>Мост </a:t>
             </a:r>
             <a:r>
               <a:rPr lang="ru-RU" dirty="0" smtClean="0">
@@ -3949,7 +6636,7 @@
                   <a:srgbClr val="FFFF00"/>
                 </a:solidFill>
               </a:rPr>
-              <a:t>(Front Controller).</a:t>
+              <a:t>(Bridge).</a:t>
             </a:r>
             <a:r>
               <a:rPr lang="ru-RU" dirty="0" smtClean="0"/>
@@ -3957,30 +6644,17 @@
             </a:r>
             <a:r>
               <a:rPr lang="ru-RU" dirty="0"/>
-              <a:t>Обеспечивает унифицированный интерфейс для интерфейсов в подсистеме. Front Controller определяет высокоуровневый интерфейс, упрощающий использование </a:t>
-            </a:r>
-            <a:r>
-              <a:rPr lang="ru-RU" dirty="0" smtClean="0"/>
-              <a:t>подсистемы.</a:t>
-            </a:r>
-            <a:endParaRPr lang="ru-RU" dirty="0"/>
-          </a:p>
-          <a:p>
-            <a:r>
-              <a:rPr lang="ru-RU" dirty="0">
+              <a:t>Структура, позволяющая изменять интерфейс обращения и интерфейс реализации класса независимо</a:t>
+            </a:r>
+          </a:p>
+          <a:p>
+            <a:r>
+              <a:rPr lang="ru-RU" dirty="0" smtClean="0">
                 <a:solidFill>
                   <a:srgbClr val="FFFF00"/>
                 </a:solidFill>
               </a:rPr>
-              <a:t>Приспособленец </a:t>
-            </a:r>
-            <a:r>
-              <a:rPr lang="ru-RU" dirty="0" smtClean="0">
-                <a:solidFill>
-                  <a:srgbClr val="FFFF00"/>
-                </a:solidFill>
-              </a:rPr>
-              <a:t>(Flyweight).</a:t>
+              <a:t>Компоновщик (Composite).</a:t>
             </a:r>
             <a:r>
               <a:rPr lang="ru-RU" dirty="0" smtClean="0"/>
@@ -3988,22 +6662,33 @@
             </a:r>
             <a:r>
               <a:rPr lang="ru-RU" dirty="0"/>
-              <a:t>Это объект, представляющий себя как уникальный экземпляр в разных местах программы, но по факту не являющийся </a:t>
-            </a:r>
-            <a:r>
-              <a:rPr lang="ru-RU" dirty="0" smtClean="0"/>
-              <a:t>таковым.</a:t>
-            </a:r>
-            <a:endParaRPr lang="ru-RU" dirty="0"/>
-          </a:p>
-          <a:p>
+              <a:t>Объект, который объединяет в себе объекты, подобные ему самому</a:t>
+            </a:r>
+          </a:p>
+          <a:p>
+            <a:r>
+              <a:rPr lang="en-US" dirty="0" smtClean="0">
+                <a:solidFill>
+                  <a:srgbClr val="FFC000"/>
+                </a:solidFill>
+              </a:rPr>
+              <a:t>[C#]</a:t>
+            </a:r>
+            <a:r>
+              <a:rPr lang="en-US" dirty="0" smtClean="0">
+                <a:solidFill>
+                  <a:srgbClr val="FFFF00"/>
+                </a:solidFill>
+              </a:rPr>
+              <a:t> </a:t>
+            </a:r>
             <a:r>
               <a:rPr lang="ru-RU" dirty="0" smtClean="0">
                 <a:solidFill>
                   <a:srgbClr val="FFFF00"/>
                 </a:solidFill>
               </a:rPr>
-              <a:t>Заместитель (Proxy).</a:t>
+              <a:t>Декоратор (Decorator).</a:t>
             </a:r>
             <a:r>
               <a:rPr lang="ru-RU" dirty="0" smtClean="0"/>
@@ -4011,20 +6696,44 @@
             </a:r>
             <a:r>
               <a:rPr lang="ru-RU" dirty="0"/>
-              <a:t>Объект, который является посредником между двумя другими объектами, и который реализовывает/ограничивает доступ к объекту, к которому обращаются через </a:t>
+              <a:t>Класс, расширяющий функциональность другого класса без использования </a:t>
             </a:r>
             <a:r>
               <a:rPr lang="ru-RU" dirty="0" smtClean="0"/>
-              <a:t>него.</a:t>
-            </a:r>
-            <a:endParaRPr lang="en-US" dirty="0"/>
+              <a:t>наследования.</a:t>
+            </a:r>
+            <a:r>
+              <a:rPr lang="en-US" dirty="0" smtClean="0"/>
+              <a:t> </a:t>
+            </a:r>
+            <a:r>
+              <a:rPr lang="en-US" dirty="0" smtClean="0">
+                <a:solidFill>
+                  <a:srgbClr val="FFC000"/>
+                </a:solidFill>
+              </a:rPr>
+              <a:t>Extension </a:t>
+            </a:r>
+            <a:r>
+              <a:rPr lang="ru-RU" dirty="0" smtClean="0">
+                <a:solidFill>
+                  <a:srgbClr val="FFC000"/>
+                </a:solidFill>
+              </a:rPr>
+              <a:t>методы.</a:t>
+            </a:r>
+            <a:endParaRPr lang="en-US" dirty="0">
+              <a:solidFill>
+                <a:srgbClr val="FFC000"/>
+              </a:solidFill>
+            </a:endParaRPr>
           </a:p>
         </p:txBody>
       </p:sp>
     </p:spTree>
     <p:extLst>
       <p:ext uri="{BB962C8B-B14F-4D97-AF65-F5344CB8AC3E}">
-        <p14:creationId xmlns:p14="http://schemas.microsoft.com/office/powerpoint/2010/main" val="843854959"/>
+        <p14:creationId xmlns:p14="http://schemas.microsoft.com/office/powerpoint/2010/main" val="1760599577"/>
       </p:ext>
     </p:extLst>
   </p:cSld>
@@ -4070,14 +6779,18 @@
           <a:p>
             <a:pPr marL="742950" indent="-742950">
               <a:buFont typeface="+mj-lt"/>
-              <a:buAutoNum type="arabicPeriod"/>
+              <a:buAutoNum type="arabicPeriod" startAt="3"/>
             </a:pPr>
             <a:r>
               <a:rPr lang="ru-RU" sz="3600" dirty="0"/>
-              <a:t>Поведенческие шаблоны (Behavioral</a:t>
-            </a:r>
-            <a:r>
-              <a:rPr lang="ru-RU" sz="3600" dirty="0" smtClean="0"/>
+              <a:t>Структурные шаблоны (</a:t>
+            </a:r>
+            <a:r>
+              <a:rPr lang="en-US" sz="3600" dirty="0"/>
+              <a:t>Structural</a:t>
+            </a:r>
+            <a:r>
+              <a:rPr lang="en-US" sz="3600" dirty="0" smtClean="0"/>
               <a:t>)</a:t>
             </a:r>
             <a:endParaRPr lang="en-US" sz="3600" dirty="0"/>
@@ -4096,19 +6809,115 @@
         </p:nvSpPr>
         <p:spPr/>
         <p:txBody>
-          <a:bodyPr/>
+          <a:bodyPr>
+            <a:normAutofit fontScale="70000" lnSpcReduction="20000"/>
+          </a:bodyPr>
           <a:lstStyle/>
           <a:p>
-            <a:pPr marL="0" indent="0">
-              <a:buNone/>
-            </a:pPr>
+            <a:r>
+              <a:rPr lang="ru-RU" dirty="0" smtClean="0">
+                <a:solidFill>
+                  <a:srgbClr val="FFFF00"/>
+                </a:solidFill>
+              </a:rPr>
+              <a:t>Фасад (Facade).</a:t>
+            </a:r>
             <a:r>
               <a:rPr lang="ru-RU" dirty="0" smtClean="0"/>
-              <a:t>Определяют </a:t>
+              <a:t> </a:t>
             </a:r>
             <a:r>
               <a:rPr lang="ru-RU" dirty="0"/>
-              <a:t>взаимодействие между объектами, увеличивая таким образом его гибкость.</a:t>
+              <a:t>Объект, который абстрагирует работу с несколькими классами, объединяя их в единое </a:t>
+            </a:r>
+            <a:r>
+              <a:rPr lang="ru-RU" dirty="0" smtClean="0"/>
+              <a:t>целое.</a:t>
+            </a:r>
+            <a:endParaRPr lang="ru-RU" dirty="0"/>
+          </a:p>
+          <a:p>
+            <a:r>
+              <a:rPr lang="ru-RU" dirty="0">
+                <a:solidFill>
+                  <a:srgbClr val="FFFF00"/>
+                </a:solidFill>
+              </a:rPr>
+              <a:t>Единая точка входа </a:t>
+            </a:r>
+            <a:r>
+              <a:rPr lang="ru-RU" dirty="0" smtClean="0">
+                <a:solidFill>
+                  <a:srgbClr val="FFFF00"/>
+                </a:solidFill>
+              </a:rPr>
+              <a:t>(Front Controller).</a:t>
+            </a:r>
+            <a:r>
+              <a:rPr lang="ru-RU" dirty="0" smtClean="0"/>
+              <a:t> </a:t>
+            </a:r>
+            <a:r>
+              <a:rPr lang="ru-RU" dirty="0"/>
+              <a:t>Обеспечивает унифицированный интерфейс для интерфейсов в подсистеме. Front Controller определяет высокоуровневый интерфейс, упрощающий использование </a:t>
+            </a:r>
+            <a:r>
+              <a:rPr lang="ru-RU" dirty="0" smtClean="0"/>
+              <a:t>подсистемы.</a:t>
+            </a:r>
+            <a:endParaRPr lang="ru-RU" dirty="0"/>
+          </a:p>
+          <a:p>
+            <a:r>
+              <a:rPr lang="ru-RU" dirty="0">
+                <a:solidFill>
+                  <a:srgbClr val="FFFF00"/>
+                </a:solidFill>
+              </a:rPr>
+              <a:t>Приспособленец </a:t>
+            </a:r>
+            <a:r>
+              <a:rPr lang="ru-RU" dirty="0" smtClean="0">
+                <a:solidFill>
+                  <a:srgbClr val="FFFF00"/>
+                </a:solidFill>
+              </a:rPr>
+              <a:t>(Flyweight).</a:t>
+            </a:r>
+            <a:r>
+              <a:rPr lang="ru-RU" dirty="0" smtClean="0"/>
+              <a:t> </a:t>
+            </a:r>
+            <a:r>
+              <a:rPr lang="ru-RU" dirty="0"/>
+              <a:t>Это объект, представляющий себя как уникальный экземпляр в разных местах программы, но по факту не являющийся </a:t>
+            </a:r>
+            <a:r>
+              <a:rPr lang="ru-RU" dirty="0" smtClean="0"/>
+              <a:t>таковым.</a:t>
+            </a:r>
+            <a:endParaRPr lang="ru-RU" dirty="0"/>
+          </a:p>
+          <a:p>
+            <a:r>
+              <a:rPr lang="ru-RU" dirty="0" smtClean="0">
+                <a:solidFill>
+                  <a:srgbClr val="FFFF00"/>
+                </a:solidFill>
+              </a:rPr>
+              <a:t>Заместитель (Proxy).</a:t>
+            </a:r>
+            <a:r>
+              <a:rPr lang="ru-RU" dirty="0" smtClean="0"/>
+              <a:t> </a:t>
+            </a:r>
+            <a:r>
+              <a:rPr lang="ru-RU" dirty="0"/>
+              <a:t>Объект, который является посредником между двумя другими объектами, и который реализовывает/ограничивает доступ к объекту, к которому обращаются через </a:t>
+            </a:r>
+            <a:r>
+              <a:rPr lang="ru-RU" dirty="0" smtClean="0"/>
+              <a:t>него.</a:t>
             </a:r>
             <a:endParaRPr lang="en-US" dirty="0"/>
           </a:p>
@@ -4117,7 +6926,7 @@
     </p:spTree>
     <p:extLst>
       <p:ext uri="{BB962C8B-B14F-4D97-AF65-F5344CB8AC3E}">
-        <p14:creationId xmlns:p14="http://schemas.microsoft.com/office/powerpoint/2010/main" val="1660261524"/>
+        <p14:creationId xmlns:p14="http://schemas.microsoft.com/office/powerpoint/2010/main" val="843854959"/>
       </p:ext>
     </p:extLst>
   </p:cSld>
@@ -4163,6 +6972,99 @@
           <a:p>
             <a:pPr marL="742950" indent="-742950">
               <a:buFont typeface="+mj-lt"/>
+              <a:buAutoNum type="arabicPeriod"/>
+            </a:pPr>
+            <a:r>
+              <a:rPr lang="ru-RU" sz="3600" dirty="0"/>
+              <a:t>Поведенческие шаблоны (Behavioral</a:t>
+            </a:r>
+            <a:r>
+              <a:rPr lang="ru-RU" sz="3600" dirty="0" smtClean="0"/>
+              <a:t>)</a:t>
+            </a:r>
+            <a:endParaRPr lang="en-US" sz="3600" dirty="0"/>
+          </a:p>
+        </p:txBody>
+      </p:sp>
+      <p:sp>
+        <p:nvSpPr>
+          <p:cNvPr id="3" name="Content Placeholder 2"/>
+          <p:cNvSpPr>
+            <a:spLocks noGrp="1"/>
+          </p:cNvSpPr>
+          <p:nvPr>
+            <p:ph idx="1"/>
+          </p:nvPr>
+        </p:nvSpPr>
+        <p:spPr/>
+        <p:txBody>
+          <a:bodyPr/>
+          <a:lstStyle/>
+          <a:p>
+            <a:pPr marL="0" indent="0">
+              <a:buNone/>
+            </a:pPr>
+            <a:r>
+              <a:rPr lang="ru-RU" dirty="0" smtClean="0"/>
+              <a:t>Определяют </a:t>
+            </a:r>
+            <a:r>
+              <a:rPr lang="ru-RU" dirty="0"/>
+              <a:t>взаимодействие между объектами, увеличивая таким образом его гибкость.</a:t>
+            </a:r>
+            <a:endParaRPr lang="en-US" dirty="0"/>
+          </a:p>
+        </p:txBody>
+      </p:sp>
+    </p:spTree>
+    <p:extLst>
+      <p:ext uri="{BB962C8B-B14F-4D97-AF65-F5344CB8AC3E}">
+        <p14:creationId xmlns:p14="http://schemas.microsoft.com/office/powerpoint/2010/main" val="1660261524"/>
+      </p:ext>
+    </p:extLst>
+  </p:cSld>
+  <p:clrMapOvr>
+    <a:masterClrMapping/>
+  </p:clrMapOvr>
+</p:sld>
+</file>
+
+<file path=ppt/slides/slide15.xml><?xml version="1.0" encoding="utf-8"?>
+<p:sld xmlns:a="http://schemas.openxmlformats.org/drawingml/2006/main" xmlns:r="http://schemas.openxmlformats.org/officeDocument/2006/relationships" xmlns:p="http://schemas.openxmlformats.org/presentationml/2006/main">
+  <p:cSld>
+    <p:spTree>
+      <p:nvGrpSpPr>
+        <p:cNvPr id="1" name=""/>
+        <p:cNvGrpSpPr/>
+        <p:nvPr/>
+      </p:nvGrpSpPr>
+      <p:grpSpPr>
+        <a:xfrm>
+          <a:off x="0" y="0"/>
+          <a:ext cx="0" cy="0"/>
+          <a:chOff x="0" y="0"/>
+          <a:chExt cx="0" cy="0"/>
+        </a:xfrm>
+      </p:grpSpPr>
+      <p:sp>
+        <p:nvSpPr>
+          <p:cNvPr id="2" name="Title 1"/>
+          <p:cNvSpPr>
+            <a:spLocks noGrp="1"/>
+          </p:cNvSpPr>
+          <p:nvPr>
+            <p:ph type="title"/>
+          </p:nvPr>
+        </p:nvSpPr>
+        <p:spPr/>
+        <p:txBody>
+          <a:bodyPr>
+            <a:normAutofit/>
+          </a:bodyPr>
+          <a:lstStyle/>
+          <a:p>
+            <a:pPr marL="742950" indent="-742950">
+              <a:buFont typeface="+mj-lt"/>
               <a:buAutoNum type="arabicPeriod" startAt="2"/>
             </a:pPr>
             <a:r>
@@ -4495,7 +7397,7 @@
 </p:sld>
 </file>
 
-<file path=ppt/slides/slide15.xml><?xml version="1.0" encoding="utf-8"?>
+<file path=ppt/slides/slide16.xml><?xml version="1.0" encoding="utf-8"?>
 <p:sld xmlns:a="http://schemas.openxmlformats.org/drawingml/2006/main" xmlns:r="http://schemas.openxmlformats.org/officeDocument/2006/relationships" xmlns:p="http://schemas.openxmlformats.org/presentationml/2006/main">
   <p:cSld>
     <p:spTree>
@@ -5196,6 +8098,14 @@
 <file path=ppt/slides/slide4.xml><?xml version="1.0" encoding="utf-8"?>
 <p:sld xmlns:a="http://schemas.openxmlformats.org/drawingml/2006/main" xmlns:r="http://schemas.openxmlformats.org/officeDocument/2006/relationships" xmlns:p="http://schemas.openxmlformats.org/presentationml/2006/main">
   <p:cSld>
+    <p:bg>
+      <p:bgPr>
+        <a:solidFill>
+          <a:schemeClr val="bg1"/>
+        </a:solidFill>
+        <a:effectLst/>
+      </p:bgPr>
+    </p:bg>
     <p:spTree>
       <p:nvGrpSpPr>
         <p:cNvPr id="1" name=""/>
@@ -5210,83 +8120,51 @@
           <a:chExt cx="0" cy="0"/>
         </a:xfrm>
       </p:grpSpPr>
-      <p:sp>
-        <p:nvSpPr>
-          <p:cNvPr id="2" name="Title 1"/>
-          <p:cNvSpPr>
-            <a:spLocks noGrp="1"/>
-          </p:cNvSpPr>
-          <p:nvPr>
-            <p:ph type="title"/>
-          </p:nvPr>
-        </p:nvSpPr>
-        <p:spPr/>
-        <p:txBody>
-          <a:bodyPr/>
-          <a:lstStyle/>
-          <a:p>
-            <a:r>
-              <a:rPr lang="ru-RU" dirty="0" smtClean="0"/>
-              <a:t>Шаблон проектирования</a:t>
-            </a:r>
-            <a:endParaRPr lang="ru-RU" dirty="0"/>
-          </a:p>
-        </p:txBody>
-      </p:sp>
-      <p:sp>
-        <p:nvSpPr>
-          <p:cNvPr id="3" name="Content Placeholder 2"/>
-          <p:cNvSpPr>
-            <a:spLocks noGrp="1"/>
-          </p:cNvSpPr>
-          <p:nvPr>
-            <p:ph idx="1"/>
-          </p:nvPr>
-        </p:nvSpPr>
-        <p:spPr/>
-        <p:txBody>
-          <a:bodyPr>
-            <a:normAutofit fontScale="85000" lnSpcReduction="10000"/>
-          </a:bodyPr>
-          <a:lstStyle/>
-          <a:p>
-            <a:pPr marL="0" indent="0">
-              <a:buNone/>
-            </a:pPr>
-            <a:r>
-              <a:rPr lang="ru-RU" dirty="0"/>
-              <a:t>В разработке программного обеспечения, шаблон проектирования или паттерн </a:t>
-            </a:r>
-            <a:r>
-              <a:rPr lang="ru-RU" dirty="0" smtClean="0"/>
-              <a:t>(design </a:t>
-            </a:r>
-            <a:r>
-              <a:rPr lang="ru-RU" dirty="0"/>
-              <a:t>pattern) — повторимая архитектурная конструкция, представляющая собой решение проблемы проектирования в рамках некоторого часто возникающего контекста.</a:t>
-            </a:r>
-          </a:p>
-          <a:p>
-            <a:pPr marL="0" indent="0">
-              <a:buNone/>
-            </a:pPr>
-            <a:endParaRPr lang="ru-RU" dirty="0"/>
-          </a:p>
-          <a:p>
-            <a:pPr marL="0" indent="0">
-              <a:buNone/>
-            </a:pPr>
-            <a:r>
-              <a:rPr lang="ru-RU" dirty="0"/>
-              <a:t>Обычно шаблон не является законченным образцом, который может быть прямо преобразован в код; это лишь пример решения задачи, который можно использовать в различных ситуациях</a:t>
-            </a:r>
-          </a:p>
-        </p:txBody>
-      </p:sp>
+      <p:pic>
+        <p:nvPicPr>
+          <p:cNvPr id="1026" name="Picture 2" descr="http://img6.joyreactor.cc/pics/post/%D1%84%D0%B8%D0%BB%D0%BE%D1%81%D0%BE%D1%84%D0%B8%D1%8F-%D0%B6%D0%B8%D0%B7%D0%BD%D1%8C-456896.jpeg"/>
+          <p:cNvPicPr>
+            <a:picLocks noChangeAspect="1" noChangeArrowheads="1"/>
+          </p:cNvPicPr>
+          <p:nvPr/>
+        </p:nvPicPr>
+        <p:blipFill>
+          <a:blip r:embed="rId2">
+            <a:extLst>
+              <a:ext uri="{28A0092B-C50C-407E-A947-70E740481C1C}">
+                <a14:useLocalDpi xmlns:a14="http://schemas.microsoft.com/office/drawing/2010/main" val="0"/>
+              </a:ext>
+            </a:extLst>
+          </a:blip>
+          <a:srcRect/>
+          <a:stretch>
+            <a:fillRect/>
+          </a:stretch>
+        </p:blipFill>
+        <p:spPr bwMode="auto">
+          <a:xfrm>
+            <a:off x="2190750" y="514350"/>
+            <a:ext cx="4762500" cy="5829301"/>
+          </a:xfrm>
+          <a:prstGeom prst="rect">
+            <a:avLst/>
+          </a:prstGeom>
+          <a:noFill/>
+          <a:extLst>
+            <a:ext uri="{909E8E84-426E-40DD-AFC4-6F175D3DCCD1}">
+              <a14:hiddenFill xmlns:a14="http://schemas.microsoft.com/office/drawing/2010/main">
+                <a:solidFill>
+                  <a:srgbClr val="FFFFFF"/>
+                </a:solidFill>
+              </a14:hiddenFill>
+            </a:ext>
+          </a:extLst>
+        </p:spPr>
+      </p:pic>
     </p:spTree>
     <p:extLst>
       <p:ext uri="{BB962C8B-B14F-4D97-AF65-F5344CB8AC3E}">
-        <p14:creationId xmlns:p14="http://schemas.microsoft.com/office/powerpoint/2010/main" val="2340800245"/>
+        <p14:creationId xmlns:p14="http://schemas.microsoft.com/office/powerpoint/2010/main" val="1847412601"/>
       </p:ext>
     </p:extLst>
   </p:cSld>
@@ -5329,60 +8207,67 @@
           <a:lstStyle/>
           <a:p>
             <a:r>
+              <a:rPr lang="ru-RU" dirty="0" smtClean="0"/>
+              <a:t>Шаблон проектирования</a:t>
+            </a:r>
+            <a:endParaRPr lang="ru-RU" dirty="0"/>
+          </a:p>
+        </p:txBody>
+      </p:sp>
+      <p:sp>
+        <p:nvSpPr>
+          <p:cNvPr id="3" name="Content Placeholder 2"/>
+          <p:cNvSpPr>
+            <a:spLocks noGrp="1"/>
+          </p:cNvSpPr>
+          <p:nvPr>
+            <p:ph idx="1"/>
+          </p:nvPr>
+        </p:nvSpPr>
+        <p:spPr/>
+        <p:txBody>
+          <a:bodyPr>
+            <a:normAutofit fontScale="85000" lnSpcReduction="10000"/>
+          </a:bodyPr>
+          <a:lstStyle/>
+          <a:p>
+            <a:pPr marL="0" indent="0">
+              <a:buNone/>
+            </a:pPr>
+            <a:r>
               <a:rPr lang="ru-RU" dirty="0"/>
-              <a:t>Типы шаблонов проектирования</a:t>
-            </a:r>
-            <a:endParaRPr lang="en-US" dirty="0"/>
-          </a:p>
-        </p:txBody>
-      </p:sp>
-      <p:sp>
-        <p:nvSpPr>
-          <p:cNvPr id="3" name="Content Placeholder 2"/>
-          <p:cNvSpPr>
-            <a:spLocks noGrp="1"/>
-          </p:cNvSpPr>
-          <p:nvPr>
-            <p:ph idx="1"/>
-          </p:nvPr>
-        </p:nvSpPr>
-        <p:spPr/>
-        <p:txBody>
-          <a:bodyPr/>
-          <a:lstStyle/>
-          <a:p>
+              <a:t>В разработке программного обеспечения, шаблон проектирования или паттерн </a:t>
+            </a:r>
             <a:r>
               <a:rPr lang="ru-RU" dirty="0" smtClean="0"/>
-              <a:t>Основные</a:t>
-            </a:r>
-          </a:p>
-          <a:p>
-            <a:r>
-              <a:rPr lang="ru-RU" dirty="0" smtClean="0"/>
-              <a:t>Порождающие</a:t>
-            </a:r>
-          </a:p>
-          <a:p>
-            <a:r>
-              <a:rPr lang="ru-RU" dirty="0" smtClean="0"/>
-              <a:t>Структурные</a:t>
-            </a:r>
-          </a:p>
-          <a:p>
-            <a:r>
-              <a:rPr lang="ru-RU" dirty="0" smtClean="0"/>
-              <a:t>Поведенческие</a:t>
-            </a:r>
-          </a:p>
-          <a:p>
-            <a:endParaRPr lang="en-US" dirty="0"/>
+              <a:t>(design </a:t>
+            </a:r>
+            <a:r>
+              <a:rPr lang="ru-RU" dirty="0"/>
+              <a:t>pattern) — повторимая архитектурная конструкция, представляющая собой решение проблемы проектирования в рамках некоторого часто возникающего контекста.</a:t>
+            </a:r>
+          </a:p>
+          <a:p>
+            <a:pPr marL="0" indent="0">
+              <a:buNone/>
+            </a:pPr>
+            <a:endParaRPr lang="ru-RU" dirty="0"/>
+          </a:p>
+          <a:p>
+            <a:pPr marL="0" indent="0">
+              <a:buNone/>
+            </a:pPr>
+            <a:r>
+              <a:rPr lang="ru-RU" dirty="0"/>
+              <a:t>Обычно шаблон не является законченным образцом, который может быть прямо преобразован в код; это лишь пример решения задачи, который можно использовать в различных ситуациях</a:t>
+            </a:r>
           </a:p>
         </p:txBody>
       </p:sp>
     </p:spTree>
     <p:extLst>
       <p:ext uri="{BB962C8B-B14F-4D97-AF65-F5344CB8AC3E}">
-        <p14:creationId xmlns:p14="http://schemas.microsoft.com/office/powerpoint/2010/main" val="3252191658"/>
+        <p14:creationId xmlns:p14="http://schemas.microsoft.com/office/powerpoint/2010/main" val="2340800245"/>
       </p:ext>
     </p:extLst>
   </p:cSld>
@@ -5421,20 +8306,14 @@
         </p:nvSpPr>
         <p:spPr/>
         <p:txBody>
-          <a:bodyPr>
-            <a:normAutofit/>
-          </a:bodyPr>
+          <a:bodyPr/>
           <a:lstStyle/>
           <a:p>
             <a:r>
-              <a:rPr lang="ru-RU" sz="4000" dirty="0"/>
-              <a:t>Основные шаблоны (</a:t>
-            </a:r>
-            <a:r>
-              <a:rPr lang="en-US" sz="4000" dirty="0"/>
-              <a:t>Fundamental)</a:t>
-            </a:r>
-            <a:endParaRPr lang="ru-RU" sz="4000" dirty="0"/>
+              <a:rPr lang="ru-RU" dirty="0"/>
+              <a:t>Типы шаблонов проектирования</a:t>
+            </a:r>
+            <a:endParaRPr lang="en-US" dirty="0"/>
           </a:p>
         </p:txBody>
       </p:sp>
@@ -5450,133 +8329,41 @@
         </p:nvSpPr>
         <p:spPr/>
         <p:txBody>
-          <a:bodyPr>
-            <a:normAutofit fontScale="85000" lnSpcReduction="20000"/>
-          </a:bodyPr>
+          <a:bodyPr/>
           <a:lstStyle/>
           <a:p>
             <a:r>
-              <a:rPr lang="en-US" dirty="0" smtClean="0">
-                <a:solidFill>
-                  <a:srgbClr val="FFC000"/>
-                </a:solidFill>
-              </a:rPr>
-              <a:t>[.NET]</a:t>
-            </a:r>
-            <a:r>
-              <a:rPr lang="en-US" dirty="0" smtClean="0">
-                <a:solidFill>
-                  <a:schemeClr val="bg1"/>
-                </a:solidFill>
-              </a:rPr>
-              <a:t> </a:t>
-            </a:r>
-            <a:r>
-              <a:rPr lang="ru-RU" dirty="0" smtClean="0">
-                <a:solidFill>
-                  <a:srgbClr val="FFFF00"/>
-                </a:solidFill>
-              </a:rPr>
-              <a:t>Шаблон делегирования (Delegation pattern).</a:t>
-            </a:r>
-            <a:r>
               <a:rPr lang="ru-RU" dirty="0" smtClean="0"/>
-              <a:t> Объект внешне </a:t>
-            </a:r>
-            <a:r>
-              <a:rPr lang="ru-RU" dirty="0"/>
-              <a:t>выражает некоторое поведение, но в реальности передаёт ответственность за выполнение этого поведения связанному </a:t>
-            </a:r>
+              <a:t>Основные</a:t>
+            </a:r>
+          </a:p>
+          <a:p>
             <a:r>
               <a:rPr lang="ru-RU" dirty="0" smtClean="0"/>
-              <a:t>объекту.</a:t>
-            </a:r>
-            <a:endParaRPr lang="ru-RU" dirty="0"/>
-          </a:p>
-          <a:p>
-            <a:r>
-              <a:rPr lang="ru-RU" dirty="0" smtClean="0">
-                <a:solidFill>
-                  <a:srgbClr val="FFFF00"/>
-                </a:solidFill>
-              </a:rPr>
-              <a:t>Шаблон </a:t>
-            </a:r>
-            <a:r>
-              <a:rPr lang="ru-RU" dirty="0">
-                <a:solidFill>
-                  <a:srgbClr val="FFFF00"/>
-                </a:solidFill>
-              </a:rPr>
-              <a:t>функционального </a:t>
-            </a:r>
-            <a:r>
-              <a:rPr lang="ru-RU" dirty="0" smtClean="0">
-                <a:solidFill>
-                  <a:srgbClr val="FFFF00"/>
-                </a:solidFill>
-              </a:rPr>
-              <a:t>дизайна (Functional design).</a:t>
-            </a:r>
+              <a:t>Порождающие</a:t>
+            </a:r>
+          </a:p>
+          <a:p>
             <a:r>
               <a:rPr lang="ru-RU" dirty="0" smtClean="0"/>
-              <a:t> Гарантирует</a:t>
-            </a:r>
-            <a:r>
-              <a:rPr lang="ru-RU" dirty="0"/>
-              <a:t>, что каждый модуль </a:t>
-            </a:r>
+              <a:t>Структурные</a:t>
+            </a:r>
+          </a:p>
+          <a:p>
             <a:r>
               <a:rPr lang="ru-RU" dirty="0" smtClean="0"/>
-              <a:t>компьютерной программы </a:t>
-            </a:r>
-            <a:r>
-              <a:rPr lang="ru-RU" dirty="0"/>
-              <a:t>имеет только одну обязанность и исполняет её с минимумом побочных эффектов на другие части </a:t>
-            </a:r>
-            <a:r>
-              <a:rPr lang="ru-RU" dirty="0" smtClean="0"/>
-              <a:t>программы.</a:t>
-            </a:r>
-            <a:endParaRPr lang="ru-RU" dirty="0"/>
-          </a:p>
-          <a:p>
-            <a:r>
-              <a:rPr lang="en-US" dirty="0" smtClean="0">
-                <a:solidFill>
-                  <a:srgbClr val="FFC000"/>
-                </a:solidFill>
-              </a:rPr>
-              <a:t>[F#] </a:t>
-            </a:r>
-            <a:r>
-              <a:rPr lang="ru-RU" dirty="0" smtClean="0">
-                <a:solidFill>
-                  <a:srgbClr val="FFFF00"/>
-                </a:solidFill>
-              </a:rPr>
-              <a:t>Неизменяемый объект (Immutable).</a:t>
-            </a:r>
-            <a:r>
-              <a:rPr lang="ru-RU" dirty="0" smtClean="0"/>
-              <a:t> Объект</a:t>
-            </a:r>
-            <a:r>
-              <a:rPr lang="ru-RU" dirty="0"/>
-              <a:t>, который не может быть изменён после своего </a:t>
-            </a:r>
-            <a:r>
-              <a:rPr lang="ru-RU" dirty="0" smtClean="0"/>
-              <a:t>создания.</a:t>
-            </a:r>
-            <a:endParaRPr lang="ru-RU" dirty="0"/>
+              <a:t>Поведенческие</a:t>
+            </a:r>
+          </a:p>
+          <a:p>
+            <a:endParaRPr lang="en-US" dirty="0"/>
           </a:p>
         </p:txBody>
       </p:sp>
     </p:spTree>
     <p:extLst>
       <p:ext uri="{BB962C8B-B14F-4D97-AF65-F5344CB8AC3E}">
-        <p14:creationId xmlns:p14="http://schemas.microsoft.com/office/powerpoint/2010/main" val="632874674"/>
+        <p14:creationId xmlns:p14="http://schemas.microsoft.com/office/powerpoint/2010/main" val="3252191658"/>
       </p:ext>
     </p:extLst>
   </p:cSld>
@@ -5620,19 +8407,15 @@
           </a:bodyPr>
           <a:lstStyle/>
           <a:p>
-            <a:pPr marL="742950" indent="-742950">
-              <a:buFont typeface="+mj-lt"/>
-              <a:buAutoNum type="arabicPeriod"/>
-            </a:pPr>
-            <a:r>
-              <a:rPr lang="ru-RU" sz="3600" dirty="0"/>
-              <a:t>Порождающие шаблоны (</a:t>
-            </a:r>
-            <a:r>
-              <a:rPr lang="en-US" sz="3600" dirty="0"/>
-              <a:t>Creational)</a:t>
-            </a:r>
-            <a:endParaRPr lang="ru-RU" sz="3600" dirty="0"/>
+            <a:r>
+              <a:rPr lang="ru-RU" sz="4000" dirty="0"/>
+              <a:t>Основные шаблоны (</a:t>
+            </a:r>
+            <a:r>
+              <a:rPr lang="en-US" sz="4000" dirty="0"/>
+              <a:t>Fundamental)</a:t>
+            </a:r>
+            <a:endParaRPr lang="ru-RU" sz="4000" dirty="0"/>
           </a:p>
         </p:txBody>
       </p:sp>
@@ -5649,28 +8432,132 @@
         <p:spPr/>
         <p:txBody>
           <a:bodyPr>
-            <a:normAutofit lnSpcReduction="10000"/>
+            <a:normAutofit fontScale="85000" lnSpcReduction="20000"/>
           </a:bodyPr>
           <a:lstStyle/>
           <a:p>
-            <a:pPr marL="0" indent="0">
-              <a:buNone/>
-            </a:pPr>
+            <a:r>
+              <a:rPr lang="en-US" dirty="0" smtClean="0">
+                <a:solidFill>
+                  <a:srgbClr val="FFC000"/>
+                </a:solidFill>
+              </a:rPr>
+              <a:t>[.NET]</a:t>
+            </a:r>
+            <a:r>
+              <a:rPr lang="en-US" dirty="0" smtClean="0">
+                <a:solidFill>
+                  <a:schemeClr val="bg1"/>
+                </a:solidFill>
+              </a:rPr>
+              <a:t> </a:t>
+            </a:r>
+            <a:r>
+              <a:rPr lang="ru-RU" dirty="0" smtClean="0">
+                <a:solidFill>
+                  <a:srgbClr val="FFFF00"/>
+                </a:solidFill>
+              </a:rPr>
+              <a:t>Шаблон делегирования (Delegation pattern).</a:t>
+            </a:r>
             <a:r>
               <a:rPr lang="ru-RU" dirty="0" smtClean="0"/>
-              <a:t>Шаблоны </a:t>
+              <a:t> Объект внешне </a:t>
             </a:r>
             <a:r>
               <a:rPr lang="ru-RU" dirty="0"/>
-              <a:t>проектирования, которые абстрагируют процесс инстанцирования. Они позволяют сделать систему независимой от способа создания, композиции и представления объектов. Шаблон, порождающий классы, использует наследование, чтобы изменять инстанцируемый класс, а шаблон, порождающий объекты, делегирует инстанцирование другому объекту.</a:t>
-            </a:r>
+              <a:t>выражает некоторое поведение, но в реальности передаёт ответственность за выполнение этого поведения связанному </a:t>
+            </a:r>
+            <a:r>
+              <a:rPr lang="ru-RU" dirty="0" smtClean="0"/>
+              <a:t>объекту.</a:t>
+            </a:r>
+            <a:endParaRPr lang="ru-RU" dirty="0"/>
+          </a:p>
+          <a:p>
+            <a:r>
+              <a:rPr lang="ru-RU" dirty="0" smtClean="0">
+                <a:solidFill>
+                  <a:srgbClr val="FFFF00"/>
+                </a:solidFill>
+              </a:rPr>
+              <a:t>Шаблон </a:t>
+            </a:r>
+            <a:r>
+              <a:rPr lang="ru-RU" dirty="0">
+                <a:solidFill>
+                  <a:srgbClr val="FFFF00"/>
+                </a:solidFill>
+              </a:rPr>
+              <a:t>функционального </a:t>
+            </a:r>
+            <a:r>
+              <a:rPr lang="ru-RU" dirty="0" smtClean="0">
+                <a:solidFill>
+                  <a:srgbClr val="FFFF00"/>
+                </a:solidFill>
+              </a:rPr>
+              <a:t>дизайна (Functional design).</a:t>
+            </a:r>
+            <a:r>
+              <a:rPr lang="ru-RU" dirty="0" smtClean="0"/>
+              <a:t> Гарантирует</a:t>
+            </a:r>
+            <a:r>
+              <a:rPr lang="ru-RU" dirty="0"/>
+              <a:t>, что каждый модуль </a:t>
+            </a:r>
+            <a:r>
+              <a:rPr lang="ru-RU" dirty="0" smtClean="0"/>
+              <a:t>компьютерной программы </a:t>
+            </a:r>
+            <a:r>
+              <a:rPr lang="ru-RU" dirty="0"/>
+              <a:t>имеет только одну обязанность и исполняет её с минимумом побочных эффектов на другие части </a:t>
+            </a:r>
+            <a:r>
+              <a:rPr lang="ru-RU" dirty="0" smtClean="0"/>
+              <a:t>программы.</a:t>
+            </a:r>
+            <a:endParaRPr lang="ru-RU" dirty="0"/>
+          </a:p>
+          <a:p>
+            <a:r>
+              <a:rPr lang="en-US" dirty="0" smtClean="0">
+                <a:solidFill>
+                  <a:srgbClr val="FFC000"/>
+                </a:solidFill>
+              </a:rPr>
+              <a:t>[F#] </a:t>
+            </a:r>
+            <a:r>
+              <a:rPr lang="ru-RU" dirty="0" smtClean="0">
+                <a:solidFill>
+                  <a:srgbClr val="FFFF00"/>
+                </a:solidFill>
+              </a:rPr>
+              <a:t>Неизменяемый объект (Immutable).</a:t>
+            </a:r>
+            <a:r>
+              <a:rPr lang="ru-RU" dirty="0" smtClean="0"/>
+              <a:t> Объект</a:t>
+            </a:r>
+            <a:r>
+              <a:rPr lang="ru-RU" dirty="0"/>
+              <a:t>, который не может быть изменён после своего </a:t>
+            </a:r>
+            <a:r>
+              <a:rPr lang="ru-RU" dirty="0" smtClean="0"/>
+              <a:t>создания.</a:t>
+            </a:r>
+            <a:endParaRPr lang="ru-RU" dirty="0"/>
           </a:p>
         </p:txBody>
       </p:sp>
     </p:spTree>
     <p:extLst>
       <p:ext uri="{BB962C8B-B14F-4D97-AF65-F5344CB8AC3E}">
-        <p14:creationId xmlns:p14="http://schemas.microsoft.com/office/powerpoint/2010/main" val="2711097098"/>
+        <p14:creationId xmlns:p14="http://schemas.microsoft.com/office/powerpoint/2010/main" val="632874674"/>
       </p:ext>
     </p:extLst>
   </p:cSld>
@@ -5716,7 +8603,7 @@
           <a:p>
             <a:pPr marL="742950" indent="-742950">
               <a:buFont typeface="+mj-lt"/>
-              <a:buAutoNum type="arabicPeriod" startAt="2"/>
+              <a:buAutoNum type="arabicPeriod"/>
             </a:pPr>
             <a:r>
               <a:rPr lang="ru-RU" sz="3600" dirty="0"/>
@@ -5743,143 +8630,28 @@
         <p:spPr/>
         <p:txBody>
           <a:bodyPr>
-            <a:normAutofit fontScale="85000" lnSpcReduction="20000"/>
+            <a:normAutofit lnSpcReduction="10000"/>
           </a:bodyPr>
           <a:lstStyle/>
           <a:p>
-            <a:r>
-              <a:rPr lang="ru-RU" dirty="0" smtClean="0">
-                <a:solidFill>
-                  <a:srgbClr val="FFFF00"/>
-                </a:solidFill>
-              </a:rPr>
-              <a:t>Абстрактная фабрика (Abstract factory).</a:t>
-            </a:r>
+            <a:pPr marL="0" indent="0">
+              <a:buNone/>
+            </a:pPr>
             <a:r>
               <a:rPr lang="ru-RU" dirty="0" smtClean="0"/>
-              <a:t> Класс</a:t>
+              <a:t>Шаблоны </a:t>
             </a:r>
             <a:r>
               <a:rPr lang="ru-RU" dirty="0"/>
-              <a:t>, который представляет собой интерфейс для создания компонентов системы. </a:t>
-            </a:r>
-            <a:endParaRPr lang="ru-RU" dirty="0" smtClean="0"/>
-          </a:p>
-          <a:p>
-            <a:r>
-              <a:rPr lang="ru-RU" dirty="0" smtClean="0">
-                <a:solidFill>
-                  <a:srgbClr val="FFFF00"/>
-                </a:solidFill>
-              </a:rPr>
-              <a:t>Строитель (Builder).</a:t>
-            </a:r>
-            <a:r>
-              <a:rPr lang="ru-RU" dirty="0" smtClean="0"/>
-              <a:t> Класс</a:t>
-            </a:r>
-            <a:r>
-              <a:rPr lang="ru-RU" dirty="0"/>
-              <a:t>, который представляет собой интерфейс для создания сложного </a:t>
-            </a:r>
-            <a:r>
-              <a:rPr lang="ru-RU" dirty="0" smtClean="0"/>
-              <a:t>объекта.</a:t>
-            </a:r>
-            <a:endParaRPr lang="ru-RU" dirty="0"/>
-          </a:p>
-          <a:p>
-            <a:r>
-              <a:rPr lang="ru-RU" dirty="0" smtClean="0">
-                <a:solidFill>
-                  <a:srgbClr val="FFFF00"/>
-                </a:solidFill>
-              </a:rPr>
-              <a:t>Фабричный метод (Factory method).</a:t>
-            </a:r>
-            <a:r>
-              <a:rPr lang="ru-RU" dirty="0" smtClean="0"/>
-              <a:t> Определяет </a:t>
-            </a:r>
-            <a:r>
-              <a:rPr lang="ru-RU" dirty="0"/>
-              <a:t>интерфейс для создания объекта, но оставляет подклассам решение о том, какой класс </a:t>
-            </a:r>
-            <a:r>
-              <a:rPr lang="ru-RU" dirty="0" smtClean="0"/>
-              <a:t>инстанциировать.</a:t>
-            </a:r>
-            <a:endParaRPr lang="ru-RU" dirty="0"/>
-          </a:p>
-          <a:p>
-            <a:r>
-              <a:rPr lang="en-US" dirty="0">
-                <a:solidFill>
-                  <a:srgbClr val="FFC000"/>
-                </a:solidFill>
-              </a:rPr>
-              <a:t>[.NET]</a:t>
-            </a:r>
-            <a:r>
-              <a:rPr lang="en-US" dirty="0">
-                <a:solidFill>
-                  <a:schemeClr val="bg1"/>
-                </a:solidFill>
-              </a:rPr>
-              <a:t> </a:t>
-            </a:r>
-            <a:r>
-              <a:rPr lang="ru-RU" dirty="0" smtClean="0">
-                <a:solidFill>
-                  <a:srgbClr val="FFFF00"/>
-                </a:solidFill>
-              </a:rPr>
-              <a:t>Отложенная инициализация (Lazy initialization).</a:t>
-            </a:r>
-            <a:r>
-              <a:rPr lang="ru-RU" dirty="0" smtClean="0"/>
-              <a:t> Объект</a:t>
-            </a:r>
-            <a:r>
-              <a:rPr lang="ru-RU" dirty="0"/>
-              <a:t>, инициализируемый во время первого обращения к </a:t>
-            </a:r>
-            <a:r>
-              <a:rPr lang="ru-RU" dirty="0" smtClean="0"/>
-              <a:t>нему.</a:t>
-            </a:r>
-            <a:r>
-              <a:rPr lang="en-US" dirty="0" smtClean="0"/>
-              <a:t> </a:t>
-            </a:r>
-            <a:r>
-              <a:rPr lang="en-US" dirty="0" err="1" smtClean="0">
-                <a:solidFill>
-                  <a:srgbClr val="FFC000"/>
-                </a:solidFill>
-              </a:rPr>
-              <a:t>System.Lazy</a:t>
-            </a:r>
-            <a:r>
-              <a:rPr lang="en-US" dirty="0" smtClean="0">
-                <a:solidFill>
-                  <a:srgbClr val="FFC000"/>
-                </a:solidFill>
-              </a:rPr>
-              <a:t>&lt;T&gt;.</a:t>
-            </a:r>
-            <a:endParaRPr lang="ru-RU" dirty="0">
-              <a:solidFill>
-                <a:srgbClr val="FFC000"/>
-              </a:solidFill>
-            </a:endParaRPr>
+              <a:t>проектирования, которые абстрагируют процесс инстанцирования. Они позволяют сделать систему независимой от способа создания, композиции и представления объектов. Шаблон, порождающий классы, использует наследование, чтобы изменять инстанцируемый класс, а шаблон, порождающий объекты, делегирует инстанцирование другому объекту.</a:t>
+            </a:r>
           </a:p>
         </p:txBody>
       </p:sp>
     </p:spTree>
     <p:extLst>
       <p:ext uri="{BB962C8B-B14F-4D97-AF65-F5344CB8AC3E}">
-        <p14:creationId xmlns:p14="http://schemas.microsoft.com/office/powerpoint/2010/main" val="4068049520"/>
+        <p14:creationId xmlns:p14="http://schemas.microsoft.com/office/powerpoint/2010/main" val="2711097098"/>
       </p:ext>
     </p:extLst>
   </p:cSld>
@@ -5925,7 +8697,7 @@
           <a:p>
             <a:pPr marL="742950" indent="-742950">
               <a:buFont typeface="+mj-lt"/>
-              <a:buAutoNum type="arabicPeriod" startAt="3"/>
+              <a:buAutoNum type="arabicPeriod" startAt="2"/>
             </a:pPr>
             <a:r>
               <a:rPr lang="ru-RU" sz="3600" dirty="0"/>
@@ -5952,7 +8724,7 @@
         <p:spPr/>
         <p:txBody>
           <a:bodyPr>
-            <a:normAutofit fontScale="70000" lnSpcReduction="20000"/>
+            <a:normAutofit fontScale="85000" lnSpcReduction="20000"/>
           </a:bodyPr>
           <a:lstStyle/>
           <a:p>
@@ -5962,67 +8734,7 @@
                   <a:srgbClr val="FFFF00"/>
                 </a:solidFill>
               </a:rPr>
-              <a:t>Одиночка (Singleton</a:t>
-            </a:r>
-            <a:r>
-              <a:rPr lang="ru-RU" dirty="0">
-                <a:solidFill>
-                  <a:srgbClr val="FFFF00"/>
-                </a:solidFill>
-              </a:rPr>
-              <a:t>).</a:t>
-            </a:r>
-            <a:r>
-              <a:rPr lang="ru-RU" dirty="0"/>
-              <a:t> Класс, который может иметь только один экземпляр.</a:t>
-            </a:r>
-          </a:p>
-          <a:p>
-            <a:r>
-              <a:rPr lang="ru-RU" dirty="0">
-                <a:solidFill>
-                  <a:srgbClr val="FFFF00"/>
-                </a:solidFill>
-              </a:rPr>
-              <a:t>Пул </a:t>
-            </a:r>
-            <a:r>
-              <a:rPr lang="ru-RU" dirty="0" smtClean="0">
-                <a:solidFill>
-                  <a:srgbClr val="FFFF00"/>
-                </a:solidFill>
-              </a:rPr>
-              <a:t>одиночек (Multiton</a:t>
-            </a:r>
-            <a:r>
-              <a:rPr lang="ru-RU" dirty="0">
-                <a:solidFill>
-                  <a:srgbClr val="FFFF00"/>
-                </a:solidFill>
-              </a:rPr>
-              <a:t>).</a:t>
-            </a:r>
-            <a:r>
-              <a:rPr lang="ru-RU" dirty="0"/>
-              <a:t> Гарантирует, что класс имеет поименованные экземпляры объекта и обеспечивает глобальную точку доступа к ним .</a:t>
-            </a:r>
-          </a:p>
-          <a:p>
-            <a:r>
-              <a:rPr lang="ru-RU" dirty="0">
-                <a:solidFill>
-                  <a:srgbClr val="FFFF00"/>
-                </a:solidFill>
-              </a:rPr>
-              <a:t>Объектный </a:t>
-            </a:r>
-            <a:r>
-              <a:rPr lang="ru-RU" dirty="0" smtClean="0">
-                <a:solidFill>
-                  <a:srgbClr val="FFFF00"/>
-                </a:solidFill>
-              </a:rPr>
-              <a:t>пул (Object pool).</a:t>
+              <a:t>Абстрактная фабрика (Abstract factory).</a:t>
             </a:r>
             <a:r>
               <a:rPr lang="ru-RU" dirty="0" smtClean="0"/>
@@ -6030,11 +8742,30 @@
             </a:r>
             <a:r>
               <a:rPr lang="ru-RU" dirty="0"/>
-              <a:t>, который представляет собой интерфейс для работы с набором инициализированных и готовых к использованию </a:t>
+              <a:t>, который представляет собой интерфейс для создания компонентов системы. </a:t>
+            </a:r>
+            <a:endParaRPr lang="ru-RU" dirty="0" smtClean="0"/>
+          </a:p>
+          <a:p>
+            <a:r>
+              <a:rPr lang="ru-RU" dirty="0" smtClean="0">
+                <a:solidFill>
+                  <a:srgbClr val="FFFF00"/>
+                </a:solidFill>
+              </a:rPr>
+              <a:t>Строитель (Builder).</a:t>
             </a:r>
             <a:r>
               <a:rPr lang="ru-RU" dirty="0" smtClean="0"/>
-              <a:t>объектов.</a:t>
+              <a:t> Класс</a:t>
+            </a:r>
+            <a:r>
+              <a:rPr lang="ru-RU" dirty="0"/>
+              <a:t>, который представляет собой интерфейс для создания сложного </a:t>
+            </a:r>
+            <a:r>
+              <a:rPr lang="ru-RU" dirty="0" smtClean="0"/>
+              <a:t>объекта.</a:t>
             </a:r>
             <a:endParaRPr lang="ru-RU" dirty="0"/>
           </a:p>
@@ -6045,7 +8776,7 @@
                   <a:srgbClr val="FFFF00"/>
                 </a:solidFill>
               </a:rPr>
-              <a:t>Прототип (Prototype).</a:t>
+              <a:t>Фабричный метод (Factory method).</a:t>
             </a:r>
             <a:r>
               <a:rPr lang="ru-RU" dirty="0" smtClean="0"/>
@@ -6053,67 +8784,83 @@
             </a:r>
             <a:r>
               <a:rPr lang="ru-RU" dirty="0"/>
-              <a:t>интерфейс создания объекта через клонирование другого объекта вместо создания через </a:t>
+              <a:t>интерфейс для создания объекта, но оставляет подклассам решение о том, какой класс </a:t>
             </a:r>
             <a:r>
               <a:rPr lang="ru-RU" dirty="0" smtClean="0"/>
-              <a:t>конструктор.</a:t>
+              <a:t>инстанциировать.</a:t>
             </a:r>
             <a:endParaRPr lang="ru-RU" dirty="0"/>
           </a:p>
           <a:p>
             <a:r>
-              <a:rPr lang="ru-RU" dirty="0">
+              <a:rPr lang="en-US" dirty="0">
+                <a:solidFill>
+                  <a:srgbClr val="FFC000"/>
+                </a:solidFill>
+              </a:rPr>
+              <a:t>[.NET]</a:t>
+            </a:r>
+            <a:r>
+              <a:rPr lang="en-US" dirty="0">
+                <a:solidFill>
+                  <a:schemeClr val="bg1"/>
+                </a:solidFill>
+              </a:rPr>
+              <a:t> </a:t>
+            </a:r>
+            <a:r>
+              <a:rPr lang="ru-RU" dirty="0" smtClean="0">
                 <a:solidFill>
                   <a:srgbClr val="FFFF00"/>
                 </a:solidFill>
               </a:rPr>
-              <a:t>Получение ресурса есть </a:t>
-            </a:r>
-            <a:r>
-              <a:rPr lang="ru-RU" dirty="0" smtClean="0">
-                <a:solidFill>
-                  <a:srgbClr val="FFFF00"/>
-                </a:solidFill>
-              </a:rPr>
-              <a:t>инициализация (Resource </a:t>
-            </a:r>
-            <a:r>
-              <a:rPr lang="ru-RU" dirty="0">
-                <a:solidFill>
-                  <a:srgbClr val="FFFF00"/>
-                </a:solidFill>
-              </a:rPr>
-              <a:t>acquisition is initialization (RAII</a:t>
-            </a:r>
-            <a:r>
-              <a:rPr lang="ru-RU" dirty="0" smtClean="0">
-                <a:solidFill>
-                  <a:srgbClr val="FFFF00"/>
-                </a:solidFill>
-              </a:rPr>
-              <a:t>)).</a:t>
+              <a:t>Отложенная инициализация (Lazy initialization).</a:t>
             </a:r>
             <a:r>
               <a:rPr lang="ru-RU" dirty="0" smtClean="0"/>
-              <a:t> Получение </a:t>
+              <a:t> Объект</a:t>
             </a:r>
             <a:r>
               <a:rPr lang="ru-RU" dirty="0"/>
-              <a:t>некоторого ресурса совмещается с инициализацией, а освобождение — с уничтожением </a:t>
+              <a:t>, инициализируемый во время первого обращения к </a:t>
             </a:r>
             <a:r>
               <a:rPr lang="ru-RU" dirty="0" smtClean="0"/>
-              <a:t>объекта.</a:t>
-            </a:r>
-            <a:endParaRPr lang="ru-RU" dirty="0"/>
+              <a:t>нему.</a:t>
+            </a:r>
+            <a:r>
+              <a:rPr lang="en-US" dirty="0" smtClean="0"/>
+              <a:t> </a:t>
+            </a:r>
+            <a:r>
+              <a:rPr lang="en-US" dirty="0" err="1" smtClean="0">
+                <a:solidFill>
+                  <a:srgbClr val="FFC000"/>
+                </a:solidFill>
+              </a:rPr>
+              <a:t>System.Lazy</a:t>
+            </a:r>
+            <a:r>
+              <a:rPr lang="en-US" dirty="0" smtClean="0">
+                <a:solidFill>
+                  <a:srgbClr val="FFC000"/>
+                </a:solidFill>
+              </a:rPr>
+              <a:t>&lt;T&gt;.</a:t>
+            </a:r>
+            <a:endParaRPr lang="ru-RU" dirty="0">
+              <a:solidFill>
+                <a:srgbClr val="FFC000"/>
+              </a:solidFill>
+            </a:endParaRPr>
           </a:p>
         </p:txBody>
       </p:sp>
     </p:spTree>
     <p:extLst>
       <p:ext uri="{BB962C8B-B14F-4D97-AF65-F5344CB8AC3E}">
-        <p14:creationId xmlns:p14="http://schemas.microsoft.com/office/powerpoint/2010/main" val="3876317382"/>
+        <p14:creationId xmlns:p14="http://schemas.microsoft.com/office/powerpoint/2010/main" val="4068049520"/>
       </p:ext>
     </p:extLst>
   </p:cSld>
@@ -6423,6 +9170,305 @@
 </file>
 
 <file path=ppt/theme/theme2.xml><?xml version="1.0" encoding="utf-8"?>
+<a:theme xmlns:a="http://schemas.openxmlformats.org/drawingml/2006/main" name="1_bel-hard-training">
+  <a:themeElements>
+    <a:clrScheme name="White-On-Blue">
+      <a:dk1>
+        <a:srgbClr val="FFFFFF"/>
+      </a:dk1>
+      <a:lt1>
+        <a:sysClr val="window" lastClr="FFFFFF"/>
+      </a:lt1>
+      <a:dk2>
+        <a:srgbClr val="FFFFFF"/>
+      </a:dk2>
+      <a:lt2>
+        <a:srgbClr val="FFFFFF"/>
+      </a:lt2>
+      <a:accent1>
+        <a:srgbClr val="FFFFFF"/>
+      </a:accent1>
+      <a:accent2>
+        <a:srgbClr val="FFFFFF"/>
+      </a:accent2>
+      <a:accent3>
+        <a:srgbClr val="FFFFFF"/>
+      </a:accent3>
+      <a:accent4>
+        <a:srgbClr val="FFFFFF"/>
+      </a:accent4>
+      <a:accent5>
+        <a:srgbClr val="FFFFFF"/>
+      </a:accent5>
+      <a:accent6>
+        <a:srgbClr val="FFFFFF"/>
+      </a:accent6>
+      <a:hlink>
+        <a:srgbClr val="FFFFFF"/>
+      </a:hlink>
+      <a:folHlink>
+        <a:srgbClr val="FFFFFF"/>
+      </a:folHlink>
+    </a:clrScheme>
+    <a:fontScheme name="Office">
+      <a:majorFont>
+        <a:latin typeface="Calibri"/>
+        <a:ea typeface=""/>
+        <a:cs typeface=""/>
+        <a:font script="Jpan" typeface="ＭＳ Ｐゴシック"/>
+        <a:font script="Hang" typeface="맑은 고딕"/>
+        <a:font script="Hans" typeface="宋体"/>
+        <a:font script="Hant" typeface="新細明體"/>
+        <a:font script="Arab" typeface="Times New Roman"/>
+        <a:font script="Hebr" typeface="Times New Roman"/>
+        <a:font script="Thai" typeface="Angsana New"/>
+        <a:font script="Ethi" typeface="Nyala"/>
+        <a:font script="Beng" typeface="Vrinda"/>
+        <a:font script="Gujr" typeface="Shruti"/>
+        <a:font script="Khmr" typeface="MoolBoran"/>
+        <a:font script="Knda" typeface="Tunga"/>
+        <a:font script="Guru" typeface="Raavi"/>
+        <a:font script="Cans" typeface="Euphemia"/>
+        <a:font script="Cher" typeface="Plantagenet Cherokee"/>
+        <a:font script="Yiii" typeface="Microsoft Yi Baiti"/>
+        <a:font script="Tibt" typeface="Microsoft Himalaya"/>
+        <a:font script="Thaa" typeface="MV Boli"/>
+        <a:font script="Deva" typeface="Mangal"/>
+        <a:font script="Telu" typeface="Gautami"/>
+        <a:font script="Taml" typeface="Latha"/>
+        <a:font script="Syrc" typeface="Estrangelo Edessa"/>
+        <a:font script="Orya" typeface="Kalinga"/>
+        <a:font script="Mlym" typeface="Kartika"/>
+        <a:font script="Laoo" typeface="DokChampa"/>
+        <a:font script="Sinh" typeface="Iskoola Pota"/>
+        <a:font script="Mong" typeface="Mongolian Baiti"/>
+        <a:font script="Viet" typeface="Times New Roman"/>
+        <a:font script="Uigh" typeface="Microsoft Uighur"/>
+        <a:font script="Geor" typeface="Sylfaen"/>
+      </a:majorFont>
+      <a:minorFont>
+        <a:latin typeface="Calibri"/>
+        <a:ea typeface=""/>
+        <a:cs typeface=""/>
+        <a:font script="Jpan" typeface="ＭＳ Ｐゴシック"/>
+        <a:font script="Hang" typeface="맑은 고딕"/>
+        <a:font script="Hans" typeface="宋体"/>
+        <a:font script="Hant" typeface="新細明體"/>
+        <a:font script="Arab" typeface="Arial"/>
+        <a:font script="Hebr" typeface="Arial"/>
+        <a:font script="Thai" typeface="Cordia New"/>
+        <a:font script="Ethi" typeface="Nyala"/>
+        <a:font script="Beng" typeface="Vrinda"/>
+        <a:font script="Gujr" typeface="Shruti"/>
+        <a:font script="Khmr" typeface="DaunPenh"/>
+        <a:font script="Knda" typeface="Tunga"/>
+        <a:font script="Guru" typeface="Raavi"/>
+        <a:font script="Cans" typeface="Euphemia"/>
+        <a:font script="Cher" typeface="Plantagenet Cherokee"/>
+        <a:font script="Yiii" typeface="Microsoft Yi Baiti"/>
+        <a:font script="Tibt" typeface="Microsoft Himalaya"/>
+        <a:font script="Thaa" typeface="MV Boli"/>
+        <a:font script="Deva" typeface="Mangal"/>
+        <a:font script="Telu" typeface="Gautami"/>
+        <a:font script="Taml" typeface="Latha"/>
+        <a:font script="Syrc" typeface="Estrangelo Edessa"/>
+        <a:font script="Orya" typeface="Kalinga"/>
+        <a:font script="Mlym" typeface="Kartika"/>
+        <a:font script="Laoo" typeface="DokChampa"/>
+        <a:font script="Sinh" typeface="Iskoola Pota"/>
+        <a:font script="Mong" typeface="Mongolian Baiti"/>
+        <a:font script="Viet" typeface="Arial"/>
+        <a:font script="Uigh" typeface="Microsoft Uighur"/>
+        <a:font script="Geor" typeface="Sylfaen"/>
+      </a:minorFont>
+    </a:fontScheme>
+    <a:fmtScheme name="Office">
+      <a:fillStyleLst>
+        <a:solidFill>
+          <a:schemeClr val="phClr"/>
+        </a:solidFill>
+        <a:gradFill rotWithShape="1">
+          <a:gsLst>
+            <a:gs pos="0">
+              <a:schemeClr val="phClr">
+                <a:tint val="50000"/>
+                <a:satMod val="300000"/>
+              </a:schemeClr>
+            </a:gs>
+            <a:gs pos="35000">
+              <a:schemeClr val="phClr">
+                <a:tint val="37000"/>
+                <a:satMod val="300000"/>
+              </a:schemeClr>
+            </a:gs>
+            <a:gs pos="100000">
+              <a:schemeClr val="phClr">
+                <a:tint val="15000"/>
+                <a:satMod val="350000"/>
+              </a:schemeClr>
+            </a:gs>
+          </a:gsLst>
+          <a:lin ang="16200000" scaled="1"/>
+        </a:gradFill>
+        <a:gradFill rotWithShape="1">
+          <a:gsLst>
+            <a:gs pos="0">
+              <a:schemeClr val="phClr">
+                <a:shade val="51000"/>
+                <a:satMod val="130000"/>
+              </a:schemeClr>
+            </a:gs>
+            <a:gs pos="80000">
+              <a:schemeClr val="phClr">
+                <a:shade val="93000"/>
+                <a:satMod val="130000"/>
+              </a:schemeClr>
+            </a:gs>
+            <a:gs pos="100000">
+              <a:schemeClr val="phClr">
+                <a:shade val="94000"/>
+                <a:satMod val="135000"/>
+              </a:schemeClr>
+            </a:gs>
+          </a:gsLst>
+          <a:lin ang="16200000" scaled="0"/>
+        </a:gradFill>
+      </a:fillStyleLst>
+      <a:lnStyleLst>
+        <a:ln w="9525" cap="flat" cmpd="sng" algn="ctr">
+          <a:solidFill>
+            <a:schemeClr val="phClr">
+              <a:shade val="95000"/>
+              <a:satMod val="105000"/>
+            </a:schemeClr>
+          </a:solidFill>
+          <a:prstDash val="solid"/>
+        </a:ln>
+        <a:ln w="25400" cap="flat" cmpd="sng" algn="ctr">
+          <a:solidFill>
+            <a:schemeClr val="phClr"/>
+          </a:solidFill>
+          <a:prstDash val="solid"/>
+        </a:ln>
+        <a:ln w="38100" cap="flat" cmpd="sng" algn="ctr">
+          <a:solidFill>
+            <a:schemeClr val="phClr"/>
+          </a:solidFill>
+          <a:prstDash val="solid"/>
+        </a:ln>
+      </a:lnStyleLst>
+      <a:effectStyleLst>
+        <a:effectStyle>
+          <a:effectLst>
+            <a:outerShdw blurRad="40000" dist="20000" dir="5400000" rotWithShape="0">
+              <a:srgbClr val="000000">
+                <a:alpha val="38000"/>
+              </a:srgbClr>
+            </a:outerShdw>
+          </a:effectLst>
+        </a:effectStyle>
+        <a:effectStyle>
+          <a:effectLst>
+            <a:outerShdw blurRad="40000" dist="23000" dir="5400000" rotWithShape="0">
+              <a:srgbClr val="000000">
+                <a:alpha val="35000"/>
+              </a:srgbClr>
+            </a:outerShdw>
+          </a:effectLst>
+        </a:effectStyle>
+        <a:effectStyle>
+          <a:effectLst>
+            <a:outerShdw blurRad="40000" dist="23000" dir="5400000" rotWithShape="0">
+              <a:srgbClr val="000000">
+                <a:alpha val="35000"/>
+              </a:srgbClr>
+            </a:outerShdw>
+          </a:effectLst>
+          <a:scene3d>
+            <a:camera prst="orthographicFront">
+              <a:rot lat="0" lon="0" rev="0"/>
+            </a:camera>
+            <a:lightRig rig="threePt" dir="t">
+              <a:rot lat="0" lon="0" rev="1200000"/>
+            </a:lightRig>
+          </a:scene3d>
+          <a:sp3d>
+            <a:bevelT w="63500" h="25400"/>
+          </a:sp3d>
+        </a:effectStyle>
+      </a:effectStyleLst>
+      <a:bgFillStyleLst>
+        <a:solidFill>
+          <a:schemeClr val="phClr"/>
+        </a:solidFill>
+        <a:gradFill rotWithShape="1">
+          <a:gsLst>
+            <a:gs pos="0">
+              <a:schemeClr val="phClr">
+                <a:tint val="40000"/>
+                <a:satMod val="350000"/>
+              </a:schemeClr>
+            </a:gs>
+            <a:gs pos="40000">
+              <a:schemeClr val="phClr">
+                <a:tint val="45000"/>
+                <a:shade val="99000"/>
+                <a:satMod val="350000"/>
+              </a:schemeClr>
+            </a:gs>
+            <a:gs pos="100000">
+              <a:schemeClr val="phClr">
+                <a:shade val="20000"/>
+                <a:satMod val="255000"/>
+              </a:schemeClr>
+            </a:gs>
+          </a:gsLst>
+          <a:path path="circle">
+            <a:fillToRect l="50000" t="-80000" r="50000" b="180000"/>
+          </a:path>
+        </a:gradFill>
+        <a:gradFill rotWithShape="1">
+          <a:gsLst>
+            <a:gs pos="0">
+              <a:schemeClr val="phClr">
+                <a:tint val="80000"/>
+                <a:satMod val="300000"/>
+              </a:schemeClr>
+            </a:gs>
+            <a:gs pos="100000">
+              <a:schemeClr val="phClr">
+                <a:shade val="30000"/>
+                <a:satMod val="200000"/>
+              </a:schemeClr>
+            </a:gs>
+          </a:gsLst>
+          <a:path path="circle">
+            <a:fillToRect l="50000" t="50000" r="50000" b="50000"/>
+          </a:path>
+        </a:gradFill>
+      </a:bgFillStyleLst>
+    </a:fmtScheme>
+  </a:themeElements>
+  <a:objectDefaults>
+    <a:txDef>
+      <a:spPr>
+        <a:noFill/>
+      </a:spPr>
+      <a:bodyPr wrap="square" rtlCol="0">
+        <a:spAutoFit/>
+      </a:bodyPr>
+      <a:lstStyle>
+        <a:defPPr algn="ctr">
+          <a:defRPr sz="3200" dirty="0" smtClean="0"/>
+        </a:defPPr>
+      </a:lstStyle>
+    </a:txDef>
+  </a:objectDefaults>
+  <a:extraClrSchemeLst/>
+</a:theme>
+</file>
+
+<file path=ppt/theme/theme3.xml><?xml version="1.0" encoding="utf-8"?>
 <a:theme xmlns:a="http://schemas.openxmlformats.org/drawingml/2006/main" name="Office Theme">
   <a:themeElements>
     <a:clrScheme name="Office">

--- a/Presentation/lesson-15-design-patterns.pptx
+++ b/Presentation/lesson-15-design-patterns.pptx
@@ -208,7 +208,7 @@
           <a:p>
             <a:fld id="{B24A7054-7FFB-49F4-A126-5DF6E687FF53}" type="datetimeFigureOut">
               <a:rPr lang="ru-RU" smtClean="0"/>
-              <a:t>29.04.2013</a:t>
+              <a:t>30.04.2013</a:t>
             </a:fld>
             <a:endParaRPr lang="ru-RU"/>
           </a:p>
@@ -1490,7 +1490,7 @@
           <a:p>
             <a:fld id="{8E6E6A2A-E9D3-4A0D-B04A-ABDD367A1E08}" type="datetimeFigureOut">
               <a:rPr lang="ru-RU" smtClean="0"/>
-              <a:t>29.04.2013</a:t>
+              <a:t>30.04.2013</a:t>
             </a:fld>
             <a:endParaRPr lang="ru-RU"/>
           </a:p>
@@ -3787,7 +3787,7 @@
                 </a:solidFill>
               </a:rPr>
               <a:pPr/>
-              <a:t>29.04.2013</a:t>
+              <a:t>30.04.2013</a:t>
             </a:fld>
             <a:endParaRPr lang="ru-RU">
               <a:solidFill>
@@ -5048,7 +5048,7 @@
           <a:p>
             <a:fld id="{AC3D3127-B7C4-45E3-9797-C527EC9FDD78}" type="datetimeFigureOut">
               <a:rPr lang="ru-RU" smtClean="0"/>
-              <a:t>29.04.2013</a:t>
+              <a:t>30.04.2013</a:t>
             </a:fld>
             <a:endParaRPr lang="ru-RU"/>
           </a:p>
@@ -5584,7 +5584,7 @@
                 </a:solidFill>
               </a:rPr>
               <a:pPr/>
-              <a:t>29.04.2013</a:t>
+              <a:t>30.04.2013</a:t>
             </a:fld>
             <a:endParaRPr lang="ru-RU">
               <a:solidFill>
@@ -6141,7 +6141,31 @@
                   <a:schemeClr val="bg1"/>
                 </a:solidFill>
               </a:rPr>
-              <a:t>. Паттерны проектирования</a:t>
+              <a:t>. </a:t>
+            </a:r>
+            <a:r>
+              <a:rPr lang="ru-RU" sz="2400" dirty="0">
+                <a:solidFill>
+                  <a:schemeClr val="bg1"/>
+                </a:solidFill>
+              </a:rPr>
+              <a:t>Шаблоны </a:t>
+            </a:r>
+            <a:r>
+              <a:rPr lang="ru-RU" sz="2400" dirty="0" smtClean="0">
+                <a:solidFill>
+                  <a:schemeClr val="bg1"/>
+                </a:solidFill>
+              </a:rPr>
+              <a:t>проектирования </a:t>
+            </a:r>
+            <a:r>
+              <a:rPr lang="en-US" sz="2400" dirty="0" smtClean="0">
+                <a:solidFill>
+                  <a:schemeClr val="bg1"/>
+                </a:solidFill>
+              </a:rPr>
+              <a:t>(design patterns)</a:t>
             </a:r>
             <a:endParaRPr lang="en-US" sz="2400" dirty="0">
               <a:solidFill>
@@ -6205,17 +6229,17 @@
           </a:bodyPr>
           <a:lstStyle/>
           <a:p>
-            <a:pPr marL="742950" indent="-742950">
-              <a:buFont typeface="+mj-lt"/>
-              <a:buAutoNum type="arabicPeriod" startAt="3"/>
-            </a:pPr>
             <a:r>
               <a:rPr lang="ru-RU" sz="3600" dirty="0"/>
-              <a:t>Порождающие шаблоны (</a:t>
-            </a:r>
-            <a:r>
-              <a:rPr lang="en-US" sz="3600" dirty="0"/>
-              <a:t>Creational)</a:t>
+              <a:t>Порождающие шаблоны </a:t>
+            </a:r>
+            <a:r>
+              <a:rPr lang="ru-RU" sz="3600" dirty="0" smtClean="0"/>
+              <a:t>(окончание</a:t>
+            </a:r>
+            <a:r>
+              <a:rPr lang="en-US" sz="3600" dirty="0" smtClean="0"/>
+              <a:t>)</a:t>
             </a:r>
             <a:endParaRPr lang="ru-RU" sz="3600" dirty="0"/>
           </a:p>
@@ -6402,6 +6426,13 @@
   <p:clrMapOvr>
     <a:masterClrMapping/>
   </p:clrMapOvr>
+  <p:timing>
+    <p:tnLst>
+      <p:par>
+        <p:cTn id="1" dur="indefinite" restart="never" nodeType="tmRoot"/>
+      </p:par>
+    </p:tnLst>
+  </p:timing>
 </p:sld>
 </file>
 
@@ -6439,9 +6470,9 @@
           </a:bodyPr>
           <a:lstStyle/>
           <a:p>
-            <a:pPr marL="742950" indent="-742950">
+            <a:pPr marL="857250" indent="-857250">
               <a:buFont typeface="+mj-lt"/>
-              <a:buAutoNum type="arabicPeriod"/>
+              <a:buAutoNum type="romanUcPeriod" startAt="2"/>
             </a:pPr>
             <a:r>
               <a:rPr lang="ru-RU" sz="3600" dirty="0"/>
@@ -6501,6 +6532,13 @@
   <p:clrMapOvr>
     <a:masterClrMapping/>
   </p:clrMapOvr>
+  <p:timing>
+    <p:tnLst>
+      <p:par>
+        <p:cTn id="1" dur="indefinite" restart="never" nodeType="tmRoot"/>
+      </p:par>
+    </p:tnLst>
+  </p:timing>
 </p:sld>
 </file>
 
@@ -6538,21 +6576,13 @@
           </a:bodyPr>
           <a:lstStyle/>
           <a:p>
-            <a:pPr marL="742950" indent="-742950">
-              <a:buFont typeface="+mj-lt"/>
-              <a:buAutoNum type="arabicPeriod" startAt="2"/>
-            </a:pPr>
             <a:r>
               <a:rPr lang="ru-RU" sz="3600" dirty="0"/>
-              <a:t>Структурные шаблоны (</a:t>
-            </a:r>
-            <a:r>
-              <a:rPr lang="en-US" sz="3600" dirty="0"/>
-              <a:t>Structural</a:t>
-            </a:r>
-            <a:r>
-              <a:rPr lang="en-US" sz="3600" dirty="0" smtClean="0"/>
-              <a:t>)</a:t>
+              <a:t>Структурные </a:t>
+            </a:r>
+            <a:r>
+              <a:rPr lang="ru-RU" sz="3600" dirty="0" smtClean="0"/>
+              <a:t>шаблоны (продолжение)</a:t>
             </a:r>
             <a:endParaRPr lang="en-US" sz="3600" dirty="0"/>
           </a:p>
@@ -6740,6 +6770,13 @@
   <p:clrMapOvr>
     <a:masterClrMapping/>
   </p:clrMapOvr>
+  <p:timing>
+    <p:tnLst>
+      <p:par>
+        <p:cTn id="1" dur="indefinite" restart="never" nodeType="tmRoot"/>
+      </p:par>
+    </p:tnLst>
+  </p:timing>
 </p:sld>
 </file>
 
@@ -6777,17 +6814,17 @@
           </a:bodyPr>
           <a:lstStyle/>
           <a:p>
-            <a:pPr marL="742950" indent="-742950">
-              <a:buFont typeface="+mj-lt"/>
-              <a:buAutoNum type="arabicPeriod" startAt="3"/>
-            </a:pPr>
             <a:r>
               <a:rPr lang="ru-RU" sz="3600" dirty="0"/>
-              <a:t>Структурные шаблоны (</a:t>
-            </a:r>
-            <a:r>
-              <a:rPr lang="en-US" sz="3600" dirty="0"/>
-              <a:t>Structural</a:t>
+              <a:t>Структурные шаблоны </a:t>
+            </a:r>
+            <a:r>
+              <a:rPr lang="ru-RU" sz="3600" dirty="0" smtClean="0"/>
+              <a:t>(</a:t>
+            </a:r>
+            <a:r>
+              <a:rPr lang="ru-RU" sz="3600" dirty="0" smtClean="0"/>
+              <a:t>окончание</a:t>
             </a:r>
             <a:r>
               <a:rPr lang="en-US" sz="3600" dirty="0" smtClean="0"/>
@@ -6933,6 +6970,13 @@
   <p:clrMapOvr>
     <a:masterClrMapping/>
   </p:clrMapOvr>
+  <p:timing>
+    <p:tnLst>
+      <p:par>
+        <p:cTn id="1" dur="indefinite" restart="never" nodeType="tmRoot"/>
+      </p:par>
+    </p:tnLst>
+  </p:timing>
 </p:sld>
 </file>
 
@@ -6966,13 +7010,13 @@
         <p:spPr/>
         <p:txBody>
           <a:bodyPr>
-            <a:normAutofit/>
+            <a:normAutofit fontScale="90000"/>
           </a:bodyPr>
           <a:lstStyle/>
           <a:p>
-            <a:pPr marL="742950" indent="-742950">
+            <a:pPr marL="857250" indent="-857250">
               <a:buFont typeface="+mj-lt"/>
-              <a:buAutoNum type="arabicPeriod"/>
+              <a:buAutoNum type="romanUcPeriod" startAt="3"/>
             </a:pPr>
             <a:r>
               <a:rPr lang="ru-RU" sz="3600" dirty="0"/>
@@ -7026,6 +7070,13 @@
   <p:clrMapOvr>
     <a:masterClrMapping/>
   </p:clrMapOvr>
+  <p:timing>
+    <p:tnLst>
+      <p:par>
+        <p:cTn id="1" dur="indefinite" restart="never" nodeType="tmRoot"/>
+      </p:par>
+    </p:tnLst>
+  </p:timing>
 </p:sld>
 </file>
 
@@ -7063,17 +7114,13 @@
           </a:bodyPr>
           <a:lstStyle/>
           <a:p>
-            <a:pPr marL="742950" indent="-742950">
-              <a:buFont typeface="+mj-lt"/>
-              <a:buAutoNum type="arabicPeriod" startAt="2"/>
-            </a:pPr>
             <a:r>
               <a:rPr lang="ru-RU" sz="3600" dirty="0"/>
-              <a:t>Поведенческие шаблоны (Behavioral</a:t>
+              <a:t>Поведенческие шаблоны </a:t>
             </a:r>
             <a:r>
               <a:rPr lang="ru-RU" sz="3600" dirty="0" smtClean="0"/>
-              <a:t>)</a:t>
+              <a:t>(продолжение)</a:t>
             </a:r>
             <a:endParaRPr lang="en-US" sz="3600" dirty="0"/>
           </a:p>
@@ -7394,6 +7441,13 @@
   <p:clrMapOvr>
     <a:masterClrMapping/>
   </p:clrMapOvr>
+  <p:timing>
+    <p:tnLst>
+      <p:par>
+        <p:cTn id="1" dur="indefinite" restart="never" nodeType="tmRoot"/>
+      </p:par>
+    </p:tnLst>
+  </p:timing>
 </p:sld>
 </file>
 
@@ -7431,17 +7485,13 @@
           </a:bodyPr>
           <a:lstStyle/>
           <a:p>
-            <a:pPr marL="742950" indent="-742950">
-              <a:buFont typeface="+mj-lt"/>
-              <a:buAutoNum type="arabicPeriod" startAt="3"/>
-            </a:pPr>
             <a:r>
               <a:rPr lang="ru-RU" sz="3600" dirty="0"/>
-              <a:t>Поведенческие шаблоны (Behavioral</a:t>
+              <a:t>Поведенческие шаблоны </a:t>
             </a:r>
             <a:r>
               <a:rPr lang="ru-RU" sz="3600" dirty="0" smtClean="0"/>
-              <a:t>)</a:t>
+              <a:t>(окончание)</a:t>
             </a:r>
             <a:endParaRPr lang="en-US" sz="3600" dirty="0"/>
           </a:p>
@@ -7850,6 +7900,13 @@
   <p:clrMapOvr>
     <a:masterClrMapping/>
   </p:clrMapOvr>
+  <p:timing>
+    <p:tnLst>
+      <p:par>
+        <p:cTn id="1" dur="indefinite" restart="never" nodeType="tmRoot"/>
+      </p:par>
+    </p:tnLst>
+  </p:timing>
 </p:sld>
 </file>
 
@@ -7922,6 +7979,13 @@
   <p:clrMapOvr>
     <a:masterClrMapping/>
   </p:clrMapOvr>
+  <p:timing>
+    <p:tnLst>
+      <p:par>
+        <p:cTn id="1" dur="indefinite" restart="never" nodeType="tmRoot"/>
+      </p:par>
+    </p:tnLst>
+  </p:timing>
 </p:sld>
 </file>
 
@@ -8092,6 +8156,13 @@
   <p:clrMapOvr>
     <a:masterClrMapping/>
   </p:clrMapOvr>
+  <p:timing>
+    <p:tnLst>
+      <p:par>
+        <p:cTn id="1" dur="indefinite" restart="never" nodeType="tmRoot"/>
+      </p:par>
+    </p:tnLst>
+  </p:timing>
 </p:sld>
 </file>
 
@@ -8171,6 +8242,13 @@
   <p:clrMapOvr>
     <a:masterClrMapping/>
   </p:clrMapOvr>
+  <p:timing>
+    <p:tnLst>
+      <p:par>
+        <p:cTn id="1" dur="indefinite" restart="never" nodeType="tmRoot"/>
+      </p:par>
+    </p:tnLst>
+  </p:timing>
 </p:sld>
 </file>
 
@@ -8274,6 +8352,13 @@
   <p:clrMapOvr>
     <a:masterClrMapping/>
   </p:clrMapOvr>
+  <p:timing>
+    <p:tnLst>
+      <p:par>
+        <p:cTn id="1" dur="indefinite" restart="never" nodeType="tmRoot"/>
+      </p:par>
+    </p:tnLst>
+  </p:timing>
 </p:sld>
 </file>
 
@@ -8338,18 +8423,30 @@
             </a:r>
           </a:p>
           <a:p>
+            <a:pPr marL="571500" indent="-571500">
+              <a:buFont typeface="+mj-lt"/>
+              <a:buAutoNum type="romanUcPeriod"/>
+            </a:pPr>
             <a:r>
               <a:rPr lang="ru-RU" dirty="0" smtClean="0"/>
               <a:t>Порождающие</a:t>
             </a:r>
           </a:p>
           <a:p>
+            <a:pPr marL="571500" indent="-571500">
+              <a:buFont typeface="+mj-lt"/>
+              <a:buAutoNum type="romanUcPeriod"/>
+            </a:pPr>
             <a:r>
               <a:rPr lang="ru-RU" dirty="0" smtClean="0"/>
               <a:t>Структурные</a:t>
             </a:r>
           </a:p>
           <a:p>
+            <a:pPr marL="514350" indent="-514350">
+              <a:buFont typeface="+mj-lt"/>
+              <a:buAutoNum type="romanUcPeriod"/>
+            </a:pPr>
             <a:r>
               <a:rPr lang="ru-RU" dirty="0" smtClean="0"/>
               <a:t>Поведенческие</a:t>
@@ -8370,6 +8467,13 @@
   <p:clrMapOvr>
     <a:masterClrMapping/>
   </p:clrMapOvr>
+  <p:timing>
+    <p:tnLst>
+      <p:par>
+        <p:cTn id="1" dur="indefinite" restart="never" nodeType="tmRoot"/>
+      </p:par>
+    </p:tnLst>
+  </p:timing>
 </p:sld>
 </file>
 
@@ -8564,6 +8668,13 @@
   <p:clrMapOvr>
     <a:masterClrMapping/>
   </p:clrMapOvr>
+  <p:timing>
+    <p:tnLst>
+      <p:par>
+        <p:cTn id="1" dur="indefinite" restart="never" nodeType="tmRoot"/>
+      </p:par>
+    </p:tnLst>
+  </p:timing>
 </p:sld>
 </file>
 
@@ -8601,9 +8712,9 @@
           </a:bodyPr>
           <a:lstStyle/>
           <a:p>
-            <a:pPr marL="742950" indent="-742950">
+            <a:pPr marL="857250" indent="-857250">
               <a:buFont typeface="+mj-lt"/>
-              <a:buAutoNum type="arabicPeriod"/>
+              <a:buAutoNum type="romanUcPeriod"/>
             </a:pPr>
             <a:r>
               <a:rPr lang="ru-RU" sz="3600" dirty="0"/>
@@ -8658,6 +8769,13 @@
   <p:clrMapOvr>
     <a:masterClrMapping/>
   </p:clrMapOvr>
+  <p:timing>
+    <p:tnLst>
+      <p:par>
+        <p:cTn id="1" dur="indefinite" restart="never" nodeType="tmRoot"/>
+      </p:par>
+    </p:tnLst>
+  </p:timing>
 </p:sld>
 </file>
 
@@ -8695,17 +8813,13 @@
           </a:bodyPr>
           <a:lstStyle/>
           <a:p>
-            <a:pPr marL="742950" indent="-742950">
-              <a:buFont typeface="+mj-lt"/>
-              <a:buAutoNum type="arabicPeriod" startAt="2"/>
-            </a:pPr>
             <a:r>
               <a:rPr lang="ru-RU" sz="3600" dirty="0"/>
-              <a:t>Порождающие шаблоны (</a:t>
-            </a:r>
-            <a:r>
-              <a:rPr lang="en-US" sz="3600" dirty="0"/>
-              <a:t>Creational)</a:t>
+              <a:t>Порождающие </a:t>
+            </a:r>
+            <a:r>
+              <a:rPr lang="ru-RU" sz="3600" dirty="0" smtClean="0"/>
+              <a:t>шаблоны (продолжение)</a:t>
             </a:r>
             <a:endParaRPr lang="ru-RU" sz="3600" dirty="0"/>
           </a:p>
@@ -8867,6 +8981,13 @@
   <p:clrMapOvr>
     <a:masterClrMapping/>
   </p:clrMapOvr>
+  <p:timing>
+    <p:tnLst>
+      <p:par>
+        <p:cTn id="1" dur="indefinite" restart="never" nodeType="tmRoot"/>
+      </p:par>
+    </p:tnLst>
+  </p:timing>
 </p:sld>
 </file>
 

--- a/Presentation/lesson-15-design-patterns.pptx
+++ b/Presentation/lesson-15-design-patterns.pptx
@@ -208,7 +208,7 @@
           <a:p>
             <a:fld id="{B24A7054-7FFB-49F4-A126-5DF6E687FF53}" type="datetimeFigureOut">
               <a:rPr lang="ru-RU" smtClean="0"/>
-              <a:t>30.04.2013</a:t>
+              <a:t>19.06.2013</a:t>
             </a:fld>
             <a:endParaRPr lang="ru-RU"/>
           </a:p>
@@ -1490,7 +1490,7 @@
           <a:p>
             <a:fld id="{8E6E6A2A-E9D3-4A0D-B04A-ABDD367A1E08}" type="datetimeFigureOut">
               <a:rPr lang="ru-RU" smtClean="0"/>
-              <a:t>30.04.2013</a:t>
+              <a:t>19.06.2013</a:t>
             </a:fld>
             <a:endParaRPr lang="ru-RU"/>
           </a:p>
@@ -3787,7 +3787,7 @@
                 </a:solidFill>
               </a:rPr>
               <a:pPr/>
-              <a:t>30.04.2013</a:t>
+              <a:t>19.06.2013</a:t>
             </a:fld>
             <a:endParaRPr lang="ru-RU">
               <a:solidFill>
@@ -5048,7 +5048,7 @@
           <a:p>
             <a:fld id="{AC3D3127-B7C4-45E3-9797-C527EC9FDD78}" type="datetimeFigureOut">
               <a:rPr lang="ru-RU" smtClean="0"/>
-              <a:t>30.04.2013</a:t>
+              <a:t>19.06.2013</a:t>
             </a:fld>
             <a:endParaRPr lang="ru-RU"/>
           </a:p>
@@ -5584,7 +5584,7 @@
                 </a:solidFill>
               </a:rPr>
               <a:pPr/>
-              <a:t>30.04.2013</a:t>
+              <a:t>19.06.2013</a:t>
             </a:fld>
             <a:endParaRPr lang="ru-RU">
               <a:solidFill>
@@ -6141,15 +6141,7 @@
                   <a:schemeClr val="bg1"/>
                 </a:solidFill>
               </a:rPr>
-              <a:t>. </a:t>
-            </a:r>
-            <a:r>
-              <a:rPr lang="ru-RU" sz="2400" dirty="0">
-                <a:solidFill>
-                  <a:schemeClr val="bg1"/>
-                </a:solidFill>
-              </a:rPr>
-              <a:t>Шаблоны </a:t>
+              <a:t>. Шаблоны </a:t>
             </a:r>
             <a:r>
               <a:rPr lang="ru-RU" sz="2400" dirty="0" smtClean="0">
@@ -6820,11 +6812,7 @@
             </a:r>
             <a:r>
               <a:rPr lang="ru-RU" sz="3600" dirty="0" smtClean="0"/>
-              <a:t>(</a:t>
-            </a:r>
-            <a:r>
-              <a:rPr lang="ru-RU" sz="3600" dirty="0" smtClean="0"/>
-              <a:t>окончание</a:t>
+              <a:t>(окончание</a:t>
             </a:r>
             <a:r>
               <a:rPr lang="en-US" sz="3600" dirty="0" smtClean="0"/>
@@ -7554,7 +7542,17 @@
               <a:rPr lang="en-US" dirty="0" smtClean="0"/>
               <a:t>.</a:t>
             </a:r>
-            <a:endParaRPr lang="ru-RU" dirty="0"/>
+            <a:endParaRPr lang="ru-RU" dirty="0" smtClean="0"/>
+          </a:p>
+          <a:p>
+            <a:pPr lvl="1"/>
+            <a:r>
+              <a:rPr lang="en-US" dirty="0">
+                <a:hlinkClick r:id="rId2"/>
+              </a:rPr>
+              <a:t>Mitigate The Billion Dollar Mistake with Aspects</a:t>
+            </a:r>
+            <a:endParaRPr lang="ru-RU" dirty="0" smtClean="0"/>
           </a:p>
           <a:p>
             <a:r>
@@ -7563,7 +7561,15 @@
                   <a:srgbClr val="FFC000"/>
                 </a:solidFill>
               </a:rPr>
-              <a:t>[.NET]</a:t>
+              <a:t>[.</a:t>
+            </a:r>
+            <a:r>
+              <a:rPr lang="en-US" dirty="0" smtClean="0">
+                <a:solidFill>
+                  <a:srgbClr val="FFC000"/>
+                </a:solidFill>
+              </a:rPr>
+              <a:t>NET]</a:t>
             </a:r>
             <a:r>
               <a:rPr lang="en-US" dirty="0" smtClean="0">

--- a/Presentation/lesson-15-design-patterns.pptx
+++ b/Presentation/lesson-15-design-patterns.pptx
@@ -123,6 +123,22 @@
       </a:defRPr>
     </a:lvl9pPr>
   </p:defaultTextStyle>
+  <p:extLst>
+    <p:ext uri="{EFAFB233-063F-42B5-8137-9DF3F51BA10A}">
+      <p15:sldGuideLst xmlns:p15="http://schemas.microsoft.com/office/powerpoint/2012/main">
+        <p15:guide id="1" orient="horz" pos="2160">
+          <p15:clr>
+            <a:srgbClr val="A4A3A4"/>
+          </p15:clr>
+        </p15:guide>
+        <p15:guide id="2" pos="2880">
+          <p15:clr>
+            <a:srgbClr val="A4A3A4"/>
+          </p15:clr>
+        </p15:guide>
+      </p15:sldGuideLst>
+    </p:ext>
+  </p:extLst>
 </p:presentation>
 </file>
 
@@ -208,7 +224,7 @@
           <a:p>
             <a:fld id="{B24A7054-7FFB-49F4-A126-5DF6E687FF53}" type="datetimeFigureOut">
               <a:rPr lang="ru-RU" smtClean="0"/>
-              <a:t>19.06.2013</a:t>
+              <a:t>01.07.2018</a:t>
             </a:fld>
             <a:endParaRPr lang="ru-RU"/>
           </a:p>
@@ -272,35 +288,35 @@
           <a:p>
             <a:pPr lvl="0"/>
             <a:r>
-              <a:rPr lang="en-US" smtClean="0"/>
+              <a:rPr lang="en-US"/>
               <a:t>Click to edit Master text styles</a:t>
             </a:r>
           </a:p>
           <a:p>
             <a:pPr lvl="1"/>
             <a:r>
-              <a:rPr lang="en-US" smtClean="0"/>
+              <a:rPr lang="en-US"/>
               <a:t>Second level</a:t>
             </a:r>
           </a:p>
           <a:p>
             <a:pPr lvl="2"/>
             <a:r>
-              <a:rPr lang="en-US" smtClean="0"/>
+              <a:rPr lang="en-US"/>
               <a:t>Third level</a:t>
             </a:r>
           </a:p>
           <a:p>
             <a:pPr lvl="3"/>
             <a:r>
-              <a:rPr lang="en-US" smtClean="0"/>
+              <a:rPr lang="en-US"/>
               <a:t>Fourth level</a:t>
             </a:r>
           </a:p>
           <a:p>
             <a:pPr lvl="4"/>
             <a:r>
-              <a:rPr lang="en-US" smtClean="0"/>
+              <a:rPr lang="en-US"/>
               <a:t>Fifth level</a:t>
             </a:r>
             <a:endParaRPr lang="ru-RU"/>
@@ -516,7 +532,7 @@
           <a:p>
             <a:pPr algn="ctr"/>
             <a:r>
-              <a:rPr lang="ru-RU" sz="3600" b="1" i="1" dirty="0" smtClean="0">
+              <a:rPr lang="ru-RU" sz="3600" b="1" i="1" dirty="0">
                 <a:solidFill>
                   <a:schemeClr val="bg1"/>
                 </a:solidFill>
@@ -524,7 +540,7 @@
               <a:t>Основы программирования на </a:t>
             </a:r>
             <a:r>
-              <a:rPr lang="en-US" sz="3600" b="1" i="1" dirty="0" smtClean="0">
+              <a:rPr lang="en-US" sz="3600" b="1" i="1" dirty="0">
                 <a:solidFill>
                   <a:schemeClr val="bg1"/>
                 </a:solidFill>
@@ -631,26 +647,18 @@
                   <a:schemeClr val="bg1"/>
                 </a:solidFill>
               </a:rPr>
-              <a:t>Занятие </a:t>
-            </a:r>
-            <a:r>
-              <a:rPr lang="ru-RU" sz="2400" dirty="0" smtClean="0">
+              <a:t>Занятие №</a:t>
+            </a:r>
+            <a:r>
+              <a:rPr lang="en-US" sz="2400" dirty="0">
                 <a:solidFill>
                   <a:schemeClr val="bg1"/>
                 </a:solidFill>
               </a:rPr>
-              <a:t>№</a:t>
-            </a:r>
-            <a:r>
-              <a:rPr lang="en-US" sz="2400" dirty="0" smtClean="0">
-                <a:solidFill>
-                  <a:schemeClr val="bg1"/>
-                </a:solidFill>
-              </a:rPr>
               <a:t>1</a:t>
             </a:r>
             <a:r>
-              <a:rPr lang="ru-RU" sz="2400" dirty="0" smtClean="0">
+              <a:rPr lang="ru-RU" sz="2400" dirty="0">
                 <a:solidFill>
                   <a:schemeClr val="bg1"/>
                 </a:solidFill>
@@ -675,13 +683,6 @@
   <p:clrMapOvr>
     <a:masterClrMapping/>
   </p:clrMapOvr>
-  <p:timing>
-    <p:tnLst>
-      <p:par>
-        <p:cTn id="1" dur="indefinite" restart="never" nodeType="tmRoot"/>
-      </p:par>
-    </p:tnLst>
-  </p:timing>
 </p:sldLayout>
 </file>
 
@@ -727,7 +728,7 @@
           </a:lstStyle>
           <a:p>
             <a:r>
-              <a:rPr lang="en-US" smtClean="0"/>
+              <a:rPr lang="en-US"/>
               <a:t>Click to edit Master title style</a:t>
             </a:r>
             <a:endParaRPr lang="ru-RU" dirty="0"/>
@@ -784,35 +785,35 @@
           <a:p>
             <a:pPr lvl="0"/>
             <a:r>
-              <a:rPr lang="en-US" smtClean="0"/>
+              <a:rPr lang="en-US"/>
               <a:t>Click to edit Master text styles</a:t>
             </a:r>
           </a:p>
           <a:p>
             <a:pPr lvl="1"/>
             <a:r>
-              <a:rPr lang="en-US" smtClean="0"/>
+              <a:rPr lang="en-US"/>
               <a:t>Second level</a:t>
             </a:r>
           </a:p>
           <a:p>
             <a:pPr lvl="2"/>
             <a:r>
-              <a:rPr lang="en-US" smtClean="0"/>
+              <a:rPr lang="en-US"/>
               <a:t>Third level</a:t>
             </a:r>
           </a:p>
           <a:p>
             <a:pPr lvl="3"/>
             <a:r>
-              <a:rPr lang="en-US" smtClean="0"/>
+              <a:rPr lang="en-US"/>
               <a:t>Fourth level</a:t>
             </a:r>
           </a:p>
           <a:p>
             <a:pPr lvl="4"/>
             <a:r>
-              <a:rPr lang="en-US" smtClean="0"/>
+              <a:rPr lang="en-US"/>
               <a:t>Fifth level</a:t>
             </a:r>
             <a:endParaRPr lang="ru-RU" dirty="0"/>
@@ -878,7 +879,7 @@
           <a:p>
             <a:pPr lvl="0"/>
             <a:r>
-              <a:rPr lang="en-US" smtClean="0"/>
+              <a:rPr lang="en-US"/>
               <a:t>Click to edit Master text styles</a:t>
             </a:r>
           </a:p>
@@ -939,7 +940,7 @@
           </a:lstStyle>
           <a:p>
             <a:r>
-              <a:rPr lang="en-US" smtClean="0"/>
+              <a:rPr lang="en-US"/>
               <a:t>Click to edit Master title style</a:t>
             </a:r>
             <a:endParaRPr lang="ru-RU" dirty="0"/>
@@ -1004,7 +1005,7 @@
           </a:lstStyle>
           <a:p>
             <a:r>
-              <a:rPr lang="en-US" smtClean="0"/>
+              <a:rPr lang="en-US"/>
               <a:t>Click icon to add picture</a:t>
             </a:r>
             <a:endParaRPr lang="ru-RU"/>
@@ -1070,7 +1071,7 @@
           <a:p>
             <a:pPr lvl="0"/>
             <a:r>
-              <a:rPr lang="en-US" smtClean="0"/>
+              <a:rPr lang="en-US"/>
               <a:t>Click to edit Master text styles</a:t>
             </a:r>
           </a:p>
@@ -1122,7 +1123,7 @@
           <a:lstStyle/>
           <a:p>
             <a:r>
-              <a:rPr lang="en-US" smtClean="0"/>
+              <a:rPr lang="en-US"/>
               <a:t>Click to edit Master title style</a:t>
             </a:r>
             <a:endParaRPr lang="ru-RU" dirty="0"/>
@@ -1146,35 +1147,35 @@
           <a:p>
             <a:pPr lvl="0"/>
             <a:r>
-              <a:rPr lang="en-US" smtClean="0"/>
+              <a:rPr lang="en-US"/>
               <a:t>Click to edit Master text styles</a:t>
             </a:r>
           </a:p>
           <a:p>
             <a:pPr lvl="1"/>
             <a:r>
-              <a:rPr lang="en-US" smtClean="0"/>
+              <a:rPr lang="en-US"/>
               <a:t>Second level</a:t>
             </a:r>
           </a:p>
           <a:p>
             <a:pPr lvl="2"/>
             <a:r>
-              <a:rPr lang="en-US" smtClean="0"/>
+              <a:rPr lang="en-US"/>
               <a:t>Third level</a:t>
             </a:r>
           </a:p>
           <a:p>
             <a:pPr lvl="3"/>
             <a:r>
-              <a:rPr lang="en-US" smtClean="0"/>
+              <a:rPr lang="en-US"/>
               <a:t>Fourth level</a:t>
             </a:r>
           </a:p>
           <a:p>
             <a:pPr lvl="4"/>
             <a:r>
-              <a:rPr lang="en-US" smtClean="0"/>
+              <a:rPr lang="en-US"/>
               <a:t>Fifth level</a:t>
             </a:r>
             <a:endParaRPr lang="ru-RU" dirty="0"/>
@@ -1232,7 +1233,7 @@
           <a:lstStyle/>
           <a:p>
             <a:r>
-              <a:rPr lang="en-US" smtClean="0"/>
+              <a:rPr lang="en-US"/>
               <a:t>Click to edit Master title style</a:t>
             </a:r>
             <a:endParaRPr lang="ru-RU" dirty="0"/>
@@ -1261,35 +1262,35 @@
           <a:p>
             <a:pPr lvl="0"/>
             <a:r>
-              <a:rPr lang="en-US" smtClean="0"/>
+              <a:rPr lang="en-US"/>
               <a:t>Click to edit Master text styles</a:t>
             </a:r>
           </a:p>
           <a:p>
             <a:pPr lvl="1"/>
             <a:r>
-              <a:rPr lang="en-US" smtClean="0"/>
+              <a:rPr lang="en-US"/>
               <a:t>Second level</a:t>
             </a:r>
           </a:p>
           <a:p>
             <a:pPr lvl="2"/>
             <a:r>
-              <a:rPr lang="en-US" smtClean="0"/>
+              <a:rPr lang="en-US"/>
               <a:t>Third level</a:t>
             </a:r>
           </a:p>
           <a:p>
             <a:pPr lvl="3"/>
             <a:r>
-              <a:rPr lang="en-US" smtClean="0"/>
+              <a:rPr lang="en-US"/>
               <a:t>Fourth level</a:t>
             </a:r>
           </a:p>
           <a:p>
             <a:pPr lvl="4"/>
             <a:r>
-              <a:rPr lang="en-US" smtClean="0"/>
+              <a:rPr lang="en-US"/>
               <a:t>Fifth level</a:t>
             </a:r>
             <a:endParaRPr lang="ru-RU" dirty="0"/>
@@ -1347,7 +1348,7 @@
           <a:lstStyle/>
           <a:p>
             <a:r>
-              <a:rPr lang="en-US" smtClean="0"/>
+              <a:rPr lang="en-US"/>
               <a:t>Click to edit Master title style</a:t>
             </a:r>
             <a:endParaRPr lang="ru-RU"/>
@@ -1466,7 +1467,7 @@
           </a:lstStyle>
           <a:p>
             <a:r>
-              <a:rPr lang="en-US" smtClean="0"/>
+              <a:rPr lang="en-US"/>
               <a:t>Click to edit Master subtitle style</a:t>
             </a:r>
             <a:endParaRPr lang="ru-RU"/>
@@ -1490,7 +1491,7 @@
           <a:p>
             <a:fld id="{8E6E6A2A-E9D3-4A0D-B04A-ABDD367A1E08}" type="datetimeFigureOut">
               <a:rPr lang="ru-RU" smtClean="0"/>
-              <a:t>19.06.2013</a:t>
+              <a:t>01.07.2018</a:t>
             </a:fld>
             <a:endParaRPr lang="ru-RU"/>
           </a:p>
@@ -1591,7 +1592,7 @@
           <a:p>
             <a:pPr algn="ctr"/>
             <a:r>
-              <a:rPr lang="ru-RU" sz="3600" b="1" i="1" dirty="0" smtClean="0">
+              <a:rPr lang="ru-RU" sz="3600" b="1" i="1" dirty="0">
                 <a:solidFill>
                   <a:prstClr val="white"/>
                 </a:solidFill>
@@ -1599,7 +1600,7 @@
               <a:t>Основы программирования на </a:t>
             </a:r>
             <a:r>
-              <a:rPr lang="en-US" sz="3600" b="1" i="1" dirty="0" smtClean="0">
+              <a:rPr lang="en-US" sz="3600" b="1" i="1" dirty="0">
                 <a:solidFill>
                   <a:prstClr val="white"/>
                 </a:solidFill>
@@ -1706,26 +1707,18 @@
                   <a:prstClr val="white"/>
                 </a:solidFill>
               </a:rPr>
-              <a:t>Занятие </a:t>
-            </a:r>
-            <a:r>
-              <a:rPr lang="ru-RU" sz="2400" dirty="0" smtClean="0">
+              <a:t>Занятие №</a:t>
+            </a:r>
+            <a:r>
+              <a:rPr lang="en-US" sz="2400" dirty="0">
                 <a:solidFill>
                   <a:prstClr val="white"/>
                 </a:solidFill>
               </a:rPr>
-              <a:t>№</a:t>
-            </a:r>
-            <a:r>
-              <a:rPr lang="en-US" sz="2400" dirty="0" smtClean="0">
-                <a:solidFill>
-                  <a:prstClr val="white"/>
-                </a:solidFill>
-              </a:rPr>
               <a:t>?</a:t>
             </a:r>
             <a:r>
-              <a:rPr lang="ru-RU" sz="2400" dirty="0" smtClean="0">
+              <a:rPr lang="ru-RU" sz="2400" dirty="0">
                 <a:solidFill>
                   <a:prstClr val="white"/>
                 </a:solidFill>
@@ -1786,7 +1779,7 @@
           <a:lstStyle/>
           <a:p>
             <a:r>
-              <a:rPr lang="en-US" smtClean="0"/>
+              <a:rPr lang="en-US"/>
               <a:t>Click to edit Master title style</a:t>
             </a:r>
             <a:endParaRPr lang="ru-RU" dirty="0"/>
@@ -1810,35 +1803,35 @@
           <a:p>
             <a:pPr lvl="0"/>
             <a:r>
-              <a:rPr lang="en-US" smtClean="0"/>
+              <a:rPr lang="en-US"/>
               <a:t>Click to edit Master text styles</a:t>
             </a:r>
           </a:p>
           <a:p>
             <a:pPr lvl="1"/>
             <a:r>
-              <a:rPr lang="en-US" smtClean="0"/>
+              <a:rPr lang="en-US"/>
               <a:t>Second level</a:t>
             </a:r>
           </a:p>
           <a:p>
             <a:pPr lvl="2"/>
             <a:r>
-              <a:rPr lang="en-US" smtClean="0"/>
+              <a:rPr lang="en-US"/>
               <a:t>Third level</a:t>
             </a:r>
           </a:p>
           <a:p>
             <a:pPr lvl="3"/>
             <a:r>
-              <a:rPr lang="en-US" smtClean="0"/>
+              <a:rPr lang="en-US"/>
               <a:t>Fourth level</a:t>
             </a:r>
           </a:p>
           <a:p>
             <a:pPr lvl="4"/>
             <a:r>
-              <a:rPr lang="en-US" smtClean="0"/>
+              <a:rPr lang="en-US"/>
               <a:t>Fifth level</a:t>
             </a:r>
             <a:endParaRPr lang="ru-RU" dirty="0"/>
@@ -1900,7 +1893,7 @@
           </a:lstStyle>
           <a:p>
             <a:r>
-              <a:rPr lang="en-US" smtClean="0"/>
+              <a:rPr lang="en-US"/>
               <a:t>Click to edit Master title style</a:t>
             </a:r>
             <a:endParaRPr lang="ru-RU" dirty="0"/>
@@ -2020,7 +2013,7 @@
           <a:p>
             <a:pPr lvl="0"/>
             <a:r>
-              <a:rPr lang="en-US" smtClean="0"/>
+              <a:rPr lang="en-US"/>
               <a:t>Click to edit Master text styles</a:t>
             </a:r>
           </a:p>
@@ -2072,7 +2065,7 @@
           <a:lstStyle/>
           <a:p>
             <a:r>
-              <a:rPr lang="en-US" smtClean="0"/>
+              <a:rPr lang="en-US"/>
               <a:t>Click to edit Master title style</a:t>
             </a:r>
             <a:endParaRPr lang="ru-RU" dirty="0"/>
@@ -2129,35 +2122,35 @@
           <a:p>
             <a:pPr lvl="0"/>
             <a:r>
-              <a:rPr lang="en-US" smtClean="0"/>
+              <a:rPr lang="en-US"/>
               <a:t>Click to edit Master text styles</a:t>
             </a:r>
           </a:p>
           <a:p>
             <a:pPr lvl="1"/>
             <a:r>
-              <a:rPr lang="en-US" smtClean="0"/>
+              <a:rPr lang="en-US"/>
               <a:t>Second level</a:t>
             </a:r>
           </a:p>
           <a:p>
             <a:pPr lvl="2"/>
             <a:r>
-              <a:rPr lang="en-US" smtClean="0"/>
+              <a:rPr lang="en-US"/>
               <a:t>Third level</a:t>
             </a:r>
           </a:p>
           <a:p>
             <a:pPr lvl="3"/>
             <a:r>
-              <a:rPr lang="en-US" smtClean="0"/>
+              <a:rPr lang="en-US"/>
               <a:t>Fourth level</a:t>
             </a:r>
           </a:p>
           <a:p>
             <a:pPr lvl="4"/>
             <a:r>
-              <a:rPr lang="en-US" smtClean="0"/>
+              <a:rPr lang="en-US"/>
               <a:t>Fifth level</a:t>
             </a:r>
             <a:endParaRPr lang="ru-RU" dirty="0"/>
@@ -2214,35 +2207,35 @@
           <a:p>
             <a:pPr lvl="0"/>
             <a:r>
-              <a:rPr lang="en-US" smtClean="0"/>
+              <a:rPr lang="en-US"/>
               <a:t>Click to edit Master text styles</a:t>
             </a:r>
           </a:p>
           <a:p>
             <a:pPr lvl="1"/>
             <a:r>
-              <a:rPr lang="en-US" smtClean="0"/>
+              <a:rPr lang="en-US"/>
               <a:t>Second level</a:t>
             </a:r>
           </a:p>
           <a:p>
             <a:pPr lvl="2"/>
             <a:r>
-              <a:rPr lang="en-US" smtClean="0"/>
+              <a:rPr lang="en-US"/>
               <a:t>Third level</a:t>
             </a:r>
           </a:p>
           <a:p>
             <a:pPr lvl="3"/>
             <a:r>
-              <a:rPr lang="en-US" smtClean="0"/>
+              <a:rPr lang="en-US"/>
               <a:t>Fourth level</a:t>
             </a:r>
           </a:p>
           <a:p>
             <a:pPr lvl="4"/>
             <a:r>
-              <a:rPr lang="en-US" smtClean="0"/>
+              <a:rPr lang="en-US"/>
               <a:t>Fifth level</a:t>
             </a:r>
             <a:endParaRPr lang="ru-RU" dirty="0"/>
@@ -2299,7 +2292,7 @@
           </a:lstStyle>
           <a:p>
             <a:r>
-              <a:rPr lang="en-US" smtClean="0"/>
+              <a:rPr lang="en-US"/>
               <a:t>Click to edit Master title style</a:t>
             </a:r>
             <a:endParaRPr lang="ru-RU" dirty="0"/>
@@ -2365,7 +2358,7 @@
           <a:p>
             <a:pPr lvl="0"/>
             <a:r>
-              <a:rPr lang="en-US" smtClean="0"/>
+              <a:rPr lang="en-US"/>
               <a:t>Click to edit Master text styles</a:t>
             </a:r>
           </a:p>
@@ -2421,35 +2414,35 @@
           <a:p>
             <a:pPr lvl="0"/>
             <a:r>
-              <a:rPr lang="en-US" smtClean="0"/>
+              <a:rPr lang="en-US"/>
               <a:t>Click to edit Master text styles</a:t>
             </a:r>
           </a:p>
           <a:p>
             <a:pPr lvl="1"/>
             <a:r>
-              <a:rPr lang="en-US" smtClean="0"/>
+              <a:rPr lang="en-US"/>
               <a:t>Second level</a:t>
             </a:r>
           </a:p>
           <a:p>
             <a:pPr lvl="2"/>
             <a:r>
-              <a:rPr lang="en-US" smtClean="0"/>
+              <a:rPr lang="en-US"/>
               <a:t>Third level</a:t>
             </a:r>
           </a:p>
           <a:p>
             <a:pPr lvl="3"/>
             <a:r>
-              <a:rPr lang="en-US" smtClean="0"/>
+              <a:rPr lang="en-US"/>
               <a:t>Fourth level</a:t>
             </a:r>
           </a:p>
           <a:p>
             <a:pPr lvl="4"/>
             <a:r>
-              <a:rPr lang="en-US" smtClean="0"/>
+              <a:rPr lang="en-US"/>
               <a:t>Fifth level</a:t>
             </a:r>
             <a:endParaRPr lang="ru-RU" dirty="0"/>
@@ -2515,7 +2508,7 @@
           <a:p>
             <a:pPr lvl="0"/>
             <a:r>
-              <a:rPr lang="en-US" smtClean="0"/>
+              <a:rPr lang="en-US"/>
               <a:t>Click to edit Master text styles</a:t>
             </a:r>
           </a:p>
@@ -2571,35 +2564,35 @@
           <a:p>
             <a:pPr lvl="0"/>
             <a:r>
-              <a:rPr lang="en-US" smtClean="0"/>
+              <a:rPr lang="en-US"/>
               <a:t>Click to edit Master text styles</a:t>
             </a:r>
           </a:p>
           <a:p>
             <a:pPr lvl="1"/>
             <a:r>
-              <a:rPr lang="en-US" smtClean="0"/>
+              <a:rPr lang="en-US"/>
               <a:t>Second level</a:t>
             </a:r>
           </a:p>
           <a:p>
             <a:pPr lvl="2"/>
             <a:r>
-              <a:rPr lang="en-US" smtClean="0"/>
+              <a:rPr lang="en-US"/>
               <a:t>Third level</a:t>
             </a:r>
           </a:p>
           <a:p>
             <a:pPr lvl="3"/>
             <a:r>
-              <a:rPr lang="en-US" smtClean="0"/>
+              <a:rPr lang="en-US"/>
               <a:t>Fourth level</a:t>
             </a:r>
           </a:p>
           <a:p>
             <a:pPr lvl="4"/>
             <a:r>
-              <a:rPr lang="en-US" smtClean="0"/>
+              <a:rPr lang="en-US"/>
               <a:t>Fifth level</a:t>
             </a:r>
             <a:endParaRPr lang="ru-RU" dirty="0"/>
@@ -2664,26 +2657,18 @@
                   <a:schemeClr val="bg1"/>
                 </a:solidFill>
               </a:rPr>
-              <a:t>Занятие </a:t>
-            </a:r>
-            <a:r>
-              <a:rPr lang="ru-RU" sz="2400" dirty="0" smtClean="0">
+              <a:t>Занятие №</a:t>
+            </a:r>
+            <a:r>
+              <a:rPr lang="en-US" sz="2400" dirty="0">
                 <a:solidFill>
                   <a:schemeClr val="bg1"/>
                 </a:solidFill>
               </a:rPr>
-              <a:t>№</a:t>
-            </a:r>
-            <a:r>
-              <a:rPr lang="en-US" sz="2400" dirty="0" smtClean="0">
-                <a:solidFill>
-                  <a:schemeClr val="bg1"/>
-                </a:solidFill>
-              </a:rPr>
               <a:t>2</a:t>
             </a:r>
             <a:r>
-              <a:rPr lang="ru-RU" sz="2400" dirty="0" smtClean="0">
+              <a:rPr lang="ru-RU" sz="2400" dirty="0">
                 <a:solidFill>
                   <a:schemeClr val="bg1"/>
                 </a:solidFill>
@@ -2721,7 +2706,7 @@
           <a:p>
             <a:pPr algn="ctr"/>
             <a:r>
-              <a:rPr lang="ru-RU" sz="3600" b="1" i="1" dirty="0" smtClean="0">
+              <a:rPr lang="ru-RU" sz="3600" b="1" i="1" dirty="0">
                 <a:solidFill>
                   <a:schemeClr val="bg1"/>
                 </a:solidFill>
@@ -2729,7 +2714,7 @@
               <a:t>Основы программирования на </a:t>
             </a:r>
             <a:r>
-              <a:rPr lang="en-US" sz="3600" b="1" i="1" dirty="0" smtClean="0">
+              <a:rPr lang="en-US" sz="3600" b="1" i="1" dirty="0">
                 <a:solidFill>
                   <a:schemeClr val="bg1"/>
                 </a:solidFill>
@@ -2818,13 +2803,6 @@
   <p:clrMapOvr>
     <a:masterClrMapping/>
   </p:clrMapOvr>
-  <p:timing>
-    <p:tnLst>
-      <p:par>
-        <p:cTn id="1" dur="indefinite" restart="never" nodeType="tmRoot"/>
-      </p:par>
-    </p:tnLst>
-  </p:timing>
 </p:sldLayout>
 </file>
 
@@ -2861,7 +2839,7 @@
           <a:lstStyle/>
           <a:p>
             <a:r>
-              <a:rPr lang="en-US" smtClean="0"/>
+              <a:rPr lang="en-US"/>
               <a:t>Click to edit Master title style</a:t>
             </a:r>
             <a:endParaRPr lang="ru-RU" dirty="0"/>
@@ -2922,7 +2900,7 @@
           <a:p>
             <a:pPr algn="ctr"/>
             <a:r>
-              <a:rPr lang="ru-RU" sz="3200" dirty="0" smtClean="0">
+              <a:rPr lang="ru-RU" sz="3200" dirty="0">
                 <a:solidFill>
                   <a:srgbClr val="FFFFFF"/>
                 </a:solidFill>
@@ -3017,7 +2995,7 @@
           </a:lstStyle>
           <a:p>
             <a:r>
-              <a:rPr lang="en-US" smtClean="0"/>
+              <a:rPr lang="en-US"/>
               <a:t>Click to edit Master title style</a:t>
             </a:r>
             <a:endParaRPr lang="ru-RU" dirty="0"/>
@@ -3074,35 +3052,35 @@
           <a:p>
             <a:pPr lvl="0"/>
             <a:r>
-              <a:rPr lang="en-US" smtClean="0"/>
+              <a:rPr lang="en-US"/>
               <a:t>Click to edit Master text styles</a:t>
             </a:r>
           </a:p>
           <a:p>
             <a:pPr lvl="1"/>
             <a:r>
-              <a:rPr lang="en-US" smtClean="0"/>
+              <a:rPr lang="en-US"/>
               <a:t>Second level</a:t>
             </a:r>
           </a:p>
           <a:p>
             <a:pPr lvl="2"/>
             <a:r>
-              <a:rPr lang="en-US" smtClean="0"/>
+              <a:rPr lang="en-US"/>
               <a:t>Third level</a:t>
             </a:r>
           </a:p>
           <a:p>
             <a:pPr lvl="3"/>
             <a:r>
-              <a:rPr lang="en-US" smtClean="0"/>
+              <a:rPr lang="en-US"/>
               <a:t>Fourth level</a:t>
             </a:r>
           </a:p>
           <a:p>
             <a:pPr lvl="4"/>
             <a:r>
-              <a:rPr lang="en-US" smtClean="0"/>
+              <a:rPr lang="en-US"/>
               <a:t>Fifth level</a:t>
             </a:r>
             <a:endParaRPr lang="ru-RU" dirty="0"/>
@@ -3168,7 +3146,7 @@
           <a:p>
             <a:pPr lvl="0"/>
             <a:r>
-              <a:rPr lang="en-US" smtClean="0"/>
+              <a:rPr lang="en-US"/>
               <a:t>Click to edit Master text styles</a:t>
             </a:r>
           </a:p>
@@ -3229,7 +3207,7 @@
           </a:lstStyle>
           <a:p>
             <a:r>
-              <a:rPr lang="en-US" smtClean="0"/>
+              <a:rPr lang="en-US"/>
               <a:t>Click to edit Master title style</a:t>
             </a:r>
             <a:endParaRPr lang="ru-RU" dirty="0"/>
@@ -3294,7 +3272,7 @@
           </a:lstStyle>
           <a:p>
             <a:r>
-              <a:rPr lang="en-US" smtClean="0"/>
+              <a:rPr lang="en-US"/>
               <a:t>Click icon to add picture</a:t>
             </a:r>
             <a:endParaRPr lang="ru-RU"/>
@@ -3360,7 +3338,7 @@
           <a:p>
             <a:pPr lvl="0"/>
             <a:r>
-              <a:rPr lang="en-US" smtClean="0"/>
+              <a:rPr lang="en-US"/>
               <a:t>Click to edit Master text styles</a:t>
             </a:r>
           </a:p>
@@ -3412,7 +3390,7 @@
           <a:lstStyle/>
           <a:p>
             <a:r>
-              <a:rPr lang="en-US" smtClean="0"/>
+              <a:rPr lang="en-US"/>
               <a:t>Click to edit Master title style</a:t>
             </a:r>
             <a:endParaRPr lang="ru-RU" dirty="0"/>
@@ -3436,35 +3414,35 @@
           <a:p>
             <a:pPr lvl="0"/>
             <a:r>
-              <a:rPr lang="en-US" smtClean="0"/>
+              <a:rPr lang="en-US"/>
               <a:t>Click to edit Master text styles</a:t>
             </a:r>
           </a:p>
           <a:p>
             <a:pPr lvl="1"/>
             <a:r>
-              <a:rPr lang="en-US" smtClean="0"/>
+              <a:rPr lang="en-US"/>
               <a:t>Second level</a:t>
             </a:r>
           </a:p>
           <a:p>
             <a:pPr lvl="2"/>
             <a:r>
-              <a:rPr lang="en-US" smtClean="0"/>
+              <a:rPr lang="en-US"/>
               <a:t>Third level</a:t>
             </a:r>
           </a:p>
           <a:p>
             <a:pPr lvl="3"/>
             <a:r>
-              <a:rPr lang="en-US" smtClean="0"/>
+              <a:rPr lang="en-US"/>
               <a:t>Fourth level</a:t>
             </a:r>
           </a:p>
           <a:p>
             <a:pPr lvl="4"/>
             <a:r>
-              <a:rPr lang="en-US" smtClean="0"/>
+              <a:rPr lang="en-US"/>
               <a:t>Fifth level</a:t>
             </a:r>
             <a:endParaRPr lang="ru-RU" dirty="0"/>
@@ -3522,7 +3500,7 @@
           <a:lstStyle/>
           <a:p>
             <a:r>
-              <a:rPr lang="en-US" smtClean="0"/>
+              <a:rPr lang="en-US"/>
               <a:t>Click to edit Master title style</a:t>
             </a:r>
             <a:endParaRPr lang="ru-RU" dirty="0"/>
@@ -3551,35 +3529,35 @@
           <a:p>
             <a:pPr lvl="0"/>
             <a:r>
-              <a:rPr lang="en-US" smtClean="0"/>
+              <a:rPr lang="en-US"/>
               <a:t>Click to edit Master text styles</a:t>
             </a:r>
           </a:p>
           <a:p>
             <a:pPr lvl="1"/>
             <a:r>
-              <a:rPr lang="en-US" smtClean="0"/>
+              <a:rPr lang="en-US"/>
               <a:t>Second level</a:t>
             </a:r>
           </a:p>
           <a:p>
             <a:pPr lvl="2"/>
             <a:r>
-              <a:rPr lang="en-US" smtClean="0"/>
+              <a:rPr lang="en-US"/>
               <a:t>Third level</a:t>
             </a:r>
           </a:p>
           <a:p>
             <a:pPr lvl="3"/>
             <a:r>
-              <a:rPr lang="en-US" smtClean="0"/>
+              <a:rPr lang="en-US"/>
               <a:t>Fourth level</a:t>
             </a:r>
           </a:p>
           <a:p>
             <a:pPr lvl="4"/>
             <a:r>
-              <a:rPr lang="en-US" smtClean="0"/>
+              <a:rPr lang="en-US"/>
               <a:t>Fifth level</a:t>
             </a:r>
             <a:endParaRPr lang="ru-RU" dirty="0"/>
@@ -3637,7 +3615,7 @@
           <a:lstStyle/>
           <a:p>
             <a:r>
-              <a:rPr lang="en-US" smtClean="0"/>
+              <a:rPr lang="en-US"/>
               <a:t>Click to edit Master title style</a:t>
             </a:r>
             <a:endParaRPr lang="ru-RU"/>
@@ -3756,7 +3734,7 @@
           </a:lstStyle>
           <a:p>
             <a:r>
-              <a:rPr lang="en-US" smtClean="0"/>
+              <a:rPr lang="en-US"/>
               <a:t>Click to edit Master subtitle style</a:t>
             </a:r>
             <a:endParaRPr lang="ru-RU"/>
@@ -3787,7 +3765,7 @@
                 </a:solidFill>
               </a:rPr>
               <a:pPr/>
-              <a:t>19.06.2013</a:t>
+              <a:t>01.07.2018</a:t>
             </a:fld>
             <a:endParaRPr lang="ru-RU">
               <a:solidFill>
@@ -3906,7 +3884,7 @@
           <a:lstStyle/>
           <a:p>
             <a:r>
-              <a:rPr lang="en-US" smtClean="0"/>
+              <a:rPr lang="en-US"/>
               <a:t>Click to edit Master title style</a:t>
             </a:r>
             <a:endParaRPr lang="ru-RU" dirty="0"/>
@@ -3930,35 +3908,35 @@
           <a:p>
             <a:pPr lvl="0"/>
             <a:r>
-              <a:rPr lang="en-US" smtClean="0"/>
+              <a:rPr lang="en-US"/>
               <a:t>Click to edit Master text styles</a:t>
             </a:r>
           </a:p>
           <a:p>
             <a:pPr lvl="1"/>
             <a:r>
-              <a:rPr lang="en-US" smtClean="0"/>
+              <a:rPr lang="en-US"/>
               <a:t>Second level</a:t>
             </a:r>
           </a:p>
           <a:p>
             <a:pPr lvl="2"/>
             <a:r>
-              <a:rPr lang="en-US" smtClean="0"/>
+              <a:rPr lang="en-US"/>
               <a:t>Third level</a:t>
             </a:r>
           </a:p>
           <a:p>
             <a:pPr lvl="3"/>
             <a:r>
-              <a:rPr lang="en-US" smtClean="0"/>
+              <a:rPr lang="en-US"/>
               <a:t>Fourth level</a:t>
             </a:r>
           </a:p>
           <a:p>
             <a:pPr lvl="4"/>
             <a:r>
-              <a:rPr lang="en-US" smtClean="0"/>
+              <a:rPr lang="en-US"/>
               <a:t>Fifth level</a:t>
             </a:r>
             <a:endParaRPr lang="ru-RU" dirty="0"/>
@@ -4020,7 +3998,7 @@
           </a:lstStyle>
           <a:p>
             <a:r>
-              <a:rPr lang="en-US" smtClean="0"/>
+              <a:rPr lang="en-US"/>
               <a:t>Click to edit Master title style</a:t>
             </a:r>
             <a:endParaRPr lang="ru-RU" dirty="0"/>
@@ -4140,7 +4118,7 @@
           <a:p>
             <a:pPr lvl="0"/>
             <a:r>
-              <a:rPr lang="en-US" smtClean="0"/>
+              <a:rPr lang="en-US"/>
               <a:t>Click to edit Master text styles</a:t>
             </a:r>
           </a:p>
@@ -4192,7 +4170,7 @@
           <a:lstStyle/>
           <a:p>
             <a:r>
-              <a:rPr lang="en-US" smtClean="0"/>
+              <a:rPr lang="en-US"/>
               <a:t>Click to edit Master title style</a:t>
             </a:r>
             <a:endParaRPr lang="ru-RU" dirty="0"/>
@@ -4249,35 +4227,35 @@
           <a:p>
             <a:pPr lvl="0"/>
             <a:r>
-              <a:rPr lang="en-US" smtClean="0"/>
+              <a:rPr lang="en-US"/>
               <a:t>Click to edit Master text styles</a:t>
             </a:r>
           </a:p>
           <a:p>
             <a:pPr lvl="1"/>
             <a:r>
-              <a:rPr lang="en-US" smtClean="0"/>
+              <a:rPr lang="en-US"/>
               <a:t>Second level</a:t>
             </a:r>
           </a:p>
           <a:p>
             <a:pPr lvl="2"/>
             <a:r>
-              <a:rPr lang="en-US" smtClean="0"/>
+              <a:rPr lang="en-US"/>
               <a:t>Third level</a:t>
             </a:r>
           </a:p>
           <a:p>
             <a:pPr lvl="3"/>
             <a:r>
-              <a:rPr lang="en-US" smtClean="0"/>
+              <a:rPr lang="en-US"/>
               <a:t>Fourth level</a:t>
             </a:r>
           </a:p>
           <a:p>
             <a:pPr lvl="4"/>
             <a:r>
-              <a:rPr lang="en-US" smtClean="0"/>
+              <a:rPr lang="en-US"/>
               <a:t>Fifth level</a:t>
             </a:r>
             <a:endParaRPr lang="ru-RU" dirty="0"/>
@@ -4334,35 +4312,35 @@
           <a:p>
             <a:pPr lvl="0"/>
             <a:r>
-              <a:rPr lang="en-US" smtClean="0"/>
+              <a:rPr lang="en-US"/>
               <a:t>Click to edit Master text styles</a:t>
             </a:r>
           </a:p>
           <a:p>
             <a:pPr lvl="1"/>
             <a:r>
-              <a:rPr lang="en-US" smtClean="0"/>
+              <a:rPr lang="en-US"/>
               <a:t>Second level</a:t>
             </a:r>
           </a:p>
           <a:p>
             <a:pPr lvl="2"/>
             <a:r>
-              <a:rPr lang="en-US" smtClean="0"/>
+              <a:rPr lang="en-US"/>
               <a:t>Third level</a:t>
             </a:r>
           </a:p>
           <a:p>
             <a:pPr lvl="3"/>
             <a:r>
-              <a:rPr lang="en-US" smtClean="0"/>
+              <a:rPr lang="en-US"/>
               <a:t>Fourth level</a:t>
             </a:r>
           </a:p>
           <a:p>
             <a:pPr lvl="4"/>
             <a:r>
-              <a:rPr lang="en-US" smtClean="0"/>
+              <a:rPr lang="en-US"/>
               <a:t>Fifth level</a:t>
             </a:r>
             <a:endParaRPr lang="ru-RU" dirty="0"/>
@@ -4419,7 +4397,7 @@
           </a:lstStyle>
           <a:p>
             <a:r>
-              <a:rPr lang="en-US" smtClean="0"/>
+              <a:rPr lang="en-US"/>
               <a:t>Click to edit Master title style</a:t>
             </a:r>
             <a:endParaRPr lang="ru-RU" dirty="0"/>
@@ -4485,7 +4463,7 @@
           <a:p>
             <a:pPr lvl="0"/>
             <a:r>
-              <a:rPr lang="en-US" smtClean="0"/>
+              <a:rPr lang="en-US"/>
               <a:t>Click to edit Master text styles</a:t>
             </a:r>
           </a:p>
@@ -4541,35 +4519,35 @@
           <a:p>
             <a:pPr lvl="0"/>
             <a:r>
-              <a:rPr lang="en-US" smtClean="0"/>
+              <a:rPr lang="en-US"/>
               <a:t>Click to edit Master text styles</a:t>
             </a:r>
           </a:p>
           <a:p>
             <a:pPr lvl="1"/>
             <a:r>
-              <a:rPr lang="en-US" smtClean="0"/>
+              <a:rPr lang="en-US"/>
               <a:t>Second level</a:t>
             </a:r>
           </a:p>
           <a:p>
             <a:pPr lvl="2"/>
             <a:r>
-              <a:rPr lang="en-US" smtClean="0"/>
+              <a:rPr lang="en-US"/>
               <a:t>Third level</a:t>
             </a:r>
           </a:p>
           <a:p>
             <a:pPr lvl="3"/>
             <a:r>
-              <a:rPr lang="en-US" smtClean="0"/>
+              <a:rPr lang="en-US"/>
               <a:t>Fourth level</a:t>
             </a:r>
           </a:p>
           <a:p>
             <a:pPr lvl="4"/>
             <a:r>
-              <a:rPr lang="en-US" smtClean="0"/>
+              <a:rPr lang="en-US"/>
               <a:t>Fifth level</a:t>
             </a:r>
             <a:endParaRPr lang="ru-RU" dirty="0"/>
@@ -4635,7 +4613,7 @@
           <a:p>
             <a:pPr lvl="0"/>
             <a:r>
-              <a:rPr lang="en-US" smtClean="0"/>
+              <a:rPr lang="en-US"/>
               <a:t>Click to edit Master text styles</a:t>
             </a:r>
           </a:p>
@@ -4691,35 +4669,35 @@
           <a:p>
             <a:pPr lvl="0"/>
             <a:r>
-              <a:rPr lang="en-US" smtClean="0"/>
+              <a:rPr lang="en-US"/>
               <a:t>Click to edit Master text styles</a:t>
             </a:r>
           </a:p>
           <a:p>
             <a:pPr lvl="1"/>
             <a:r>
-              <a:rPr lang="en-US" smtClean="0"/>
+              <a:rPr lang="en-US"/>
               <a:t>Second level</a:t>
             </a:r>
           </a:p>
           <a:p>
             <a:pPr lvl="2"/>
             <a:r>
-              <a:rPr lang="en-US" smtClean="0"/>
+              <a:rPr lang="en-US"/>
               <a:t>Third level</a:t>
             </a:r>
           </a:p>
           <a:p>
             <a:pPr lvl="3"/>
             <a:r>
-              <a:rPr lang="en-US" smtClean="0"/>
+              <a:rPr lang="en-US"/>
               <a:t>Fourth level</a:t>
             </a:r>
           </a:p>
           <a:p>
             <a:pPr lvl="4"/>
             <a:r>
-              <a:rPr lang="en-US" smtClean="0"/>
+              <a:rPr lang="en-US"/>
               <a:t>Fifth level</a:t>
             </a:r>
             <a:endParaRPr lang="ru-RU" dirty="0"/>
@@ -4772,7 +4750,7 @@
           <a:lstStyle/>
           <a:p>
             <a:r>
-              <a:rPr lang="en-US" smtClean="0"/>
+              <a:rPr lang="en-US"/>
               <a:t>Click to edit Master title style</a:t>
             </a:r>
             <a:endParaRPr lang="ru-RU" dirty="0"/>
@@ -4833,14 +4811,14 @@
           <a:p>
             <a:pPr algn="ctr"/>
             <a:r>
-              <a:rPr lang="ru-RU" sz="3200" dirty="0" smtClean="0"/>
+              <a:rPr lang="ru-RU" sz="3200" dirty="0"/>
               <a:t>Название.</a:t>
             </a:r>
             <a:r>
-              <a:rPr lang="ru-RU" sz="3200" baseline="0" dirty="0" smtClean="0"/>
+              <a:rPr lang="ru-RU" sz="3200" baseline="0" dirty="0"/>
               <a:t> Демонстрация.</a:t>
             </a:r>
-            <a:endParaRPr lang="ru-RU" sz="3200" dirty="0" smtClean="0"/>
+            <a:endParaRPr lang="ru-RU" sz="3200" dirty="0"/>
           </a:p>
         </p:txBody>
       </p:sp>
@@ -4944,7 +4922,7 @@
           <a:lstStyle/>
           <a:p>
             <a:r>
-              <a:rPr lang="en-US" smtClean="0"/>
+              <a:rPr lang="en-US"/>
               <a:t>Click to edit Master title style</a:t>
             </a:r>
             <a:endParaRPr lang="ru-RU"/>
@@ -4978,35 +4956,35 @@
           <a:p>
             <a:pPr lvl="0"/>
             <a:r>
-              <a:rPr lang="en-US" smtClean="0"/>
+              <a:rPr lang="en-US"/>
               <a:t>Click to edit Master text styles</a:t>
             </a:r>
           </a:p>
           <a:p>
             <a:pPr lvl="1"/>
             <a:r>
-              <a:rPr lang="en-US" smtClean="0"/>
+              <a:rPr lang="en-US"/>
               <a:t>Second level</a:t>
             </a:r>
           </a:p>
           <a:p>
             <a:pPr lvl="2"/>
             <a:r>
-              <a:rPr lang="en-US" smtClean="0"/>
+              <a:rPr lang="en-US"/>
               <a:t>Third level</a:t>
             </a:r>
           </a:p>
           <a:p>
             <a:pPr lvl="3"/>
             <a:r>
-              <a:rPr lang="en-US" smtClean="0"/>
+              <a:rPr lang="en-US"/>
               <a:t>Fourth level</a:t>
             </a:r>
           </a:p>
           <a:p>
             <a:pPr lvl="4"/>
             <a:r>
-              <a:rPr lang="en-US" smtClean="0"/>
+              <a:rPr lang="en-US"/>
               <a:t>Fifth level</a:t>
             </a:r>
             <a:endParaRPr lang="ru-RU"/>
@@ -5048,7 +5026,7 @@
           <a:p>
             <a:fld id="{AC3D3127-B7C4-45E3-9797-C527EC9FDD78}" type="datetimeFigureOut">
               <a:rPr lang="ru-RU" smtClean="0"/>
-              <a:t>19.06.2013</a:t>
+              <a:t>01.07.2018</a:t>
             </a:fld>
             <a:endParaRPr lang="ru-RU"/>
           </a:p>
@@ -5156,13 +5134,6 @@
     <p:sldLayoutId id="2147483659" r:id="rId13"/>
     <p:sldLayoutId id="2147483662" r:id="rId14"/>
   </p:sldLayoutIdLst>
-  <p:timing>
-    <p:tnLst>
-      <p:par>
-        <p:cTn id="1" dur="indefinite" restart="never" nodeType="tmRoot"/>
-      </p:par>
-    </p:tnLst>
-  </p:timing>
   <p:txStyles>
     <p:titleStyle>
       <a:lvl1pPr algn="ctr" defTabSz="914400" rtl="0" eaLnBrk="1" latinLnBrk="0" hangingPunct="1">
@@ -5473,7 +5444,7 @@
           <a:lstStyle/>
           <a:p>
             <a:r>
-              <a:rPr lang="en-US" smtClean="0"/>
+              <a:rPr lang="en-US"/>
               <a:t>Click to edit Master title style</a:t>
             </a:r>
             <a:endParaRPr lang="ru-RU"/>
@@ -5507,35 +5478,35 @@
           <a:p>
             <a:pPr lvl="0"/>
             <a:r>
-              <a:rPr lang="en-US" smtClean="0"/>
+              <a:rPr lang="en-US"/>
               <a:t>Click to edit Master text styles</a:t>
             </a:r>
           </a:p>
           <a:p>
             <a:pPr lvl="1"/>
             <a:r>
-              <a:rPr lang="en-US" smtClean="0"/>
+              <a:rPr lang="en-US"/>
               <a:t>Second level</a:t>
             </a:r>
           </a:p>
           <a:p>
             <a:pPr lvl="2"/>
             <a:r>
-              <a:rPr lang="en-US" smtClean="0"/>
+              <a:rPr lang="en-US"/>
               <a:t>Third level</a:t>
             </a:r>
           </a:p>
           <a:p>
             <a:pPr lvl="3"/>
             <a:r>
-              <a:rPr lang="en-US" smtClean="0"/>
+              <a:rPr lang="en-US"/>
               <a:t>Fourth level</a:t>
             </a:r>
           </a:p>
           <a:p>
             <a:pPr lvl="4"/>
             <a:r>
-              <a:rPr lang="en-US" smtClean="0"/>
+              <a:rPr lang="en-US"/>
               <a:t>Fifth level</a:t>
             </a:r>
             <a:endParaRPr lang="ru-RU"/>
@@ -5584,7 +5555,7 @@
                 </a:solidFill>
               </a:rPr>
               <a:pPr/>
-              <a:t>19.06.2013</a:t>
+              <a:t>01.07.2018</a:t>
             </a:fld>
             <a:endParaRPr lang="ru-RU">
               <a:solidFill>
@@ -5995,7 +5966,7 @@
         <p:spPr>
           <a:xfrm>
             <a:off x="143508" y="1304764"/>
-            <a:ext cx="8856984" cy="646331"/>
+            <a:ext cx="8856984" cy="523220"/>
           </a:xfrm>
           <a:prstGeom prst="rect">
             <a:avLst/>
@@ -6009,7 +5980,7 @@
           <a:p>
             <a:pPr algn="ctr"/>
             <a:r>
-              <a:rPr lang="ru-RU" sz="3600" b="1" i="1" dirty="0" smtClean="0">
+              <a:rPr lang="ru-RU" sz="2800" i="1" dirty="0">
                 <a:solidFill>
                   <a:schemeClr val="bg1"/>
                 </a:solidFill>
@@ -6017,14 +5988,14 @@
               <a:t>Основы программирования на </a:t>
             </a:r>
             <a:r>
-              <a:rPr lang="en-US" sz="3600" b="1" i="1" dirty="0" smtClean="0">
+              <a:rPr lang="en-US" sz="2800" i="1" dirty="0">
                 <a:solidFill>
                   <a:schemeClr val="bg1"/>
                 </a:solidFill>
               </a:rPr>
               <a:t>C#</a:t>
             </a:r>
-            <a:endParaRPr lang="ru-RU" sz="3600" b="1" i="1" dirty="0">
+            <a:endParaRPr lang="ru-RU" sz="2800" i="1" dirty="0">
               <a:solidFill>
                 <a:schemeClr val="bg1"/>
               </a:solidFill>
@@ -6032,70 +6003,6 @@
           </a:p>
         </p:txBody>
       </p:sp>
-      <p:pic>
-        <p:nvPicPr>
-          <p:cNvPr id="6" name="Picture 5"/>
-          <p:cNvPicPr>
-            <a:picLocks noChangeAspect="1" noChangeArrowheads="1"/>
-          </p:cNvPicPr>
-          <p:nvPr/>
-        </p:nvPicPr>
-        <p:blipFill>
-          <a:blip r:embed="rId2">
-            <a:extLst>
-              <a:ext uri="{28A0092B-C50C-407E-A947-70E740481C1C}">
-                <a14:useLocalDpi xmlns:a14="http://schemas.microsoft.com/office/drawing/2010/main" val="0"/>
-              </a:ext>
-            </a:extLst>
-          </a:blip>
-          <a:srcRect/>
-          <a:stretch>
-            <a:fillRect/>
-          </a:stretch>
-        </p:blipFill>
-        <p:spPr bwMode="auto">
-          <a:xfrm>
-            <a:off x="1638300" y="3829211"/>
-            <a:ext cx="5867400" cy="1724025"/>
-          </a:xfrm>
-          <a:prstGeom prst="rect">
-            <a:avLst/>
-          </a:prstGeom>
-          <a:noFill/>
-          <a:ln>
-            <a:noFill/>
-          </a:ln>
-          <a:effectLst/>
-          <a:extLst>
-            <a:ext uri="{909E8E84-426E-40DD-AFC4-6F175D3DCCD1}">
-              <a14:hiddenFill xmlns:a14="http://schemas.microsoft.com/office/drawing/2010/main">
-                <a:solidFill>
-                  <a:schemeClr val="accent1"/>
-                </a:solidFill>
-              </a14:hiddenFill>
-            </a:ext>
-            <a:ext uri="{91240B29-F687-4F45-9708-019B960494DF}">
-              <a14:hiddenLine xmlns:a14="http://schemas.microsoft.com/office/drawing/2010/main" w="9525">
-                <a:solidFill>
-                  <a:schemeClr val="tx1"/>
-                </a:solidFill>
-                <a:miter lim="800000"/>
-                <a:headEnd/>
-                <a:tailEnd/>
-              </a14:hiddenLine>
-            </a:ext>
-            <a:ext uri="{AF507438-7753-43E0-B8FC-AC1667EBCBE1}">
-              <a14:hiddenEffects xmlns:a14="http://schemas.microsoft.com/office/drawing/2010/main">
-                <a:effectLst>
-                  <a:outerShdw dist="35921" dir="2700000" algn="ctr" rotWithShape="0">
-                    <a:schemeClr val="bg2"/>
-                  </a:outerShdw>
-                </a:effectLst>
-              </a14:hiddenEffects>
-            </a:ext>
-          </a:extLst>
-        </p:spPr>
-      </p:pic>
       <p:sp>
         <p:nvSpPr>
           <p:cNvPr id="7" name="TextBox 6"/>
@@ -6105,7 +6012,7 @@
         <p:spPr>
           <a:xfrm>
             <a:off x="143508" y="2528900"/>
-            <a:ext cx="8856984" cy="461665"/>
+            <a:ext cx="8856984" cy="1200329"/>
           </a:xfrm>
           <a:prstGeom prst="rect">
             <a:avLst/>
@@ -6120,49 +6027,153 @@
           <a:p>
             <a:pPr algn="ctr"/>
             <a:r>
-              <a:rPr lang="ru-RU" sz="2400" dirty="0" smtClean="0">
+              <a:rPr lang="ru-RU" sz="3600" b="1" dirty="0">
                 <a:solidFill>
                   <a:schemeClr val="bg1"/>
                 </a:solidFill>
-              </a:rPr>
-              <a:t>Занятие №</a:t>
-            </a:r>
-            <a:r>
-              <a:rPr lang="en-US" sz="2400" dirty="0" smtClean="0">
+                <a:latin typeface="Footlight MT Light" panose="0204060206030A020304" pitchFamily="18" charset="77"/>
+              </a:rPr>
+              <a:t>§ Шаблоны проектирования</a:t>
+            </a:r>
+            <a:br>
+              <a:rPr lang="en-US" sz="3600" b="1" dirty="0">
                 <a:solidFill>
                   <a:schemeClr val="bg1"/>
                 </a:solidFill>
-              </a:rPr>
-              <a:t>15</a:t>
-            </a:r>
-            <a:r>
-              <a:rPr lang="ru-RU" sz="2400" dirty="0">
+                <a:latin typeface="Footlight MT Light" panose="0204060206030A020304" pitchFamily="18" charset="77"/>
+              </a:rPr>
+            </a:br>
+            <a:r>
+              <a:rPr lang="ru-RU" sz="3600" b="1" dirty="0">
                 <a:solidFill>
                   <a:schemeClr val="bg1"/>
                 </a:solidFill>
-              </a:rPr>
-              <a:t>. Шаблоны </a:t>
-            </a:r>
-            <a:r>
-              <a:rPr lang="ru-RU" sz="2400" dirty="0" smtClean="0">
+                <a:latin typeface="Footlight MT Light" panose="0204060206030A020304" pitchFamily="18" charset="77"/>
+              </a:rPr>
+              <a:t>(</a:t>
+            </a:r>
+            <a:r>
+              <a:rPr lang="en-US" sz="3600" b="1" dirty="0">
                 <a:solidFill>
                   <a:schemeClr val="bg1"/>
                 </a:solidFill>
-              </a:rPr>
-              <a:t>проектирования </a:t>
-            </a:r>
-            <a:r>
-              <a:rPr lang="en-US" sz="2400" dirty="0" smtClean="0">
+                <a:latin typeface="Footlight MT Light" panose="0204060206030A020304" pitchFamily="18" charset="77"/>
+              </a:rPr>
+              <a:t>design patterns)</a:t>
+            </a:r>
+          </a:p>
+        </p:txBody>
+      </p:sp>
+      <p:sp>
+        <p:nvSpPr>
+          <p:cNvPr id="8" name="TextBox 7">
+            <a:extLst>
+              <a:ext uri="{FF2B5EF4-FFF2-40B4-BE49-F238E27FC236}">
+                <a16:creationId xmlns:a16="http://schemas.microsoft.com/office/drawing/2014/main" id="{7D230C00-F571-D94F-8BE3-71909C01B50D}"/>
+              </a:ext>
+            </a:extLst>
+          </p:cNvPr>
+          <p:cNvSpPr txBox="1"/>
+          <p:nvPr/>
+        </p:nvSpPr>
+        <p:spPr>
+          <a:xfrm>
+            <a:off x="2339752" y="4984720"/>
+            <a:ext cx="4464496" cy="1138773"/>
+          </a:xfrm>
+          <a:prstGeom prst="rect">
+            <a:avLst/>
+          </a:prstGeom>
+          <a:noFill/>
+        </p:spPr>
+        <p:txBody>
+          <a:bodyPr wrap="square" rtlCol="0">
+            <a:spAutoFit/>
+          </a:bodyPr>
+          <a:lstStyle/>
+          <a:p>
+            <a:r>
+              <a:rPr lang="ru-RU" sz="2000" dirty="0">
                 <a:solidFill>
                   <a:schemeClr val="bg1"/>
                 </a:solidFill>
-              </a:rPr>
-              <a:t>(design patterns)</a:t>
-            </a:r>
-            <a:endParaRPr lang="en-US" sz="2400" dirty="0">
+                <a:effectLst>
+                  <a:outerShdw blurRad="50800" dist="38100" dir="5400000" algn="t" rotWithShape="0">
+                    <a:prstClr val="black">
+                      <a:alpha val="40000"/>
+                    </a:prstClr>
+                  </a:outerShdw>
+                </a:effectLst>
+                <a:latin typeface="Segoe Print" panose="02000800000000000000" pitchFamily="2" charset="0"/>
+              </a:rPr>
+              <a:t>Центр Обучающих Технологий</a:t>
+            </a:r>
+          </a:p>
+          <a:p>
+            <a:pPr algn="ctr"/>
+            <a:r>
+              <a:rPr lang="ru-RU" sz="1600" dirty="0">
+                <a:solidFill>
+                  <a:schemeClr val="bg1"/>
+                </a:solidFill>
+                <a:effectLst>
+                  <a:outerShdw blurRad="50800" dist="38100" dir="5400000" algn="t" rotWithShape="0">
+                    <a:prstClr val="black">
+                      <a:alpha val="40000"/>
+                    </a:prstClr>
+                  </a:outerShdw>
+                </a:effectLst>
+                <a:latin typeface="Segoe Print" panose="02000800000000000000" pitchFamily="2" charset="0"/>
+              </a:rPr>
+              <a:t>основан в 2002 году</a:t>
+            </a:r>
+          </a:p>
+          <a:p>
+            <a:pPr algn="ctr"/>
+            <a:endParaRPr lang="ru-RU" sz="1600" dirty="0">
               <a:solidFill>
                 <a:schemeClr val="bg1"/>
               </a:solidFill>
+              <a:effectLst>
+                <a:outerShdw blurRad="50800" dist="38100" dir="5400000" algn="t" rotWithShape="0">
+                  <a:prstClr val="black">
+                    <a:alpha val="40000"/>
+                  </a:prstClr>
+                </a:outerShdw>
+              </a:effectLst>
+              <a:latin typeface="Segoe Print" panose="02000800000000000000" pitchFamily="2" charset="0"/>
+            </a:endParaRPr>
+          </a:p>
+          <a:p>
+            <a:pPr algn="ctr"/>
+            <a:r>
+              <a:rPr lang="en-US" sz="1600" dirty="0" err="1">
+                <a:solidFill>
+                  <a:schemeClr val="bg1"/>
+                </a:solidFill>
+                <a:effectLst>
+                  <a:outerShdw blurRad="50800" dist="38100" dir="5400000" algn="t" rotWithShape="0">
+                    <a:prstClr val="black">
+                      <a:alpha val="40000"/>
+                    </a:prstClr>
+                  </a:outerShdw>
+                </a:effectLst>
+                <a:latin typeface="Segoe Print" panose="02000800000000000000" pitchFamily="2" charset="0"/>
+              </a:rPr>
+              <a:t>trainingcenter.by</a:t>
+            </a:r>
+            <a:endParaRPr lang="en-US" sz="1600" dirty="0">
+              <a:solidFill>
+                <a:schemeClr val="bg1"/>
+              </a:solidFill>
+              <a:effectLst>
+                <a:outerShdw blurRad="50800" dist="38100" dir="5400000" algn="t" rotWithShape="0">
+                  <a:prstClr val="black">
+                    <a:alpha val="40000"/>
+                  </a:prstClr>
+                </a:outerShdw>
+              </a:effectLst>
+              <a:latin typeface="Segoe Print" panose="02000800000000000000" pitchFamily="2" charset="0"/>
             </a:endParaRPr>
           </a:p>
         </p:txBody>
@@ -6177,13 +6188,6 @@
   <p:clrMapOvr>
     <a:masterClrMapping/>
   </p:clrMapOvr>
-  <p:timing>
-    <p:tnLst>
-      <p:par>
-        <p:cTn id="1" dur="indefinite" restart="never" nodeType="tmRoot"/>
-      </p:par>
-    </p:tnLst>
-  </p:timing>
 </p:sld>
 </file>
 
@@ -6223,14 +6227,10 @@
           <a:p>
             <a:r>
               <a:rPr lang="ru-RU" sz="3600" dirty="0"/>
-              <a:t>Порождающие шаблоны </a:t>
-            </a:r>
-            <a:r>
-              <a:rPr lang="ru-RU" sz="3600" dirty="0" smtClean="0"/>
-              <a:t>(окончание</a:t>
-            </a:r>
-            <a:r>
-              <a:rPr lang="en-US" sz="3600" dirty="0" smtClean="0"/>
+              <a:t>Порождающие шаблоны (окончание</a:t>
+            </a:r>
+            <a:r>
+              <a:rPr lang="en-US" sz="3600" dirty="0"/>
               <a:t>)</a:t>
             </a:r>
             <a:endParaRPr lang="ru-RU" sz="3600" dirty="0"/>
@@ -6255,20 +6255,12 @@
           <a:lstStyle/>
           <a:p>
             <a:r>
-              <a:rPr lang="ru-RU" dirty="0" smtClean="0">
+              <a:rPr lang="ru-RU" dirty="0">
                 <a:solidFill>
                   <a:srgbClr val="FFFF00"/>
                 </a:solidFill>
               </a:rPr>
-              <a:t>Одиночка (Singleton</a:t>
-            </a:r>
-            <a:r>
-              <a:rPr lang="ru-RU" dirty="0">
-                <a:solidFill>
-                  <a:srgbClr val="FFFF00"/>
-                </a:solidFill>
-              </a:rPr>
-              <a:t>).</a:t>
+              <a:t>Одиночка (Singleton).</a:t>
             </a:r>
             <a:r>
               <a:rPr lang="ru-RU" dirty="0"/>
@@ -6282,23 +6274,7 @@
                   <a:srgbClr val="FFFF00"/>
                 </a:solidFill>
               </a:rPr>
-              <a:t>Пул </a:t>
-            </a:r>
-            <a:r>
-              <a:rPr lang="ru-RU" dirty="0" smtClean="0">
-                <a:solidFill>
-                  <a:srgbClr val="FFFF00"/>
-                </a:solidFill>
-              </a:rPr>
-              <a:t>одиночек (Multiton</a:t>
-            </a:r>
-            <a:r>
-              <a:rPr lang="ru-RU" dirty="0">
-                <a:solidFill>
-                  <a:srgbClr val="FFFF00"/>
-                </a:solidFill>
-              </a:rPr>
-              <a:t>).</a:t>
+              <a:t>Пул одиночек (Multiton).</a:t>
             </a:r>
             <a:r>
               <a:rPr lang="ru-RU" dirty="0"/>
@@ -6312,99 +6288,40 @@
                   <a:srgbClr val="FFFF00"/>
                 </a:solidFill>
               </a:rPr>
-              <a:t>Объектный </a:t>
-            </a:r>
-            <a:r>
-              <a:rPr lang="ru-RU" dirty="0" smtClean="0">
+              <a:t>Объектный пул (Object pool).</a:t>
+            </a:r>
+            <a:r>
+              <a:rPr lang="ru-RU" dirty="0"/>
+              <a:t> Класс, который представляет собой интерфейс для работы с набором инициализированных и готовых к использованию объектов.</a:t>
+            </a:r>
+          </a:p>
+          <a:p>
+            <a:r>
+              <a:rPr lang="ru-RU" dirty="0">
                 <a:solidFill>
                   <a:srgbClr val="FFFF00"/>
                 </a:solidFill>
               </a:rPr>
-              <a:t>пул (Object pool).</a:t>
-            </a:r>
-            <a:r>
-              <a:rPr lang="ru-RU" dirty="0" smtClean="0"/>
-              <a:t> Класс</a:t>
+              <a:t>Прототип (Prototype).</a:t>
             </a:r>
             <a:r>
               <a:rPr lang="ru-RU" dirty="0"/>
-              <a:t>, который представляет собой интерфейс для работы с набором инициализированных и готовых к использованию </a:t>
-            </a:r>
-            <a:r>
-              <a:rPr lang="ru-RU" dirty="0" smtClean="0"/>
-              <a:t>объектов.</a:t>
-            </a:r>
-            <a:endParaRPr lang="ru-RU" dirty="0"/>
-          </a:p>
-          <a:p>
-            <a:r>
-              <a:rPr lang="ru-RU" dirty="0" smtClean="0">
+              <a:t> Определяет интерфейс создания объекта через клонирование другого объекта вместо создания через конструктор.</a:t>
+            </a:r>
+          </a:p>
+          <a:p>
+            <a:r>
+              <a:rPr lang="ru-RU" dirty="0">
                 <a:solidFill>
                   <a:srgbClr val="FFFF00"/>
                 </a:solidFill>
               </a:rPr>
-              <a:t>Прототип (Prototype).</a:t>
-            </a:r>
-            <a:r>
-              <a:rPr lang="ru-RU" dirty="0" smtClean="0"/>
-              <a:t> Определяет </a:t>
+              <a:t>Получение ресурса есть инициализация (Resource acquisition is initialization (RAII)).</a:t>
             </a:r>
             <a:r>
               <a:rPr lang="ru-RU" dirty="0"/>
-              <a:t>интерфейс создания объекта через клонирование другого объекта вместо создания через </a:t>
-            </a:r>
-            <a:r>
-              <a:rPr lang="ru-RU" dirty="0" smtClean="0"/>
-              <a:t>конструктор.</a:t>
-            </a:r>
-            <a:endParaRPr lang="ru-RU" dirty="0"/>
-          </a:p>
-          <a:p>
-            <a:r>
-              <a:rPr lang="ru-RU" dirty="0">
-                <a:solidFill>
-                  <a:srgbClr val="FFFF00"/>
-                </a:solidFill>
-              </a:rPr>
-              <a:t>Получение ресурса есть </a:t>
-            </a:r>
-            <a:r>
-              <a:rPr lang="ru-RU" dirty="0" smtClean="0">
-                <a:solidFill>
-                  <a:srgbClr val="FFFF00"/>
-                </a:solidFill>
-              </a:rPr>
-              <a:t>инициализация (Resource </a:t>
-            </a:r>
-            <a:r>
-              <a:rPr lang="ru-RU" dirty="0">
-                <a:solidFill>
-                  <a:srgbClr val="FFFF00"/>
-                </a:solidFill>
-              </a:rPr>
-              <a:t>acquisition is initialization (RAII</a:t>
-            </a:r>
-            <a:r>
-              <a:rPr lang="ru-RU" dirty="0" smtClean="0">
-                <a:solidFill>
-                  <a:srgbClr val="FFFF00"/>
-                </a:solidFill>
-              </a:rPr>
-              <a:t>)).</a:t>
-            </a:r>
-            <a:r>
-              <a:rPr lang="ru-RU" dirty="0" smtClean="0"/>
-              <a:t> Получение </a:t>
-            </a:r>
-            <a:r>
-              <a:rPr lang="ru-RU" dirty="0"/>
-              <a:t>некоторого ресурса совмещается с инициализацией, а освобождение — с уничтожением </a:t>
-            </a:r>
-            <a:r>
-              <a:rPr lang="ru-RU" dirty="0" smtClean="0"/>
-              <a:t>объекта.</a:t>
-            </a:r>
-            <a:endParaRPr lang="ru-RU" dirty="0"/>
+              <a:t> Получение некоторого ресурса совмещается с инициализацией, а освобождение — с уничтожением объекта.</a:t>
+            </a:r>
           </a:p>
         </p:txBody>
       </p:sp>
@@ -6418,13 +6335,6 @@
   <p:clrMapOvr>
     <a:masterClrMapping/>
   </p:clrMapOvr>
-  <p:timing>
-    <p:tnLst>
-      <p:par>
-        <p:cTn id="1" dur="indefinite" restart="never" nodeType="tmRoot"/>
-      </p:par>
-    </p:tnLst>
-  </p:timing>
 </p:sld>
 </file>
 
@@ -6472,13 +6382,8 @@
             </a:r>
             <a:r>
               <a:rPr lang="en-US" sz="3600" dirty="0"/>
-              <a:t>Structural</a:t>
-            </a:r>
-            <a:r>
-              <a:rPr lang="en-US" sz="3600" dirty="0" smtClean="0"/>
-              <a:t>)</a:t>
-            </a:r>
-            <a:endParaRPr lang="en-US" sz="3600" dirty="0"/>
+              <a:t>Structural)</a:t>
+            </a:r>
           </a:p>
         </p:txBody>
       </p:sp>
@@ -6503,12 +6408,8 @@
               <a:buNone/>
             </a:pPr>
             <a:r>
-              <a:rPr lang="ru-RU" dirty="0" smtClean="0"/>
-              <a:t>Определяют </a:t>
-            </a:r>
-            <a:r>
               <a:rPr lang="ru-RU" dirty="0"/>
-              <a:t>различные сложные структуры, которые изменяют интерфейс уже существующих объектов или его реализацию, позволяя облегчить разработку и оптимизировать программу.</a:t>
+              <a:t>Определяют различные сложные структуры, которые изменяют интерфейс уже существующих объектов или его реализацию, позволяя облегчить разработку и оптимизировать программу.</a:t>
             </a:r>
             <a:endParaRPr lang="en-US" dirty="0"/>
           </a:p>
@@ -6524,13 +6425,6 @@
   <p:clrMapOvr>
     <a:masterClrMapping/>
   </p:clrMapOvr>
-  <p:timing>
-    <p:tnLst>
-      <p:par>
-        <p:cTn id="1" dur="indefinite" restart="never" nodeType="tmRoot"/>
-      </p:par>
-    </p:tnLst>
-  </p:timing>
 </p:sld>
 </file>
 
@@ -6570,11 +6464,7 @@
           <a:p>
             <a:r>
               <a:rPr lang="ru-RU" sz="3600" dirty="0"/>
-              <a:t>Структурные </a:t>
-            </a:r>
-            <a:r>
-              <a:rPr lang="ru-RU" sz="3600" dirty="0" smtClean="0"/>
-              <a:t>шаблоны (продолжение)</a:t>
+              <a:t>Структурные шаблоны (продолжение)</a:t>
             </a:r>
             <a:endParaRPr lang="en-US" sz="3600" dirty="0"/>
           </a:p>
@@ -6603,141 +6493,84 @@
                   <a:srgbClr val="FFFF00"/>
                 </a:solidFill>
               </a:rPr>
-              <a:t>Адаптер </a:t>
-            </a:r>
-            <a:r>
-              <a:rPr lang="ru-RU" dirty="0" smtClean="0">
+              <a:t>Адаптер (Adapter / Wrapper).</a:t>
+            </a:r>
+            <a:r>
+              <a:rPr lang="ru-RU" dirty="0"/>
+              <a:t> Объект, обеспечивающий взаимодействие двух других объектов, один из которых использует, а другой предоставляет несовместимый с первым интерфейс.</a:t>
+            </a:r>
+          </a:p>
+          <a:p>
+            <a:r>
+              <a:rPr lang="ru-RU" dirty="0">
                 <a:solidFill>
                   <a:srgbClr val="FFFF00"/>
                 </a:solidFill>
               </a:rPr>
-              <a:t>(Adapter </a:t>
-            </a:r>
+              <a:t>Мост (Bridge).</a:t>
+            </a:r>
+            <a:r>
+              <a:rPr lang="ru-RU" dirty="0"/>
+              <a:t> Структура, позволяющая изменять интерфейс обращения и интерфейс реализации класса независимо</a:t>
+            </a:r>
+          </a:p>
+          <a:p>
             <a:r>
               <a:rPr lang="ru-RU" dirty="0">
                 <a:solidFill>
                   <a:srgbClr val="FFFF00"/>
                 </a:solidFill>
               </a:rPr>
-              <a:t>/ </a:t>
-            </a:r>
-            <a:r>
-              <a:rPr lang="ru-RU" dirty="0" smtClean="0">
+              <a:t>Компоновщик (Composite).</a:t>
+            </a:r>
+            <a:r>
+              <a:rPr lang="ru-RU" dirty="0"/>
+              <a:t> Объект, который объединяет в себе объекты, подобные ему самому</a:t>
+            </a:r>
+          </a:p>
+          <a:p>
+            <a:r>
+              <a:rPr lang="en-US" dirty="0">
+                <a:solidFill>
+                  <a:srgbClr val="FFC000"/>
+                </a:solidFill>
+              </a:rPr>
+              <a:t>[C#]</a:t>
+            </a:r>
+            <a:r>
+              <a:rPr lang="en-US" dirty="0">
                 <a:solidFill>
                   <a:srgbClr val="FFFF00"/>
                 </a:solidFill>
               </a:rPr>
-              <a:t>Wrapper).</a:t>
-            </a:r>
-            <a:r>
-              <a:rPr lang="ru-RU" dirty="0" smtClean="0"/>
               <a:t> </a:t>
             </a:r>
             <a:r>
+              <a:rPr lang="ru-RU" dirty="0">
+                <a:solidFill>
+                  <a:srgbClr val="FFFF00"/>
+                </a:solidFill>
+              </a:rPr>
+              <a:t>Декоратор (Decorator).</a:t>
+            </a:r>
+            <a:r>
               <a:rPr lang="ru-RU" dirty="0"/>
-              <a:t>Объект, обеспечивающий взаимодействие двух других объектов, один из которых использует, а другой предоставляет несовместимый с первым </a:t>
-            </a:r>
-            <a:r>
-              <a:rPr lang="ru-RU" dirty="0" smtClean="0"/>
-              <a:t>интерфейс.</a:t>
-            </a:r>
-            <a:endParaRPr lang="ru-RU" dirty="0"/>
-          </a:p>
-          <a:p>
+              <a:t> Класс, расширяющий функциональность другого класса без использования наследования.</a:t>
+            </a:r>
+            <a:r>
+              <a:rPr lang="en-US" dirty="0"/>
+              <a:t> </a:t>
+            </a:r>
+            <a:r>
+              <a:rPr lang="en-US" dirty="0">
+                <a:solidFill>
+                  <a:srgbClr val="FFC000"/>
+                </a:solidFill>
+              </a:rPr>
+              <a:t>Extension </a:t>
+            </a:r>
             <a:r>
               <a:rPr lang="ru-RU" dirty="0">
-                <a:solidFill>
-                  <a:srgbClr val="FFFF00"/>
-                </a:solidFill>
-              </a:rPr>
-              <a:t>Мост </a:t>
-            </a:r>
-            <a:r>
-              <a:rPr lang="ru-RU" dirty="0" smtClean="0">
-                <a:solidFill>
-                  <a:srgbClr val="FFFF00"/>
-                </a:solidFill>
-              </a:rPr>
-              <a:t>(Bridge).</a:t>
-            </a:r>
-            <a:r>
-              <a:rPr lang="ru-RU" dirty="0" smtClean="0"/>
-              <a:t> </a:t>
-            </a:r>
-            <a:r>
-              <a:rPr lang="ru-RU" dirty="0"/>
-              <a:t>Структура, позволяющая изменять интерфейс обращения и интерфейс реализации класса независимо</a:t>
-            </a:r>
-          </a:p>
-          <a:p>
-            <a:r>
-              <a:rPr lang="ru-RU" dirty="0" smtClean="0">
-                <a:solidFill>
-                  <a:srgbClr val="FFFF00"/>
-                </a:solidFill>
-              </a:rPr>
-              <a:t>Компоновщик (Composite).</a:t>
-            </a:r>
-            <a:r>
-              <a:rPr lang="ru-RU" dirty="0" smtClean="0"/>
-              <a:t> </a:t>
-            </a:r>
-            <a:r>
-              <a:rPr lang="ru-RU" dirty="0"/>
-              <a:t>Объект, который объединяет в себе объекты, подобные ему самому</a:t>
-            </a:r>
-          </a:p>
-          <a:p>
-            <a:r>
-              <a:rPr lang="en-US" dirty="0" smtClean="0">
-                <a:solidFill>
-                  <a:srgbClr val="FFC000"/>
-                </a:solidFill>
-              </a:rPr>
-              <a:t>[C#]</a:t>
-            </a:r>
-            <a:r>
-              <a:rPr lang="en-US" dirty="0" smtClean="0">
-                <a:solidFill>
-                  <a:srgbClr val="FFFF00"/>
-                </a:solidFill>
-              </a:rPr>
-              <a:t> </a:t>
-            </a:r>
-            <a:r>
-              <a:rPr lang="ru-RU" dirty="0" smtClean="0">
-                <a:solidFill>
-                  <a:srgbClr val="FFFF00"/>
-                </a:solidFill>
-              </a:rPr>
-              <a:t>Декоратор (Decorator).</a:t>
-            </a:r>
-            <a:r>
-              <a:rPr lang="ru-RU" dirty="0" smtClean="0"/>
-              <a:t> </a:t>
-            </a:r>
-            <a:r>
-              <a:rPr lang="ru-RU" dirty="0"/>
-              <a:t>Класс, расширяющий функциональность другого класса без использования </a:t>
-            </a:r>
-            <a:r>
-              <a:rPr lang="ru-RU" dirty="0" smtClean="0"/>
-              <a:t>наследования.</a:t>
-            </a:r>
-            <a:r>
-              <a:rPr lang="en-US" dirty="0" smtClean="0"/>
-              <a:t> </a:t>
-            </a:r>
-            <a:r>
-              <a:rPr lang="en-US" dirty="0" smtClean="0">
-                <a:solidFill>
-                  <a:srgbClr val="FFC000"/>
-                </a:solidFill>
-              </a:rPr>
-              <a:t>Extension </a:t>
-            </a:r>
-            <a:r>
-              <a:rPr lang="ru-RU" dirty="0" smtClean="0">
                 <a:solidFill>
                   <a:srgbClr val="FFC000"/>
                 </a:solidFill>
@@ -6762,13 +6595,6 @@
   <p:clrMapOvr>
     <a:masterClrMapping/>
   </p:clrMapOvr>
-  <p:timing>
-    <p:tnLst>
-      <p:par>
-        <p:cTn id="1" dur="indefinite" restart="never" nodeType="tmRoot"/>
-      </p:par>
-    </p:tnLst>
-  </p:timing>
 </p:sld>
 </file>
 
@@ -6808,17 +6634,12 @@
           <a:p>
             <a:r>
               <a:rPr lang="ru-RU" sz="3600" dirty="0"/>
-              <a:t>Структурные шаблоны </a:t>
-            </a:r>
-            <a:r>
-              <a:rPr lang="ru-RU" sz="3600" dirty="0" smtClean="0"/>
-              <a:t>(окончание</a:t>
-            </a:r>
-            <a:r>
-              <a:rPr lang="en-US" sz="3600" dirty="0" smtClean="0"/>
+              <a:t>Структурные шаблоны (окончание</a:t>
+            </a:r>
+            <a:r>
+              <a:rPr lang="en-US" sz="3600" dirty="0"/>
               <a:t>)</a:t>
             </a:r>
-            <a:endParaRPr lang="en-US" sz="3600" dirty="0"/>
           </a:p>
         </p:txBody>
       </p:sp>
@@ -6840,7 +6661,7 @@
           <a:lstStyle/>
           <a:p>
             <a:r>
-              <a:rPr lang="ru-RU" dirty="0" smtClean="0">
+              <a:rPr lang="ru-RU" dirty="0">
                 <a:solidFill>
                   <a:srgbClr val="FFFF00"/>
                 </a:solidFill>
@@ -6848,18 +6669,9 @@
               <a:t>Фасад (Facade).</a:t>
             </a:r>
             <a:r>
-              <a:rPr lang="ru-RU" dirty="0" smtClean="0"/>
-              <a:t> </a:t>
-            </a:r>
-            <a:r>
               <a:rPr lang="ru-RU" dirty="0"/>
-              <a:t>Объект, который абстрагирует работу с несколькими классами, объединяя их в единое </a:t>
-            </a:r>
-            <a:r>
-              <a:rPr lang="ru-RU" dirty="0" smtClean="0"/>
-              <a:t>целое.</a:t>
-            </a:r>
-            <a:endParaRPr lang="ru-RU" dirty="0"/>
+              <a:t> Объект, который абстрагирует работу с несколькими классами, объединяя их в единое целое.</a:t>
+            </a:r>
           </a:p>
           <a:p>
             <a:r>
@@ -6868,29 +6680,26 @@
                   <a:srgbClr val="FFFF00"/>
                 </a:solidFill>
               </a:rPr>
-              <a:t>Единая точка входа </a:t>
-            </a:r>
-            <a:r>
-              <a:rPr lang="ru-RU" dirty="0" smtClean="0">
+              <a:t>Единая точка входа (Front Controller).</a:t>
+            </a:r>
+            <a:r>
+              <a:rPr lang="ru-RU" dirty="0"/>
+              <a:t> Обеспечивает унифицированный интерфейс для интерфейсов в подсистеме. Front Controller определяет высокоуровневый интерфейс, упрощающий использование подсистемы.</a:t>
+            </a:r>
+          </a:p>
+          <a:p>
+            <a:r>
+              <a:rPr lang="ru-RU" dirty="0">
                 <a:solidFill>
                   <a:srgbClr val="FFFF00"/>
                 </a:solidFill>
               </a:rPr>
-              <a:t>(Front Controller).</a:t>
-            </a:r>
-            <a:r>
-              <a:rPr lang="ru-RU" dirty="0" smtClean="0"/>
-              <a:t> </a:t>
+              <a:t>Приспособленец (Flyweight).</a:t>
             </a:r>
             <a:r>
               <a:rPr lang="ru-RU" dirty="0"/>
-              <a:t>Обеспечивает унифицированный интерфейс для интерфейсов в подсистеме. Front Controller определяет высокоуровневый интерфейс, упрощающий использование </a:t>
-            </a:r>
-            <a:r>
-              <a:rPr lang="ru-RU" dirty="0" smtClean="0"/>
-              <a:t>подсистемы.</a:t>
-            </a:r>
-            <a:endParaRPr lang="ru-RU" dirty="0"/>
+              <a:t> Это объект, представляющий себя как уникальный экземпляр в разных местах программы, но по факту не являющийся таковым.</a:t>
+            </a:r>
           </a:p>
           <a:p>
             <a:r>
@@ -6899,50 +6708,11 @@
                   <a:srgbClr val="FFFF00"/>
                 </a:solidFill>
               </a:rPr>
-              <a:t>Приспособленец </a:t>
-            </a:r>
-            <a:r>
-              <a:rPr lang="ru-RU" dirty="0" smtClean="0">
-                <a:solidFill>
-                  <a:srgbClr val="FFFF00"/>
-                </a:solidFill>
-              </a:rPr>
-              <a:t>(Flyweight).</a:t>
-            </a:r>
-            <a:r>
-              <a:rPr lang="ru-RU" dirty="0" smtClean="0"/>
-              <a:t> </a:t>
+              <a:t>Заместитель (Proxy).</a:t>
             </a:r>
             <a:r>
               <a:rPr lang="ru-RU" dirty="0"/>
-              <a:t>Это объект, представляющий себя как уникальный экземпляр в разных местах программы, но по факту не являющийся </a:t>
-            </a:r>
-            <a:r>
-              <a:rPr lang="ru-RU" dirty="0" smtClean="0"/>
-              <a:t>таковым.</a:t>
-            </a:r>
-            <a:endParaRPr lang="ru-RU" dirty="0"/>
-          </a:p>
-          <a:p>
-            <a:r>
-              <a:rPr lang="ru-RU" dirty="0" smtClean="0">
-                <a:solidFill>
-                  <a:srgbClr val="FFFF00"/>
-                </a:solidFill>
-              </a:rPr>
-              <a:t>Заместитель (Proxy).</a:t>
-            </a:r>
-            <a:r>
-              <a:rPr lang="ru-RU" dirty="0" smtClean="0"/>
-              <a:t> </a:t>
-            </a:r>
-            <a:r>
-              <a:rPr lang="ru-RU" dirty="0"/>
-              <a:t>Объект, который является посредником между двумя другими объектами, и который реализовывает/ограничивает доступ к объекту, к которому обращаются через </a:t>
-            </a:r>
-            <a:r>
-              <a:rPr lang="ru-RU" dirty="0" smtClean="0"/>
-              <a:t>него.</a:t>
+              <a:t> Объект, который является посредником между двумя другими объектами, и который реализовывает/ограничивает доступ к объекту, к которому обращаются через него.</a:t>
             </a:r>
             <a:endParaRPr lang="en-US" dirty="0"/>
           </a:p>
@@ -6958,13 +6728,6 @@
   <p:clrMapOvr>
     <a:masterClrMapping/>
   </p:clrMapOvr>
-  <p:timing>
-    <p:tnLst>
-      <p:par>
-        <p:cTn id="1" dur="indefinite" restart="never" nodeType="tmRoot"/>
-      </p:par>
-    </p:tnLst>
-  </p:timing>
 </p:sld>
 </file>
 
@@ -7008,11 +6771,7 @@
             </a:pPr>
             <a:r>
               <a:rPr lang="ru-RU" sz="3600" dirty="0"/>
-              <a:t>Поведенческие шаблоны (Behavioral</a:t>
-            </a:r>
-            <a:r>
-              <a:rPr lang="ru-RU" sz="3600" dirty="0" smtClean="0"/>
-              <a:t>)</a:t>
+              <a:t>Поведенческие шаблоны (Behavioral)</a:t>
             </a:r>
             <a:endParaRPr lang="en-US" sz="3600" dirty="0"/>
           </a:p>
@@ -7037,12 +6796,8 @@
               <a:buNone/>
             </a:pPr>
             <a:r>
-              <a:rPr lang="ru-RU" dirty="0" smtClean="0"/>
-              <a:t>Определяют </a:t>
-            </a:r>
-            <a:r>
               <a:rPr lang="ru-RU" dirty="0"/>
-              <a:t>взаимодействие между объектами, увеличивая таким образом его гибкость.</a:t>
+              <a:t>Определяют взаимодействие между объектами, увеличивая таким образом его гибкость.</a:t>
             </a:r>
             <a:endParaRPr lang="en-US" dirty="0"/>
           </a:p>
@@ -7058,13 +6813,6 @@
   <p:clrMapOvr>
     <a:masterClrMapping/>
   </p:clrMapOvr>
-  <p:timing>
-    <p:tnLst>
-      <p:par>
-        <p:cTn id="1" dur="indefinite" restart="never" nodeType="tmRoot"/>
-      </p:par>
-    </p:tnLst>
-  </p:timing>
 </p:sld>
 </file>
 
@@ -7104,11 +6852,7 @@
           <a:p>
             <a:r>
               <a:rPr lang="ru-RU" sz="3600" dirty="0"/>
-              <a:t>Поведенческие шаблоны </a:t>
-            </a:r>
-            <a:r>
-              <a:rPr lang="ru-RU" sz="3600" dirty="0" smtClean="0"/>
-              <a:t>(продолжение)</a:t>
+              <a:t>Поведенческие шаблоны (продолжение)</a:t>
             </a:r>
             <a:endParaRPr lang="en-US" sz="3600" dirty="0"/>
           </a:p>
@@ -7137,274 +6881,142 @@
                   <a:srgbClr val="FFFF00"/>
                 </a:solidFill>
               </a:rPr>
-              <a:t>Стратегия </a:t>
-            </a:r>
-            <a:r>
-              <a:rPr lang="ru-RU" dirty="0" smtClean="0">
+              <a:t>Стратегия (Strategy).</a:t>
+            </a:r>
+            <a:r>
+              <a:rPr lang="ru-RU" dirty="0"/>
+              <a:t> Предназначен для определения семейства алгоритмов, инкапсуляции каждого из них и обеспечения их взаимозаменяемости.</a:t>
+            </a:r>
+          </a:p>
+          <a:p>
+            <a:r>
+              <a:rPr lang="ru-RU" dirty="0">
                 <a:solidFill>
                   <a:srgbClr val="FFFF00"/>
                 </a:solidFill>
               </a:rPr>
-              <a:t>(Strategy).</a:t>
-            </a:r>
-            <a:r>
-              <a:rPr lang="ru-RU" dirty="0" smtClean="0"/>
+              <a:t>Итератор (Cursor Iterator).</a:t>
+            </a:r>
+            <a:r>
+              <a:rPr lang="ru-RU" dirty="0"/>
+              <a:t> Представляет собой объект, позволяющий получить последовательный доступ к элементам объекта-агрегата без использования описаний каждого из объектов, входящий в состав агрегации.</a:t>
+            </a:r>
+          </a:p>
+          <a:p>
+            <a:r>
+              <a:rPr lang="ru-RU" dirty="0">
+                <a:solidFill>
+                  <a:srgbClr val="FFFF00"/>
+                </a:solidFill>
+              </a:rPr>
+              <a:t>Цепочка ответственности (Chain of responsibility).</a:t>
+            </a:r>
+            <a:r>
+              <a:rPr lang="ru-RU" dirty="0"/>
+              <a:t> Предназначен для организации в системе уровней ответственности.</a:t>
+            </a:r>
+          </a:p>
+          <a:p>
+            <a:r>
+              <a:rPr lang="ru-RU" dirty="0">
+                <a:solidFill>
+                  <a:srgbClr val="FFFF00"/>
+                </a:solidFill>
+              </a:rPr>
+              <a:t>Команда (Action, Transaction Command).</a:t>
+            </a:r>
+            <a:r>
+              <a:rPr lang="ru-RU" dirty="0"/>
+              <a:t> Представляет действие. Объект команды заключает в себе само действие и его параметры.</a:t>
+            </a:r>
+          </a:p>
+          <a:p>
+            <a:r>
+              <a:rPr lang="ru-RU" dirty="0">
+                <a:solidFill>
+                  <a:srgbClr val="FFFF00"/>
+                </a:solidFill>
+              </a:rPr>
+              <a:t>Интерпретатор (Interpreter).</a:t>
+            </a:r>
+            <a:r>
+              <a:rPr lang="ru-RU" dirty="0"/>
+              <a:t> Решает часто встречающуюся, но подверженную изменениям, задачу.</a:t>
+            </a:r>
+          </a:p>
+          <a:p>
+            <a:r>
+              <a:rPr lang="ru-RU" dirty="0">
+                <a:solidFill>
+                  <a:srgbClr val="FFFF00"/>
+                </a:solidFill>
+              </a:rPr>
+              <a:t>Посредник (Mediator).</a:t>
+            </a:r>
+            <a:r>
+              <a:rPr lang="ru-RU" dirty="0"/>
+              <a:t> Обеспечивает взаимодействие множества объектов, формируя при этом слабую связанность и избавляя объекты от необходимости явно ссылаться друг на друга.</a:t>
+            </a:r>
+          </a:p>
+          <a:p>
+            <a:r>
+              <a:rPr lang="en-US" dirty="0">
+                <a:solidFill>
+                  <a:srgbClr val="FFC000"/>
+                </a:solidFill>
+              </a:rPr>
+              <a:t>[.NET]</a:t>
+            </a:r>
+            <a:r>
+              <a:rPr lang="en-US" dirty="0">
+                <a:solidFill>
+                  <a:srgbClr val="FFFF00"/>
+                </a:solidFill>
+              </a:rPr>
               <a:t> </a:t>
             </a:r>
             <a:r>
+              <a:rPr lang="ru-RU" dirty="0">
+                <a:solidFill>
+                  <a:srgbClr val="FFFF00"/>
+                </a:solidFill>
+              </a:rPr>
+              <a:t>Хранитель </a:t>
+            </a:r>
+            <a:r>
+              <a:rPr lang="en-US" dirty="0">
+                <a:solidFill>
+                  <a:srgbClr val="FFFF00"/>
+                </a:solidFill>
+              </a:rPr>
+              <a:t>(</a:t>
+            </a:r>
+            <a:r>
+              <a:rPr lang="ru-RU" dirty="0">
+                <a:solidFill>
+                  <a:srgbClr val="FFFF00"/>
+                </a:solidFill>
+              </a:rPr>
+              <a:t>Memento</a:t>
+            </a:r>
+            <a:r>
+              <a:rPr lang="en-US" dirty="0">
+                <a:solidFill>
+                  <a:srgbClr val="FFFF00"/>
+                </a:solidFill>
+              </a:rPr>
+              <a:t>).</a:t>
+            </a:r>
+            <a:r>
               <a:rPr lang="ru-RU" dirty="0"/>
-              <a:t>Предназначен для определения семейства алгоритмов, инкапсуляции каждого из них и обеспечения их </a:t>
-            </a:r>
-            <a:r>
-              <a:rPr lang="ru-RU" dirty="0" smtClean="0"/>
-              <a:t>взаимозаменяемости.</a:t>
-            </a:r>
-          </a:p>
-          <a:p>
-            <a:r>
-              <a:rPr lang="ru-RU" dirty="0" smtClean="0">
-                <a:solidFill>
-                  <a:srgbClr val="FFFF00"/>
-                </a:solidFill>
-              </a:rPr>
-              <a:t>Итератор (Cursor Iterator).</a:t>
-            </a:r>
-            <a:r>
-              <a:rPr lang="ru-RU" dirty="0" smtClean="0"/>
+              <a:t> Позволяет не нарушая инкапсуляцию зафиксировать и сохранить внутреннее состояния объекта так, чтобы позднее восстановить его в этом состоянии.</a:t>
+            </a:r>
+            <a:r>
+              <a:rPr lang="en-US" dirty="0"/>
               <a:t> </a:t>
             </a:r>
             <a:r>
-              <a:rPr lang="ru-RU" dirty="0"/>
-              <a:t>Представляет собой объект, позволяющий получить последовательный доступ к элементам объекта-агрегата без использования описаний каждого из объектов, входящий в состав </a:t>
-            </a:r>
-            <a:r>
-              <a:rPr lang="ru-RU" dirty="0" smtClean="0"/>
-              <a:t>агрегации.</a:t>
-            </a:r>
-          </a:p>
-          <a:p>
-            <a:r>
-              <a:rPr lang="ru-RU" dirty="0" smtClean="0">
-                <a:solidFill>
-                  <a:srgbClr val="FFFF00"/>
-                </a:solidFill>
-              </a:rPr>
-              <a:t>Цепочка </a:t>
-            </a:r>
-            <a:r>
-              <a:rPr lang="ru-RU" dirty="0">
-                <a:solidFill>
-                  <a:srgbClr val="FFFF00"/>
-                </a:solidFill>
-              </a:rPr>
-              <a:t>ответственности </a:t>
-            </a:r>
-            <a:r>
-              <a:rPr lang="ru-RU" dirty="0" smtClean="0">
-                <a:solidFill>
-                  <a:srgbClr val="FFFF00"/>
-                </a:solidFill>
-              </a:rPr>
-              <a:t>(Chain </a:t>
-            </a:r>
-            <a:r>
-              <a:rPr lang="ru-RU" dirty="0">
-                <a:solidFill>
-                  <a:srgbClr val="FFFF00"/>
-                </a:solidFill>
-              </a:rPr>
-              <a:t>of </a:t>
-            </a:r>
-            <a:r>
-              <a:rPr lang="ru-RU" dirty="0" smtClean="0">
-                <a:solidFill>
-                  <a:srgbClr val="FFFF00"/>
-                </a:solidFill>
-              </a:rPr>
-              <a:t>responsibility).</a:t>
-            </a:r>
-            <a:r>
-              <a:rPr lang="ru-RU" dirty="0" smtClean="0"/>
-              <a:t> </a:t>
-            </a:r>
-            <a:r>
-              <a:rPr lang="ru-RU" dirty="0"/>
-              <a:t>Предназначен для организации в системе уровней </a:t>
-            </a:r>
-            <a:r>
-              <a:rPr lang="ru-RU" dirty="0" smtClean="0"/>
-              <a:t>ответственности.</a:t>
-            </a:r>
-            <a:endParaRPr lang="ru-RU" dirty="0"/>
-          </a:p>
-          <a:p>
-            <a:r>
-              <a:rPr lang="ru-RU" dirty="0" smtClean="0">
-                <a:solidFill>
-                  <a:srgbClr val="FFFF00"/>
-                </a:solidFill>
-              </a:rPr>
-              <a:t>Команда (Action</a:t>
-            </a:r>
-            <a:r>
-              <a:rPr lang="ru-RU" dirty="0">
-                <a:solidFill>
-                  <a:srgbClr val="FFFF00"/>
-                </a:solidFill>
-              </a:rPr>
-              <a:t>, Transaction </a:t>
-            </a:r>
-            <a:r>
-              <a:rPr lang="ru-RU" dirty="0" smtClean="0">
-                <a:solidFill>
-                  <a:srgbClr val="FFFF00"/>
-                </a:solidFill>
-              </a:rPr>
-              <a:t>Command).</a:t>
-            </a:r>
-            <a:r>
-              <a:rPr lang="ru-RU" dirty="0" smtClean="0"/>
-              <a:t> </a:t>
-            </a:r>
-            <a:r>
-              <a:rPr lang="ru-RU" dirty="0"/>
-              <a:t>Представляет действие. Объект команды заключает в себе само действие и его </a:t>
-            </a:r>
-            <a:r>
-              <a:rPr lang="ru-RU" dirty="0" smtClean="0"/>
-              <a:t>параметры.</a:t>
-            </a:r>
-            <a:endParaRPr lang="ru-RU" dirty="0"/>
-          </a:p>
-          <a:p>
-            <a:r>
-              <a:rPr lang="ru-RU" dirty="0">
-                <a:solidFill>
-                  <a:srgbClr val="FFFF00"/>
-                </a:solidFill>
-              </a:rPr>
-              <a:t>Интерпретатор </a:t>
-            </a:r>
-            <a:r>
-              <a:rPr lang="ru-RU" dirty="0" smtClean="0">
-                <a:solidFill>
-                  <a:srgbClr val="FFFF00"/>
-                </a:solidFill>
-              </a:rPr>
-              <a:t>(Interpreter).</a:t>
-            </a:r>
-            <a:r>
-              <a:rPr lang="ru-RU" dirty="0" smtClean="0"/>
-              <a:t> </a:t>
-            </a:r>
-            <a:r>
-              <a:rPr lang="ru-RU" dirty="0"/>
-              <a:t>Решает часто встречающуюся, но подверженную изменениям, </a:t>
-            </a:r>
-            <a:r>
-              <a:rPr lang="ru-RU" dirty="0" smtClean="0"/>
-              <a:t>задачу.</a:t>
-            </a:r>
-            <a:endParaRPr lang="ru-RU" dirty="0"/>
-          </a:p>
-          <a:p>
-            <a:r>
-              <a:rPr lang="ru-RU" dirty="0">
-                <a:solidFill>
-                  <a:srgbClr val="FFFF00"/>
-                </a:solidFill>
-              </a:rPr>
-              <a:t>Посредник </a:t>
-            </a:r>
-            <a:r>
-              <a:rPr lang="ru-RU" dirty="0" smtClean="0">
-                <a:solidFill>
-                  <a:srgbClr val="FFFF00"/>
-                </a:solidFill>
-              </a:rPr>
-              <a:t>(Mediator).</a:t>
-            </a:r>
-            <a:r>
-              <a:rPr lang="ru-RU" dirty="0" smtClean="0"/>
-              <a:t> </a:t>
-            </a:r>
-            <a:r>
-              <a:rPr lang="ru-RU" dirty="0"/>
-              <a:t>Обеспечивает взаимодействие множества объектов, формируя при этом слабую связанность и избавляя объекты от необходимости явно ссылаться друг на </a:t>
-            </a:r>
-            <a:r>
-              <a:rPr lang="ru-RU" dirty="0" smtClean="0"/>
-              <a:t>друга.</a:t>
-            </a:r>
-            <a:endParaRPr lang="ru-RU" dirty="0"/>
-          </a:p>
-          <a:p>
-            <a:r>
-              <a:rPr lang="en-US" dirty="0" smtClean="0">
-                <a:solidFill>
-                  <a:srgbClr val="FFC000"/>
-                </a:solidFill>
-              </a:rPr>
-              <a:t>[.NET]</a:t>
-            </a:r>
-            <a:r>
-              <a:rPr lang="en-US" dirty="0" smtClean="0">
-                <a:solidFill>
-                  <a:srgbClr val="FFFF00"/>
-                </a:solidFill>
-              </a:rPr>
-              <a:t> </a:t>
-            </a:r>
-            <a:r>
-              <a:rPr lang="ru-RU" dirty="0" smtClean="0">
-                <a:solidFill>
-                  <a:srgbClr val="FFFF00"/>
-                </a:solidFill>
-              </a:rPr>
-              <a:t>Хранитель </a:t>
-            </a:r>
-            <a:r>
-              <a:rPr lang="en-US" dirty="0" smtClean="0">
-                <a:solidFill>
-                  <a:srgbClr val="FFFF00"/>
-                </a:solidFill>
-              </a:rPr>
-              <a:t>(</a:t>
-            </a:r>
-            <a:r>
-              <a:rPr lang="ru-RU" dirty="0" smtClean="0">
-                <a:solidFill>
-                  <a:srgbClr val="FFFF00"/>
-                </a:solidFill>
-              </a:rPr>
-              <a:t>Memento</a:t>
-            </a:r>
-            <a:r>
-              <a:rPr lang="en-US" dirty="0" smtClean="0">
-                <a:solidFill>
-                  <a:srgbClr val="FFFF00"/>
-                </a:solidFill>
-              </a:rPr>
-              <a:t>).</a:t>
-            </a:r>
-            <a:r>
-              <a:rPr lang="ru-RU" dirty="0" smtClean="0"/>
-              <a:t> </a:t>
-            </a:r>
-            <a:r>
-              <a:rPr lang="ru-RU" dirty="0"/>
-              <a:t>Позволяет не нарушая инкапсуляцию зафиксировать и сохранить внутреннее состояния объекта так, чтобы позднее восстановить его в этом </a:t>
-            </a:r>
-            <a:r>
-              <a:rPr lang="ru-RU" dirty="0" smtClean="0"/>
-              <a:t>состоянии.</a:t>
-            </a:r>
-            <a:r>
-              <a:rPr lang="en-US" dirty="0" smtClean="0"/>
-              <a:t> </a:t>
-            </a:r>
-            <a:r>
-              <a:rPr lang="en-US" dirty="0" smtClean="0">
+              <a:rPr lang="en-US" dirty="0">
                 <a:solidFill>
                   <a:srgbClr val="FFC000"/>
                 </a:solidFill>
@@ -7429,13 +7041,6 @@
   <p:clrMapOvr>
     <a:masterClrMapping/>
   </p:clrMapOvr>
-  <p:timing>
-    <p:tnLst>
-      <p:par>
-        <p:cTn id="1" dur="indefinite" restart="never" nodeType="tmRoot"/>
-      </p:par>
-    </p:tnLst>
-  </p:timing>
 </p:sld>
 </file>
 
@@ -7475,11 +7080,7 @@
           <a:p>
             <a:r>
               <a:rPr lang="ru-RU" sz="3600" dirty="0"/>
-              <a:t>Поведенческие шаблоны </a:t>
-            </a:r>
-            <a:r>
-              <a:rPr lang="ru-RU" sz="3600" dirty="0" smtClean="0"/>
-              <a:t>(окончание)</a:t>
+              <a:t>Поведенческие шаблоны (окончание)</a:t>
             </a:r>
             <a:endParaRPr lang="en-US" sz="3600" dirty="0"/>
           </a:p>
@@ -7508,41 +7109,25 @@
                   <a:srgbClr val="FFFF00"/>
                 </a:solidFill>
               </a:rPr>
-              <a:t>Null </a:t>
-            </a:r>
-            <a:r>
-              <a:rPr lang="ru-RU" dirty="0" smtClean="0">
+              <a:t>Null object</a:t>
+            </a:r>
+            <a:r>
+              <a:rPr lang="en-US" dirty="0">
                 <a:solidFill>
                   <a:srgbClr val="FFFF00"/>
                 </a:solidFill>
               </a:rPr>
-              <a:t>object</a:t>
-            </a:r>
-            <a:r>
-              <a:rPr lang="en-US" dirty="0">
-                <a:solidFill>
-                  <a:srgbClr val="FFFF00"/>
-                </a:solidFill>
-              </a:rPr>
               <a:t>.</a:t>
             </a:r>
             <a:r>
-              <a:rPr lang="ru-RU" dirty="0" smtClean="0"/>
-              <a:t> </a:t>
-            </a:r>
-            <a:r>
               <a:rPr lang="ru-RU" dirty="0"/>
-              <a:t>Предотвращает нулевые указатели, предоставляя объект «по умолчанию</a:t>
-            </a:r>
-            <a:r>
-              <a:rPr lang="ru-RU" dirty="0" smtClean="0"/>
-              <a:t>»</a:t>
-            </a:r>
-            <a:r>
-              <a:rPr lang="en-US" dirty="0" smtClean="0"/>
+              <a:t> Предотвращает нулевые указатели, предоставляя объект «по умолчанию»</a:t>
+            </a:r>
+            <a:r>
+              <a:rPr lang="en-US" dirty="0"/>
               <a:t>.</a:t>
             </a:r>
-            <a:endParaRPr lang="ru-RU" dirty="0" smtClean="0"/>
+            <a:endParaRPr lang="ru-RU" dirty="0"/>
           </a:p>
           <a:p>
             <a:pPr lvl="1"/>
@@ -7552,344 +7137,218 @@
               </a:rPr>
               <a:t>Mitigate The Billion Dollar Mistake with Aspects</a:t>
             </a:r>
-            <a:endParaRPr lang="ru-RU" dirty="0" smtClean="0"/>
-          </a:p>
-          <a:p>
-            <a:r>
-              <a:rPr lang="en-US" dirty="0" smtClean="0">
+            <a:endParaRPr lang="ru-RU" dirty="0"/>
+          </a:p>
+          <a:p>
+            <a:r>
+              <a:rPr lang="en-US" dirty="0">
                 <a:solidFill>
                   <a:srgbClr val="FFC000"/>
                 </a:solidFill>
               </a:rPr>
-              <a:t>[.</a:t>
-            </a:r>
-            <a:r>
-              <a:rPr lang="en-US" dirty="0" smtClean="0">
+              <a:t>[.NET]</a:t>
+            </a:r>
+            <a:r>
+              <a:rPr lang="en-US" dirty="0">
+                <a:solidFill>
+                  <a:srgbClr val="FFFF00"/>
+                </a:solidFill>
+              </a:rPr>
+              <a:t> </a:t>
+            </a:r>
+            <a:r>
+              <a:rPr lang="ru-RU" dirty="0">
+                <a:solidFill>
+                  <a:srgbClr val="FFFF00"/>
+                </a:solidFill>
+              </a:rPr>
+              <a:t>Наблюдатель </a:t>
+            </a:r>
+            <a:r>
+              <a:rPr lang="en-US" dirty="0">
+                <a:solidFill>
+                  <a:srgbClr val="FFFF00"/>
+                </a:solidFill>
+              </a:rPr>
+              <a:t>(</a:t>
+            </a:r>
+            <a:r>
+              <a:rPr lang="ru-RU" dirty="0">
+                <a:solidFill>
+                  <a:srgbClr val="FFFF00"/>
+                </a:solidFill>
+              </a:rPr>
+              <a:t>Dependents, Publish-Subscribe, Listener Observer или Publish/subscribe</a:t>
+            </a:r>
+            <a:r>
+              <a:rPr lang="en-US" dirty="0">
+                <a:solidFill>
+                  <a:srgbClr val="FFFF00"/>
+                </a:solidFill>
+              </a:rPr>
+              <a:t>).</a:t>
+            </a:r>
+            <a:r>
+              <a:rPr lang="ru-RU" dirty="0"/>
+              <a:t> Определяет зависимость типа «один ко многим» между объектами таким образом, что при изменении состояния одного объекта все зависящие от него оповещаются об этом событии</a:t>
+            </a:r>
+            <a:r>
+              <a:rPr lang="en-US" dirty="0"/>
+              <a:t>. </a:t>
+            </a:r>
+            <a:r>
+              <a:rPr lang="ru-RU" dirty="0">
                 <a:solidFill>
                   <a:srgbClr val="FFC000"/>
                 </a:solidFill>
               </a:rPr>
-              <a:t>NET]</a:t>
-            </a:r>
-            <a:r>
-              <a:rPr lang="en-US" dirty="0" smtClean="0">
+              <a:t>События.</a:t>
+            </a:r>
+          </a:p>
+          <a:p>
+            <a:r>
+              <a:rPr lang="ru-RU" dirty="0">
                 <a:solidFill>
                   <a:srgbClr val="FFFF00"/>
                 </a:solidFill>
               </a:rPr>
+              <a:t>Слуга (Servant).</a:t>
+            </a:r>
+            <a:r>
+              <a:rPr lang="ru-RU" dirty="0"/>
+              <a:t> Используется для обеспечения общей функциональности группе классов</a:t>
+            </a:r>
+            <a:r>
+              <a:rPr lang="en-US" dirty="0"/>
+              <a:t>.</a:t>
+            </a:r>
+            <a:endParaRPr lang="ru-RU" dirty="0"/>
+          </a:p>
+          <a:p>
+            <a:r>
+              <a:rPr lang="ru-RU" dirty="0">
+                <a:solidFill>
+                  <a:srgbClr val="FFFF00"/>
+                </a:solidFill>
+              </a:rPr>
+              <a:t>Состояние (State).</a:t>
+            </a:r>
+            <a:r>
+              <a:rPr lang="ru-RU" dirty="0">
+                <a:solidFill>
+                  <a:srgbClr val="FFC000"/>
+                </a:solidFill>
+              </a:rPr>
               <a:t> </a:t>
             </a:r>
             <a:r>
-              <a:rPr lang="ru-RU" dirty="0" smtClean="0">
+              <a:rPr lang="ru-RU" dirty="0"/>
+              <a:t>Используется в тех случаях, когда во время выполнения программы объект должен менять свое поведение в зависимости от своего состояния</a:t>
+            </a:r>
+            <a:r>
+              <a:rPr lang="en-US" dirty="0"/>
+              <a:t>.</a:t>
+            </a:r>
+            <a:endParaRPr lang="ru-RU" dirty="0"/>
+          </a:p>
+          <a:p>
+            <a:r>
+              <a:rPr lang="en-US" dirty="0">
+                <a:solidFill>
+                  <a:srgbClr val="FFC000"/>
+                </a:solidFill>
+              </a:rPr>
+              <a:t>[.NET]</a:t>
+            </a:r>
+            <a:r>
+              <a:rPr lang="en-US" dirty="0">
                 <a:solidFill>
                   <a:srgbClr val="FFFF00"/>
                 </a:solidFill>
               </a:rPr>
-              <a:t>Наблюдатель </a:t>
-            </a:r>
-            <a:r>
-              <a:rPr lang="en-US" dirty="0" smtClean="0">
+              <a:t> </a:t>
+            </a:r>
+            <a:r>
+              <a:rPr lang="ru-RU" dirty="0">
                 <a:solidFill>
                   <a:srgbClr val="FFFF00"/>
                 </a:solidFill>
               </a:rPr>
-              <a:t>(</a:t>
-            </a:r>
-            <a:r>
-              <a:rPr lang="ru-RU" dirty="0" smtClean="0">
+              <a:t>Шаблонный метод (Template method).</a:t>
+            </a:r>
+            <a:r>
+              <a:rPr lang="ru-RU" dirty="0"/>
+              <a:t> Определяет основу алгоритма и позволяет наследникам переопределять некоторые шаги алгоритма, не изменяя его структуру в целом.</a:t>
+            </a:r>
+            <a:r>
+              <a:rPr lang="en-US" dirty="0"/>
+              <a:t> </a:t>
+            </a:r>
+            <a:r>
+              <a:rPr lang="en-US" dirty="0">
+                <a:solidFill>
+                  <a:srgbClr val="FFC000"/>
+                </a:solidFill>
+              </a:rPr>
+              <a:t>Generic </a:t>
+            </a:r>
+            <a:r>
+              <a:rPr lang="ru-RU" dirty="0">
+                <a:solidFill>
+                  <a:srgbClr val="FFC000"/>
+                </a:solidFill>
+              </a:rPr>
+              <a:t>классы и методы. Делегаты.</a:t>
+            </a:r>
+          </a:p>
+          <a:p>
+            <a:r>
+              <a:rPr lang="ru-RU" dirty="0">
                 <a:solidFill>
                   <a:srgbClr val="FFFF00"/>
                 </a:solidFill>
               </a:rPr>
-              <a:t>Dependents</a:t>
-            </a:r>
+              <a:t>Посетитель (Visitor).</a:t>
+            </a:r>
+            <a:r>
+              <a:rPr lang="ru-RU" dirty="0"/>
+              <a:t> Описывает операцию, которая выполняется над объектами других классов. При изменении класса Visitor нет необходимости изменять обслуживаемые классы.</a:t>
+            </a:r>
+          </a:p>
+          <a:p>
             <a:r>
               <a:rPr lang="ru-RU" dirty="0">
                 <a:solidFill>
                   <a:srgbClr val="FFFF00"/>
                 </a:solidFill>
               </a:rPr>
-              <a:t>, Publish-Subscribe, Listener Observer или </a:t>
-            </a:r>
-            <a:r>
-              <a:rPr lang="ru-RU" dirty="0" smtClean="0">
+              <a:t>Single-serving visitor.</a:t>
+            </a:r>
+            <a:r>
+              <a:rPr lang="ru-RU" dirty="0"/>
+              <a:t> Оптимизирует реализацию шаблона посетитель, который инициализируется, единожды используется, и затем удаляется</a:t>
+            </a:r>
+            <a:r>
+              <a:rPr lang="en-US" dirty="0"/>
+              <a:t>.</a:t>
+            </a:r>
+            <a:endParaRPr lang="ru-RU" dirty="0"/>
+          </a:p>
+          <a:p>
+            <a:r>
+              <a:rPr lang="ru-RU" dirty="0">
                 <a:solidFill>
                   <a:srgbClr val="FFFF00"/>
                 </a:solidFill>
               </a:rPr>
-              <a:t>Publish/subscribe</a:t>
-            </a:r>
-            <a:r>
-              <a:rPr lang="en-US" dirty="0" smtClean="0">
-                <a:solidFill>
-                  <a:srgbClr val="FFFF00"/>
-                </a:solidFill>
-              </a:rPr>
-              <a:t>).</a:t>
-            </a:r>
-            <a:r>
-              <a:rPr lang="ru-RU" dirty="0" smtClean="0"/>
-              <a:t> </a:t>
+              <a:t>Hierarchical visitor.</a:t>
             </a:r>
             <a:r>
               <a:rPr lang="ru-RU" dirty="0"/>
-              <a:t>Определяет зависимость типа «один ко многим» между объектами таким образом, что при изменении состояния одного объекта все зависящие от него оповещаются об этом </a:t>
-            </a:r>
-            <a:r>
-              <a:rPr lang="ru-RU" dirty="0" smtClean="0"/>
-              <a:t>событии</a:t>
-            </a:r>
-            <a:r>
-              <a:rPr lang="en-US" dirty="0" smtClean="0"/>
-              <a:t>. </a:t>
-            </a:r>
-            <a:r>
-              <a:rPr lang="ru-RU" dirty="0" smtClean="0">
-                <a:solidFill>
-                  <a:srgbClr val="FFC000"/>
-                </a:solidFill>
-              </a:rPr>
-              <a:t>События.</a:t>
-            </a:r>
-            <a:endParaRPr lang="ru-RU" dirty="0">
-              <a:solidFill>
-                <a:srgbClr val="FFC000"/>
-              </a:solidFill>
-            </a:endParaRPr>
-          </a:p>
-          <a:p>
-            <a:r>
-              <a:rPr lang="ru-RU" dirty="0">
-                <a:solidFill>
-                  <a:srgbClr val="FFFF00"/>
-                </a:solidFill>
-              </a:rPr>
-              <a:t>Слуга </a:t>
-            </a:r>
-            <a:r>
-              <a:rPr lang="ru-RU" dirty="0" smtClean="0">
-                <a:solidFill>
-                  <a:srgbClr val="FFFF00"/>
-                </a:solidFill>
-              </a:rPr>
-              <a:t>(Servant).</a:t>
-            </a:r>
-            <a:r>
-              <a:rPr lang="ru-RU" dirty="0" smtClean="0"/>
-              <a:t> </a:t>
-            </a:r>
-            <a:r>
-              <a:rPr lang="ru-RU" dirty="0"/>
-              <a:t>Используется для обеспечения общей функциональности группе </a:t>
-            </a:r>
-            <a:r>
-              <a:rPr lang="ru-RU" dirty="0" smtClean="0"/>
-              <a:t>классов</a:t>
-            </a:r>
-            <a:r>
-              <a:rPr lang="en-US" dirty="0" smtClean="0"/>
-              <a:t>.</a:t>
-            </a:r>
-            <a:endParaRPr lang="ru-RU" dirty="0"/>
-          </a:p>
-          <a:p>
-            <a:r>
-              <a:rPr lang="ru-RU" dirty="0" smtClean="0">
-                <a:solidFill>
-                  <a:srgbClr val="FFFF00"/>
-                </a:solidFill>
-              </a:rPr>
-              <a:t>Состояние (State).</a:t>
-            </a:r>
-            <a:r>
-              <a:rPr lang="ru-RU" dirty="0" smtClean="0">
-                <a:solidFill>
-                  <a:srgbClr val="FFC000"/>
-                </a:solidFill>
-              </a:rPr>
-              <a:t> </a:t>
-            </a:r>
-            <a:r>
-              <a:rPr lang="ru-RU" dirty="0" smtClean="0"/>
-              <a:t>Используется </a:t>
-            </a:r>
-            <a:r>
-              <a:rPr lang="ru-RU" dirty="0"/>
-              <a:t>в тех случаях, когда во время выполнения программы объект должен менять свое поведение в зависимости от своего </a:t>
-            </a:r>
-            <a:r>
-              <a:rPr lang="ru-RU" dirty="0" smtClean="0"/>
-              <a:t>состояния</a:t>
-            </a:r>
-            <a:r>
-              <a:rPr lang="en-US" dirty="0" smtClean="0"/>
-              <a:t>.</a:t>
-            </a:r>
-            <a:endParaRPr lang="ru-RU" dirty="0"/>
-          </a:p>
-          <a:p>
-            <a:r>
-              <a:rPr lang="en-US" dirty="0" smtClean="0">
-                <a:solidFill>
-                  <a:srgbClr val="FFC000"/>
-                </a:solidFill>
-              </a:rPr>
-              <a:t>[.NET]</a:t>
-            </a:r>
-            <a:r>
-              <a:rPr lang="en-US" dirty="0" smtClean="0">
-                <a:solidFill>
-                  <a:srgbClr val="FFFF00"/>
-                </a:solidFill>
-              </a:rPr>
-              <a:t> </a:t>
-            </a:r>
-            <a:r>
-              <a:rPr lang="ru-RU" dirty="0" smtClean="0">
-                <a:solidFill>
-                  <a:srgbClr val="FFFF00"/>
-                </a:solidFill>
-              </a:rPr>
-              <a:t>Шаблонный </a:t>
-            </a:r>
-            <a:r>
-              <a:rPr lang="ru-RU" dirty="0">
-                <a:solidFill>
-                  <a:srgbClr val="FFFF00"/>
-                </a:solidFill>
-              </a:rPr>
-              <a:t>метод </a:t>
-            </a:r>
-            <a:r>
-              <a:rPr lang="ru-RU" dirty="0" smtClean="0">
-                <a:solidFill>
-                  <a:srgbClr val="FFFF00"/>
-                </a:solidFill>
-              </a:rPr>
-              <a:t>(Template method).</a:t>
-            </a:r>
-            <a:r>
-              <a:rPr lang="ru-RU" dirty="0" smtClean="0"/>
-              <a:t> </a:t>
-            </a:r>
-            <a:r>
-              <a:rPr lang="ru-RU" dirty="0"/>
-              <a:t>Определяет основу алгоритма и позволяет наследникам переопределять некоторые шаги алгоритма, не изменяя его структуру в целом</a:t>
-            </a:r>
-            <a:r>
-              <a:rPr lang="ru-RU" dirty="0" smtClean="0"/>
-              <a:t>.</a:t>
-            </a:r>
-            <a:r>
-              <a:rPr lang="en-US" dirty="0" smtClean="0"/>
-              <a:t> </a:t>
-            </a:r>
-            <a:r>
-              <a:rPr lang="en-US" dirty="0" smtClean="0">
-                <a:solidFill>
-                  <a:srgbClr val="FFC000"/>
-                </a:solidFill>
-              </a:rPr>
-              <a:t>Generic </a:t>
-            </a:r>
-            <a:r>
-              <a:rPr lang="ru-RU" dirty="0" smtClean="0">
-                <a:solidFill>
-                  <a:srgbClr val="FFC000"/>
-                </a:solidFill>
-              </a:rPr>
-              <a:t>классы и методы. Делегаты.</a:t>
-            </a:r>
-            <a:endParaRPr lang="ru-RU" dirty="0">
-              <a:solidFill>
-                <a:srgbClr val="FFC000"/>
-              </a:solidFill>
-            </a:endParaRPr>
-          </a:p>
-          <a:p>
-            <a:r>
-              <a:rPr lang="ru-RU" dirty="0" smtClean="0">
-                <a:solidFill>
-                  <a:srgbClr val="FFFF00"/>
-                </a:solidFill>
-              </a:rPr>
-              <a:t>Посетитель (Visitor).</a:t>
-            </a:r>
-            <a:r>
-              <a:rPr lang="ru-RU" dirty="0" smtClean="0"/>
-              <a:t> </a:t>
-            </a:r>
-            <a:r>
-              <a:rPr lang="ru-RU" dirty="0"/>
-              <a:t>Описывает операцию, которая выполняется над объектами других классов. При изменении класса Visitor нет необходимости изменять обслуживаемые классы.</a:t>
-            </a:r>
-          </a:p>
-          <a:p>
-            <a:r>
-              <a:rPr lang="ru-RU" dirty="0">
-                <a:solidFill>
-                  <a:srgbClr val="FFFF00"/>
-                </a:solidFill>
-              </a:rPr>
-              <a:t>Single-serving </a:t>
-            </a:r>
-            <a:r>
-              <a:rPr lang="ru-RU" dirty="0" smtClean="0">
-                <a:solidFill>
-                  <a:srgbClr val="FFFF00"/>
-                </a:solidFill>
-              </a:rPr>
-              <a:t>visitor.</a:t>
-            </a:r>
-            <a:r>
-              <a:rPr lang="ru-RU" dirty="0" smtClean="0"/>
-              <a:t> </a:t>
-            </a:r>
-            <a:r>
-              <a:rPr lang="ru-RU" dirty="0"/>
-              <a:t>Оптимизирует реализацию шаблона посетитель, который инициализируется, единожды используется, и затем </a:t>
-            </a:r>
-            <a:r>
-              <a:rPr lang="ru-RU" dirty="0" smtClean="0"/>
-              <a:t>удаляется</a:t>
-            </a:r>
-            <a:r>
-              <a:rPr lang="en-US" dirty="0" smtClean="0"/>
-              <a:t>.</a:t>
-            </a:r>
-            <a:endParaRPr lang="ru-RU" dirty="0"/>
-          </a:p>
-          <a:p>
-            <a:r>
-              <a:rPr lang="ru-RU" dirty="0">
-                <a:solidFill>
-                  <a:srgbClr val="FFFF00"/>
-                </a:solidFill>
-              </a:rPr>
-              <a:t>Hierarchical </a:t>
-            </a:r>
-            <a:r>
-              <a:rPr lang="ru-RU" dirty="0" smtClean="0">
-                <a:solidFill>
-                  <a:srgbClr val="FFFF00"/>
-                </a:solidFill>
-              </a:rPr>
-              <a:t>visitor.</a:t>
-            </a:r>
-            <a:r>
-              <a:rPr lang="ru-RU" dirty="0" smtClean="0"/>
-              <a:t> Предоставляет </a:t>
-            </a:r>
-            <a:r>
-              <a:rPr lang="ru-RU" dirty="0"/>
-              <a:t>способ обхода всех вершин иерархической структуры данных (напр. древовидной</a:t>
-            </a:r>
-            <a:r>
-              <a:rPr lang="ru-RU" dirty="0" smtClean="0"/>
-              <a:t>)</a:t>
-            </a:r>
-            <a:r>
-              <a:rPr lang="en-US" dirty="0" smtClean="0"/>
+              <a:t> Предоставляет способ обхода всех вершин иерархической структуры данных (напр. древовидной)</a:t>
+            </a:r>
+            <a:r>
+              <a:rPr lang="en-US" dirty="0"/>
               <a:t>.</a:t>
             </a:r>
             <a:endParaRPr lang="ru-RU" dirty="0"/>
@@ -7906,13 +7365,6 @@
   <p:clrMapOvr>
     <a:masterClrMapping/>
   </p:clrMapOvr>
-  <p:timing>
-    <p:tnLst>
-      <p:par>
-        <p:cTn id="1" dur="indefinite" restart="never" nodeType="tmRoot"/>
-      </p:par>
-    </p:tnLst>
-  </p:timing>
 </p:sld>
 </file>
 
@@ -7949,7 +7401,7 @@
           <a:lstStyle/>
           <a:p>
             <a:r>
-              <a:rPr lang="ru-RU" dirty="0" smtClean="0"/>
+              <a:rPr lang="ru-RU" dirty="0"/>
               <a:t>Литература</a:t>
             </a:r>
             <a:endParaRPr lang="en-US" dirty="0"/>
@@ -7985,13 +7437,6 @@
   <p:clrMapOvr>
     <a:masterClrMapping/>
   </p:clrMapOvr>
-  <p:timing>
-    <p:tnLst>
-      <p:par>
-        <p:cTn id="1" dur="indefinite" restart="never" nodeType="tmRoot"/>
-      </p:par>
-    </p:tnLst>
-  </p:timing>
 </p:sld>
 </file>
 
@@ -8028,7 +7473,7 @@
           <a:lstStyle/>
           <a:p>
             <a:r>
-              <a:rPr lang="ru-RU" dirty="0" smtClean="0"/>
+              <a:rPr lang="ru-RU" dirty="0"/>
               <a:t>Материалы для обучения</a:t>
             </a:r>
             <a:endParaRPr lang="en-US" dirty="0"/>
@@ -8057,95 +7502,56 @@
                 </a:solidFill>
                 <a:hlinkClick r:id="rId2"/>
               </a:rPr>
-              <a:t>https://</a:t>
-            </a:r>
-            <a:r>
-              <a:rPr lang="en-US" dirty="0" smtClean="0">
+              <a:t>https://github.com/bazile/Training</a:t>
+            </a:r>
+            <a:br>
+              <a:rPr lang="en-US" dirty="0">
                 <a:solidFill>
                   <a:schemeClr val="bg1"/>
                 </a:solidFill>
-                <a:hlinkClick r:id="rId2"/>
-              </a:rPr>
-              <a:t>github.com/bazile/Training</a:t>
-            </a:r>
-            <a:r>
-              <a:rPr lang="en-US" dirty="0" smtClean="0">
+              </a:rPr>
+            </a:br>
+            <a:r>
+              <a:rPr lang="ru-RU" dirty="0">
                 <a:solidFill>
                   <a:schemeClr val="bg1"/>
                 </a:solidFill>
               </a:rPr>
-              <a:t/>
-            </a:r>
-            <a:br>
-              <a:rPr lang="en-US" dirty="0" smtClean="0">
-                <a:solidFill>
-                  <a:schemeClr val="bg1"/>
-                </a:solidFill>
-              </a:rPr>
-            </a:br>
-            <a:r>
-              <a:rPr lang="ru-RU" dirty="0" smtClean="0">
-                <a:solidFill>
-                  <a:schemeClr val="bg1"/>
-                </a:solidFill>
-              </a:rPr>
               <a:t>Презентации и примеры кода используемые во время занятия</a:t>
             </a:r>
           </a:p>
           <a:p>
-            <a:endParaRPr lang="ru-RU" dirty="0" smtClean="0">
-              <a:solidFill>
-                <a:schemeClr val="bg1"/>
-              </a:solidFill>
-            </a:endParaRPr>
-          </a:p>
-          <a:p>
-            <a:r>
-              <a:rPr lang="en-US" dirty="0">
-                <a:solidFill>
-                  <a:schemeClr val="bg1"/>
-                </a:solidFill>
-                <a:hlinkClick r:id="rId3"/>
-              </a:rPr>
-              <a:t>http://belhard.nullptr.ru</a:t>
-            </a:r>
-            <a:r>
-              <a:rPr lang="en-US" dirty="0" smtClean="0">
-                <a:solidFill>
-                  <a:schemeClr val="bg1"/>
-                </a:solidFill>
-                <a:hlinkClick r:id="rId3"/>
-              </a:rPr>
-              <a:t>/</a:t>
-            </a:r>
-            <a:r>
-              <a:rPr lang="ru-RU" dirty="0" smtClean="0">
-                <a:solidFill>
-                  <a:schemeClr val="bg1"/>
-                </a:solidFill>
-              </a:rPr>
-              <a:t/>
-            </a:r>
-            <a:br>
-              <a:rPr lang="ru-RU" dirty="0" smtClean="0">
-                <a:solidFill>
-                  <a:schemeClr val="bg1"/>
-                </a:solidFill>
-              </a:rPr>
-            </a:br>
-            <a:r>
-              <a:rPr lang="ru-RU" dirty="0" smtClean="0">
-                <a:solidFill>
-                  <a:schemeClr val="bg1"/>
-                </a:solidFill>
-              </a:rPr>
-              <a:t>Книги, примеры к ним и другие полезные файлы.</a:t>
-            </a:r>
             <a:endParaRPr lang="ru-RU" dirty="0">
               <a:solidFill>
                 <a:schemeClr val="bg1"/>
               </a:solidFill>
             </a:endParaRPr>
+          </a:p>
+          <a:p>
+            <a:r>
+              <a:rPr lang="en-US" dirty="0">
+                <a:solidFill>
+                  <a:schemeClr val="bg1"/>
+                </a:solidFill>
+                <a:hlinkClick r:id="rId3"/>
+              </a:rPr>
+              <a:t>http://belhard.nullptr.ru/</a:t>
+            </a:r>
+            <a:br>
+              <a:rPr lang="ru-RU" dirty="0">
+                <a:solidFill>
+                  <a:schemeClr val="bg1"/>
+                </a:solidFill>
+              </a:rPr>
+            </a:br>
+            <a:r>
+              <a:rPr lang="ru-RU" dirty="0">
+                <a:solidFill>
+                  <a:schemeClr val="bg1"/>
+                </a:solidFill>
+              </a:rPr>
+              <a:t>Книги, примеры к ним и другие полезные файлы.</a:t>
+            </a:r>
           </a:p>
           <a:p>
             <a:endParaRPr lang="en-US" dirty="0"/>
@@ -8162,13 +7568,6 @@
   <p:clrMapOvr>
     <a:masterClrMapping/>
   </p:clrMapOvr>
-  <p:timing>
-    <p:tnLst>
-      <p:par>
-        <p:cTn id="1" dur="indefinite" restart="never" nodeType="tmRoot"/>
-      </p:par>
-    </p:tnLst>
-  </p:timing>
 </p:sld>
 </file>
 
@@ -8248,13 +7647,6 @@
   <p:clrMapOvr>
     <a:masterClrMapping/>
   </p:clrMapOvr>
-  <p:timing>
-    <p:tnLst>
-      <p:par>
-        <p:cTn id="1" dur="indefinite" restart="never" nodeType="tmRoot"/>
-      </p:par>
-    </p:tnLst>
-  </p:timing>
 </p:sld>
 </file>
 
@@ -8291,10 +7683,9 @@
           <a:lstStyle/>
           <a:p>
             <a:r>
-              <a:rPr lang="ru-RU" dirty="0" smtClean="0"/>
+              <a:rPr lang="ru-RU" dirty="0"/>
               <a:t>Шаблон проектирования</a:t>
             </a:r>
-            <a:endParaRPr lang="ru-RU" dirty="0"/>
           </a:p>
         </p:txBody>
       </p:sp>
@@ -8320,15 +7711,7 @@
             </a:pPr>
             <a:r>
               <a:rPr lang="ru-RU" dirty="0"/>
-              <a:t>В разработке программного обеспечения, шаблон проектирования или паттерн </a:t>
-            </a:r>
-            <a:r>
-              <a:rPr lang="ru-RU" dirty="0" smtClean="0"/>
-              <a:t>(design </a:t>
-            </a:r>
-            <a:r>
-              <a:rPr lang="ru-RU" dirty="0"/>
-              <a:t>pattern) — повторимая архитектурная конструкция, представляющая собой решение проблемы проектирования в рамках некоторого часто возникающего контекста.</a:t>
+              <a:t>В разработке программного обеспечения, шаблон проектирования или паттерн (design pattern) — повторимая архитектурная конструкция, представляющая собой решение проблемы проектирования в рамках некоторого часто возникающего контекста.</a:t>
             </a:r>
           </a:p>
           <a:p>
@@ -8358,13 +7741,6 @@
   <p:clrMapOvr>
     <a:masterClrMapping/>
   </p:clrMapOvr>
-  <p:timing>
-    <p:tnLst>
-      <p:par>
-        <p:cTn id="1" dur="indefinite" restart="never" nodeType="tmRoot"/>
-      </p:par>
-    </p:tnLst>
-  </p:timing>
 </p:sld>
 </file>
 
@@ -8424,7 +7800,7 @@
           <a:lstStyle/>
           <a:p>
             <a:r>
-              <a:rPr lang="ru-RU" dirty="0" smtClean="0"/>
+              <a:rPr lang="ru-RU" dirty="0"/>
               <a:t>Основные</a:t>
             </a:r>
           </a:p>
@@ -8434,7 +7810,7 @@
               <a:buAutoNum type="romanUcPeriod"/>
             </a:pPr>
             <a:r>
-              <a:rPr lang="ru-RU" dirty="0" smtClean="0"/>
+              <a:rPr lang="ru-RU" dirty="0"/>
               <a:t>Порождающие</a:t>
             </a:r>
           </a:p>
@@ -8444,7 +7820,7 @@
               <a:buAutoNum type="romanUcPeriod"/>
             </a:pPr>
             <a:r>
-              <a:rPr lang="ru-RU" dirty="0" smtClean="0"/>
+              <a:rPr lang="ru-RU" dirty="0"/>
               <a:t>Структурные</a:t>
             </a:r>
           </a:p>
@@ -8454,7 +7830,7 @@
               <a:buAutoNum type="romanUcPeriod"/>
             </a:pPr>
             <a:r>
-              <a:rPr lang="ru-RU" dirty="0" smtClean="0"/>
+              <a:rPr lang="ru-RU" dirty="0"/>
               <a:t>Поведенческие</a:t>
             </a:r>
           </a:p>
@@ -8473,13 +7849,6 @@
   <p:clrMapOvr>
     <a:masterClrMapping/>
   </p:clrMapOvr>
-  <p:timing>
-    <p:tnLst>
-      <p:par>
-        <p:cTn id="1" dur="indefinite" restart="never" nodeType="tmRoot"/>
-      </p:par>
-    </p:tnLst>
-  </p:timing>
 </p:sld>
 </file>
 
@@ -8547,7 +7916,7 @@
           <a:lstStyle/>
           <a:p>
             <a:r>
-              <a:rPr lang="en-US" dirty="0" smtClean="0">
+              <a:rPr lang="en-US" dirty="0">
                 <a:solidFill>
                   <a:srgbClr val="FFC000"/>
                 </a:solidFill>
@@ -8555,7 +7924,7 @@
               <a:t>[.NET]</a:t>
             </a:r>
             <a:r>
-              <a:rPr lang="en-US" dirty="0" smtClean="0">
+              <a:rPr lang="en-US" dirty="0">
                 <a:solidFill>
                   <a:schemeClr val="bg1"/>
                 </a:solidFill>
@@ -8563,7 +7932,7 @@
               <a:t> </a:t>
             </a:r>
             <a:r>
-              <a:rPr lang="ru-RU" dirty="0" smtClean="0">
+              <a:rPr lang="ru-RU" dirty="0">
                 <a:solidFill>
                   <a:srgbClr val="FFFF00"/>
                 </a:solidFill>
@@ -8571,27 +7940,32 @@
               <a:t>Шаблон делегирования (Delegation pattern).</a:t>
             </a:r>
             <a:r>
-              <a:rPr lang="ru-RU" dirty="0" smtClean="0"/>
-              <a:t> Объект внешне </a:t>
-            </a:r>
-            <a:r>
               <a:rPr lang="ru-RU" dirty="0"/>
-              <a:t>выражает некоторое поведение, но в реальности передаёт ответственность за выполнение этого поведения связанному </a:t>
-            </a:r>
-            <a:r>
-              <a:rPr lang="ru-RU" dirty="0" smtClean="0"/>
-              <a:t>объекту.</a:t>
-            </a:r>
-            <a:endParaRPr lang="ru-RU" dirty="0"/>
-          </a:p>
-          <a:p>
-            <a:r>
-              <a:rPr lang="ru-RU" dirty="0" smtClean="0">
+              <a:t> Объект внешне выражает некоторое поведение, но в реальности передаёт ответственность за выполнение этого поведения связанному объекту.</a:t>
+            </a:r>
+          </a:p>
+          <a:p>
+            <a:r>
+              <a:rPr lang="ru-RU" dirty="0">
                 <a:solidFill>
                   <a:srgbClr val="FFFF00"/>
                 </a:solidFill>
               </a:rPr>
-              <a:t>Шаблон </a:t>
+              <a:t>Шаблон функционального дизайна (Functional design).</a:t>
+            </a:r>
+            <a:r>
+              <a:rPr lang="ru-RU" dirty="0"/>
+              <a:t> Гарантирует, что каждый модуль компьютерной программы имеет только одну обязанность и исполняет её с минимумом побочных эффектов на другие части программы.</a:t>
+            </a:r>
+          </a:p>
+          <a:p>
+            <a:r>
+              <a:rPr lang="en-US" dirty="0">
+                <a:solidFill>
+                  <a:srgbClr val="FFC000"/>
+                </a:solidFill>
+              </a:rPr>
+              <a:t>[F#] </a:t>
             </a:r>
             <a:r>
               <a:rPr lang="ru-RU" dirty="0">
@@ -8599,68 +7973,12 @@
                   <a:srgbClr val="FFFF00"/>
                 </a:solidFill>
               </a:rPr>
-              <a:t>функционального </a:t>
-            </a:r>
-            <a:r>
-              <a:rPr lang="ru-RU" dirty="0" smtClean="0">
-                <a:solidFill>
-                  <a:srgbClr val="FFFF00"/>
-                </a:solidFill>
-              </a:rPr>
-              <a:t>дизайна (Functional design).</a:t>
-            </a:r>
-            <a:r>
-              <a:rPr lang="ru-RU" dirty="0" smtClean="0"/>
-              <a:t> Гарантирует</a:t>
+              <a:t>Неизменяемый объект (Immutable).</a:t>
             </a:r>
             <a:r>
               <a:rPr lang="ru-RU" dirty="0"/>
-              <a:t>, что каждый модуль </a:t>
-            </a:r>
-            <a:r>
-              <a:rPr lang="ru-RU" dirty="0" smtClean="0"/>
-              <a:t>компьютерной программы </a:t>
-            </a:r>
-            <a:r>
-              <a:rPr lang="ru-RU" dirty="0"/>
-              <a:t>имеет только одну обязанность и исполняет её с минимумом побочных эффектов на другие части </a:t>
-            </a:r>
-            <a:r>
-              <a:rPr lang="ru-RU" dirty="0" smtClean="0"/>
-              <a:t>программы.</a:t>
-            </a:r>
-            <a:endParaRPr lang="ru-RU" dirty="0"/>
-          </a:p>
-          <a:p>
-            <a:r>
-              <a:rPr lang="en-US" dirty="0" smtClean="0">
-                <a:solidFill>
-                  <a:srgbClr val="FFC000"/>
-                </a:solidFill>
-              </a:rPr>
-              <a:t>[F#] </a:t>
-            </a:r>
-            <a:r>
-              <a:rPr lang="ru-RU" dirty="0" smtClean="0">
-                <a:solidFill>
-                  <a:srgbClr val="FFFF00"/>
-                </a:solidFill>
-              </a:rPr>
-              <a:t>Неизменяемый объект (Immutable).</a:t>
-            </a:r>
-            <a:r>
-              <a:rPr lang="ru-RU" dirty="0" smtClean="0"/>
-              <a:t> Объект</a:t>
-            </a:r>
-            <a:r>
-              <a:rPr lang="ru-RU" dirty="0"/>
-              <a:t>, который не может быть изменён после своего </a:t>
-            </a:r>
-            <a:r>
-              <a:rPr lang="ru-RU" dirty="0" smtClean="0"/>
-              <a:t>создания.</a:t>
-            </a:r>
-            <a:endParaRPr lang="ru-RU" dirty="0"/>
+              <a:t> Объект, который не может быть изменён после своего создания.</a:t>
+            </a:r>
           </a:p>
         </p:txBody>
       </p:sp>
@@ -8674,13 +7992,6 @@
   <p:clrMapOvr>
     <a:masterClrMapping/>
   </p:clrMapOvr>
-  <p:timing>
-    <p:tnLst>
-      <p:par>
-        <p:cTn id="1" dur="indefinite" restart="never" nodeType="tmRoot"/>
-      </p:par>
-    </p:tnLst>
-  </p:timing>
 </p:sld>
 </file>
 
@@ -8755,12 +8066,8 @@
               <a:buNone/>
             </a:pPr>
             <a:r>
-              <a:rPr lang="ru-RU" dirty="0" smtClean="0"/>
-              <a:t>Шаблоны </a:t>
-            </a:r>
-            <a:r>
               <a:rPr lang="ru-RU" dirty="0"/>
-              <a:t>проектирования, которые абстрагируют процесс инстанцирования. Они позволяют сделать систему независимой от способа создания, композиции и представления объектов. Шаблон, порождающий классы, использует наследование, чтобы изменять инстанцируемый класс, а шаблон, порождающий объекты, делегирует инстанцирование другому объекту.</a:t>
+              <a:t>Шаблоны проектирования, которые абстрагируют процесс инстанцирования. Они позволяют сделать систему независимой от способа создания, композиции и представления объектов. Шаблон, порождающий классы, использует наследование, чтобы изменять инстанцируемый класс, а шаблон, порождающий объекты, делегирует инстанцирование другому объекту.</a:t>
             </a:r>
           </a:p>
         </p:txBody>
@@ -8775,13 +8082,6 @@
   <p:clrMapOvr>
     <a:masterClrMapping/>
   </p:clrMapOvr>
-  <p:timing>
-    <p:tnLst>
-      <p:par>
-        <p:cTn id="1" dur="indefinite" restart="never" nodeType="tmRoot"/>
-      </p:par>
-    </p:tnLst>
-  </p:timing>
 </p:sld>
 </file>
 
@@ -8821,13 +8121,8 @@
           <a:p>
             <a:r>
               <a:rPr lang="ru-RU" sz="3600" dirty="0"/>
-              <a:t>Порождающие </a:t>
-            </a:r>
-            <a:r>
-              <a:rPr lang="ru-RU" sz="3600" dirty="0" smtClean="0"/>
-              <a:t>шаблоны (продолжение)</a:t>
-            </a:r>
-            <a:endParaRPr lang="ru-RU" sz="3600" dirty="0"/>
+              <a:t>Порождающие шаблоны (продолжение)</a:t>
+            </a:r>
           </a:p>
         </p:txBody>
       </p:sp>
@@ -8849,7 +8144,7 @@
           <a:lstStyle/>
           <a:p>
             <a:r>
-              <a:rPr lang="ru-RU" dirty="0" smtClean="0">
+              <a:rPr lang="ru-RU" dirty="0">
                 <a:solidFill>
                   <a:srgbClr val="FFFF00"/>
                 </a:solidFill>
@@ -8857,18 +8152,13 @@
               <a:t>Абстрактная фабрика (Abstract factory).</a:t>
             </a:r>
             <a:r>
-              <a:rPr lang="ru-RU" dirty="0" smtClean="0"/>
-              <a:t> Класс</a:t>
-            </a:r>
-            <a:r>
               <a:rPr lang="ru-RU" dirty="0"/>
-              <a:t>, который представляет собой интерфейс для создания компонентов системы. </a:t>
-            </a:r>
-            <a:endParaRPr lang="ru-RU" dirty="0" smtClean="0"/>
-          </a:p>
-          <a:p>
-            <a:r>
-              <a:rPr lang="ru-RU" dirty="0" smtClean="0">
+              <a:t> Класс, который представляет собой интерфейс для создания компонентов системы. </a:t>
+            </a:r>
+          </a:p>
+          <a:p>
+            <a:r>
+              <a:rPr lang="ru-RU" dirty="0">
                 <a:solidFill>
                   <a:srgbClr val="FFFF00"/>
                 </a:solidFill>
@@ -8876,22 +8166,13 @@
               <a:t>Строитель (Builder).</a:t>
             </a:r>
             <a:r>
-              <a:rPr lang="ru-RU" dirty="0" smtClean="0"/>
-              <a:t> Класс</a:t>
-            </a:r>
-            <a:r>
               <a:rPr lang="ru-RU" dirty="0"/>
-              <a:t>, который представляет собой интерфейс для создания сложного </a:t>
-            </a:r>
-            <a:r>
-              <a:rPr lang="ru-RU" dirty="0" smtClean="0"/>
-              <a:t>объекта.</a:t>
-            </a:r>
-            <a:endParaRPr lang="ru-RU" dirty="0"/>
-          </a:p>
-          <a:p>
-            <a:r>
-              <a:rPr lang="ru-RU" dirty="0" smtClean="0">
+              <a:t> Класс, который представляет собой интерфейс для создания сложного объекта.</a:t>
+            </a:r>
+          </a:p>
+          <a:p>
+            <a:r>
+              <a:rPr lang="ru-RU" dirty="0">
                 <a:solidFill>
                   <a:srgbClr val="FFFF00"/>
                 </a:solidFill>
@@ -8899,18 +8180,9 @@
               <a:t>Фабричный метод (Factory method).</a:t>
             </a:r>
             <a:r>
-              <a:rPr lang="ru-RU" dirty="0" smtClean="0"/>
-              <a:t> Определяет </a:t>
-            </a:r>
-            <a:r>
               <a:rPr lang="ru-RU" dirty="0"/>
-              <a:t>интерфейс для создания объекта, но оставляет подклассам решение о том, какой класс </a:t>
-            </a:r>
-            <a:r>
-              <a:rPr lang="ru-RU" dirty="0" smtClean="0"/>
-              <a:t>инстанциировать.</a:t>
-            </a:r>
-            <a:endParaRPr lang="ru-RU" dirty="0"/>
+              <a:t> Определяет интерфейс для создания объекта, но оставляет подклассам решение о том, какой класс инстанциировать.</a:t>
+            </a:r>
           </a:p>
           <a:p>
             <a:r>
@@ -8930,7 +8202,7 @@
               <a:t> </a:t>
             </a:r>
             <a:r>
-              <a:rPr lang="ru-RU" dirty="0" smtClean="0">
+              <a:rPr lang="ru-RU" dirty="0">
                 <a:solidFill>
                   <a:srgbClr val="FFFF00"/>
                 </a:solidFill>
@@ -8938,23 +8210,15 @@
               <a:t>Отложенная инициализация (Lazy initialization).</a:t>
             </a:r>
             <a:r>
-              <a:rPr lang="ru-RU" dirty="0" smtClean="0"/>
-              <a:t> Объект</a:t>
-            </a:r>
-            <a:r>
               <a:rPr lang="ru-RU" dirty="0"/>
-              <a:t>, инициализируемый во время первого обращения к </a:t>
-            </a:r>
-            <a:r>
-              <a:rPr lang="ru-RU" dirty="0" smtClean="0"/>
-              <a:t>нему.</a:t>
-            </a:r>
-            <a:r>
-              <a:rPr lang="en-US" dirty="0" smtClean="0"/>
+              <a:t> Объект, инициализируемый во время первого обращения к нему.</a:t>
+            </a:r>
+            <a:r>
+              <a:rPr lang="en-US" dirty="0"/>
               <a:t> </a:t>
             </a:r>
             <a:r>
-              <a:rPr lang="en-US" dirty="0" err="1" smtClean="0">
+              <a:rPr lang="en-US" dirty="0" err="1">
                 <a:solidFill>
                   <a:srgbClr val="FFC000"/>
                 </a:solidFill>
@@ -8962,7 +8226,7 @@
               <a:t>System.Lazy</a:t>
             </a:r>
             <a:r>
-              <a:rPr lang="en-US" dirty="0" smtClean="0">
+              <a:rPr lang="en-US" dirty="0">
                 <a:solidFill>
                   <a:srgbClr val="FFC000"/>
                 </a:solidFill>
@@ -8987,13 +8251,6 @@
   <p:clrMapOvr>
     <a:masterClrMapping/>
   </p:clrMapOvr>
-  <p:timing>
-    <p:tnLst>
-      <p:par>
-        <p:cTn id="1" dur="indefinite" restart="never" nodeType="tmRoot"/>
-      </p:par>
-    </p:tnLst>
-  </p:timing>
 </p:sld>
 </file>
 

--- a/Presentation/lesson-15-design-patterns.pptx
+++ b/Presentation/lesson-15-design-patterns.pptx
@@ -125,7 +125,7 @@
   </p:defaultTextStyle>
   <p:extLst>
     <p:ext uri="{EFAFB233-063F-42B5-8137-9DF3F51BA10A}">
-      <p15:sldGuideLst xmlns:p15="http://schemas.microsoft.com/office/powerpoint/2012/main">
+      <p15:sldGuideLst xmlns:p15="http://schemas.microsoft.com/office/powerpoint/2012/main" xmlns="">
         <p15:guide id="1" orient="horz" pos="2160">
           <p15:clr>
             <a:srgbClr val="A4A3A4"/>
@@ -224,7 +224,7 @@
           <a:p>
             <a:fld id="{B24A7054-7FFB-49F4-A126-5DF6E687FF53}" type="datetimeFigureOut">
               <a:rPr lang="ru-RU" smtClean="0"/>
-              <a:t>01.07.2018</a:t>
+              <a:t>22.02.2019</a:t>
             </a:fld>
             <a:endParaRPr lang="ru-RU"/>
           </a:p>
@@ -493,8 +493,8 @@
 </file>
 
 <file path=ppt/slideLayouts/slideLayout1.xml><?xml version="1.0" encoding="utf-8"?>
-<p:sldLayout xmlns:a="http://schemas.openxmlformats.org/drawingml/2006/main" xmlns:r="http://schemas.openxmlformats.org/officeDocument/2006/relationships" xmlns:p="http://schemas.openxmlformats.org/presentationml/2006/main" preserve="1" userDrawn="1">
-  <p:cSld name="Title Slide">
+<p:sldLayout xmlns:a="http://schemas.openxmlformats.org/drawingml/2006/main" xmlns:r="http://schemas.openxmlformats.org/officeDocument/2006/relationships" xmlns:p="http://schemas.openxmlformats.org/presentationml/2006/main" type="obj" preserve="1">
+  <p:cSld name="Title and Content">
     <p:spTree>
       <p:nvGrpSpPr>
         <p:cNvPr id="1" name=""/>
@@ -511,172 +511,83 @@
       </p:grpSpPr>
       <p:sp>
         <p:nvSpPr>
-          <p:cNvPr id="7" name="Rectangle 6"/>
-          <p:cNvSpPr/>
-          <p:nvPr userDrawn="1"/>
-        </p:nvSpPr>
-        <p:spPr>
-          <a:xfrm>
-            <a:off x="143508" y="1304764"/>
-            <a:ext cx="8856984" cy="646331"/>
-          </a:xfrm>
-          <a:prstGeom prst="rect">
-            <a:avLst/>
-          </a:prstGeom>
-        </p:spPr>
-        <p:txBody>
-          <a:bodyPr wrap="square">
-            <a:spAutoFit/>
-          </a:bodyPr>
+          <p:cNvPr id="2" name="Title 1"/>
+          <p:cNvSpPr>
+            <a:spLocks noGrp="1"/>
+          </p:cNvSpPr>
+          <p:nvPr>
+            <p:ph type="title"/>
+          </p:nvPr>
+        </p:nvSpPr>
+        <p:spPr/>
+        <p:txBody>
+          <a:bodyPr/>
           <a:lstStyle/>
           <a:p>
-            <a:pPr algn="ctr"/>
-            <a:r>
-              <a:rPr lang="ru-RU" sz="3600" b="1" i="1" dirty="0">
-                <a:solidFill>
-                  <a:schemeClr val="bg1"/>
-                </a:solidFill>
-              </a:rPr>
-              <a:t>Основы программирования на </a:t>
-            </a:r>
-            <a:r>
-              <a:rPr lang="en-US" sz="3600" b="1" i="1" dirty="0">
-                <a:solidFill>
-                  <a:schemeClr val="bg1"/>
-                </a:solidFill>
-              </a:rPr>
-              <a:t>C#</a:t>
-            </a:r>
-            <a:endParaRPr lang="ru-RU" sz="3600" b="1" i="1" dirty="0">
-              <a:solidFill>
-                <a:schemeClr val="bg1"/>
-              </a:solidFill>
-            </a:endParaRPr>
-          </a:p>
-        </p:txBody>
-      </p:sp>
-      <p:pic>
-        <p:nvPicPr>
-          <p:cNvPr id="8" name="Picture 5"/>
-          <p:cNvPicPr>
-            <a:picLocks noChangeAspect="1" noChangeArrowheads="1"/>
-          </p:cNvPicPr>
-          <p:nvPr userDrawn="1"/>
-        </p:nvPicPr>
-        <p:blipFill>
-          <a:blip r:embed="rId2">
-            <a:extLst>
-              <a:ext uri="{28A0092B-C50C-407E-A947-70E740481C1C}">
-                <a14:useLocalDpi xmlns:a14="http://schemas.microsoft.com/office/drawing/2010/main" val="0"/>
-              </a:ext>
-            </a:extLst>
-          </a:blip>
-          <a:srcRect/>
-          <a:stretch>
-            <a:fillRect/>
-          </a:stretch>
-        </p:blipFill>
-        <p:spPr bwMode="auto">
-          <a:xfrm>
-            <a:off x="1638300" y="3829211"/>
-            <a:ext cx="5867400" cy="1724025"/>
-          </a:xfrm>
-          <a:prstGeom prst="rect">
-            <a:avLst/>
-          </a:prstGeom>
-          <a:noFill/>
-          <a:ln>
-            <a:noFill/>
-          </a:ln>
-          <a:effectLst/>
-          <a:extLst>
-            <a:ext uri="{909E8E84-426E-40DD-AFC4-6F175D3DCCD1}">
-              <a14:hiddenFill xmlns:a14="http://schemas.microsoft.com/office/drawing/2010/main">
-                <a:solidFill>
-                  <a:schemeClr val="accent1"/>
-                </a:solidFill>
-              </a14:hiddenFill>
-            </a:ext>
-            <a:ext uri="{91240B29-F687-4F45-9708-019B960494DF}">
-              <a14:hiddenLine xmlns:a14="http://schemas.microsoft.com/office/drawing/2010/main" w="9525">
-                <a:solidFill>
-                  <a:schemeClr val="tx1"/>
-                </a:solidFill>
-                <a:miter lim="800000"/>
-                <a:headEnd/>
-                <a:tailEnd/>
-              </a14:hiddenLine>
-            </a:ext>
-            <a:ext uri="{AF507438-7753-43E0-B8FC-AC1667EBCBE1}">
-              <a14:hiddenEffects xmlns:a14="http://schemas.microsoft.com/office/drawing/2010/main">
-                <a:effectLst>
-                  <a:outerShdw dist="35921" dir="2700000" algn="ctr" rotWithShape="0">
-                    <a:schemeClr val="bg2"/>
-                  </a:outerShdw>
-                </a:effectLst>
-              </a14:hiddenEffects>
-            </a:ext>
-          </a:extLst>
-        </p:spPr>
-      </p:pic>
-      <p:sp>
-        <p:nvSpPr>
-          <p:cNvPr id="9" name="TextBox 8"/>
-          <p:cNvSpPr txBox="1"/>
-          <p:nvPr userDrawn="1"/>
-        </p:nvSpPr>
-        <p:spPr>
-          <a:xfrm>
-            <a:off x="2774873" y="2528900"/>
-            <a:ext cx="4240263" cy="461665"/>
-          </a:xfrm>
-          <a:prstGeom prst="rect">
-            <a:avLst/>
-          </a:prstGeom>
-          <a:noFill/>
-        </p:spPr>
-        <p:txBody>
-          <a:bodyPr wrap="none" rtlCol="0">
-            <a:spAutoFit/>
-          </a:bodyPr>
+            <a:r>
+              <a:rPr lang="en-US"/>
+              <a:t>Click to edit Master title style</a:t>
+            </a:r>
+            <a:endParaRPr lang="ru-RU" dirty="0"/>
+          </a:p>
+        </p:txBody>
+      </p:sp>
+      <p:sp>
+        <p:nvSpPr>
+          <p:cNvPr id="3" name="Content Placeholder 2"/>
+          <p:cNvSpPr>
+            <a:spLocks noGrp="1"/>
+          </p:cNvSpPr>
+          <p:nvPr>
+            <p:ph idx="1"/>
+          </p:nvPr>
+        </p:nvSpPr>
+        <p:spPr/>
+        <p:txBody>
+          <a:bodyPr/>
           <a:lstStyle/>
           <a:p>
-            <a:r>
-              <a:rPr lang="ru-RU" sz="2400" dirty="0">
-                <a:solidFill>
-                  <a:schemeClr val="bg1"/>
-                </a:solidFill>
-              </a:rPr>
-              <a:t>Занятие №</a:t>
-            </a:r>
-            <a:r>
-              <a:rPr lang="en-US" sz="2400" dirty="0">
-                <a:solidFill>
-                  <a:schemeClr val="bg1"/>
-                </a:solidFill>
-              </a:rPr>
-              <a:t>1</a:t>
-            </a:r>
-            <a:r>
-              <a:rPr lang="ru-RU" sz="2400" dirty="0">
-                <a:solidFill>
-                  <a:schemeClr val="bg1"/>
-                </a:solidFill>
-              </a:rPr>
-              <a:t>. Название занятия</a:t>
-            </a:r>
-            <a:endParaRPr lang="en-US" sz="2400" dirty="0">
-              <a:solidFill>
-                <a:schemeClr val="bg1"/>
-              </a:solidFill>
-            </a:endParaRPr>
+            <a:pPr lvl="0"/>
+            <a:r>
+              <a:rPr lang="en-US"/>
+              <a:t>Click to edit Master text styles</a:t>
+            </a:r>
+          </a:p>
+          <a:p>
+            <a:pPr lvl="1"/>
+            <a:r>
+              <a:rPr lang="en-US"/>
+              <a:t>Second level</a:t>
+            </a:r>
+          </a:p>
+          <a:p>
+            <a:pPr lvl="2"/>
+            <a:r>
+              <a:rPr lang="en-US"/>
+              <a:t>Third level</a:t>
+            </a:r>
+          </a:p>
+          <a:p>
+            <a:pPr lvl="3"/>
+            <a:r>
+              <a:rPr lang="en-US"/>
+              <a:t>Fourth level</a:t>
+            </a:r>
+          </a:p>
+          <a:p>
+            <a:pPr lvl="4"/>
+            <a:r>
+              <a:rPr lang="en-US"/>
+              <a:t>Fifth level</a:t>
+            </a:r>
+            <a:endParaRPr lang="ru-RU" dirty="0"/>
           </a:p>
         </p:txBody>
       </p:sp>
     </p:spTree>
     <p:extLst>
       <p:ext uri="{BB962C8B-B14F-4D97-AF65-F5344CB8AC3E}">
-        <p14:creationId xmlns:p14="http://schemas.microsoft.com/office/powerpoint/2010/main" val="2062725571"/>
+        <p14:creationId xmlns:p14="http://schemas.microsoft.com/office/powerpoint/2010/main" val="3363467697"/>
       </p:ext>
     </p:extLst>
   </p:cSld>
@@ -687,6 +598,1662 @@
 </file>
 
 <file path=ppt/slideLayouts/slideLayout10.xml><?xml version="1.0" encoding="utf-8"?>
+<p:sldLayout xmlns:a="http://schemas.openxmlformats.org/drawingml/2006/main" xmlns:r="http://schemas.openxmlformats.org/officeDocument/2006/relationships" xmlns:p="http://schemas.openxmlformats.org/presentationml/2006/main" type="vertTx" preserve="1">
+  <p:cSld name="Title and Vertical Text">
+    <p:spTree>
+      <p:nvGrpSpPr>
+        <p:cNvPr id="1" name=""/>
+        <p:cNvGrpSpPr/>
+        <p:nvPr/>
+      </p:nvGrpSpPr>
+      <p:grpSpPr>
+        <a:xfrm>
+          <a:off x="0" y="0"/>
+          <a:ext cx="0" cy="0"/>
+          <a:chOff x="0" y="0"/>
+          <a:chExt cx="0" cy="0"/>
+        </a:xfrm>
+      </p:grpSpPr>
+      <p:sp>
+        <p:nvSpPr>
+          <p:cNvPr id="2" name="Title 1"/>
+          <p:cNvSpPr>
+            <a:spLocks noGrp="1"/>
+          </p:cNvSpPr>
+          <p:nvPr>
+            <p:ph type="title"/>
+          </p:nvPr>
+        </p:nvSpPr>
+        <p:spPr/>
+        <p:txBody>
+          <a:bodyPr/>
+          <a:lstStyle/>
+          <a:p>
+            <a:r>
+              <a:rPr lang="en-US"/>
+              <a:t>Click to edit Master title style</a:t>
+            </a:r>
+            <a:endParaRPr lang="ru-RU" dirty="0"/>
+          </a:p>
+        </p:txBody>
+      </p:sp>
+      <p:sp>
+        <p:nvSpPr>
+          <p:cNvPr id="3" name="Vertical Text Placeholder 2"/>
+          <p:cNvSpPr>
+            <a:spLocks noGrp="1"/>
+          </p:cNvSpPr>
+          <p:nvPr>
+            <p:ph type="body" orient="vert" idx="1"/>
+          </p:nvPr>
+        </p:nvSpPr>
+        <p:spPr/>
+        <p:txBody>
+          <a:bodyPr vert="eaVert"/>
+          <a:lstStyle/>
+          <a:p>
+            <a:pPr lvl="0"/>
+            <a:r>
+              <a:rPr lang="en-US"/>
+              <a:t>Click to edit Master text styles</a:t>
+            </a:r>
+          </a:p>
+          <a:p>
+            <a:pPr lvl="1"/>
+            <a:r>
+              <a:rPr lang="en-US"/>
+              <a:t>Second level</a:t>
+            </a:r>
+          </a:p>
+          <a:p>
+            <a:pPr lvl="2"/>
+            <a:r>
+              <a:rPr lang="en-US"/>
+              <a:t>Third level</a:t>
+            </a:r>
+          </a:p>
+          <a:p>
+            <a:pPr lvl="3"/>
+            <a:r>
+              <a:rPr lang="en-US"/>
+              <a:t>Fourth level</a:t>
+            </a:r>
+          </a:p>
+          <a:p>
+            <a:pPr lvl="4"/>
+            <a:r>
+              <a:rPr lang="en-US"/>
+              <a:t>Fifth level</a:t>
+            </a:r>
+            <a:endParaRPr lang="ru-RU" dirty="0"/>
+          </a:p>
+        </p:txBody>
+      </p:sp>
+    </p:spTree>
+    <p:extLst>
+      <p:ext uri="{BB962C8B-B14F-4D97-AF65-F5344CB8AC3E}">
+        <p14:creationId xmlns:p14="http://schemas.microsoft.com/office/powerpoint/2010/main" val="2015559697"/>
+      </p:ext>
+    </p:extLst>
+  </p:cSld>
+  <p:clrMapOvr>
+    <a:masterClrMapping/>
+  </p:clrMapOvr>
+</p:sldLayout>
+</file>
+
+<file path=ppt/slideLayouts/slideLayout11.xml><?xml version="1.0" encoding="utf-8"?>
+<p:sldLayout xmlns:a="http://schemas.openxmlformats.org/drawingml/2006/main" xmlns:r="http://schemas.openxmlformats.org/officeDocument/2006/relationships" xmlns:p="http://schemas.openxmlformats.org/presentationml/2006/main" type="vertTitleAndTx" preserve="1">
+  <p:cSld name="Vertical Title and Text">
+    <p:spTree>
+      <p:nvGrpSpPr>
+        <p:cNvPr id="1" name=""/>
+        <p:cNvGrpSpPr/>
+        <p:nvPr/>
+      </p:nvGrpSpPr>
+      <p:grpSpPr>
+        <a:xfrm>
+          <a:off x="0" y="0"/>
+          <a:ext cx="0" cy="0"/>
+          <a:chOff x="0" y="0"/>
+          <a:chExt cx="0" cy="0"/>
+        </a:xfrm>
+      </p:grpSpPr>
+      <p:sp>
+        <p:nvSpPr>
+          <p:cNvPr id="2" name="Vertical Title 1"/>
+          <p:cNvSpPr>
+            <a:spLocks noGrp="1"/>
+          </p:cNvSpPr>
+          <p:nvPr>
+            <p:ph type="title" orient="vert"/>
+          </p:nvPr>
+        </p:nvSpPr>
+        <p:spPr>
+          <a:xfrm>
+            <a:off x="6629400" y="274638"/>
+            <a:ext cx="2057400" cy="5851525"/>
+          </a:xfrm>
+        </p:spPr>
+        <p:txBody>
+          <a:bodyPr vert="eaVert"/>
+          <a:lstStyle/>
+          <a:p>
+            <a:r>
+              <a:rPr lang="en-US"/>
+              <a:t>Click to edit Master title style</a:t>
+            </a:r>
+            <a:endParaRPr lang="ru-RU" dirty="0"/>
+          </a:p>
+        </p:txBody>
+      </p:sp>
+      <p:sp>
+        <p:nvSpPr>
+          <p:cNvPr id="3" name="Vertical Text Placeholder 2"/>
+          <p:cNvSpPr>
+            <a:spLocks noGrp="1"/>
+          </p:cNvSpPr>
+          <p:nvPr>
+            <p:ph type="body" orient="vert" idx="1"/>
+          </p:nvPr>
+        </p:nvSpPr>
+        <p:spPr>
+          <a:xfrm>
+            <a:off x="457200" y="274638"/>
+            <a:ext cx="6019800" cy="5851525"/>
+          </a:xfrm>
+        </p:spPr>
+        <p:txBody>
+          <a:bodyPr vert="eaVert"/>
+          <a:lstStyle/>
+          <a:p>
+            <a:pPr lvl="0"/>
+            <a:r>
+              <a:rPr lang="en-US"/>
+              <a:t>Click to edit Master text styles</a:t>
+            </a:r>
+          </a:p>
+          <a:p>
+            <a:pPr lvl="1"/>
+            <a:r>
+              <a:rPr lang="en-US"/>
+              <a:t>Second level</a:t>
+            </a:r>
+          </a:p>
+          <a:p>
+            <a:pPr lvl="2"/>
+            <a:r>
+              <a:rPr lang="en-US"/>
+              <a:t>Third level</a:t>
+            </a:r>
+          </a:p>
+          <a:p>
+            <a:pPr lvl="3"/>
+            <a:r>
+              <a:rPr lang="en-US"/>
+              <a:t>Fourth level</a:t>
+            </a:r>
+          </a:p>
+          <a:p>
+            <a:pPr lvl="4"/>
+            <a:r>
+              <a:rPr lang="en-US"/>
+              <a:t>Fifth level</a:t>
+            </a:r>
+            <a:endParaRPr lang="ru-RU" dirty="0"/>
+          </a:p>
+        </p:txBody>
+      </p:sp>
+    </p:spTree>
+    <p:extLst>
+      <p:ext uri="{BB962C8B-B14F-4D97-AF65-F5344CB8AC3E}">
+        <p14:creationId xmlns:p14="http://schemas.microsoft.com/office/powerpoint/2010/main" val="370514854"/>
+      </p:ext>
+    </p:extLst>
+  </p:cSld>
+  <p:clrMapOvr>
+    <a:masterClrMapping/>
+  </p:clrMapOvr>
+</p:sldLayout>
+</file>
+
+<file path=ppt/slideLayouts/slideLayout12.xml><?xml version="1.0" encoding="utf-8"?>
+<p:sldLayout xmlns:a="http://schemas.openxmlformats.org/drawingml/2006/main" xmlns:r="http://schemas.openxmlformats.org/officeDocument/2006/relationships" xmlns:p="http://schemas.openxmlformats.org/presentationml/2006/main" type="title">
+  <p:cSld name="2_Title Slide">
+    <p:spTree>
+      <p:nvGrpSpPr>
+        <p:cNvPr id="1" name=""/>
+        <p:cNvGrpSpPr/>
+        <p:nvPr/>
+      </p:nvGrpSpPr>
+      <p:grpSpPr>
+        <a:xfrm>
+          <a:off x="0" y="0"/>
+          <a:ext cx="0" cy="0"/>
+          <a:chOff x="0" y="0"/>
+          <a:chExt cx="0" cy="0"/>
+        </a:xfrm>
+      </p:grpSpPr>
+      <p:sp>
+        <p:nvSpPr>
+          <p:cNvPr id="2" name="Title 1"/>
+          <p:cNvSpPr>
+            <a:spLocks noGrp="1"/>
+          </p:cNvSpPr>
+          <p:nvPr>
+            <p:ph type="ctrTitle"/>
+          </p:nvPr>
+        </p:nvSpPr>
+        <p:spPr>
+          <a:xfrm>
+            <a:off x="685800" y="2130425"/>
+            <a:ext cx="7772400" cy="1470025"/>
+          </a:xfrm>
+        </p:spPr>
+        <p:txBody>
+          <a:bodyPr/>
+          <a:lstStyle/>
+          <a:p>
+            <a:r>
+              <a:rPr lang="en-US"/>
+              <a:t>Click to edit Master title style</a:t>
+            </a:r>
+            <a:endParaRPr lang="ru-RU"/>
+          </a:p>
+        </p:txBody>
+      </p:sp>
+      <p:sp>
+        <p:nvSpPr>
+          <p:cNvPr id="3" name="Subtitle 2"/>
+          <p:cNvSpPr>
+            <a:spLocks noGrp="1"/>
+          </p:cNvSpPr>
+          <p:nvPr>
+            <p:ph type="subTitle" idx="1"/>
+          </p:nvPr>
+        </p:nvSpPr>
+        <p:spPr>
+          <a:xfrm>
+            <a:off x="1371600" y="3886200"/>
+            <a:ext cx="6400800" cy="1752600"/>
+          </a:xfrm>
+        </p:spPr>
+        <p:txBody>
+          <a:bodyPr/>
+          <a:lstStyle>
+            <a:lvl1pPr marL="0" indent="0" algn="ctr">
+              <a:buNone/>
+              <a:defRPr>
+                <a:solidFill>
+                  <a:schemeClr val="tx1">
+                    <a:tint val="75000"/>
+                  </a:schemeClr>
+                </a:solidFill>
+              </a:defRPr>
+            </a:lvl1pPr>
+            <a:lvl2pPr marL="457200" indent="0" algn="ctr">
+              <a:buNone/>
+              <a:defRPr>
+                <a:solidFill>
+                  <a:schemeClr val="tx1">
+                    <a:tint val="75000"/>
+                  </a:schemeClr>
+                </a:solidFill>
+              </a:defRPr>
+            </a:lvl2pPr>
+            <a:lvl3pPr marL="914400" indent="0" algn="ctr">
+              <a:buNone/>
+              <a:defRPr>
+                <a:solidFill>
+                  <a:schemeClr val="tx1">
+                    <a:tint val="75000"/>
+                  </a:schemeClr>
+                </a:solidFill>
+              </a:defRPr>
+            </a:lvl3pPr>
+            <a:lvl4pPr marL="1371600" indent="0" algn="ctr">
+              <a:buNone/>
+              <a:defRPr>
+                <a:solidFill>
+                  <a:schemeClr val="tx1">
+                    <a:tint val="75000"/>
+                  </a:schemeClr>
+                </a:solidFill>
+              </a:defRPr>
+            </a:lvl4pPr>
+            <a:lvl5pPr marL="1828800" indent="0" algn="ctr">
+              <a:buNone/>
+              <a:defRPr>
+                <a:solidFill>
+                  <a:schemeClr val="tx1">
+                    <a:tint val="75000"/>
+                  </a:schemeClr>
+                </a:solidFill>
+              </a:defRPr>
+            </a:lvl5pPr>
+            <a:lvl6pPr marL="2286000" indent="0" algn="ctr">
+              <a:buNone/>
+              <a:defRPr>
+                <a:solidFill>
+                  <a:schemeClr val="tx1">
+                    <a:tint val="75000"/>
+                  </a:schemeClr>
+                </a:solidFill>
+              </a:defRPr>
+            </a:lvl6pPr>
+            <a:lvl7pPr marL="2743200" indent="0" algn="ctr">
+              <a:buNone/>
+              <a:defRPr>
+                <a:solidFill>
+                  <a:schemeClr val="tx1">
+                    <a:tint val="75000"/>
+                  </a:schemeClr>
+                </a:solidFill>
+              </a:defRPr>
+            </a:lvl7pPr>
+            <a:lvl8pPr marL="3200400" indent="0" algn="ctr">
+              <a:buNone/>
+              <a:defRPr>
+                <a:solidFill>
+                  <a:schemeClr val="tx1">
+                    <a:tint val="75000"/>
+                  </a:schemeClr>
+                </a:solidFill>
+              </a:defRPr>
+            </a:lvl8pPr>
+            <a:lvl9pPr marL="3657600" indent="0" algn="ctr">
+              <a:buNone/>
+              <a:defRPr>
+                <a:solidFill>
+                  <a:schemeClr val="tx1">
+                    <a:tint val="75000"/>
+                  </a:schemeClr>
+                </a:solidFill>
+              </a:defRPr>
+            </a:lvl9pPr>
+          </a:lstStyle>
+          <a:p>
+            <a:r>
+              <a:rPr lang="en-US"/>
+              <a:t>Click to edit Master subtitle style</a:t>
+            </a:r>
+            <a:endParaRPr lang="ru-RU"/>
+          </a:p>
+        </p:txBody>
+      </p:sp>
+      <p:sp>
+        <p:nvSpPr>
+          <p:cNvPr id="4" name="Date Placeholder 3"/>
+          <p:cNvSpPr>
+            <a:spLocks noGrp="1"/>
+          </p:cNvSpPr>
+          <p:nvPr>
+            <p:ph type="dt" sz="half" idx="10"/>
+          </p:nvPr>
+        </p:nvSpPr>
+        <p:spPr/>
+        <p:txBody>
+          <a:bodyPr/>
+          <a:lstStyle/>
+          <a:p>
+            <a:fld id="{8E6E6A2A-E9D3-4A0D-B04A-ABDD367A1E08}" type="datetimeFigureOut">
+              <a:rPr lang="ru-RU" smtClean="0"/>
+              <a:t>22.02.2019</a:t>
+            </a:fld>
+            <a:endParaRPr lang="ru-RU"/>
+          </a:p>
+        </p:txBody>
+      </p:sp>
+      <p:sp>
+        <p:nvSpPr>
+          <p:cNvPr id="5" name="Footer Placeholder 4"/>
+          <p:cNvSpPr>
+            <a:spLocks noGrp="1"/>
+          </p:cNvSpPr>
+          <p:nvPr>
+            <p:ph type="ftr" sz="quarter" idx="11"/>
+          </p:nvPr>
+        </p:nvSpPr>
+        <p:spPr/>
+        <p:txBody>
+          <a:bodyPr/>
+          <a:lstStyle/>
+          <a:p>
+            <a:endParaRPr lang="ru-RU"/>
+          </a:p>
+        </p:txBody>
+      </p:sp>
+      <p:sp>
+        <p:nvSpPr>
+          <p:cNvPr id="6" name="Slide Number Placeholder 5"/>
+          <p:cNvSpPr>
+            <a:spLocks noGrp="1"/>
+          </p:cNvSpPr>
+          <p:nvPr>
+            <p:ph type="sldNum" sz="quarter" idx="12"/>
+          </p:nvPr>
+        </p:nvSpPr>
+        <p:spPr/>
+        <p:txBody>
+          <a:bodyPr/>
+          <a:lstStyle/>
+          <a:p>
+            <a:fld id="{BC0D3D34-2E8A-4A38-B864-C677BA056495}" type="slidenum">
+              <a:rPr lang="ru-RU" smtClean="0"/>
+              <a:t>‹#›</a:t>
+            </a:fld>
+            <a:endParaRPr lang="ru-RU"/>
+          </a:p>
+        </p:txBody>
+      </p:sp>
+    </p:spTree>
+    <p:extLst>
+      <p:ext uri="{BB962C8B-B14F-4D97-AF65-F5344CB8AC3E}">
+        <p14:creationId xmlns:p14="http://schemas.microsoft.com/office/powerpoint/2010/main" val="4222294974"/>
+      </p:ext>
+    </p:extLst>
+  </p:cSld>
+  <p:clrMapOvr>
+    <a:masterClrMapping/>
+  </p:clrMapOvr>
+</p:sldLayout>
+</file>
+
+<file path=ppt/slideLayouts/slideLayout13.xml><?xml version="1.0" encoding="utf-8"?>
+<p:sldLayout xmlns:a="http://schemas.openxmlformats.org/drawingml/2006/main" xmlns:r="http://schemas.openxmlformats.org/officeDocument/2006/relationships" xmlns:p="http://schemas.openxmlformats.org/presentationml/2006/main" type="obj" preserve="1">
+  <p:cSld name="Title and Content">
+    <p:spTree>
+      <p:nvGrpSpPr>
+        <p:cNvPr id="1" name=""/>
+        <p:cNvGrpSpPr/>
+        <p:nvPr/>
+      </p:nvGrpSpPr>
+      <p:grpSpPr>
+        <a:xfrm>
+          <a:off x="0" y="0"/>
+          <a:ext cx="0" cy="0"/>
+          <a:chOff x="0" y="0"/>
+          <a:chExt cx="0" cy="0"/>
+        </a:xfrm>
+      </p:grpSpPr>
+      <p:sp>
+        <p:nvSpPr>
+          <p:cNvPr id="2" name="Title 1"/>
+          <p:cNvSpPr>
+            <a:spLocks noGrp="1"/>
+          </p:cNvSpPr>
+          <p:nvPr>
+            <p:ph type="title"/>
+          </p:nvPr>
+        </p:nvSpPr>
+        <p:spPr/>
+        <p:txBody>
+          <a:bodyPr/>
+          <a:lstStyle/>
+          <a:p>
+            <a:r>
+              <a:rPr lang="en-US"/>
+              <a:t>Click to edit Master title style</a:t>
+            </a:r>
+            <a:endParaRPr lang="ru-RU" dirty="0"/>
+          </a:p>
+        </p:txBody>
+      </p:sp>
+      <p:sp>
+        <p:nvSpPr>
+          <p:cNvPr id="3" name="Content Placeholder 2"/>
+          <p:cNvSpPr>
+            <a:spLocks noGrp="1"/>
+          </p:cNvSpPr>
+          <p:nvPr>
+            <p:ph idx="1"/>
+          </p:nvPr>
+        </p:nvSpPr>
+        <p:spPr/>
+        <p:txBody>
+          <a:bodyPr/>
+          <a:lstStyle/>
+          <a:p>
+            <a:pPr lvl="0"/>
+            <a:r>
+              <a:rPr lang="en-US"/>
+              <a:t>Click to edit Master text styles</a:t>
+            </a:r>
+          </a:p>
+          <a:p>
+            <a:pPr lvl="1"/>
+            <a:r>
+              <a:rPr lang="en-US"/>
+              <a:t>Second level</a:t>
+            </a:r>
+          </a:p>
+          <a:p>
+            <a:pPr lvl="2"/>
+            <a:r>
+              <a:rPr lang="en-US"/>
+              <a:t>Third level</a:t>
+            </a:r>
+          </a:p>
+          <a:p>
+            <a:pPr lvl="3"/>
+            <a:r>
+              <a:rPr lang="en-US"/>
+              <a:t>Fourth level</a:t>
+            </a:r>
+          </a:p>
+          <a:p>
+            <a:pPr lvl="4"/>
+            <a:r>
+              <a:rPr lang="en-US"/>
+              <a:t>Fifth level</a:t>
+            </a:r>
+            <a:endParaRPr lang="ru-RU" dirty="0"/>
+          </a:p>
+        </p:txBody>
+      </p:sp>
+    </p:spTree>
+    <p:extLst>
+      <p:ext uri="{BB962C8B-B14F-4D97-AF65-F5344CB8AC3E}">
+        <p14:creationId xmlns:p14="http://schemas.microsoft.com/office/powerpoint/2010/main" val="2894946407"/>
+      </p:ext>
+    </p:extLst>
+  </p:cSld>
+  <p:clrMapOvr>
+    <a:masterClrMapping/>
+  </p:clrMapOvr>
+</p:sldLayout>
+</file>
+
+<file path=ppt/slideLayouts/slideLayout14.xml><?xml version="1.0" encoding="utf-8"?>
+<p:sldLayout xmlns:a="http://schemas.openxmlformats.org/drawingml/2006/main" xmlns:r="http://schemas.openxmlformats.org/officeDocument/2006/relationships" xmlns:p="http://schemas.openxmlformats.org/presentationml/2006/main" type="secHead" preserve="1">
+  <p:cSld name="Section Header">
+    <p:spTree>
+      <p:nvGrpSpPr>
+        <p:cNvPr id="1" name=""/>
+        <p:cNvGrpSpPr/>
+        <p:nvPr/>
+      </p:nvGrpSpPr>
+      <p:grpSpPr>
+        <a:xfrm>
+          <a:off x="0" y="0"/>
+          <a:ext cx="0" cy="0"/>
+          <a:chOff x="0" y="0"/>
+          <a:chExt cx="0" cy="0"/>
+        </a:xfrm>
+      </p:grpSpPr>
+      <p:sp>
+        <p:nvSpPr>
+          <p:cNvPr id="2" name="Title 1"/>
+          <p:cNvSpPr>
+            <a:spLocks noGrp="1"/>
+          </p:cNvSpPr>
+          <p:nvPr>
+            <p:ph type="title"/>
+          </p:nvPr>
+        </p:nvSpPr>
+        <p:spPr>
+          <a:xfrm>
+            <a:off x="722313" y="4406900"/>
+            <a:ext cx="7772400" cy="1362075"/>
+          </a:xfrm>
+        </p:spPr>
+        <p:txBody>
+          <a:bodyPr anchor="t"/>
+          <a:lstStyle>
+            <a:lvl1pPr algn="l">
+              <a:defRPr sz="4000" b="1" cap="all"/>
+            </a:lvl1pPr>
+          </a:lstStyle>
+          <a:p>
+            <a:r>
+              <a:rPr lang="en-US"/>
+              <a:t>Click to edit Master title style</a:t>
+            </a:r>
+            <a:endParaRPr lang="ru-RU" dirty="0"/>
+          </a:p>
+        </p:txBody>
+      </p:sp>
+      <p:sp>
+        <p:nvSpPr>
+          <p:cNvPr id="3" name="Text Placeholder 2"/>
+          <p:cNvSpPr>
+            <a:spLocks noGrp="1"/>
+          </p:cNvSpPr>
+          <p:nvPr>
+            <p:ph type="body" idx="1"/>
+          </p:nvPr>
+        </p:nvSpPr>
+        <p:spPr>
+          <a:xfrm>
+            <a:off x="722313" y="2906713"/>
+            <a:ext cx="7772400" cy="1500187"/>
+          </a:xfrm>
+        </p:spPr>
+        <p:txBody>
+          <a:bodyPr anchor="b"/>
+          <a:lstStyle>
+            <a:lvl1pPr marL="0" indent="0">
+              <a:buNone/>
+              <a:defRPr sz="2000">
+                <a:solidFill>
+                  <a:schemeClr val="tx1">
+                    <a:tint val="75000"/>
+                  </a:schemeClr>
+                </a:solidFill>
+              </a:defRPr>
+            </a:lvl1pPr>
+            <a:lvl2pPr marL="457200" indent="0">
+              <a:buNone/>
+              <a:defRPr sz="1800">
+                <a:solidFill>
+                  <a:schemeClr val="tx1">
+                    <a:tint val="75000"/>
+                  </a:schemeClr>
+                </a:solidFill>
+              </a:defRPr>
+            </a:lvl2pPr>
+            <a:lvl3pPr marL="914400" indent="0">
+              <a:buNone/>
+              <a:defRPr sz="1600">
+                <a:solidFill>
+                  <a:schemeClr val="tx1">
+                    <a:tint val="75000"/>
+                  </a:schemeClr>
+                </a:solidFill>
+              </a:defRPr>
+            </a:lvl3pPr>
+            <a:lvl4pPr marL="1371600" indent="0">
+              <a:buNone/>
+              <a:defRPr sz="1400">
+                <a:solidFill>
+                  <a:schemeClr val="tx1">
+                    <a:tint val="75000"/>
+                  </a:schemeClr>
+                </a:solidFill>
+              </a:defRPr>
+            </a:lvl4pPr>
+            <a:lvl5pPr marL="1828800" indent="0">
+              <a:buNone/>
+              <a:defRPr sz="1400">
+                <a:solidFill>
+                  <a:schemeClr val="tx1">
+                    <a:tint val="75000"/>
+                  </a:schemeClr>
+                </a:solidFill>
+              </a:defRPr>
+            </a:lvl5pPr>
+            <a:lvl6pPr marL="2286000" indent="0">
+              <a:buNone/>
+              <a:defRPr sz="1400">
+                <a:solidFill>
+                  <a:schemeClr val="tx1">
+                    <a:tint val="75000"/>
+                  </a:schemeClr>
+                </a:solidFill>
+              </a:defRPr>
+            </a:lvl6pPr>
+            <a:lvl7pPr marL="2743200" indent="0">
+              <a:buNone/>
+              <a:defRPr sz="1400">
+                <a:solidFill>
+                  <a:schemeClr val="tx1">
+                    <a:tint val="75000"/>
+                  </a:schemeClr>
+                </a:solidFill>
+              </a:defRPr>
+            </a:lvl7pPr>
+            <a:lvl8pPr marL="3200400" indent="0">
+              <a:buNone/>
+              <a:defRPr sz="1400">
+                <a:solidFill>
+                  <a:schemeClr val="tx1">
+                    <a:tint val="75000"/>
+                  </a:schemeClr>
+                </a:solidFill>
+              </a:defRPr>
+            </a:lvl8pPr>
+            <a:lvl9pPr marL="3657600" indent="0">
+              <a:buNone/>
+              <a:defRPr sz="1400">
+                <a:solidFill>
+                  <a:schemeClr val="tx1">
+                    <a:tint val="75000"/>
+                  </a:schemeClr>
+                </a:solidFill>
+              </a:defRPr>
+            </a:lvl9pPr>
+          </a:lstStyle>
+          <a:p>
+            <a:pPr lvl="0"/>
+            <a:r>
+              <a:rPr lang="en-US"/>
+              <a:t>Click to edit Master text styles</a:t>
+            </a:r>
+          </a:p>
+        </p:txBody>
+      </p:sp>
+    </p:spTree>
+    <p:extLst>
+      <p:ext uri="{BB962C8B-B14F-4D97-AF65-F5344CB8AC3E}">
+        <p14:creationId xmlns:p14="http://schemas.microsoft.com/office/powerpoint/2010/main" val="3380252611"/>
+      </p:ext>
+    </p:extLst>
+  </p:cSld>
+  <p:clrMapOvr>
+    <a:masterClrMapping/>
+  </p:clrMapOvr>
+</p:sldLayout>
+</file>
+
+<file path=ppt/slideLayouts/slideLayout15.xml><?xml version="1.0" encoding="utf-8"?>
+<p:sldLayout xmlns:a="http://schemas.openxmlformats.org/drawingml/2006/main" xmlns:r="http://schemas.openxmlformats.org/officeDocument/2006/relationships" xmlns:p="http://schemas.openxmlformats.org/presentationml/2006/main" type="twoObj" preserve="1">
+  <p:cSld name="Two Content">
+    <p:spTree>
+      <p:nvGrpSpPr>
+        <p:cNvPr id="1" name=""/>
+        <p:cNvGrpSpPr/>
+        <p:nvPr/>
+      </p:nvGrpSpPr>
+      <p:grpSpPr>
+        <a:xfrm>
+          <a:off x="0" y="0"/>
+          <a:ext cx="0" cy="0"/>
+          <a:chOff x="0" y="0"/>
+          <a:chExt cx="0" cy="0"/>
+        </a:xfrm>
+      </p:grpSpPr>
+      <p:sp>
+        <p:nvSpPr>
+          <p:cNvPr id="2" name="Title 1"/>
+          <p:cNvSpPr>
+            <a:spLocks noGrp="1"/>
+          </p:cNvSpPr>
+          <p:nvPr>
+            <p:ph type="title"/>
+          </p:nvPr>
+        </p:nvSpPr>
+        <p:spPr/>
+        <p:txBody>
+          <a:bodyPr/>
+          <a:lstStyle/>
+          <a:p>
+            <a:r>
+              <a:rPr lang="en-US"/>
+              <a:t>Click to edit Master title style</a:t>
+            </a:r>
+            <a:endParaRPr lang="ru-RU" dirty="0"/>
+          </a:p>
+        </p:txBody>
+      </p:sp>
+      <p:sp>
+        <p:nvSpPr>
+          <p:cNvPr id="3" name="Content Placeholder 2"/>
+          <p:cNvSpPr>
+            <a:spLocks noGrp="1"/>
+          </p:cNvSpPr>
+          <p:nvPr>
+            <p:ph sz="half" idx="1"/>
+          </p:nvPr>
+        </p:nvSpPr>
+        <p:spPr>
+          <a:xfrm>
+            <a:off x="457200" y="1600200"/>
+            <a:ext cx="4038600" cy="4525963"/>
+          </a:xfrm>
+        </p:spPr>
+        <p:txBody>
+          <a:bodyPr/>
+          <a:lstStyle>
+            <a:lvl1pPr>
+              <a:defRPr sz="2800"/>
+            </a:lvl1pPr>
+            <a:lvl2pPr>
+              <a:defRPr sz="2400"/>
+            </a:lvl2pPr>
+            <a:lvl3pPr>
+              <a:defRPr sz="2000"/>
+            </a:lvl3pPr>
+            <a:lvl4pPr>
+              <a:defRPr sz="1800"/>
+            </a:lvl4pPr>
+            <a:lvl5pPr>
+              <a:defRPr sz="1800"/>
+            </a:lvl5pPr>
+            <a:lvl6pPr>
+              <a:defRPr sz="1800"/>
+            </a:lvl6pPr>
+            <a:lvl7pPr>
+              <a:defRPr sz="1800"/>
+            </a:lvl7pPr>
+            <a:lvl8pPr>
+              <a:defRPr sz="1800"/>
+            </a:lvl8pPr>
+            <a:lvl9pPr>
+              <a:defRPr sz="1800"/>
+            </a:lvl9pPr>
+          </a:lstStyle>
+          <a:p>
+            <a:pPr lvl="0"/>
+            <a:r>
+              <a:rPr lang="en-US"/>
+              <a:t>Click to edit Master text styles</a:t>
+            </a:r>
+          </a:p>
+          <a:p>
+            <a:pPr lvl="1"/>
+            <a:r>
+              <a:rPr lang="en-US"/>
+              <a:t>Second level</a:t>
+            </a:r>
+          </a:p>
+          <a:p>
+            <a:pPr lvl="2"/>
+            <a:r>
+              <a:rPr lang="en-US"/>
+              <a:t>Third level</a:t>
+            </a:r>
+          </a:p>
+          <a:p>
+            <a:pPr lvl="3"/>
+            <a:r>
+              <a:rPr lang="en-US"/>
+              <a:t>Fourth level</a:t>
+            </a:r>
+          </a:p>
+          <a:p>
+            <a:pPr lvl="4"/>
+            <a:r>
+              <a:rPr lang="en-US"/>
+              <a:t>Fifth level</a:t>
+            </a:r>
+            <a:endParaRPr lang="ru-RU" dirty="0"/>
+          </a:p>
+        </p:txBody>
+      </p:sp>
+      <p:sp>
+        <p:nvSpPr>
+          <p:cNvPr id="4" name="Content Placeholder 3"/>
+          <p:cNvSpPr>
+            <a:spLocks noGrp="1"/>
+          </p:cNvSpPr>
+          <p:nvPr>
+            <p:ph sz="half" idx="2"/>
+          </p:nvPr>
+        </p:nvSpPr>
+        <p:spPr>
+          <a:xfrm>
+            <a:off x="4648200" y="1600200"/>
+            <a:ext cx="4038600" cy="4525963"/>
+          </a:xfrm>
+        </p:spPr>
+        <p:txBody>
+          <a:bodyPr/>
+          <a:lstStyle>
+            <a:lvl1pPr>
+              <a:defRPr sz="2800"/>
+            </a:lvl1pPr>
+            <a:lvl2pPr>
+              <a:defRPr sz="2400"/>
+            </a:lvl2pPr>
+            <a:lvl3pPr>
+              <a:defRPr sz="2000"/>
+            </a:lvl3pPr>
+            <a:lvl4pPr>
+              <a:defRPr sz="1800"/>
+            </a:lvl4pPr>
+            <a:lvl5pPr>
+              <a:defRPr sz="1800"/>
+            </a:lvl5pPr>
+            <a:lvl6pPr>
+              <a:defRPr sz="1800"/>
+            </a:lvl6pPr>
+            <a:lvl7pPr>
+              <a:defRPr sz="1800"/>
+            </a:lvl7pPr>
+            <a:lvl8pPr>
+              <a:defRPr sz="1800"/>
+            </a:lvl8pPr>
+            <a:lvl9pPr>
+              <a:defRPr sz="1800"/>
+            </a:lvl9pPr>
+          </a:lstStyle>
+          <a:p>
+            <a:pPr lvl="0"/>
+            <a:r>
+              <a:rPr lang="en-US"/>
+              <a:t>Click to edit Master text styles</a:t>
+            </a:r>
+          </a:p>
+          <a:p>
+            <a:pPr lvl="1"/>
+            <a:r>
+              <a:rPr lang="en-US"/>
+              <a:t>Second level</a:t>
+            </a:r>
+          </a:p>
+          <a:p>
+            <a:pPr lvl="2"/>
+            <a:r>
+              <a:rPr lang="en-US"/>
+              <a:t>Third level</a:t>
+            </a:r>
+          </a:p>
+          <a:p>
+            <a:pPr lvl="3"/>
+            <a:r>
+              <a:rPr lang="en-US"/>
+              <a:t>Fourth level</a:t>
+            </a:r>
+          </a:p>
+          <a:p>
+            <a:pPr lvl="4"/>
+            <a:r>
+              <a:rPr lang="en-US"/>
+              <a:t>Fifth level</a:t>
+            </a:r>
+            <a:endParaRPr lang="ru-RU" dirty="0"/>
+          </a:p>
+        </p:txBody>
+      </p:sp>
+    </p:spTree>
+    <p:extLst>
+      <p:ext uri="{BB962C8B-B14F-4D97-AF65-F5344CB8AC3E}">
+        <p14:creationId xmlns:p14="http://schemas.microsoft.com/office/powerpoint/2010/main" val="4080060054"/>
+      </p:ext>
+    </p:extLst>
+  </p:cSld>
+  <p:clrMapOvr>
+    <a:masterClrMapping/>
+  </p:clrMapOvr>
+</p:sldLayout>
+</file>
+
+<file path=ppt/slideLayouts/slideLayout16.xml><?xml version="1.0" encoding="utf-8"?>
+<p:sldLayout xmlns:a="http://schemas.openxmlformats.org/drawingml/2006/main" xmlns:r="http://schemas.openxmlformats.org/officeDocument/2006/relationships" xmlns:p="http://schemas.openxmlformats.org/presentationml/2006/main" type="twoTxTwoObj" preserve="1">
+  <p:cSld name="Comparison">
+    <p:spTree>
+      <p:nvGrpSpPr>
+        <p:cNvPr id="1" name=""/>
+        <p:cNvGrpSpPr/>
+        <p:nvPr/>
+      </p:nvGrpSpPr>
+      <p:grpSpPr>
+        <a:xfrm>
+          <a:off x="0" y="0"/>
+          <a:ext cx="0" cy="0"/>
+          <a:chOff x="0" y="0"/>
+          <a:chExt cx="0" cy="0"/>
+        </a:xfrm>
+      </p:grpSpPr>
+      <p:sp>
+        <p:nvSpPr>
+          <p:cNvPr id="2" name="Title 1"/>
+          <p:cNvSpPr>
+            <a:spLocks noGrp="1"/>
+          </p:cNvSpPr>
+          <p:nvPr>
+            <p:ph type="title"/>
+          </p:nvPr>
+        </p:nvSpPr>
+        <p:spPr/>
+        <p:txBody>
+          <a:bodyPr/>
+          <a:lstStyle>
+            <a:lvl1pPr>
+              <a:defRPr/>
+            </a:lvl1pPr>
+          </a:lstStyle>
+          <a:p>
+            <a:r>
+              <a:rPr lang="en-US"/>
+              <a:t>Click to edit Master title style</a:t>
+            </a:r>
+            <a:endParaRPr lang="ru-RU" dirty="0"/>
+          </a:p>
+        </p:txBody>
+      </p:sp>
+      <p:sp>
+        <p:nvSpPr>
+          <p:cNvPr id="3" name="Text Placeholder 2"/>
+          <p:cNvSpPr>
+            <a:spLocks noGrp="1"/>
+          </p:cNvSpPr>
+          <p:nvPr>
+            <p:ph type="body" idx="1"/>
+          </p:nvPr>
+        </p:nvSpPr>
+        <p:spPr>
+          <a:xfrm>
+            <a:off x="457200" y="1535113"/>
+            <a:ext cx="4040188" cy="639762"/>
+          </a:xfrm>
+        </p:spPr>
+        <p:txBody>
+          <a:bodyPr anchor="b"/>
+          <a:lstStyle>
+            <a:lvl1pPr marL="0" indent="0">
+              <a:buNone/>
+              <a:defRPr sz="2400" b="1"/>
+            </a:lvl1pPr>
+            <a:lvl2pPr marL="457200" indent="0">
+              <a:buNone/>
+              <a:defRPr sz="2000" b="1"/>
+            </a:lvl2pPr>
+            <a:lvl3pPr marL="914400" indent="0">
+              <a:buNone/>
+              <a:defRPr sz="1800" b="1"/>
+            </a:lvl3pPr>
+            <a:lvl4pPr marL="1371600" indent="0">
+              <a:buNone/>
+              <a:defRPr sz="1600" b="1"/>
+            </a:lvl4pPr>
+            <a:lvl5pPr marL="1828800" indent="0">
+              <a:buNone/>
+              <a:defRPr sz="1600" b="1"/>
+            </a:lvl5pPr>
+            <a:lvl6pPr marL="2286000" indent="0">
+              <a:buNone/>
+              <a:defRPr sz="1600" b="1"/>
+            </a:lvl6pPr>
+            <a:lvl7pPr marL="2743200" indent="0">
+              <a:buNone/>
+              <a:defRPr sz="1600" b="1"/>
+            </a:lvl7pPr>
+            <a:lvl8pPr marL="3200400" indent="0">
+              <a:buNone/>
+              <a:defRPr sz="1600" b="1"/>
+            </a:lvl8pPr>
+            <a:lvl9pPr marL="3657600" indent="0">
+              <a:buNone/>
+              <a:defRPr sz="1600" b="1"/>
+            </a:lvl9pPr>
+          </a:lstStyle>
+          <a:p>
+            <a:pPr lvl="0"/>
+            <a:r>
+              <a:rPr lang="en-US"/>
+              <a:t>Click to edit Master text styles</a:t>
+            </a:r>
+          </a:p>
+        </p:txBody>
+      </p:sp>
+      <p:sp>
+        <p:nvSpPr>
+          <p:cNvPr id="4" name="Content Placeholder 3"/>
+          <p:cNvSpPr>
+            <a:spLocks noGrp="1"/>
+          </p:cNvSpPr>
+          <p:nvPr>
+            <p:ph sz="half" idx="2"/>
+          </p:nvPr>
+        </p:nvSpPr>
+        <p:spPr>
+          <a:xfrm>
+            <a:off x="457200" y="2174875"/>
+            <a:ext cx="4040188" cy="3951288"/>
+          </a:xfrm>
+        </p:spPr>
+        <p:txBody>
+          <a:bodyPr/>
+          <a:lstStyle>
+            <a:lvl1pPr>
+              <a:defRPr sz="2400"/>
+            </a:lvl1pPr>
+            <a:lvl2pPr>
+              <a:defRPr sz="2000"/>
+            </a:lvl2pPr>
+            <a:lvl3pPr>
+              <a:defRPr sz="1800"/>
+            </a:lvl3pPr>
+            <a:lvl4pPr>
+              <a:defRPr sz="1600"/>
+            </a:lvl4pPr>
+            <a:lvl5pPr>
+              <a:defRPr sz="1600"/>
+            </a:lvl5pPr>
+            <a:lvl6pPr>
+              <a:defRPr sz="1600"/>
+            </a:lvl6pPr>
+            <a:lvl7pPr>
+              <a:defRPr sz="1600"/>
+            </a:lvl7pPr>
+            <a:lvl8pPr>
+              <a:defRPr sz="1600"/>
+            </a:lvl8pPr>
+            <a:lvl9pPr>
+              <a:defRPr sz="1600"/>
+            </a:lvl9pPr>
+          </a:lstStyle>
+          <a:p>
+            <a:pPr lvl="0"/>
+            <a:r>
+              <a:rPr lang="en-US"/>
+              <a:t>Click to edit Master text styles</a:t>
+            </a:r>
+          </a:p>
+          <a:p>
+            <a:pPr lvl="1"/>
+            <a:r>
+              <a:rPr lang="en-US"/>
+              <a:t>Second level</a:t>
+            </a:r>
+          </a:p>
+          <a:p>
+            <a:pPr lvl="2"/>
+            <a:r>
+              <a:rPr lang="en-US"/>
+              <a:t>Third level</a:t>
+            </a:r>
+          </a:p>
+          <a:p>
+            <a:pPr lvl="3"/>
+            <a:r>
+              <a:rPr lang="en-US"/>
+              <a:t>Fourth level</a:t>
+            </a:r>
+          </a:p>
+          <a:p>
+            <a:pPr lvl="4"/>
+            <a:r>
+              <a:rPr lang="en-US"/>
+              <a:t>Fifth level</a:t>
+            </a:r>
+            <a:endParaRPr lang="ru-RU" dirty="0"/>
+          </a:p>
+        </p:txBody>
+      </p:sp>
+      <p:sp>
+        <p:nvSpPr>
+          <p:cNvPr id="5" name="Text Placeholder 4"/>
+          <p:cNvSpPr>
+            <a:spLocks noGrp="1"/>
+          </p:cNvSpPr>
+          <p:nvPr>
+            <p:ph type="body" sz="quarter" idx="3"/>
+          </p:nvPr>
+        </p:nvSpPr>
+        <p:spPr>
+          <a:xfrm>
+            <a:off x="4645025" y="1535113"/>
+            <a:ext cx="4041775" cy="639762"/>
+          </a:xfrm>
+        </p:spPr>
+        <p:txBody>
+          <a:bodyPr anchor="b"/>
+          <a:lstStyle>
+            <a:lvl1pPr marL="0" indent="0">
+              <a:buNone/>
+              <a:defRPr sz="2400" b="1"/>
+            </a:lvl1pPr>
+            <a:lvl2pPr marL="457200" indent="0">
+              <a:buNone/>
+              <a:defRPr sz="2000" b="1"/>
+            </a:lvl2pPr>
+            <a:lvl3pPr marL="914400" indent="0">
+              <a:buNone/>
+              <a:defRPr sz="1800" b="1"/>
+            </a:lvl3pPr>
+            <a:lvl4pPr marL="1371600" indent="0">
+              <a:buNone/>
+              <a:defRPr sz="1600" b="1"/>
+            </a:lvl4pPr>
+            <a:lvl5pPr marL="1828800" indent="0">
+              <a:buNone/>
+              <a:defRPr sz="1600" b="1"/>
+            </a:lvl5pPr>
+            <a:lvl6pPr marL="2286000" indent="0">
+              <a:buNone/>
+              <a:defRPr sz="1600" b="1"/>
+            </a:lvl6pPr>
+            <a:lvl7pPr marL="2743200" indent="0">
+              <a:buNone/>
+              <a:defRPr sz="1600" b="1"/>
+            </a:lvl7pPr>
+            <a:lvl8pPr marL="3200400" indent="0">
+              <a:buNone/>
+              <a:defRPr sz="1600" b="1"/>
+            </a:lvl8pPr>
+            <a:lvl9pPr marL="3657600" indent="0">
+              <a:buNone/>
+              <a:defRPr sz="1600" b="1"/>
+            </a:lvl9pPr>
+          </a:lstStyle>
+          <a:p>
+            <a:pPr lvl="0"/>
+            <a:r>
+              <a:rPr lang="en-US"/>
+              <a:t>Click to edit Master text styles</a:t>
+            </a:r>
+          </a:p>
+        </p:txBody>
+      </p:sp>
+      <p:sp>
+        <p:nvSpPr>
+          <p:cNvPr id="6" name="Content Placeholder 5"/>
+          <p:cNvSpPr>
+            <a:spLocks noGrp="1"/>
+          </p:cNvSpPr>
+          <p:nvPr>
+            <p:ph sz="quarter" idx="4"/>
+          </p:nvPr>
+        </p:nvSpPr>
+        <p:spPr>
+          <a:xfrm>
+            <a:off x="4645025" y="2174875"/>
+            <a:ext cx="4041775" cy="3951288"/>
+          </a:xfrm>
+        </p:spPr>
+        <p:txBody>
+          <a:bodyPr/>
+          <a:lstStyle>
+            <a:lvl1pPr>
+              <a:defRPr sz="2400"/>
+            </a:lvl1pPr>
+            <a:lvl2pPr>
+              <a:defRPr sz="2000"/>
+            </a:lvl2pPr>
+            <a:lvl3pPr>
+              <a:defRPr sz="1800"/>
+            </a:lvl3pPr>
+            <a:lvl4pPr>
+              <a:defRPr sz="1600"/>
+            </a:lvl4pPr>
+            <a:lvl5pPr>
+              <a:defRPr sz="1600"/>
+            </a:lvl5pPr>
+            <a:lvl6pPr>
+              <a:defRPr sz="1600"/>
+            </a:lvl6pPr>
+            <a:lvl7pPr>
+              <a:defRPr sz="1600"/>
+            </a:lvl7pPr>
+            <a:lvl8pPr>
+              <a:defRPr sz="1600"/>
+            </a:lvl8pPr>
+            <a:lvl9pPr>
+              <a:defRPr sz="1600"/>
+            </a:lvl9pPr>
+          </a:lstStyle>
+          <a:p>
+            <a:pPr lvl="0"/>
+            <a:r>
+              <a:rPr lang="en-US"/>
+              <a:t>Click to edit Master text styles</a:t>
+            </a:r>
+          </a:p>
+          <a:p>
+            <a:pPr lvl="1"/>
+            <a:r>
+              <a:rPr lang="en-US"/>
+              <a:t>Second level</a:t>
+            </a:r>
+          </a:p>
+          <a:p>
+            <a:pPr lvl="2"/>
+            <a:r>
+              <a:rPr lang="en-US"/>
+              <a:t>Third level</a:t>
+            </a:r>
+          </a:p>
+          <a:p>
+            <a:pPr lvl="3"/>
+            <a:r>
+              <a:rPr lang="en-US"/>
+              <a:t>Fourth level</a:t>
+            </a:r>
+          </a:p>
+          <a:p>
+            <a:pPr lvl="4"/>
+            <a:r>
+              <a:rPr lang="en-US"/>
+              <a:t>Fifth level</a:t>
+            </a:r>
+            <a:endParaRPr lang="ru-RU" dirty="0"/>
+          </a:p>
+        </p:txBody>
+      </p:sp>
+    </p:spTree>
+    <p:extLst>
+      <p:ext uri="{BB962C8B-B14F-4D97-AF65-F5344CB8AC3E}">
+        <p14:creationId xmlns:p14="http://schemas.microsoft.com/office/powerpoint/2010/main" val="4096204342"/>
+      </p:ext>
+    </p:extLst>
+  </p:cSld>
+  <p:clrMapOvr>
+    <a:masterClrMapping/>
+  </p:clrMapOvr>
+</p:sldLayout>
+</file>
+
+<file path=ppt/slideLayouts/slideLayout17.xml><?xml version="1.0" encoding="utf-8"?>
+<p:sldLayout xmlns:a="http://schemas.openxmlformats.org/drawingml/2006/main" xmlns:r="http://schemas.openxmlformats.org/officeDocument/2006/relationships" xmlns:p="http://schemas.openxmlformats.org/presentationml/2006/main" type="titleOnly" preserve="1">
+  <p:cSld name="Title Only">
+    <p:spTree>
+      <p:nvGrpSpPr>
+        <p:cNvPr id="1" name=""/>
+        <p:cNvGrpSpPr/>
+        <p:nvPr/>
+      </p:nvGrpSpPr>
+      <p:grpSpPr>
+        <a:xfrm>
+          <a:off x="0" y="0"/>
+          <a:ext cx="0" cy="0"/>
+          <a:chOff x="0" y="0"/>
+          <a:chExt cx="0" cy="0"/>
+        </a:xfrm>
+      </p:grpSpPr>
+      <p:sp>
+        <p:nvSpPr>
+          <p:cNvPr id="2" name="Title 1"/>
+          <p:cNvSpPr>
+            <a:spLocks noGrp="1"/>
+          </p:cNvSpPr>
+          <p:nvPr>
+            <p:ph type="title"/>
+          </p:nvPr>
+        </p:nvSpPr>
+        <p:spPr/>
+        <p:txBody>
+          <a:bodyPr/>
+          <a:lstStyle/>
+          <a:p>
+            <a:r>
+              <a:rPr lang="en-US"/>
+              <a:t>Click to edit Master title style</a:t>
+            </a:r>
+            <a:endParaRPr lang="ru-RU" dirty="0"/>
+          </a:p>
+        </p:txBody>
+      </p:sp>
+    </p:spTree>
+    <p:extLst>
+      <p:ext uri="{BB962C8B-B14F-4D97-AF65-F5344CB8AC3E}">
+        <p14:creationId xmlns:p14="http://schemas.microsoft.com/office/powerpoint/2010/main" val="1966664860"/>
+      </p:ext>
+    </p:extLst>
+  </p:cSld>
+  <p:clrMapOvr>
+    <a:masterClrMapping/>
+  </p:clrMapOvr>
+</p:sldLayout>
+</file>
+
+<file path=ppt/slideLayouts/slideLayout18.xml><?xml version="1.0" encoding="utf-8"?>
+<p:sldLayout xmlns:a="http://schemas.openxmlformats.org/drawingml/2006/main" xmlns:r="http://schemas.openxmlformats.org/officeDocument/2006/relationships" xmlns:p="http://schemas.openxmlformats.org/presentationml/2006/main" preserve="1" userDrawn="1">
+  <p:cSld name="Demo">
+    <p:spTree>
+      <p:nvGrpSpPr>
+        <p:cNvPr id="1" name=""/>
+        <p:cNvGrpSpPr/>
+        <p:nvPr/>
+      </p:nvGrpSpPr>
+      <p:grpSpPr>
+        <a:xfrm>
+          <a:off x="0" y="0"/>
+          <a:ext cx="0" cy="0"/>
+          <a:chOff x="0" y="0"/>
+          <a:chExt cx="0" cy="0"/>
+        </a:xfrm>
+      </p:grpSpPr>
+      <p:sp>
+        <p:nvSpPr>
+          <p:cNvPr id="10" name="TextBox 9"/>
+          <p:cNvSpPr txBox="1"/>
+          <p:nvPr userDrawn="1"/>
+        </p:nvSpPr>
+        <p:spPr>
+          <a:xfrm>
+            <a:off x="359532" y="3136613"/>
+            <a:ext cx="8424936" cy="584775"/>
+          </a:xfrm>
+          <a:prstGeom prst="rect">
+            <a:avLst/>
+          </a:prstGeom>
+          <a:noFill/>
+        </p:spPr>
+        <p:txBody>
+          <a:bodyPr wrap="square" rtlCol="0" anchor="ctr">
+            <a:spAutoFit/>
+          </a:bodyPr>
+          <a:lstStyle/>
+          <a:p>
+            <a:pPr algn="ctr"/>
+            <a:r>
+              <a:rPr lang="ru-RU" sz="3200" dirty="0">
+                <a:solidFill>
+                  <a:srgbClr val="FFFFFF"/>
+                </a:solidFill>
+              </a:rPr>
+              <a:t>Название. Демонстрация.</a:t>
+            </a:r>
+          </a:p>
+        </p:txBody>
+      </p:sp>
+    </p:spTree>
+    <p:extLst>
+      <p:ext uri="{BB962C8B-B14F-4D97-AF65-F5344CB8AC3E}">
+        <p14:creationId xmlns:p14="http://schemas.microsoft.com/office/powerpoint/2010/main" val="54194552"/>
+      </p:ext>
+    </p:extLst>
+  </p:cSld>
+  <p:clrMapOvr>
+    <a:masterClrMapping/>
+  </p:clrMapOvr>
+</p:sldLayout>
+</file>
+
+<file path=ppt/slideLayouts/slideLayout19.xml><?xml version="1.0" encoding="utf-8"?>
+<p:sldLayout xmlns:a="http://schemas.openxmlformats.org/drawingml/2006/main" xmlns:r="http://schemas.openxmlformats.org/officeDocument/2006/relationships" xmlns:p="http://schemas.openxmlformats.org/presentationml/2006/main" type="blank" preserve="1">
+  <p:cSld name="1_Blank">
+    <p:spTree>
+      <p:nvGrpSpPr>
+        <p:cNvPr id="1" name=""/>
+        <p:cNvGrpSpPr/>
+        <p:nvPr/>
+      </p:nvGrpSpPr>
+      <p:grpSpPr>
+        <a:xfrm>
+          <a:off x="0" y="0"/>
+          <a:ext cx="0" cy="0"/>
+          <a:chOff x="0" y="0"/>
+          <a:chExt cx="0" cy="0"/>
+        </a:xfrm>
+      </p:grpSpPr>
+    </p:spTree>
+    <p:extLst>
+      <p:ext uri="{BB962C8B-B14F-4D97-AF65-F5344CB8AC3E}">
+        <p14:creationId xmlns:p14="http://schemas.microsoft.com/office/powerpoint/2010/main" val="3772800379"/>
+      </p:ext>
+    </p:extLst>
+  </p:cSld>
+  <p:clrMapOvr>
+    <a:masterClrMapping/>
+  </p:clrMapOvr>
+</p:sldLayout>
+</file>
+
+<file path=ppt/slideLayouts/slideLayout2.xml><?xml version="1.0" encoding="utf-8"?>
+<p:sldLayout xmlns:a="http://schemas.openxmlformats.org/drawingml/2006/main" xmlns:r="http://schemas.openxmlformats.org/officeDocument/2006/relationships" xmlns:p="http://schemas.openxmlformats.org/presentationml/2006/main" type="secHead" preserve="1">
+  <p:cSld name="Section Header">
+    <p:spTree>
+      <p:nvGrpSpPr>
+        <p:cNvPr id="1" name=""/>
+        <p:cNvGrpSpPr/>
+        <p:nvPr/>
+      </p:nvGrpSpPr>
+      <p:grpSpPr>
+        <a:xfrm>
+          <a:off x="0" y="0"/>
+          <a:ext cx="0" cy="0"/>
+          <a:chOff x="0" y="0"/>
+          <a:chExt cx="0" cy="0"/>
+        </a:xfrm>
+      </p:grpSpPr>
+      <p:sp>
+        <p:nvSpPr>
+          <p:cNvPr id="2" name="Title 1"/>
+          <p:cNvSpPr>
+            <a:spLocks noGrp="1"/>
+          </p:cNvSpPr>
+          <p:nvPr>
+            <p:ph type="title"/>
+          </p:nvPr>
+        </p:nvSpPr>
+        <p:spPr>
+          <a:xfrm>
+            <a:off x="722313" y="4406900"/>
+            <a:ext cx="7772400" cy="1362075"/>
+          </a:xfrm>
+        </p:spPr>
+        <p:txBody>
+          <a:bodyPr anchor="t"/>
+          <a:lstStyle>
+            <a:lvl1pPr algn="l">
+              <a:defRPr sz="4000" b="1" cap="all"/>
+            </a:lvl1pPr>
+          </a:lstStyle>
+          <a:p>
+            <a:r>
+              <a:rPr lang="en-US"/>
+              <a:t>Click to edit Master title style</a:t>
+            </a:r>
+            <a:endParaRPr lang="ru-RU" dirty="0"/>
+          </a:p>
+        </p:txBody>
+      </p:sp>
+      <p:sp>
+        <p:nvSpPr>
+          <p:cNvPr id="3" name="Text Placeholder 2"/>
+          <p:cNvSpPr>
+            <a:spLocks noGrp="1"/>
+          </p:cNvSpPr>
+          <p:nvPr>
+            <p:ph type="body" idx="1"/>
+          </p:nvPr>
+        </p:nvSpPr>
+        <p:spPr>
+          <a:xfrm>
+            <a:off x="722313" y="2906713"/>
+            <a:ext cx="7772400" cy="1500187"/>
+          </a:xfrm>
+        </p:spPr>
+        <p:txBody>
+          <a:bodyPr anchor="b"/>
+          <a:lstStyle>
+            <a:lvl1pPr marL="0" indent="0">
+              <a:buNone/>
+              <a:defRPr sz="2000">
+                <a:solidFill>
+                  <a:schemeClr val="tx1">
+                    <a:tint val="75000"/>
+                  </a:schemeClr>
+                </a:solidFill>
+              </a:defRPr>
+            </a:lvl1pPr>
+            <a:lvl2pPr marL="457200" indent="0">
+              <a:buNone/>
+              <a:defRPr sz="1800">
+                <a:solidFill>
+                  <a:schemeClr val="tx1">
+                    <a:tint val="75000"/>
+                  </a:schemeClr>
+                </a:solidFill>
+              </a:defRPr>
+            </a:lvl2pPr>
+            <a:lvl3pPr marL="914400" indent="0">
+              <a:buNone/>
+              <a:defRPr sz="1600">
+                <a:solidFill>
+                  <a:schemeClr val="tx1">
+                    <a:tint val="75000"/>
+                  </a:schemeClr>
+                </a:solidFill>
+              </a:defRPr>
+            </a:lvl3pPr>
+            <a:lvl4pPr marL="1371600" indent="0">
+              <a:buNone/>
+              <a:defRPr sz="1400">
+                <a:solidFill>
+                  <a:schemeClr val="tx1">
+                    <a:tint val="75000"/>
+                  </a:schemeClr>
+                </a:solidFill>
+              </a:defRPr>
+            </a:lvl4pPr>
+            <a:lvl5pPr marL="1828800" indent="0">
+              <a:buNone/>
+              <a:defRPr sz="1400">
+                <a:solidFill>
+                  <a:schemeClr val="tx1">
+                    <a:tint val="75000"/>
+                  </a:schemeClr>
+                </a:solidFill>
+              </a:defRPr>
+            </a:lvl5pPr>
+            <a:lvl6pPr marL="2286000" indent="0">
+              <a:buNone/>
+              <a:defRPr sz="1400">
+                <a:solidFill>
+                  <a:schemeClr val="tx1">
+                    <a:tint val="75000"/>
+                  </a:schemeClr>
+                </a:solidFill>
+              </a:defRPr>
+            </a:lvl6pPr>
+            <a:lvl7pPr marL="2743200" indent="0">
+              <a:buNone/>
+              <a:defRPr sz="1400">
+                <a:solidFill>
+                  <a:schemeClr val="tx1">
+                    <a:tint val="75000"/>
+                  </a:schemeClr>
+                </a:solidFill>
+              </a:defRPr>
+            </a:lvl7pPr>
+            <a:lvl8pPr marL="3200400" indent="0">
+              <a:buNone/>
+              <a:defRPr sz="1400">
+                <a:solidFill>
+                  <a:schemeClr val="tx1">
+                    <a:tint val="75000"/>
+                  </a:schemeClr>
+                </a:solidFill>
+              </a:defRPr>
+            </a:lvl8pPr>
+            <a:lvl9pPr marL="3657600" indent="0">
+              <a:buNone/>
+              <a:defRPr sz="1400">
+                <a:solidFill>
+                  <a:schemeClr val="tx1">
+                    <a:tint val="75000"/>
+                  </a:schemeClr>
+                </a:solidFill>
+              </a:defRPr>
+            </a:lvl9pPr>
+          </a:lstStyle>
+          <a:p>
+            <a:pPr lvl="0"/>
+            <a:r>
+              <a:rPr lang="en-US"/>
+              <a:t>Click to edit Master text styles</a:t>
+            </a:r>
+          </a:p>
+        </p:txBody>
+      </p:sp>
+    </p:spTree>
+    <p:extLst>
+      <p:ext uri="{BB962C8B-B14F-4D97-AF65-F5344CB8AC3E}">
+        <p14:creationId xmlns:p14="http://schemas.microsoft.com/office/powerpoint/2010/main" val="1627150216"/>
+      </p:ext>
+    </p:extLst>
+  </p:cSld>
+  <p:clrMapOvr>
+    <a:masterClrMapping/>
+  </p:clrMapOvr>
+</p:sldLayout>
+</file>
+
+<file path=ppt/slideLayouts/slideLayout20.xml><?xml version="1.0" encoding="utf-8"?>
 <p:sldLayout xmlns:a="http://schemas.openxmlformats.org/drawingml/2006/main" xmlns:r="http://schemas.openxmlformats.org/officeDocument/2006/relationships" xmlns:p="http://schemas.openxmlformats.org/presentationml/2006/main" type="objTx" preserve="1">
   <p:cSld name="Content with Caption">
     <p:spTree>
@@ -888,7 +2455,7 @@
     </p:spTree>
     <p:extLst>
       <p:ext uri="{BB962C8B-B14F-4D97-AF65-F5344CB8AC3E}">
-        <p14:creationId xmlns:p14="http://schemas.microsoft.com/office/powerpoint/2010/main" val="4043488563"/>
+        <p14:creationId xmlns:p14="http://schemas.microsoft.com/office/powerpoint/2010/main" val="3011748040"/>
       </p:ext>
     </p:extLst>
   </p:cSld>
@@ -898,7 +2465,7 @@
 </p:sldLayout>
 </file>
 
-<file path=ppt/slideLayouts/slideLayout11.xml><?xml version="1.0" encoding="utf-8"?>
+<file path=ppt/slideLayouts/slideLayout21.xml><?xml version="1.0" encoding="utf-8"?>
 <p:sldLayout xmlns:a="http://schemas.openxmlformats.org/drawingml/2006/main" xmlns:r="http://schemas.openxmlformats.org/officeDocument/2006/relationships" xmlns:p="http://schemas.openxmlformats.org/presentationml/2006/main" type="picTx" preserve="1">
   <p:cSld name="Picture with Caption">
     <p:spTree>
@@ -1080,7 +2647,7 @@
     </p:spTree>
     <p:extLst>
       <p:ext uri="{BB962C8B-B14F-4D97-AF65-F5344CB8AC3E}">
-        <p14:creationId xmlns:p14="http://schemas.microsoft.com/office/powerpoint/2010/main" val="2103675460"/>
+        <p14:creationId xmlns:p14="http://schemas.microsoft.com/office/powerpoint/2010/main" val="3308479087"/>
       </p:ext>
     </p:extLst>
   </p:cSld>
@@ -1090,7 +2657,7 @@
 </p:sldLayout>
 </file>
 
-<file path=ppt/slideLayouts/slideLayout12.xml><?xml version="1.0" encoding="utf-8"?>
+<file path=ppt/slideLayouts/slideLayout22.xml><?xml version="1.0" encoding="utf-8"?>
 <p:sldLayout xmlns:a="http://schemas.openxmlformats.org/drawingml/2006/main" xmlns:r="http://schemas.openxmlformats.org/officeDocument/2006/relationships" xmlns:p="http://schemas.openxmlformats.org/presentationml/2006/main" type="vertTx" preserve="1">
   <p:cSld name="Title and Vertical Text">
     <p:spTree>
@@ -1185,7 +2752,7 @@
     </p:spTree>
     <p:extLst>
       <p:ext uri="{BB962C8B-B14F-4D97-AF65-F5344CB8AC3E}">
-        <p14:creationId xmlns:p14="http://schemas.microsoft.com/office/powerpoint/2010/main" val="2015559697"/>
+        <p14:creationId xmlns:p14="http://schemas.microsoft.com/office/powerpoint/2010/main" val="1217899872"/>
       </p:ext>
     </p:extLst>
   </p:cSld>
@@ -1195,7 +2762,7 @@
 </p:sldLayout>
 </file>
 
-<file path=ppt/slideLayouts/slideLayout13.xml><?xml version="1.0" encoding="utf-8"?>
+<file path=ppt/slideLayouts/slideLayout23.xml><?xml version="1.0" encoding="utf-8"?>
 <p:sldLayout xmlns:a="http://schemas.openxmlformats.org/drawingml/2006/main" xmlns:r="http://schemas.openxmlformats.org/officeDocument/2006/relationships" xmlns:p="http://schemas.openxmlformats.org/presentationml/2006/main" type="vertTitleAndTx" preserve="1">
   <p:cSld name="Vertical Title and Text">
     <p:spTree>
@@ -1300,7 +2867,7 @@
     </p:spTree>
     <p:extLst>
       <p:ext uri="{BB962C8B-B14F-4D97-AF65-F5344CB8AC3E}">
-        <p14:creationId xmlns:p14="http://schemas.microsoft.com/office/powerpoint/2010/main" val="370514854"/>
+        <p14:creationId xmlns:p14="http://schemas.microsoft.com/office/powerpoint/2010/main" val="2012421427"/>
       </p:ext>
     </p:extLst>
   </p:cSld>
@@ -1310,7 +2877,7 @@
 </p:sldLayout>
 </file>
 
-<file path=ppt/slideLayouts/slideLayout14.xml><?xml version="1.0" encoding="utf-8"?>
+<file path=ppt/slideLayouts/slideLayout24.xml><?xml version="1.0" encoding="utf-8"?>
 <p:sldLayout xmlns:a="http://schemas.openxmlformats.org/drawingml/2006/main" xmlns:r="http://schemas.openxmlformats.org/officeDocument/2006/relationships" xmlns:p="http://schemas.openxmlformats.org/presentationml/2006/main" type="title">
   <p:cSld name="2_Title Slide">
     <p:spTree>
@@ -1490,10 +3057,23 @@
           <a:lstStyle/>
           <a:p>
             <a:fld id="{8E6E6A2A-E9D3-4A0D-B04A-ABDD367A1E08}" type="datetimeFigureOut">
-              <a:rPr lang="ru-RU" smtClean="0"/>
-              <a:t>01.07.2018</a:t>
+              <a:rPr lang="ru-RU" smtClean="0">
+                <a:solidFill>
+                  <a:srgbClr val="FFFFFF">
+                    <a:tint val="75000"/>
+                  </a:srgbClr>
+                </a:solidFill>
+              </a:rPr>
+              <a:pPr/>
+              <a:t>22.02.2019</a:t>
             </a:fld>
-            <a:endParaRPr lang="ru-RU"/>
+            <a:endParaRPr lang="ru-RU">
+              <a:solidFill>
+                <a:srgbClr val="FFFFFF">
+                  <a:tint val="75000"/>
+                </a:srgbClr>
+              </a:solidFill>
+            </a:endParaRPr>
           </a:p>
         </p:txBody>
       </p:sp>
@@ -1512,7 +3092,13 @@
           <a:bodyPr/>
           <a:lstStyle/>
           <a:p>
-            <a:endParaRPr lang="ru-RU"/>
+            <a:endParaRPr lang="ru-RU">
+              <a:solidFill>
+                <a:srgbClr val="FFFFFF">
+                  <a:tint val="75000"/>
+                </a:srgbClr>
+              </a:solidFill>
+            </a:endParaRPr>
           </a:p>
         </p:txBody>
       </p:sp>
@@ -1532,17 +3118,30 @@
           <a:lstStyle/>
           <a:p>
             <a:fld id="{BC0D3D34-2E8A-4A38-B864-C677BA056495}" type="slidenum">
-              <a:rPr lang="ru-RU" smtClean="0"/>
+              <a:rPr lang="ru-RU" smtClean="0">
+                <a:solidFill>
+                  <a:srgbClr val="FFFFFF">
+                    <a:tint val="75000"/>
+                  </a:srgbClr>
+                </a:solidFill>
+              </a:rPr>
+              <a:pPr/>
               <a:t>‹#›</a:t>
             </a:fld>
-            <a:endParaRPr lang="ru-RU"/>
+            <a:endParaRPr lang="ru-RU">
+              <a:solidFill>
+                <a:srgbClr val="FFFFFF">
+                  <a:tint val="75000"/>
+                </a:srgbClr>
+              </a:solidFill>
+            </a:endParaRPr>
           </a:p>
         </p:txBody>
       </p:sp>
     </p:spTree>
     <p:extLst>
       <p:ext uri="{BB962C8B-B14F-4D97-AF65-F5344CB8AC3E}">
-        <p14:creationId xmlns:p14="http://schemas.microsoft.com/office/powerpoint/2010/main" val="4222294974"/>
+        <p14:creationId xmlns:p14="http://schemas.microsoft.com/office/powerpoint/2010/main" val="3790443034"/>
       </p:ext>
     </p:extLst>
   </p:cSld>
@@ -1552,487 +3151,7 @@
 </p:sldLayout>
 </file>
 
-<file path=ppt/slideLayouts/slideLayout15.xml><?xml version="1.0" encoding="utf-8"?>
-<p:sldLayout xmlns:a="http://schemas.openxmlformats.org/drawingml/2006/main" xmlns:r="http://schemas.openxmlformats.org/officeDocument/2006/relationships" xmlns:p="http://schemas.openxmlformats.org/presentationml/2006/main" preserve="1" userDrawn="1">
-  <p:cSld name="Title Slide">
-    <p:spTree>
-      <p:nvGrpSpPr>
-        <p:cNvPr id="1" name=""/>
-        <p:cNvGrpSpPr/>
-        <p:nvPr/>
-      </p:nvGrpSpPr>
-      <p:grpSpPr>
-        <a:xfrm>
-          <a:off x="0" y="0"/>
-          <a:ext cx="0" cy="0"/>
-          <a:chOff x="0" y="0"/>
-          <a:chExt cx="0" cy="0"/>
-        </a:xfrm>
-      </p:grpSpPr>
-      <p:sp>
-        <p:nvSpPr>
-          <p:cNvPr id="7" name="Rectangle 6"/>
-          <p:cNvSpPr/>
-          <p:nvPr userDrawn="1"/>
-        </p:nvSpPr>
-        <p:spPr>
-          <a:xfrm>
-            <a:off x="143508" y="1304764"/>
-            <a:ext cx="8856984" cy="646331"/>
-          </a:xfrm>
-          <a:prstGeom prst="rect">
-            <a:avLst/>
-          </a:prstGeom>
-        </p:spPr>
-        <p:txBody>
-          <a:bodyPr wrap="square">
-            <a:spAutoFit/>
-          </a:bodyPr>
-          <a:lstStyle/>
-          <a:p>
-            <a:pPr algn="ctr"/>
-            <a:r>
-              <a:rPr lang="ru-RU" sz="3600" b="1" i="1" dirty="0">
-                <a:solidFill>
-                  <a:prstClr val="white"/>
-                </a:solidFill>
-              </a:rPr>
-              <a:t>Основы программирования на </a:t>
-            </a:r>
-            <a:r>
-              <a:rPr lang="en-US" sz="3600" b="1" i="1" dirty="0">
-                <a:solidFill>
-                  <a:prstClr val="white"/>
-                </a:solidFill>
-              </a:rPr>
-              <a:t>C#</a:t>
-            </a:r>
-            <a:endParaRPr lang="ru-RU" sz="3600" b="1" i="1" dirty="0">
-              <a:solidFill>
-                <a:prstClr val="white"/>
-              </a:solidFill>
-            </a:endParaRPr>
-          </a:p>
-        </p:txBody>
-      </p:sp>
-      <p:pic>
-        <p:nvPicPr>
-          <p:cNvPr id="8" name="Picture 5"/>
-          <p:cNvPicPr>
-            <a:picLocks noChangeAspect="1" noChangeArrowheads="1"/>
-          </p:cNvPicPr>
-          <p:nvPr userDrawn="1"/>
-        </p:nvPicPr>
-        <p:blipFill>
-          <a:blip r:embed="rId2">
-            <a:extLst>
-              <a:ext uri="{28A0092B-C50C-407E-A947-70E740481C1C}">
-                <a14:useLocalDpi xmlns:a14="http://schemas.microsoft.com/office/drawing/2010/main" val="0"/>
-              </a:ext>
-            </a:extLst>
-          </a:blip>
-          <a:srcRect/>
-          <a:stretch>
-            <a:fillRect/>
-          </a:stretch>
-        </p:blipFill>
-        <p:spPr bwMode="auto">
-          <a:xfrm>
-            <a:off x="1638300" y="3829211"/>
-            <a:ext cx="5867400" cy="1724025"/>
-          </a:xfrm>
-          <a:prstGeom prst="rect">
-            <a:avLst/>
-          </a:prstGeom>
-          <a:noFill/>
-          <a:ln>
-            <a:noFill/>
-          </a:ln>
-          <a:effectLst/>
-          <a:extLst>
-            <a:ext uri="{909E8E84-426E-40DD-AFC4-6F175D3DCCD1}">
-              <a14:hiddenFill xmlns:a14="http://schemas.microsoft.com/office/drawing/2010/main">
-                <a:solidFill>
-                  <a:schemeClr val="accent1"/>
-                </a:solidFill>
-              </a14:hiddenFill>
-            </a:ext>
-            <a:ext uri="{91240B29-F687-4F45-9708-019B960494DF}">
-              <a14:hiddenLine xmlns:a14="http://schemas.microsoft.com/office/drawing/2010/main" w="9525">
-                <a:solidFill>
-                  <a:schemeClr val="tx1"/>
-                </a:solidFill>
-                <a:miter lim="800000"/>
-                <a:headEnd/>
-                <a:tailEnd/>
-              </a14:hiddenLine>
-            </a:ext>
-            <a:ext uri="{AF507438-7753-43E0-B8FC-AC1667EBCBE1}">
-              <a14:hiddenEffects xmlns:a14="http://schemas.microsoft.com/office/drawing/2010/main">
-                <a:effectLst>
-                  <a:outerShdw dist="35921" dir="2700000" algn="ctr" rotWithShape="0">
-                    <a:schemeClr val="bg2"/>
-                  </a:outerShdw>
-                </a:effectLst>
-              </a14:hiddenEffects>
-            </a:ext>
-          </a:extLst>
-        </p:spPr>
-      </p:pic>
-      <p:sp>
-        <p:nvSpPr>
-          <p:cNvPr id="9" name="TextBox 8"/>
-          <p:cNvSpPr txBox="1"/>
-          <p:nvPr userDrawn="1"/>
-        </p:nvSpPr>
-        <p:spPr>
-          <a:xfrm>
-            <a:off x="2774873" y="2528900"/>
-            <a:ext cx="4240263" cy="461665"/>
-          </a:xfrm>
-          <a:prstGeom prst="rect">
-            <a:avLst/>
-          </a:prstGeom>
-          <a:noFill/>
-        </p:spPr>
-        <p:txBody>
-          <a:bodyPr wrap="none" rtlCol="0">
-            <a:spAutoFit/>
-          </a:bodyPr>
-          <a:lstStyle/>
-          <a:p>
-            <a:r>
-              <a:rPr lang="ru-RU" sz="2400" dirty="0">
-                <a:solidFill>
-                  <a:prstClr val="white"/>
-                </a:solidFill>
-              </a:rPr>
-              <a:t>Занятие №</a:t>
-            </a:r>
-            <a:r>
-              <a:rPr lang="en-US" sz="2400" dirty="0">
-                <a:solidFill>
-                  <a:prstClr val="white"/>
-                </a:solidFill>
-              </a:rPr>
-              <a:t>?</a:t>
-            </a:r>
-            <a:r>
-              <a:rPr lang="ru-RU" sz="2400" dirty="0">
-                <a:solidFill>
-                  <a:prstClr val="white"/>
-                </a:solidFill>
-              </a:rPr>
-              <a:t>. Название занятия</a:t>
-            </a:r>
-            <a:endParaRPr lang="en-US" sz="2400" dirty="0">
-              <a:solidFill>
-                <a:prstClr val="white"/>
-              </a:solidFill>
-            </a:endParaRPr>
-          </a:p>
-        </p:txBody>
-      </p:sp>
-    </p:spTree>
-    <p:extLst>
-      <p:ext uri="{BB962C8B-B14F-4D97-AF65-F5344CB8AC3E}">
-        <p14:creationId xmlns:p14="http://schemas.microsoft.com/office/powerpoint/2010/main" val="2283288550"/>
-      </p:ext>
-    </p:extLst>
-  </p:cSld>
-  <p:clrMapOvr>
-    <a:masterClrMapping/>
-  </p:clrMapOvr>
-</p:sldLayout>
-</file>
-
-<file path=ppt/slideLayouts/slideLayout16.xml><?xml version="1.0" encoding="utf-8"?>
-<p:sldLayout xmlns:a="http://schemas.openxmlformats.org/drawingml/2006/main" xmlns:r="http://schemas.openxmlformats.org/officeDocument/2006/relationships" xmlns:p="http://schemas.openxmlformats.org/presentationml/2006/main" type="obj" preserve="1">
-  <p:cSld name="Title and Content">
-    <p:spTree>
-      <p:nvGrpSpPr>
-        <p:cNvPr id="1" name=""/>
-        <p:cNvGrpSpPr/>
-        <p:nvPr/>
-      </p:nvGrpSpPr>
-      <p:grpSpPr>
-        <a:xfrm>
-          <a:off x="0" y="0"/>
-          <a:ext cx="0" cy="0"/>
-          <a:chOff x="0" y="0"/>
-          <a:chExt cx="0" cy="0"/>
-        </a:xfrm>
-      </p:grpSpPr>
-      <p:sp>
-        <p:nvSpPr>
-          <p:cNvPr id="2" name="Title 1"/>
-          <p:cNvSpPr>
-            <a:spLocks noGrp="1"/>
-          </p:cNvSpPr>
-          <p:nvPr>
-            <p:ph type="title"/>
-          </p:nvPr>
-        </p:nvSpPr>
-        <p:spPr/>
-        <p:txBody>
-          <a:bodyPr/>
-          <a:lstStyle/>
-          <a:p>
-            <a:r>
-              <a:rPr lang="en-US"/>
-              <a:t>Click to edit Master title style</a:t>
-            </a:r>
-            <a:endParaRPr lang="ru-RU" dirty="0"/>
-          </a:p>
-        </p:txBody>
-      </p:sp>
-      <p:sp>
-        <p:nvSpPr>
-          <p:cNvPr id="3" name="Content Placeholder 2"/>
-          <p:cNvSpPr>
-            <a:spLocks noGrp="1"/>
-          </p:cNvSpPr>
-          <p:nvPr>
-            <p:ph idx="1"/>
-          </p:nvPr>
-        </p:nvSpPr>
-        <p:spPr/>
-        <p:txBody>
-          <a:bodyPr/>
-          <a:lstStyle/>
-          <a:p>
-            <a:pPr lvl="0"/>
-            <a:r>
-              <a:rPr lang="en-US"/>
-              <a:t>Click to edit Master text styles</a:t>
-            </a:r>
-          </a:p>
-          <a:p>
-            <a:pPr lvl="1"/>
-            <a:r>
-              <a:rPr lang="en-US"/>
-              <a:t>Second level</a:t>
-            </a:r>
-          </a:p>
-          <a:p>
-            <a:pPr lvl="2"/>
-            <a:r>
-              <a:rPr lang="en-US"/>
-              <a:t>Third level</a:t>
-            </a:r>
-          </a:p>
-          <a:p>
-            <a:pPr lvl="3"/>
-            <a:r>
-              <a:rPr lang="en-US"/>
-              <a:t>Fourth level</a:t>
-            </a:r>
-          </a:p>
-          <a:p>
-            <a:pPr lvl="4"/>
-            <a:r>
-              <a:rPr lang="en-US"/>
-              <a:t>Fifth level</a:t>
-            </a:r>
-            <a:endParaRPr lang="ru-RU" dirty="0"/>
-          </a:p>
-        </p:txBody>
-      </p:sp>
-    </p:spTree>
-    <p:extLst>
-      <p:ext uri="{BB962C8B-B14F-4D97-AF65-F5344CB8AC3E}">
-        <p14:creationId xmlns:p14="http://schemas.microsoft.com/office/powerpoint/2010/main" val="2894946407"/>
-      </p:ext>
-    </p:extLst>
-  </p:cSld>
-  <p:clrMapOvr>
-    <a:masterClrMapping/>
-  </p:clrMapOvr>
-</p:sldLayout>
-</file>
-
-<file path=ppt/slideLayouts/slideLayout17.xml><?xml version="1.0" encoding="utf-8"?>
-<p:sldLayout xmlns:a="http://schemas.openxmlformats.org/drawingml/2006/main" xmlns:r="http://schemas.openxmlformats.org/officeDocument/2006/relationships" xmlns:p="http://schemas.openxmlformats.org/presentationml/2006/main" type="secHead" preserve="1">
-  <p:cSld name="Section Header">
-    <p:spTree>
-      <p:nvGrpSpPr>
-        <p:cNvPr id="1" name=""/>
-        <p:cNvGrpSpPr/>
-        <p:nvPr/>
-      </p:nvGrpSpPr>
-      <p:grpSpPr>
-        <a:xfrm>
-          <a:off x="0" y="0"/>
-          <a:ext cx="0" cy="0"/>
-          <a:chOff x="0" y="0"/>
-          <a:chExt cx="0" cy="0"/>
-        </a:xfrm>
-      </p:grpSpPr>
-      <p:sp>
-        <p:nvSpPr>
-          <p:cNvPr id="2" name="Title 1"/>
-          <p:cNvSpPr>
-            <a:spLocks noGrp="1"/>
-          </p:cNvSpPr>
-          <p:nvPr>
-            <p:ph type="title"/>
-          </p:nvPr>
-        </p:nvSpPr>
-        <p:spPr>
-          <a:xfrm>
-            <a:off x="722313" y="4406900"/>
-            <a:ext cx="7772400" cy="1362075"/>
-          </a:xfrm>
-        </p:spPr>
-        <p:txBody>
-          <a:bodyPr anchor="t"/>
-          <a:lstStyle>
-            <a:lvl1pPr algn="l">
-              <a:defRPr sz="4000" b="1" cap="all"/>
-            </a:lvl1pPr>
-          </a:lstStyle>
-          <a:p>
-            <a:r>
-              <a:rPr lang="en-US"/>
-              <a:t>Click to edit Master title style</a:t>
-            </a:r>
-            <a:endParaRPr lang="ru-RU" dirty="0"/>
-          </a:p>
-        </p:txBody>
-      </p:sp>
-      <p:sp>
-        <p:nvSpPr>
-          <p:cNvPr id="3" name="Text Placeholder 2"/>
-          <p:cNvSpPr>
-            <a:spLocks noGrp="1"/>
-          </p:cNvSpPr>
-          <p:nvPr>
-            <p:ph type="body" idx="1"/>
-          </p:nvPr>
-        </p:nvSpPr>
-        <p:spPr>
-          <a:xfrm>
-            <a:off x="722313" y="2906713"/>
-            <a:ext cx="7772400" cy="1500187"/>
-          </a:xfrm>
-        </p:spPr>
-        <p:txBody>
-          <a:bodyPr anchor="b"/>
-          <a:lstStyle>
-            <a:lvl1pPr marL="0" indent="0">
-              <a:buNone/>
-              <a:defRPr sz="2000">
-                <a:solidFill>
-                  <a:schemeClr val="tx1">
-                    <a:tint val="75000"/>
-                  </a:schemeClr>
-                </a:solidFill>
-              </a:defRPr>
-            </a:lvl1pPr>
-            <a:lvl2pPr marL="457200" indent="0">
-              <a:buNone/>
-              <a:defRPr sz="1800">
-                <a:solidFill>
-                  <a:schemeClr val="tx1">
-                    <a:tint val="75000"/>
-                  </a:schemeClr>
-                </a:solidFill>
-              </a:defRPr>
-            </a:lvl2pPr>
-            <a:lvl3pPr marL="914400" indent="0">
-              <a:buNone/>
-              <a:defRPr sz="1600">
-                <a:solidFill>
-                  <a:schemeClr val="tx1">
-                    <a:tint val="75000"/>
-                  </a:schemeClr>
-                </a:solidFill>
-              </a:defRPr>
-            </a:lvl3pPr>
-            <a:lvl4pPr marL="1371600" indent="0">
-              <a:buNone/>
-              <a:defRPr sz="1400">
-                <a:solidFill>
-                  <a:schemeClr val="tx1">
-                    <a:tint val="75000"/>
-                  </a:schemeClr>
-                </a:solidFill>
-              </a:defRPr>
-            </a:lvl4pPr>
-            <a:lvl5pPr marL="1828800" indent="0">
-              <a:buNone/>
-              <a:defRPr sz="1400">
-                <a:solidFill>
-                  <a:schemeClr val="tx1">
-                    <a:tint val="75000"/>
-                  </a:schemeClr>
-                </a:solidFill>
-              </a:defRPr>
-            </a:lvl5pPr>
-            <a:lvl6pPr marL="2286000" indent="0">
-              <a:buNone/>
-              <a:defRPr sz="1400">
-                <a:solidFill>
-                  <a:schemeClr val="tx1">
-                    <a:tint val="75000"/>
-                  </a:schemeClr>
-                </a:solidFill>
-              </a:defRPr>
-            </a:lvl6pPr>
-            <a:lvl7pPr marL="2743200" indent="0">
-              <a:buNone/>
-              <a:defRPr sz="1400">
-                <a:solidFill>
-                  <a:schemeClr val="tx1">
-                    <a:tint val="75000"/>
-                  </a:schemeClr>
-                </a:solidFill>
-              </a:defRPr>
-            </a:lvl7pPr>
-            <a:lvl8pPr marL="3200400" indent="0">
-              <a:buNone/>
-              <a:defRPr sz="1400">
-                <a:solidFill>
-                  <a:schemeClr val="tx1">
-                    <a:tint val="75000"/>
-                  </a:schemeClr>
-                </a:solidFill>
-              </a:defRPr>
-            </a:lvl8pPr>
-            <a:lvl9pPr marL="3657600" indent="0">
-              <a:buNone/>
-              <a:defRPr sz="1400">
-                <a:solidFill>
-                  <a:schemeClr val="tx1">
-                    <a:tint val="75000"/>
-                  </a:schemeClr>
-                </a:solidFill>
-              </a:defRPr>
-            </a:lvl9pPr>
-          </a:lstStyle>
-          <a:p>
-            <a:pPr lvl="0"/>
-            <a:r>
-              <a:rPr lang="en-US"/>
-              <a:t>Click to edit Master text styles</a:t>
-            </a:r>
-          </a:p>
-        </p:txBody>
-      </p:sp>
-    </p:spTree>
-    <p:extLst>
-      <p:ext uri="{BB962C8B-B14F-4D97-AF65-F5344CB8AC3E}">
-        <p14:creationId xmlns:p14="http://schemas.microsoft.com/office/powerpoint/2010/main" val="3380252611"/>
-      </p:ext>
-    </p:extLst>
-  </p:cSld>
-  <p:clrMapOvr>
-    <a:masterClrMapping/>
-  </p:clrMapOvr>
-</p:sldLayout>
-</file>
-
-<file path=ppt/slideLayouts/slideLayout18.xml><?xml version="1.0" encoding="utf-8"?>
+<file path=ppt/slideLayouts/slideLayout3.xml><?xml version="1.0" encoding="utf-8"?>
 <p:sldLayout xmlns:a="http://schemas.openxmlformats.org/drawingml/2006/main" xmlns:r="http://schemas.openxmlformats.org/officeDocument/2006/relationships" xmlns:p="http://schemas.openxmlformats.org/presentationml/2006/main" type="twoObj" preserve="1">
   <p:cSld name="Two Content">
     <p:spTree>
@@ -2245,7 +3364,7 @@
     </p:spTree>
     <p:extLst>
       <p:ext uri="{BB962C8B-B14F-4D97-AF65-F5344CB8AC3E}">
-        <p14:creationId xmlns:p14="http://schemas.microsoft.com/office/powerpoint/2010/main" val="4080060054"/>
+        <p14:creationId xmlns:p14="http://schemas.microsoft.com/office/powerpoint/2010/main" val="1026234569"/>
       </p:ext>
     </p:extLst>
   </p:cSld>
@@ -2255,7 +3374,7 @@
 </p:sldLayout>
 </file>
 
-<file path=ppt/slideLayouts/slideLayout19.xml><?xml version="1.0" encoding="utf-8"?>
+<file path=ppt/slideLayouts/slideLayout4.xml><?xml version="1.0" encoding="utf-8"?>
 <p:sldLayout xmlns:a="http://schemas.openxmlformats.org/drawingml/2006/main" xmlns:r="http://schemas.openxmlformats.org/officeDocument/2006/relationships" xmlns:p="http://schemas.openxmlformats.org/presentationml/2006/main" type="twoTxTwoObj" preserve="1">
   <p:cSld name="Comparison">
     <p:spTree>
@@ -2602,7 +3721,7 @@
     </p:spTree>
     <p:extLst>
       <p:ext uri="{BB962C8B-B14F-4D97-AF65-F5344CB8AC3E}">
-        <p14:creationId xmlns:p14="http://schemas.microsoft.com/office/powerpoint/2010/main" val="4096204342"/>
+        <p14:creationId xmlns:p14="http://schemas.microsoft.com/office/powerpoint/2010/main" val="4044979405"/>
       </p:ext>
     </p:extLst>
   </p:cSld>
@@ -2612,201 +3731,7 @@
 </p:sldLayout>
 </file>
 
-<file path=ppt/slideLayouts/slideLayout2.xml><?xml version="1.0" encoding="utf-8"?>
-<p:sldLayout xmlns:a="http://schemas.openxmlformats.org/drawingml/2006/main" xmlns:r="http://schemas.openxmlformats.org/officeDocument/2006/relationships" xmlns:p="http://schemas.openxmlformats.org/presentationml/2006/main" preserve="1" userDrawn="1">
-  <p:cSld name="1_Title Slide">
-    <p:spTree>
-      <p:nvGrpSpPr>
-        <p:cNvPr id="1" name=""/>
-        <p:cNvGrpSpPr/>
-        <p:nvPr/>
-      </p:nvGrpSpPr>
-      <p:grpSpPr>
-        <a:xfrm>
-          <a:off x="0" y="0"/>
-          <a:ext cx="0" cy="0"/>
-          <a:chOff x="0" y="0"/>
-          <a:chExt cx="0" cy="0"/>
-        </a:xfrm>
-      </p:grpSpPr>
-      <p:sp>
-        <p:nvSpPr>
-          <p:cNvPr id="9" name="TextBox 8"/>
-          <p:cNvSpPr txBox="1"/>
-          <p:nvPr userDrawn="1"/>
-        </p:nvSpPr>
-        <p:spPr>
-          <a:xfrm>
-            <a:off x="2774873" y="2528900"/>
-            <a:ext cx="4240263" cy="461665"/>
-          </a:xfrm>
-          <a:prstGeom prst="rect">
-            <a:avLst/>
-          </a:prstGeom>
-          <a:noFill/>
-        </p:spPr>
-        <p:txBody>
-          <a:bodyPr wrap="none" rtlCol="0">
-            <a:spAutoFit/>
-          </a:bodyPr>
-          <a:lstStyle/>
-          <a:p>
-            <a:r>
-              <a:rPr lang="ru-RU" sz="2400" dirty="0">
-                <a:solidFill>
-                  <a:schemeClr val="bg1"/>
-                </a:solidFill>
-              </a:rPr>
-              <a:t>Занятие №</a:t>
-            </a:r>
-            <a:r>
-              <a:rPr lang="en-US" sz="2400" dirty="0">
-                <a:solidFill>
-                  <a:schemeClr val="bg1"/>
-                </a:solidFill>
-              </a:rPr>
-              <a:t>2</a:t>
-            </a:r>
-            <a:r>
-              <a:rPr lang="ru-RU" sz="2400" dirty="0">
-                <a:solidFill>
-                  <a:schemeClr val="bg1"/>
-                </a:solidFill>
-              </a:rPr>
-              <a:t>. Название занятия</a:t>
-            </a:r>
-            <a:endParaRPr lang="en-US" sz="2400" dirty="0">
-              <a:solidFill>
-                <a:schemeClr val="bg1"/>
-              </a:solidFill>
-            </a:endParaRPr>
-          </a:p>
-        </p:txBody>
-      </p:sp>
-      <p:sp>
-        <p:nvSpPr>
-          <p:cNvPr id="7" name="Rectangle 6"/>
-          <p:cNvSpPr/>
-          <p:nvPr userDrawn="1"/>
-        </p:nvSpPr>
-        <p:spPr>
-          <a:xfrm>
-            <a:off x="143508" y="1304764"/>
-            <a:ext cx="8856984" cy="646331"/>
-          </a:xfrm>
-          <a:prstGeom prst="rect">
-            <a:avLst/>
-          </a:prstGeom>
-        </p:spPr>
-        <p:txBody>
-          <a:bodyPr wrap="square">
-            <a:spAutoFit/>
-          </a:bodyPr>
-          <a:lstStyle/>
-          <a:p>
-            <a:pPr algn="ctr"/>
-            <a:r>
-              <a:rPr lang="ru-RU" sz="3600" b="1" i="1" dirty="0">
-                <a:solidFill>
-                  <a:schemeClr val="bg1"/>
-                </a:solidFill>
-              </a:rPr>
-              <a:t>Основы программирования на </a:t>
-            </a:r>
-            <a:r>
-              <a:rPr lang="en-US" sz="3600" b="1" i="1" dirty="0">
-                <a:solidFill>
-                  <a:schemeClr val="bg1"/>
-                </a:solidFill>
-              </a:rPr>
-              <a:t>C#</a:t>
-            </a:r>
-            <a:endParaRPr lang="ru-RU" sz="3600" b="1" i="1" dirty="0">
-              <a:solidFill>
-                <a:schemeClr val="bg1"/>
-              </a:solidFill>
-            </a:endParaRPr>
-          </a:p>
-        </p:txBody>
-      </p:sp>
-      <p:pic>
-        <p:nvPicPr>
-          <p:cNvPr id="8" name="Picture 5"/>
-          <p:cNvPicPr>
-            <a:picLocks noChangeAspect="1" noChangeArrowheads="1"/>
-          </p:cNvPicPr>
-          <p:nvPr userDrawn="1"/>
-        </p:nvPicPr>
-        <p:blipFill>
-          <a:blip r:embed="rId2">
-            <a:extLst>
-              <a:ext uri="{28A0092B-C50C-407E-A947-70E740481C1C}">
-                <a14:useLocalDpi xmlns:a14="http://schemas.microsoft.com/office/drawing/2010/main" val="0"/>
-              </a:ext>
-            </a:extLst>
-          </a:blip>
-          <a:srcRect/>
-          <a:stretch>
-            <a:fillRect/>
-          </a:stretch>
-        </p:blipFill>
-        <p:spPr bwMode="auto">
-          <a:xfrm>
-            <a:off x="1638300" y="3829211"/>
-            <a:ext cx="5867400" cy="1724025"/>
-          </a:xfrm>
-          <a:prstGeom prst="rect">
-            <a:avLst/>
-          </a:prstGeom>
-          <a:noFill/>
-          <a:ln>
-            <a:noFill/>
-          </a:ln>
-          <a:effectLst/>
-          <a:extLst>
-            <a:ext uri="{909E8E84-426E-40DD-AFC4-6F175D3DCCD1}">
-              <a14:hiddenFill xmlns:a14="http://schemas.microsoft.com/office/drawing/2010/main">
-                <a:solidFill>
-                  <a:schemeClr val="accent1"/>
-                </a:solidFill>
-              </a14:hiddenFill>
-            </a:ext>
-            <a:ext uri="{91240B29-F687-4F45-9708-019B960494DF}">
-              <a14:hiddenLine xmlns:a14="http://schemas.microsoft.com/office/drawing/2010/main" w="9525">
-                <a:solidFill>
-                  <a:schemeClr val="tx1"/>
-                </a:solidFill>
-                <a:miter lim="800000"/>
-                <a:headEnd/>
-                <a:tailEnd/>
-              </a14:hiddenLine>
-            </a:ext>
-            <a:ext uri="{AF507438-7753-43E0-B8FC-AC1667EBCBE1}">
-              <a14:hiddenEffects xmlns:a14="http://schemas.microsoft.com/office/drawing/2010/main">
-                <a:effectLst>
-                  <a:outerShdw dist="35921" dir="2700000" algn="ctr" rotWithShape="0">
-                    <a:schemeClr val="bg2"/>
-                  </a:outerShdw>
-                </a:effectLst>
-              </a14:hiddenEffects>
-            </a:ext>
-          </a:extLst>
-        </p:spPr>
-      </p:pic>
-    </p:spTree>
-    <p:extLst>
-      <p:ext uri="{BB962C8B-B14F-4D97-AF65-F5344CB8AC3E}">
-        <p14:creationId xmlns:p14="http://schemas.microsoft.com/office/powerpoint/2010/main" val="3296324981"/>
-      </p:ext>
-    </p:extLst>
-  </p:cSld>
-  <p:clrMapOvr>
-    <a:masterClrMapping/>
-  </p:clrMapOvr>
-</p:sldLayout>
-</file>
-
-<file path=ppt/slideLayouts/slideLayout20.xml><?xml version="1.0" encoding="utf-8"?>
+<file path=ppt/slideLayouts/slideLayout5.xml><?xml version="1.0" encoding="utf-8"?>
 <p:sldLayout xmlns:a="http://schemas.openxmlformats.org/drawingml/2006/main" xmlns:r="http://schemas.openxmlformats.org/officeDocument/2006/relationships" xmlns:p="http://schemas.openxmlformats.org/presentationml/2006/main" type="titleOnly" preserve="1">
   <p:cSld name="Title Only">
     <p:spTree>
@@ -2849,7 +3774,7 @@
     </p:spTree>
     <p:extLst>
       <p:ext uri="{BB962C8B-B14F-4D97-AF65-F5344CB8AC3E}">
-        <p14:creationId xmlns:p14="http://schemas.microsoft.com/office/powerpoint/2010/main" val="1966664860"/>
+        <p14:creationId xmlns:p14="http://schemas.microsoft.com/office/powerpoint/2010/main" val="125202666"/>
       </p:ext>
     </p:extLst>
   </p:cSld>
@@ -2859,7 +3784,7 @@
 </p:sldLayout>
 </file>
 
-<file path=ppt/slideLayouts/slideLayout21.xml><?xml version="1.0" encoding="utf-8"?>
+<file path=ppt/slideLayouts/slideLayout6.xml><?xml version="1.0" encoding="utf-8"?>
 <p:sldLayout xmlns:a="http://schemas.openxmlformats.org/drawingml/2006/main" xmlns:r="http://schemas.openxmlformats.org/officeDocument/2006/relationships" xmlns:p="http://schemas.openxmlformats.org/presentationml/2006/main" preserve="1" userDrawn="1">
   <p:cSld name="Demo">
     <p:spTree>
@@ -2900,20 +3825,21 @@
           <a:p>
             <a:pPr algn="ctr"/>
             <a:r>
-              <a:rPr lang="ru-RU" sz="3200" dirty="0">
-                <a:solidFill>
-                  <a:srgbClr val="FFFFFF"/>
-                </a:solidFill>
-              </a:rPr>
-              <a:t>Название. Демонстрация.</a:t>
-            </a:r>
+              <a:rPr lang="ru-RU" sz="3200" dirty="0"/>
+              <a:t>Название.</a:t>
+            </a:r>
+            <a:r>
+              <a:rPr lang="ru-RU" sz="3200" baseline="0" dirty="0"/>
+              <a:t> Демонстрация.</a:t>
+            </a:r>
+            <a:endParaRPr lang="ru-RU" sz="3200" dirty="0"/>
           </a:p>
         </p:txBody>
       </p:sp>
     </p:spTree>
     <p:extLst>
       <p:ext uri="{BB962C8B-B14F-4D97-AF65-F5344CB8AC3E}">
-        <p14:creationId xmlns:p14="http://schemas.microsoft.com/office/powerpoint/2010/main" val="54194552"/>
+        <p14:creationId xmlns:p14="http://schemas.microsoft.com/office/powerpoint/2010/main" val="3308008441"/>
       </p:ext>
     </p:extLst>
   </p:cSld>
@@ -2923,7 +3849,7 @@
 </p:sldLayout>
 </file>
 
-<file path=ppt/slideLayouts/slideLayout22.xml><?xml version="1.0" encoding="utf-8"?>
+<file path=ppt/slideLayouts/slideLayout7.xml><?xml version="1.0" encoding="utf-8"?>
 <p:sldLayout xmlns:a="http://schemas.openxmlformats.org/drawingml/2006/main" xmlns:r="http://schemas.openxmlformats.org/officeDocument/2006/relationships" xmlns:p="http://schemas.openxmlformats.org/presentationml/2006/main" type="blank" preserve="1">
   <p:cSld name="1_Blank">
     <p:spTree>
@@ -2943,7 +3869,7 @@
     </p:spTree>
     <p:extLst>
       <p:ext uri="{BB962C8B-B14F-4D97-AF65-F5344CB8AC3E}">
-        <p14:creationId xmlns:p14="http://schemas.microsoft.com/office/powerpoint/2010/main" val="3772800379"/>
+        <p14:creationId xmlns:p14="http://schemas.microsoft.com/office/powerpoint/2010/main" val="2618453949"/>
       </p:ext>
     </p:extLst>
   </p:cSld>
@@ -2953,7 +3879,7 @@
 </p:sldLayout>
 </file>
 
-<file path=ppt/slideLayouts/slideLayout23.xml><?xml version="1.0" encoding="utf-8"?>
+<file path=ppt/slideLayouts/slideLayout8.xml><?xml version="1.0" encoding="utf-8"?>
 <p:sldLayout xmlns:a="http://schemas.openxmlformats.org/drawingml/2006/main" xmlns:r="http://schemas.openxmlformats.org/officeDocument/2006/relationships" xmlns:p="http://schemas.openxmlformats.org/presentationml/2006/main" type="objTx" preserve="1">
   <p:cSld name="Content with Caption">
     <p:spTree>
@@ -3155,7 +4081,7 @@
     </p:spTree>
     <p:extLst>
       <p:ext uri="{BB962C8B-B14F-4D97-AF65-F5344CB8AC3E}">
-        <p14:creationId xmlns:p14="http://schemas.microsoft.com/office/powerpoint/2010/main" val="3011748040"/>
+        <p14:creationId xmlns:p14="http://schemas.microsoft.com/office/powerpoint/2010/main" val="4043488563"/>
       </p:ext>
     </p:extLst>
   </p:cSld>
@@ -3165,7 +4091,7 @@
 </p:sldLayout>
 </file>
 
-<file path=ppt/slideLayouts/slideLayout24.xml><?xml version="1.0" encoding="utf-8"?>
+<file path=ppt/slideLayouts/slideLayout9.xml><?xml version="1.0" encoding="utf-8"?>
 <p:sldLayout xmlns:a="http://schemas.openxmlformats.org/drawingml/2006/main" xmlns:r="http://schemas.openxmlformats.org/officeDocument/2006/relationships" xmlns:p="http://schemas.openxmlformats.org/presentationml/2006/main" type="picTx" preserve="1">
   <p:cSld name="Picture with Caption">
     <p:spTree>
@@ -3347,1515 +4273,7 @@
     </p:spTree>
     <p:extLst>
       <p:ext uri="{BB962C8B-B14F-4D97-AF65-F5344CB8AC3E}">
-        <p14:creationId xmlns:p14="http://schemas.microsoft.com/office/powerpoint/2010/main" val="3308479087"/>
-      </p:ext>
-    </p:extLst>
-  </p:cSld>
-  <p:clrMapOvr>
-    <a:masterClrMapping/>
-  </p:clrMapOvr>
-</p:sldLayout>
-</file>
-
-<file path=ppt/slideLayouts/slideLayout25.xml><?xml version="1.0" encoding="utf-8"?>
-<p:sldLayout xmlns:a="http://schemas.openxmlformats.org/drawingml/2006/main" xmlns:r="http://schemas.openxmlformats.org/officeDocument/2006/relationships" xmlns:p="http://schemas.openxmlformats.org/presentationml/2006/main" type="vertTx" preserve="1">
-  <p:cSld name="Title and Vertical Text">
-    <p:spTree>
-      <p:nvGrpSpPr>
-        <p:cNvPr id="1" name=""/>
-        <p:cNvGrpSpPr/>
-        <p:nvPr/>
-      </p:nvGrpSpPr>
-      <p:grpSpPr>
-        <a:xfrm>
-          <a:off x="0" y="0"/>
-          <a:ext cx="0" cy="0"/>
-          <a:chOff x="0" y="0"/>
-          <a:chExt cx="0" cy="0"/>
-        </a:xfrm>
-      </p:grpSpPr>
-      <p:sp>
-        <p:nvSpPr>
-          <p:cNvPr id="2" name="Title 1"/>
-          <p:cNvSpPr>
-            <a:spLocks noGrp="1"/>
-          </p:cNvSpPr>
-          <p:nvPr>
-            <p:ph type="title"/>
-          </p:nvPr>
-        </p:nvSpPr>
-        <p:spPr/>
-        <p:txBody>
-          <a:bodyPr/>
-          <a:lstStyle/>
-          <a:p>
-            <a:r>
-              <a:rPr lang="en-US"/>
-              <a:t>Click to edit Master title style</a:t>
-            </a:r>
-            <a:endParaRPr lang="ru-RU" dirty="0"/>
-          </a:p>
-        </p:txBody>
-      </p:sp>
-      <p:sp>
-        <p:nvSpPr>
-          <p:cNvPr id="3" name="Vertical Text Placeholder 2"/>
-          <p:cNvSpPr>
-            <a:spLocks noGrp="1"/>
-          </p:cNvSpPr>
-          <p:nvPr>
-            <p:ph type="body" orient="vert" idx="1"/>
-          </p:nvPr>
-        </p:nvSpPr>
-        <p:spPr/>
-        <p:txBody>
-          <a:bodyPr vert="eaVert"/>
-          <a:lstStyle/>
-          <a:p>
-            <a:pPr lvl="0"/>
-            <a:r>
-              <a:rPr lang="en-US"/>
-              <a:t>Click to edit Master text styles</a:t>
-            </a:r>
-          </a:p>
-          <a:p>
-            <a:pPr lvl="1"/>
-            <a:r>
-              <a:rPr lang="en-US"/>
-              <a:t>Second level</a:t>
-            </a:r>
-          </a:p>
-          <a:p>
-            <a:pPr lvl="2"/>
-            <a:r>
-              <a:rPr lang="en-US"/>
-              <a:t>Third level</a:t>
-            </a:r>
-          </a:p>
-          <a:p>
-            <a:pPr lvl="3"/>
-            <a:r>
-              <a:rPr lang="en-US"/>
-              <a:t>Fourth level</a:t>
-            </a:r>
-          </a:p>
-          <a:p>
-            <a:pPr lvl="4"/>
-            <a:r>
-              <a:rPr lang="en-US"/>
-              <a:t>Fifth level</a:t>
-            </a:r>
-            <a:endParaRPr lang="ru-RU" dirty="0"/>
-          </a:p>
-        </p:txBody>
-      </p:sp>
-    </p:spTree>
-    <p:extLst>
-      <p:ext uri="{BB962C8B-B14F-4D97-AF65-F5344CB8AC3E}">
-        <p14:creationId xmlns:p14="http://schemas.microsoft.com/office/powerpoint/2010/main" val="1217899872"/>
-      </p:ext>
-    </p:extLst>
-  </p:cSld>
-  <p:clrMapOvr>
-    <a:masterClrMapping/>
-  </p:clrMapOvr>
-</p:sldLayout>
-</file>
-
-<file path=ppt/slideLayouts/slideLayout26.xml><?xml version="1.0" encoding="utf-8"?>
-<p:sldLayout xmlns:a="http://schemas.openxmlformats.org/drawingml/2006/main" xmlns:r="http://schemas.openxmlformats.org/officeDocument/2006/relationships" xmlns:p="http://schemas.openxmlformats.org/presentationml/2006/main" type="vertTitleAndTx" preserve="1">
-  <p:cSld name="Vertical Title and Text">
-    <p:spTree>
-      <p:nvGrpSpPr>
-        <p:cNvPr id="1" name=""/>
-        <p:cNvGrpSpPr/>
-        <p:nvPr/>
-      </p:nvGrpSpPr>
-      <p:grpSpPr>
-        <a:xfrm>
-          <a:off x="0" y="0"/>
-          <a:ext cx="0" cy="0"/>
-          <a:chOff x="0" y="0"/>
-          <a:chExt cx="0" cy="0"/>
-        </a:xfrm>
-      </p:grpSpPr>
-      <p:sp>
-        <p:nvSpPr>
-          <p:cNvPr id="2" name="Vertical Title 1"/>
-          <p:cNvSpPr>
-            <a:spLocks noGrp="1"/>
-          </p:cNvSpPr>
-          <p:nvPr>
-            <p:ph type="title" orient="vert"/>
-          </p:nvPr>
-        </p:nvSpPr>
-        <p:spPr>
-          <a:xfrm>
-            <a:off x="6629400" y="274638"/>
-            <a:ext cx="2057400" cy="5851525"/>
-          </a:xfrm>
-        </p:spPr>
-        <p:txBody>
-          <a:bodyPr vert="eaVert"/>
-          <a:lstStyle/>
-          <a:p>
-            <a:r>
-              <a:rPr lang="en-US"/>
-              <a:t>Click to edit Master title style</a:t>
-            </a:r>
-            <a:endParaRPr lang="ru-RU" dirty="0"/>
-          </a:p>
-        </p:txBody>
-      </p:sp>
-      <p:sp>
-        <p:nvSpPr>
-          <p:cNvPr id="3" name="Vertical Text Placeholder 2"/>
-          <p:cNvSpPr>
-            <a:spLocks noGrp="1"/>
-          </p:cNvSpPr>
-          <p:nvPr>
-            <p:ph type="body" orient="vert" idx="1"/>
-          </p:nvPr>
-        </p:nvSpPr>
-        <p:spPr>
-          <a:xfrm>
-            <a:off x="457200" y="274638"/>
-            <a:ext cx="6019800" cy="5851525"/>
-          </a:xfrm>
-        </p:spPr>
-        <p:txBody>
-          <a:bodyPr vert="eaVert"/>
-          <a:lstStyle/>
-          <a:p>
-            <a:pPr lvl="0"/>
-            <a:r>
-              <a:rPr lang="en-US"/>
-              <a:t>Click to edit Master text styles</a:t>
-            </a:r>
-          </a:p>
-          <a:p>
-            <a:pPr lvl="1"/>
-            <a:r>
-              <a:rPr lang="en-US"/>
-              <a:t>Second level</a:t>
-            </a:r>
-          </a:p>
-          <a:p>
-            <a:pPr lvl="2"/>
-            <a:r>
-              <a:rPr lang="en-US"/>
-              <a:t>Third level</a:t>
-            </a:r>
-          </a:p>
-          <a:p>
-            <a:pPr lvl="3"/>
-            <a:r>
-              <a:rPr lang="en-US"/>
-              <a:t>Fourth level</a:t>
-            </a:r>
-          </a:p>
-          <a:p>
-            <a:pPr lvl="4"/>
-            <a:r>
-              <a:rPr lang="en-US"/>
-              <a:t>Fifth level</a:t>
-            </a:r>
-            <a:endParaRPr lang="ru-RU" dirty="0"/>
-          </a:p>
-        </p:txBody>
-      </p:sp>
-    </p:spTree>
-    <p:extLst>
-      <p:ext uri="{BB962C8B-B14F-4D97-AF65-F5344CB8AC3E}">
-        <p14:creationId xmlns:p14="http://schemas.microsoft.com/office/powerpoint/2010/main" val="2012421427"/>
-      </p:ext>
-    </p:extLst>
-  </p:cSld>
-  <p:clrMapOvr>
-    <a:masterClrMapping/>
-  </p:clrMapOvr>
-</p:sldLayout>
-</file>
-
-<file path=ppt/slideLayouts/slideLayout27.xml><?xml version="1.0" encoding="utf-8"?>
-<p:sldLayout xmlns:a="http://schemas.openxmlformats.org/drawingml/2006/main" xmlns:r="http://schemas.openxmlformats.org/officeDocument/2006/relationships" xmlns:p="http://schemas.openxmlformats.org/presentationml/2006/main" type="title">
-  <p:cSld name="2_Title Slide">
-    <p:spTree>
-      <p:nvGrpSpPr>
-        <p:cNvPr id="1" name=""/>
-        <p:cNvGrpSpPr/>
-        <p:nvPr/>
-      </p:nvGrpSpPr>
-      <p:grpSpPr>
-        <a:xfrm>
-          <a:off x="0" y="0"/>
-          <a:ext cx="0" cy="0"/>
-          <a:chOff x="0" y="0"/>
-          <a:chExt cx="0" cy="0"/>
-        </a:xfrm>
-      </p:grpSpPr>
-      <p:sp>
-        <p:nvSpPr>
-          <p:cNvPr id="2" name="Title 1"/>
-          <p:cNvSpPr>
-            <a:spLocks noGrp="1"/>
-          </p:cNvSpPr>
-          <p:nvPr>
-            <p:ph type="ctrTitle"/>
-          </p:nvPr>
-        </p:nvSpPr>
-        <p:spPr>
-          <a:xfrm>
-            <a:off x="685800" y="2130425"/>
-            <a:ext cx="7772400" cy="1470025"/>
-          </a:xfrm>
-        </p:spPr>
-        <p:txBody>
-          <a:bodyPr/>
-          <a:lstStyle/>
-          <a:p>
-            <a:r>
-              <a:rPr lang="en-US"/>
-              <a:t>Click to edit Master title style</a:t>
-            </a:r>
-            <a:endParaRPr lang="ru-RU"/>
-          </a:p>
-        </p:txBody>
-      </p:sp>
-      <p:sp>
-        <p:nvSpPr>
-          <p:cNvPr id="3" name="Subtitle 2"/>
-          <p:cNvSpPr>
-            <a:spLocks noGrp="1"/>
-          </p:cNvSpPr>
-          <p:nvPr>
-            <p:ph type="subTitle" idx="1"/>
-          </p:nvPr>
-        </p:nvSpPr>
-        <p:spPr>
-          <a:xfrm>
-            <a:off x="1371600" y="3886200"/>
-            <a:ext cx="6400800" cy="1752600"/>
-          </a:xfrm>
-        </p:spPr>
-        <p:txBody>
-          <a:bodyPr/>
-          <a:lstStyle>
-            <a:lvl1pPr marL="0" indent="0" algn="ctr">
-              <a:buNone/>
-              <a:defRPr>
-                <a:solidFill>
-                  <a:schemeClr val="tx1">
-                    <a:tint val="75000"/>
-                  </a:schemeClr>
-                </a:solidFill>
-              </a:defRPr>
-            </a:lvl1pPr>
-            <a:lvl2pPr marL="457200" indent="0" algn="ctr">
-              <a:buNone/>
-              <a:defRPr>
-                <a:solidFill>
-                  <a:schemeClr val="tx1">
-                    <a:tint val="75000"/>
-                  </a:schemeClr>
-                </a:solidFill>
-              </a:defRPr>
-            </a:lvl2pPr>
-            <a:lvl3pPr marL="914400" indent="0" algn="ctr">
-              <a:buNone/>
-              <a:defRPr>
-                <a:solidFill>
-                  <a:schemeClr val="tx1">
-                    <a:tint val="75000"/>
-                  </a:schemeClr>
-                </a:solidFill>
-              </a:defRPr>
-            </a:lvl3pPr>
-            <a:lvl4pPr marL="1371600" indent="0" algn="ctr">
-              <a:buNone/>
-              <a:defRPr>
-                <a:solidFill>
-                  <a:schemeClr val="tx1">
-                    <a:tint val="75000"/>
-                  </a:schemeClr>
-                </a:solidFill>
-              </a:defRPr>
-            </a:lvl4pPr>
-            <a:lvl5pPr marL="1828800" indent="0" algn="ctr">
-              <a:buNone/>
-              <a:defRPr>
-                <a:solidFill>
-                  <a:schemeClr val="tx1">
-                    <a:tint val="75000"/>
-                  </a:schemeClr>
-                </a:solidFill>
-              </a:defRPr>
-            </a:lvl5pPr>
-            <a:lvl6pPr marL="2286000" indent="0" algn="ctr">
-              <a:buNone/>
-              <a:defRPr>
-                <a:solidFill>
-                  <a:schemeClr val="tx1">
-                    <a:tint val="75000"/>
-                  </a:schemeClr>
-                </a:solidFill>
-              </a:defRPr>
-            </a:lvl6pPr>
-            <a:lvl7pPr marL="2743200" indent="0" algn="ctr">
-              <a:buNone/>
-              <a:defRPr>
-                <a:solidFill>
-                  <a:schemeClr val="tx1">
-                    <a:tint val="75000"/>
-                  </a:schemeClr>
-                </a:solidFill>
-              </a:defRPr>
-            </a:lvl7pPr>
-            <a:lvl8pPr marL="3200400" indent="0" algn="ctr">
-              <a:buNone/>
-              <a:defRPr>
-                <a:solidFill>
-                  <a:schemeClr val="tx1">
-                    <a:tint val="75000"/>
-                  </a:schemeClr>
-                </a:solidFill>
-              </a:defRPr>
-            </a:lvl8pPr>
-            <a:lvl9pPr marL="3657600" indent="0" algn="ctr">
-              <a:buNone/>
-              <a:defRPr>
-                <a:solidFill>
-                  <a:schemeClr val="tx1">
-                    <a:tint val="75000"/>
-                  </a:schemeClr>
-                </a:solidFill>
-              </a:defRPr>
-            </a:lvl9pPr>
-          </a:lstStyle>
-          <a:p>
-            <a:r>
-              <a:rPr lang="en-US"/>
-              <a:t>Click to edit Master subtitle style</a:t>
-            </a:r>
-            <a:endParaRPr lang="ru-RU"/>
-          </a:p>
-        </p:txBody>
-      </p:sp>
-      <p:sp>
-        <p:nvSpPr>
-          <p:cNvPr id="4" name="Date Placeholder 3"/>
-          <p:cNvSpPr>
-            <a:spLocks noGrp="1"/>
-          </p:cNvSpPr>
-          <p:nvPr>
-            <p:ph type="dt" sz="half" idx="10"/>
-          </p:nvPr>
-        </p:nvSpPr>
-        <p:spPr/>
-        <p:txBody>
-          <a:bodyPr/>
-          <a:lstStyle/>
-          <a:p>
-            <a:fld id="{8E6E6A2A-E9D3-4A0D-B04A-ABDD367A1E08}" type="datetimeFigureOut">
-              <a:rPr lang="ru-RU" smtClean="0">
-                <a:solidFill>
-                  <a:srgbClr val="FFFFFF">
-                    <a:tint val="75000"/>
-                  </a:srgbClr>
-                </a:solidFill>
-              </a:rPr>
-              <a:pPr/>
-              <a:t>01.07.2018</a:t>
-            </a:fld>
-            <a:endParaRPr lang="ru-RU">
-              <a:solidFill>
-                <a:srgbClr val="FFFFFF">
-                  <a:tint val="75000"/>
-                </a:srgbClr>
-              </a:solidFill>
-            </a:endParaRPr>
-          </a:p>
-        </p:txBody>
-      </p:sp>
-      <p:sp>
-        <p:nvSpPr>
-          <p:cNvPr id="5" name="Footer Placeholder 4"/>
-          <p:cNvSpPr>
-            <a:spLocks noGrp="1"/>
-          </p:cNvSpPr>
-          <p:nvPr>
-            <p:ph type="ftr" sz="quarter" idx="11"/>
-          </p:nvPr>
-        </p:nvSpPr>
-        <p:spPr/>
-        <p:txBody>
-          <a:bodyPr/>
-          <a:lstStyle/>
-          <a:p>
-            <a:endParaRPr lang="ru-RU">
-              <a:solidFill>
-                <a:srgbClr val="FFFFFF">
-                  <a:tint val="75000"/>
-                </a:srgbClr>
-              </a:solidFill>
-            </a:endParaRPr>
-          </a:p>
-        </p:txBody>
-      </p:sp>
-      <p:sp>
-        <p:nvSpPr>
-          <p:cNvPr id="6" name="Slide Number Placeholder 5"/>
-          <p:cNvSpPr>
-            <a:spLocks noGrp="1"/>
-          </p:cNvSpPr>
-          <p:nvPr>
-            <p:ph type="sldNum" sz="quarter" idx="12"/>
-          </p:nvPr>
-        </p:nvSpPr>
-        <p:spPr/>
-        <p:txBody>
-          <a:bodyPr/>
-          <a:lstStyle/>
-          <a:p>
-            <a:fld id="{BC0D3D34-2E8A-4A38-B864-C677BA056495}" type="slidenum">
-              <a:rPr lang="ru-RU" smtClean="0">
-                <a:solidFill>
-                  <a:srgbClr val="FFFFFF">
-                    <a:tint val="75000"/>
-                  </a:srgbClr>
-                </a:solidFill>
-              </a:rPr>
-              <a:pPr/>
-              <a:t>‹#›</a:t>
-            </a:fld>
-            <a:endParaRPr lang="ru-RU">
-              <a:solidFill>
-                <a:srgbClr val="FFFFFF">
-                  <a:tint val="75000"/>
-                </a:srgbClr>
-              </a:solidFill>
-            </a:endParaRPr>
-          </a:p>
-        </p:txBody>
-      </p:sp>
-    </p:spTree>
-    <p:extLst>
-      <p:ext uri="{BB962C8B-B14F-4D97-AF65-F5344CB8AC3E}">
-        <p14:creationId xmlns:p14="http://schemas.microsoft.com/office/powerpoint/2010/main" val="3790443034"/>
-      </p:ext>
-    </p:extLst>
-  </p:cSld>
-  <p:clrMapOvr>
-    <a:masterClrMapping/>
-  </p:clrMapOvr>
-</p:sldLayout>
-</file>
-
-<file path=ppt/slideLayouts/slideLayout3.xml><?xml version="1.0" encoding="utf-8"?>
-<p:sldLayout xmlns:a="http://schemas.openxmlformats.org/drawingml/2006/main" xmlns:r="http://schemas.openxmlformats.org/officeDocument/2006/relationships" xmlns:p="http://schemas.openxmlformats.org/presentationml/2006/main" type="obj" preserve="1">
-  <p:cSld name="Title and Content">
-    <p:spTree>
-      <p:nvGrpSpPr>
-        <p:cNvPr id="1" name=""/>
-        <p:cNvGrpSpPr/>
-        <p:nvPr/>
-      </p:nvGrpSpPr>
-      <p:grpSpPr>
-        <a:xfrm>
-          <a:off x="0" y="0"/>
-          <a:ext cx="0" cy="0"/>
-          <a:chOff x="0" y="0"/>
-          <a:chExt cx="0" cy="0"/>
-        </a:xfrm>
-      </p:grpSpPr>
-      <p:sp>
-        <p:nvSpPr>
-          <p:cNvPr id="2" name="Title 1"/>
-          <p:cNvSpPr>
-            <a:spLocks noGrp="1"/>
-          </p:cNvSpPr>
-          <p:nvPr>
-            <p:ph type="title"/>
-          </p:nvPr>
-        </p:nvSpPr>
-        <p:spPr/>
-        <p:txBody>
-          <a:bodyPr/>
-          <a:lstStyle/>
-          <a:p>
-            <a:r>
-              <a:rPr lang="en-US"/>
-              <a:t>Click to edit Master title style</a:t>
-            </a:r>
-            <a:endParaRPr lang="ru-RU" dirty="0"/>
-          </a:p>
-        </p:txBody>
-      </p:sp>
-      <p:sp>
-        <p:nvSpPr>
-          <p:cNvPr id="3" name="Content Placeholder 2"/>
-          <p:cNvSpPr>
-            <a:spLocks noGrp="1"/>
-          </p:cNvSpPr>
-          <p:nvPr>
-            <p:ph idx="1"/>
-          </p:nvPr>
-        </p:nvSpPr>
-        <p:spPr/>
-        <p:txBody>
-          <a:bodyPr/>
-          <a:lstStyle/>
-          <a:p>
-            <a:pPr lvl="0"/>
-            <a:r>
-              <a:rPr lang="en-US"/>
-              <a:t>Click to edit Master text styles</a:t>
-            </a:r>
-          </a:p>
-          <a:p>
-            <a:pPr lvl="1"/>
-            <a:r>
-              <a:rPr lang="en-US"/>
-              <a:t>Second level</a:t>
-            </a:r>
-          </a:p>
-          <a:p>
-            <a:pPr lvl="2"/>
-            <a:r>
-              <a:rPr lang="en-US"/>
-              <a:t>Third level</a:t>
-            </a:r>
-          </a:p>
-          <a:p>
-            <a:pPr lvl="3"/>
-            <a:r>
-              <a:rPr lang="en-US"/>
-              <a:t>Fourth level</a:t>
-            </a:r>
-          </a:p>
-          <a:p>
-            <a:pPr lvl="4"/>
-            <a:r>
-              <a:rPr lang="en-US"/>
-              <a:t>Fifth level</a:t>
-            </a:r>
-            <a:endParaRPr lang="ru-RU" dirty="0"/>
-          </a:p>
-        </p:txBody>
-      </p:sp>
-    </p:spTree>
-    <p:extLst>
-      <p:ext uri="{BB962C8B-B14F-4D97-AF65-F5344CB8AC3E}">
-        <p14:creationId xmlns:p14="http://schemas.microsoft.com/office/powerpoint/2010/main" val="3363467697"/>
-      </p:ext>
-    </p:extLst>
-  </p:cSld>
-  <p:clrMapOvr>
-    <a:masterClrMapping/>
-  </p:clrMapOvr>
-</p:sldLayout>
-</file>
-
-<file path=ppt/slideLayouts/slideLayout4.xml><?xml version="1.0" encoding="utf-8"?>
-<p:sldLayout xmlns:a="http://schemas.openxmlformats.org/drawingml/2006/main" xmlns:r="http://schemas.openxmlformats.org/officeDocument/2006/relationships" xmlns:p="http://schemas.openxmlformats.org/presentationml/2006/main" type="secHead" preserve="1">
-  <p:cSld name="Section Header">
-    <p:spTree>
-      <p:nvGrpSpPr>
-        <p:cNvPr id="1" name=""/>
-        <p:cNvGrpSpPr/>
-        <p:nvPr/>
-      </p:nvGrpSpPr>
-      <p:grpSpPr>
-        <a:xfrm>
-          <a:off x="0" y="0"/>
-          <a:ext cx="0" cy="0"/>
-          <a:chOff x="0" y="0"/>
-          <a:chExt cx="0" cy="0"/>
-        </a:xfrm>
-      </p:grpSpPr>
-      <p:sp>
-        <p:nvSpPr>
-          <p:cNvPr id="2" name="Title 1"/>
-          <p:cNvSpPr>
-            <a:spLocks noGrp="1"/>
-          </p:cNvSpPr>
-          <p:nvPr>
-            <p:ph type="title"/>
-          </p:nvPr>
-        </p:nvSpPr>
-        <p:spPr>
-          <a:xfrm>
-            <a:off x="722313" y="4406900"/>
-            <a:ext cx="7772400" cy="1362075"/>
-          </a:xfrm>
-        </p:spPr>
-        <p:txBody>
-          <a:bodyPr anchor="t"/>
-          <a:lstStyle>
-            <a:lvl1pPr algn="l">
-              <a:defRPr sz="4000" b="1" cap="all"/>
-            </a:lvl1pPr>
-          </a:lstStyle>
-          <a:p>
-            <a:r>
-              <a:rPr lang="en-US"/>
-              <a:t>Click to edit Master title style</a:t>
-            </a:r>
-            <a:endParaRPr lang="ru-RU" dirty="0"/>
-          </a:p>
-        </p:txBody>
-      </p:sp>
-      <p:sp>
-        <p:nvSpPr>
-          <p:cNvPr id="3" name="Text Placeholder 2"/>
-          <p:cNvSpPr>
-            <a:spLocks noGrp="1"/>
-          </p:cNvSpPr>
-          <p:nvPr>
-            <p:ph type="body" idx="1"/>
-          </p:nvPr>
-        </p:nvSpPr>
-        <p:spPr>
-          <a:xfrm>
-            <a:off x="722313" y="2906713"/>
-            <a:ext cx="7772400" cy="1500187"/>
-          </a:xfrm>
-        </p:spPr>
-        <p:txBody>
-          <a:bodyPr anchor="b"/>
-          <a:lstStyle>
-            <a:lvl1pPr marL="0" indent="0">
-              <a:buNone/>
-              <a:defRPr sz="2000">
-                <a:solidFill>
-                  <a:schemeClr val="tx1">
-                    <a:tint val="75000"/>
-                  </a:schemeClr>
-                </a:solidFill>
-              </a:defRPr>
-            </a:lvl1pPr>
-            <a:lvl2pPr marL="457200" indent="0">
-              <a:buNone/>
-              <a:defRPr sz="1800">
-                <a:solidFill>
-                  <a:schemeClr val="tx1">
-                    <a:tint val="75000"/>
-                  </a:schemeClr>
-                </a:solidFill>
-              </a:defRPr>
-            </a:lvl2pPr>
-            <a:lvl3pPr marL="914400" indent="0">
-              <a:buNone/>
-              <a:defRPr sz="1600">
-                <a:solidFill>
-                  <a:schemeClr val="tx1">
-                    <a:tint val="75000"/>
-                  </a:schemeClr>
-                </a:solidFill>
-              </a:defRPr>
-            </a:lvl3pPr>
-            <a:lvl4pPr marL="1371600" indent="0">
-              <a:buNone/>
-              <a:defRPr sz="1400">
-                <a:solidFill>
-                  <a:schemeClr val="tx1">
-                    <a:tint val="75000"/>
-                  </a:schemeClr>
-                </a:solidFill>
-              </a:defRPr>
-            </a:lvl4pPr>
-            <a:lvl5pPr marL="1828800" indent="0">
-              <a:buNone/>
-              <a:defRPr sz="1400">
-                <a:solidFill>
-                  <a:schemeClr val="tx1">
-                    <a:tint val="75000"/>
-                  </a:schemeClr>
-                </a:solidFill>
-              </a:defRPr>
-            </a:lvl5pPr>
-            <a:lvl6pPr marL="2286000" indent="0">
-              <a:buNone/>
-              <a:defRPr sz="1400">
-                <a:solidFill>
-                  <a:schemeClr val="tx1">
-                    <a:tint val="75000"/>
-                  </a:schemeClr>
-                </a:solidFill>
-              </a:defRPr>
-            </a:lvl6pPr>
-            <a:lvl7pPr marL="2743200" indent="0">
-              <a:buNone/>
-              <a:defRPr sz="1400">
-                <a:solidFill>
-                  <a:schemeClr val="tx1">
-                    <a:tint val="75000"/>
-                  </a:schemeClr>
-                </a:solidFill>
-              </a:defRPr>
-            </a:lvl7pPr>
-            <a:lvl8pPr marL="3200400" indent="0">
-              <a:buNone/>
-              <a:defRPr sz="1400">
-                <a:solidFill>
-                  <a:schemeClr val="tx1">
-                    <a:tint val="75000"/>
-                  </a:schemeClr>
-                </a:solidFill>
-              </a:defRPr>
-            </a:lvl8pPr>
-            <a:lvl9pPr marL="3657600" indent="0">
-              <a:buNone/>
-              <a:defRPr sz="1400">
-                <a:solidFill>
-                  <a:schemeClr val="tx1">
-                    <a:tint val="75000"/>
-                  </a:schemeClr>
-                </a:solidFill>
-              </a:defRPr>
-            </a:lvl9pPr>
-          </a:lstStyle>
-          <a:p>
-            <a:pPr lvl="0"/>
-            <a:r>
-              <a:rPr lang="en-US"/>
-              <a:t>Click to edit Master text styles</a:t>
-            </a:r>
-          </a:p>
-        </p:txBody>
-      </p:sp>
-    </p:spTree>
-    <p:extLst>
-      <p:ext uri="{BB962C8B-B14F-4D97-AF65-F5344CB8AC3E}">
-        <p14:creationId xmlns:p14="http://schemas.microsoft.com/office/powerpoint/2010/main" val="1627150216"/>
-      </p:ext>
-    </p:extLst>
-  </p:cSld>
-  <p:clrMapOvr>
-    <a:masterClrMapping/>
-  </p:clrMapOvr>
-</p:sldLayout>
-</file>
-
-<file path=ppt/slideLayouts/slideLayout5.xml><?xml version="1.0" encoding="utf-8"?>
-<p:sldLayout xmlns:a="http://schemas.openxmlformats.org/drawingml/2006/main" xmlns:r="http://schemas.openxmlformats.org/officeDocument/2006/relationships" xmlns:p="http://schemas.openxmlformats.org/presentationml/2006/main" type="twoObj" preserve="1">
-  <p:cSld name="Two Content">
-    <p:spTree>
-      <p:nvGrpSpPr>
-        <p:cNvPr id="1" name=""/>
-        <p:cNvGrpSpPr/>
-        <p:nvPr/>
-      </p:nvGrpSpPr>
-      <p:grpSpPr>
-        <a:xfrm>
-          <a:off x="0" y="0"/>
-          <a:ext cx="0" cy="0"/>
-          <a:chOff x="0" y="0"/>
-          <a:chExt cx="0" cy="0"/>
-        </a:xfrm>
-      </p:grpSpPr>
-      <p:sp>
-        <p:nvSpPr>
-          <p:cNvPr id="2" name="Title 1"/>
-          <p:cNvSpPr>
-            <a:spLocks noGrp="1"/>
-          </p:cNvSpPr>
-          <p:nvPr>
-            <p:ph type="title"/>
-          </p:nvPr>
-        </p:nvSpPr>
-        <p:spPr/>
-        <p:txBody>
-          <a:bodyPr/>
-          <a:lstStyle/>
-          <a:p>
-            <a:r>
-              <a:rPr lang="en-US"/>
-              <a:t>Click to edit Master title style</a:t>
-            </a:r>
-            <a:endParaRPr lang="ru-RU" dirty="0"/>
-          </a:p>
-        </p:txBody>
-      </p:sp>
-      <p:sp>
-        <p:nvSpPr>
-          <p:cNvPr id="3" name="Content Placeholder 2"/>
-          <p:cNvSpPr>
-            <a:spLocks noGrp="1"/>
-          </p:cNvSpPr>
-          <p:nvPr>
-            <p:ph sz="half" idx="1"/>
-          </p:nvPr>
-        </p:nvSpPr>
-        <p:spPr>
-          <a:xfrm>
-            <a:off x="457200" y="1600200"/>
-            <a:ext cx="4038600" cy="4525963"/>
-          </a:xfrm>
-        </p:spPr>
-        <p:txBody>
-          <a:bodyPr/>
-          <a:lstStyle>
-            <a:lvl1pPr>
-              <a:defRPr sz="2800"/>
-            </a:lvl1pPr>
-            <a:lvl2pPr>
-              <a:defRPr sz="2400"/>
-            </a:lvl2pPr>
-            <a:lvl3pPr>
-              <a:defRPr sz="2000"/>
-            </a:lvl3pPr>
-            <a:lvl4pPr>
-              <a:defRPr sz="1800"/>
-            </a:lvl4pPr>
-            <a:lvl5pPr>
-              <a:defRPr sz="1800"/>
-            </a:lvl5pPr>
-            <a:lvl6pPr>
-              <a:defRPr sz="1800"/>
-            </a:lvl6pPr>
-            <a:lvl7pPr>
-              <a:defRPr sz="1800"/>
-            </a:lvl7pPr>
-            <a:lvl8pPr>
-              <a:defRPr sz="1800"/>
-            </a:lvl8pPr>
-            <a:lvl9pPr>
-              <a:defRPr sz="1800"/>
-            </a:lvl9pPr>
-          </a:lstStyle>
-          <a:p>
-            <a:pPr lvl="0"/>
-            <a:r>
-              <a:rPr lang="en-US"/>
-              <a:t>Click to edit Master text styles</a:t>
-            </a:r>
-          </a:p>
-          <a:p>
-            <a:pPr lvl="1"/>
-            <a:r>
-              <a:rPr lang="en-US"/>
-              <a:t>Second level</a:t>
-            </a:r>
-          </a:p>
-          <a:p>
-            <a:pPr lvl="2"/>
-            <a:r>
-              <a:rPr lang="en-US"/>
-              <a:t>Third level</a:t>
-            </a:r>
-          </a:p>
-          <a:p>
-            <a:pPr lvl="3"/>
-            <a:r>
-              <a:rPr lang="en-US"/>
-              <a:t>Fourth level</a:t>
-            </a:r>
-          </a:p>
-          <a:p>
-            <a:pPr lvl="4"/>
-            <a:r>
-              <a:rPr lang="en-US"/>
-              <a:t>Fifth level</a:t>
-            </a:r>
-            <a:endParaRPr lang="ru-RU" dirty="0"/>
-          </a:p>
-        </p:txBody>
-      </p:sp>
-      <p:sp>
-        <p:nvSpPr>
-          <p:cNvPr id="4" name="Content Placeholder 3"/>
-          <p:cNvSpPr>
-            <a:spLocks noGrp="1"/>
-          </p:cNvSpPr>
-          <p:nvPr>
-            <p:ph sz="half" idx="2"/>
-          </p:nvPr>
-        </p:nvSpPr>
-        <p:spPr>
-          <a:xfrm>
-            <a:off x="4648200" y="1600200"/>
-            <a:ext cx="4038600" cy="4525963"/>
-          </a:xfrm>
-        </p:spPr>
-        <p:txBody>
-          <a:bodyPr/>
-          <a:lstStyle>
-            <a:lvl1pPr>
-              <a:defRPr sz="2800"/>
-            </a:lvl1pPr>
-            <a:lvl2pPr>
-              <a:defRPr sz="2400"/>
-            </a:lvl2pPr>
-            <a:lvl3pPr>
-              <a:defRPr sz="2000"/>
-            </a:lvl3pPr>
-            <a:lvl4pPr>
-              <a:defRPr sz="1800"/>
-            </a:lvl4pPr>
-            <a:lvl5pPr>
-              <a:defRPr sz="1800"/>
-            </a:lvl5pPr>
-            <a:lvl6pPr>
-              <a:defRPr sz="1800"/>
-            </a:lvl6pPr>
-            <a:lvl7pPr>
-              <a:defRPr sz="1800"/>
-            </a:lvl7pPr>
-            <a:lvl8pPr>
-              <a:defRPr sz="1800"/>
-            </a:lvl8pPr>
-            <a:lvl9pPr>
-              <a:defRPr sz="1800"/>
-            </a:lvl9pPr>
-          </a:lstStyle>
-          <a:p>
-            <a:pPr lvl="0"/>
-            <a:r>
-              <a:rPr lang="en-US"/>
-              <a:t>Click to edit Master text styles</a:t>
-            </a:r>
-          </a:p>
-          <a:p>
-            <a:pPr lvl="1"/>
-            <a:r>
-              <a:rPr lang="en-US"/>
-              <a:t>Second level</a:t>
-            </a:r>
-          </a:p>
-          <a:p>
-            <a:pPr lvl="2"/>
-            <a:r>
-              <a:rPr lang="en-US"/>
-              <a:t>Third level</a:t>
-            </a:r>
-          </a:p>
-          <a:p>
-            <a:pPr lvl="3"/>
-            <a:r>
-              <a:rPr lang="en-US"/>
-              <a:t>Fourth level</a:t>
-            </a:r>
-          </a:p>
-          <a:p>
-            <a:pPr lvl="4"/>
-            <a:r>
-              <a:rPr lang="en-US"/>
-              <a:t>Fifth level</a:t>
-            </a:r>
-            <a:endParaRPr lang="ru-RU" dirty="0"/>
-          </a:p>
-        </p:txBody>
-      </p:sp>
-    </p:spTree>
-    <p:extLst>
-      <p:ext uri="{BB962C8B-B14F-4D97-AF65-F5344CB8AC3E}">
-        <p14:creationId xmlns:p14="http://schemas.microsoft.com/office/powerpoint/2010/main" val="1026234569"/>
-      </p:ext>
-    </p:extLst>
-  </p:cSld>
-  <p:clrMapOvr>
-    <a:masterClrMapping/>
-  </p:clrMapOvr>
-</p:sldLayout>
-</file>
-
-<file path=ppt/slideLayouts/slideLayout6.xml><?xml version="1.0" encoding="utf-8"?>
-<p:sldLayout xmlns:a="http://schemas.openxmlformats.org/drawingml/2006/main" xmlns:r="http://schemas.openxmlformats.org/officeDocument/2006/relationships" xmlns:p="http://schemas.openxmlformats.org/presentationml/2006/main" type="twoTxTwoObj" preserve="1">
-  <p:cSld name="Comparison">
-    <p:spTree>
-      <p:nvGrpSpPr>
-        <p:cNvPr id="1" name=""/>
-        <p:cNvGrpSpPr/>
-        <p:nvPr/>
-      </p:nvGrpSpPr>
-      <p:grpSpPr>
-        <a:xfrm>
-          <a:off x="0" y="0"/>
-          <a:ext cx="0" cy="0"/>
-          <a:chOff x="0" y="0"/>
-          <a:chExt cx="0" cy="0"/>
-        </a:xfrm>
-      </p:grpSpPr>
-      <p:sp>
-        <p:nvSpPr>
-          <p:cNvPr id="2" name="Title 1"/>
-          <p:cNvSpPr>
-            <a:spLocks noGrp="1"/>
-          </p:cNvSpPr>
-          <p:nvPr>
-            <p:ph type="title"/>
-          </p:nvPr>
-        </p:nvSpPr>
-        <p:spPr/>
-        <p:txBody>
-          <a:bodyPr/>
-          <a:lstStyle>
-            <a:lvl1pPr>
-              <a:defRPr/>
-            </a:lvl1pPr>
-          </a:lstStyle>
-          <a:p>
-            <a:r>
-              <a:rPr lang="en-US"/>
-              <a:t>Click to edit Master title style</a:t>
-            </a:r>
-            <a:endParaRPr lang="ru-RU" dirty="0"/>
-          </a:p>
-        </p:txBody>
-      </p:sp>
-      <p:sp>
-        <p:nvSpPr>
-          <p:cNvPr id="3" name="Text Placeholder 2"/>
-          <p:cNvSpPr>
-            <a:spLocks noGrp="1"/>
-          </p:cNvSpPr>
-          <p:nvPr>
-            <p:ph type="body" idx="1"/>
-          </p:nvPr>
-        </p:nvSpPr>
-        <p:spPr>
-          <a:xfrm>
-            <a:off x="457200" y="1535113"/>
-            <a:ext cx="4040188" cy="639762"/>
-          </a:xfrm>
-        </p:spPr>
-        <p:txBody>
-          <a:bodyPr anchor="b"/>
-          <a:lstStyle>
-            <a:lvl1pPr marL="0" indent="0">
-              <a:buNone/>
-              <a:defRPr sz="2400" b="1"/>
-            </a:lvl1pPr>
-            <a:lvl2pPr marL="457200" indent="0">
-              <a:buNone/>
-              <a:defRPr sz="2000" b="1"/>
-            </a:lvl2pPr>
-            <a:lvl3pPr marL="914400" indent="0">
-              <a:buNone/>
-              <a:defRPr sz="1800" b="1"/>
-            </a:lvl3pPr>
-            <a:lvl4pPr marL="1371600" indent="0">
-              <a:buNone/>
-              <a:defRPr sz="1600" b="1"/>
-            </a:lvl4pPr>
-            <a:lvl5pPr marL="1828800" indent="0">
-              <a:buNone/>
-              <a:defRPr sz="1600" b="1"/>
-            </a:lvl5pPr>
-            <a:lvl6pPr marL="2286000" indent="0">
-              <a:buNone/>
-              <a:defRPr sz="1600" b="1"/>
-            </a:lvl6pPr>
-            <a:lvl7pPr marL="2743200" indent="0">
-              <a:buNone/>
-              <a:defRPr sz="1600" b="1"/>
-            </a:lvl7pPr>
-            <a:lvl8pPr marL="3200400" indent="0">
-              <a:buNone/>
-              <a:defRPr sz="1600" b="1"/>
-            </a:lvl8pPr>
-            <a:lvl9pPr marL="3657600" indent="0">
-              <a:buNone/>
-              <a:defRPr sz="1600" b="1"/>
-            </a:lvl9pPr>
-          </a:lstStyle>
-          <a:p>
-            <a:pPr lvl="0"/>
-            <a:r>
-              <a:rPr lang="en-US"/>
-              <a:t>Click to edit Master text styles</a:t>
-            </a:r>
-          </a:p>
-        </p:txBody>
-      </p:sp>
-      <p:sp>
-        <p:nvSpPr>
-          <p:cNvPr id="4" name="Content Placeholder 3"/>
-          <p:cNvSpPr>
-            <a:spLocks noGrp="1"/>
-          </p:cNvSpPr>
-          <p:nvPr>
-            <p:ph sz="half" idx="2"/>
-          </p:nvPr>
-        </p:nvSpPr>
-        <p:spPr>
-          <a:xfrm>
-            <a:off x="457200" y="2174875"/>
-            <a:ext cx="4040188" cy="3951288"/>
-          </a:xfrm>
-        </p:spPr>
-        <p:txBody>
-          <a:bodyPr/>
-          <a:lstStyle>
-            <a:lvl1pPr>
-              <a:defRPr sz="2400"/>
-            </a:lvl1pPr>
-            <a:lvl2pPr>
-              <a:defRPr sz="2000"/>
-            </a:lvl2pPr>
-            <a:lvl3pPr>
-              <a:defRPr sz="1800"/>
-            </a:lvl3pPr>
-            <a:lvl4pPr>
-              <a:defRPr sz="1600"/>
-            </a:lvl4pPr>
-            <a:lvl5pPr>
-              <a:defRPr sz="1600"/>
-            </a:lvl5pPr>
-            <a:lvl6pPr>
-              <a:defRPr sz="1600"/>
-            </a:lvl6pPr>
-            <a:lvl7pPr>
-              <a:defRPr sz="1600"/>
-            </a:lvl7pPr>
-            <a:lvl8pPr>
-              <a:defRPr sz="1600"/>
-            </a:lvl8pPr>
-            <a:lvl9pPr>
-              <a:defRPr sz="1600"/>
-            </a:lvl9pPr>
-          </a:lstStyle>
-          <a:p>
-            <a:pPr lvl="0"/>
-            <a:r>
-              <a:rPr lang="en-US"/>
-              <a:t>Click to edit Master text styles</a:t>
-            </a:r>
-          </a:p>
-          <a:p>
-            <a:pPr lvl="1"/>
-            <a:r>
-              <a:rPr lang="en-US"/>
-              <a:t>Second level</a:t>
-            </a:r>
-          </a:p>
-          <a:p>
-            <a:pPr lvl="2"/>
-            <a:r>
-              <a:rPr lang="en-US"/>
-              <a:t>Third level</a:t>
-            </a:r>
-          </a:p>
-          <a:p>
-            <a:pPr lvl="3"/>
-            <a:r>
-              <a:rPr lang="en-US"/>
-              <a:t>Fourth level</a:t>
-            </a:r>
-          </a:p>
-          <a:p>
-            <a:pPr lvl="4"/>
-            <a:r>
-              <a:rPr lang="en-US"/>
-              <a:t>Fifth level</a:t>
-            </a:r>
-            <a:endParaRPr lang="ru-RU" dirty="0"/>
-          </a:p>
-        </p:txBody>
-      </p:sp>
-      <p:sp>
-        <p:nvSpPr>
-          <p:cNvPr id="5" name="Text Placeholder 4"/>
-          <p:cNvSpPr>
-            <a:spLocks noGrp="1"/>
-          </p:cNvSpPr>
-          <p:nvPr>
-            <p:ph type="body" sz="quarter" idx="3"/>
-          </p:nvPr>
-        </p:nvSpPr>
-        <p:spPr>
-          <a:xfrm>
-            <a:off x="4645025" y="1535113"/>
-            <a:ext cx="4041775" cy="639762"/>
-          </a:xfrm>
-        </p:spPr>
-        <p:txBody>
-          <a:bodyPr anchor="b"/>
-          <a:lstStyle>
-            <a:lvl1pPr marL="0" indent="0">
-              <a:buNone/>
-              <a:defRPr sz="2400" b="1"/>
-            </a:lvl1pPr>
-            <a:lvl2pPr marL="457200" indent="0">
-              <a:buNone/>
-              <a:defRPr sz="2000" b="1"/>
-            </a:lvl2pPr>
-            <a:lvl3pPr marL="914400" indent="0">
-              <a:buNone/>
-              <a:defRPr sz="1800" b="1"/>
-            </a:lvl3pPr>
-            <a:lvl4pPr marL="1371600" indent="0">
-              <a:buNone/>
-              <a:defRPr sz="1600" b="1"/>
-            </a:lvl4pPr>
-            <a:lvl5pPr marL="1828800" indent="0">
-              <a:buNone/>
-              <a:defRPr sz="1600" b="1"/>
-            </a:lvl5pPr>
-            <a:lvl6pPr marL="2286000" indent="0">
-              <a:buNone/>
-              <a:defRPr sz="1600" b="1"/>
-            </a:lvl6pPr>
-            <a:lvl7pPr marL="2743200" indent="0">
-              <a:buNone/>
-              <a:defRPr sz="1600" b="1"/>
-            </a:lvl7pPr>
-            <a:lvl8pPr marL="3200400" indent="0">
-              <a:buNone/>
-              <a:defRPr sz="1600" b="1"/>
-            </a:lvl8pPr>
-            <a:lvl9pPr marL="3657600" indent="0">
-              <a:buNone/>
-              <a:defRPr sz="1600" b="1"/>
-            </a:lvl9pPr>
-          </a:lstStyle>
-          <a:p>
-            <a:pPr lvl="0"/>
-            <a:r>
-              <a:rPr lang="en-US"/>
-              <a:t>Click to edit Master text styles</a:t>
-            </a:r>
-          </a:p>
-        </p:txBody>
-      </p:sp>
-      <p:sp>
-        <p:nvSpPr>
-          <p:cNvPr id="6" name="Content Placeholder 5"/>
-          <p:cNvSpPr>
-            <a:spLocks noGrp="1"/>
-          </p:cNvSpPr>
-          <p:nvPr>
-            <p:ph sz="quarter" idx="4"/>
-          </p:nvPr>
-        </p:nvSpPr>
-        <p:spPr>
-          <a:xfrm>
-            <a:off x="4645025" y="2174875"/>
-            <a:ext cx="4041775" cy="3951288"/>
-          </a:xfrm>
-        </p:spPr>
-        <p:txBody>
-          <a:bodyPr/>
-          <a:lstStyle>
-            <a:lvl1pPr>
-              <a:defRPr sz="2400"/>
-            </a:lvl1pPr>
-            <a:lvl2pPr>
-              <a:defRPr sz="2000"/>
-            </a:lvl2pPr>
-            <a:lvl3pPr>
-              <a:defRPr sz="1800"/>
-            </a:lvl3pPr>
-            <a:lvl4pPr>
-              <a:defRPr sz="1600"/>
-            </a:lvl4pPr>
-            <a:lvl5pPr>
-              <a:defRPr sz="1600"/>
-            </a:lvl5pPr>
-            <a:lvl6pPr>
-              <a:defRPr sz="1600"/>
-            </a:lvl6pPr>
-            <a:lvl7pPr>
-              <a:defRPr sz="1600"/>
-            </a:lvl7pPr>
-            <a:lvl8pPr>
-              <a:defRPr sz="1600"/>
-            </a:lvl8pPr>
-            <a:lvl9pPr>
-              <a:defRPr sz="1600"/>
-            </a:lvl9pPr>
-          </a:lstStyle>
-          <a:p>
-            <a:pPr lvl="0"/>
-            <a:r>
-              <a:rPr lang="en-US"/>
-              <a:t>Click to edit Master text styles</a:t>
-            </a:r>
-          </a:p>
-          <a:p>
-            <a:pPr lvl="1"/>
-            <a:r>
-              <a:rPr lang="en-US"/>
-              <a:t>Second level</a:t>
-            </a:r>
-          </a:p>
-          <a:p>
-            <a:pPr lvl="2"/>
-            <a:r>
-              <a:rPr lang="en-US"/>
-              <a:t>Third level</a:t>
-            </a:r>
-          </a:p>
-          <a:p>
-            <a:pPr lvl="3"/>
-            <a:r>
-              <a:rPr lang="en-US"/>
-              <a:t>Fourth level</a:t>
-            </a:r>
-          </a:p>
-          <a:p>
-            <a:pPr lvl="4"/>
-            <a:r>
-              <a:rPr lang="en-US"/>
-              <a:t>Fifth level</a:t>
-            </a:r>
-            <a:endParaRPr lang="ru-RU" dirty="0"/>
-          </a:p>
-        </p:txBody>
-      </p:sp>
-    </p:spTree>
-    <p:extLst>
-      <p:ext uri="{BB962C8B-B14F-4D97-AF65-F5344CB8AC3E}">
-        <p14:creationId xmlns:p14="http://schemas.microsoft.com/office/powerpoint/2010/main" val="4044979405"/>
-      </p:ext>
-    </p:extLst>
-  </p:cSld>
-  <p:clrMapOvr>
-    <a:masterClrMapping/>
-  </p:clrMapOvr>
-</p:sldLayout>
-</file>
-
-<file path=ppt/slideLayouts/slideLayout7.xml><?xml version="1.0" encoding="utf-8"?>
-<p:sldLayout xmlns:a="http://schemas.openxmlformats.org/drawingml/2006/main" xmlns:r="http://schemas.openxmlformats.org/officeDocument/2006/relationships" xmlns:p="http://schemas.openxmlformats.org/presentationml/2006/main" type="titleOnly" preserve="1">
-  <p:cSld name="Title Only">
-    <p:spTree>
-      <p:nvGrpSpPr>
-        <p:cNvPr id="1" name=""/>
-        <p:cNvGrpSpPr/>
-        <p:nvPr/>
-      </p:nvGrpSpPr>
-      <p:grpSpPr>
-        <a:xfrm>
-          <a:off x="0" y="0"/>
-          <a:ext cx="0" cy="0"/>
-          <a:chOff x="0" y="0"/>
-          <a:chExt cx="0" cy="0"/>
-        </a:xfrm>
-      </p:grpSpPr>
-      <p:sp>
-        <p:nvSpPr>
-          <p:cNvPr id="2" name="Title 1"/>
-          <p:cNvSpPr>
-            <a:spLocks noGrp="1"/>
-          </p:cNvSpPr>
-          <p:nvPr>
-            <p:ph type="title"/>
-          </p:nvPr>
-        </p:nvSpPr>
-        <p:spPr/>
-        <p:txBody>
-          <a:bodyPr/>
-          <a:lstStyle/>
-          <a:p>
-            <a:r>
-              <a:rPr lang="en-US"/>
-              <a:t>Click to edit Master title style</a:t>
-            </a:r>
-            <a:endParaRPr lang="ru-RU" dirty="0"/>
-          </a:p>
-        </p:txBody>
-      </p:sp>
-    </p:spTree>
-    <p:extLst>
-      <p:ext uri="{BB962C8B-B14F-4D97-AF65-F5344CB8AC3E}">
-        <p14:creationId xmlns:p14="http://schemas.microsoft.com/office/powerpoint/2010/main" val="125202666"/>
-      </p:ext>
-    </p:extLst>
-  </p:cSld>
-  <p:clrMapOvr>
-    <a:masterClrMapping/>
-  </p:clrMapOvr>
-</p:sldLayout>
-</file>
-
-<file path=ppt/slideLayouts/slideLayout8.xml><?xml version="1.0" encoding="utf-8"?>
-<p:sldLayout xmlns:a="http://schemas.openxmlformats.org/drawingml/2006/main" xmlns:r="http://schemas.openxmlformats.org/officeDocument/2006/relationships" xmlns:p="http://schemas.openxmlformats.org/presentationml/2006/main" preserve="1" userDrawn="1">
-  <p:cSld name="Demo">
-    <p:spTree>
-      <p:nvGrpSpPr>
-        <p:cNvPr id="1" name=""/>
-        <p:cNvGrpSpPr/>
-        <p:nvPr/>
-      </p:nvGrpSpPr>
-      <p:grpSpPr>
-        <a:xfrm>
-          <a:off x="0" y="0"/>
-          <a:ext cx="0" cy="0"/>
-          <a:chOff x="0" y="0"/>
-          <a:chExt cx="0" cy="0"/>
-        </a:xfrm>
-      </p:grpSpPr>
-      <p:sp>
-        <p:nvSpPr>
-          <p:cNvPr id="10" name="TextBox 9"/>
-          <p:cNvSpPr txBox="1"/>
-          <p:nvPr userDrawn="1"/>
-        </p:nvSpPr>
-        <p:spPr>
-          <a:xfrm>
-            <a:off x="359532" y="3136613"/>
-            <a:ext cx="8424936" cy="584775"/>
-          </a:xfrm>
-          <a:prstGeom prst="rect">
-            <a:avLst/>
-          </a:prstGeom>
-          <a:noFill/>
-        </p:spPr>
-        <p:txBody>
-          <a:bodyPr wrap="square" rtlCol="0" anchor="ctr">
-            <a:spAutoFit/>
-          </a:bodyPr>
-          <a:lstStyle/>
-          <a:p>
-            <a:pPr algn="ctr"/>
-            <a:r>
-              <a:rPr lang="ru-RU" sz="3200" dirty="0"/>
-              <a:t>Название.</a:t>
-            </a:r>
-            <a:r>
-              <a:rPr lang="ru-RU" sz="3200" baseline="0" dirty="0"/>
-              <a:t> Демонстрация.</a:t>
-            </a:r>
-            <a:endParaRPr lang="ru-RU" sz="3200" dirty="0"/>
-          </a:p>
-        </p:txBody>
-      </p:sp>
-    </p:spTree>
-    <p:extLst>
-      <p:ext uri="{BB962C8B-B14F-4D97-AF65-F5344CB8AC3E}">
-        <p14:creationId xmlns:p14="http://schemas.microsoft.com/office/powerpoint/2010/main" val="3308008441"/>
-      </p:ext>
-    </p:extLst>
-  </p:cSld>
-  <p:clrMapOvr>
-    <a:masterClrMapping/>
-  </p:clrMapOvr>
-</p:sldLayout>
-</file>
-
-<file path=ppt/slideLayouts/slideLayout9.xml><?xml version="1.0" encoding="utf-8"?>
-<p:sldLayout xmlns:a="http://schemas.openxmlformats.org/drawingml/2006/main" xmlns:r="http://schemas.openxmlformats.org/officeDocument/2006/relationships" xmlns:p="http://schemas.openxmlformats.org/presentationml/2006/main" type="blank" preserve="1">
-  <p:cSld name="1_Blank">
-    <p:spTree>
-      <p:nvGrpSpPr>
-        <p:cNvPr id="1" name=""/>
-        <p:cNvGrpSpPr/>
-        <p:nvPr/>
-      </p:nvGrpSpPr>
-      <p:grpSpPr>
-        <a:xfrm>
-          <a:off x="0" y="0"/>
-          <a:ext cx="0" cy="0"/>
-          <a:chOff x="0" y="0"/>
-          <a:chExt cx="0" cy="0"/>
-        </a:xfrm>
-      </p:grpSpPr>
-    </p:spTree>
-    <p:extLst>
-      <p:ext uri="{BB962C8B-B14F-4D97-AF65-F5344CB8AC3E}">
-        <p14:creationId xmlns:p14="http://schemas.microsoft.com/office/powerpoint/2010/main" val="2618453949"/>
+        <p14:creationId xmlns:p14="http://schemas.microsoft.com/office/powerpoint/2010/main" val="2103675460"/>
       </p:ext>
     </p:extLst>
   </p:cSld>
@@ -4871,7 +4289,7 @@
     <p:bg>
       <p:bgPr>
         <a:blipFill dpi="0" rotWithShape="1">
-          <a:blip r:embed="rId16">
+          <a:blip r:embed="rId14">
             <a:lum/>
           </a:blip>
           <a:srcRect/>
@@ -5026,7 +4444,7 @@
           <a:p>
             <a:fld id="{AC3D3127-B7C4-45E3-9797-C527EC9FDD78}" type="datetimeFigureOut">
               <a:rPr lang="ru-RU" smtClean="0"/>
-              <a:t>01.07.2018</a:t>
+              <a:t>22.02.2019</a:t>
             </a:fld>
             <a:endParaRPr lang="ru-RU"/>
           </a:p>
@@ -5119,20 +4537,18 @@
   </p:cSld>
   <p:clrMap bg1="lt1" tx1="dk1" bg2="lt2" tx2="dk2" accent1="accent1" accent2="accent2" accent3="accent3" accent4="accent4" accent5="accent5" accent6="accent6" hlink="hlink" folHlink="folHlink"/>
   <p:sldLayoutIdLst>
-    <p:sldLayoutId id="2147483649" r:id="rId1"/>
-    <p:sldLayoutId id="2147483661" r:id="rId2"/>
-    <p:sldLayoutId id="2147483650" r:id="rId3"/>
-    <p:sldLayoutId id="2147483651" r:id="rId4"/>
-    <p:sldLayoutId id="2147483652" r:id="rId5"/>
-    <p:sldLayoutId id="2147483653" r:id="rId6"/>
-    <p:sldLayoutId id="2147483654" r:id="rId7"/>
-    <p:sldLayoutId id="2147483655" r:id="rId8"/>
-    <p:sldLayoutId id="2147483660" r:id="rId9"/>
-    <p:sldLayoutId id="2147483656" r:id="rId10"/>
-    <p:sldLayoutId id="2147483657" r:id="rId11"/>
-    <p:sldLayoutId id="2147483658" r:id="rId12"/>
-    <p:sldLayoutId id="2147483659" r:id="rId13"/>
-    <p:sldLayoutId id="2147483662" r:id="rId14"/>
+    <p:sldLayoutId id="2147483650" r:id="rId1"/>
+    <p:sldLayoutId id="2147483651" r:id="rId2"/>
+    <p:sldLayoutId id="2147483652" r:id="rId3"/>
+    <p:sldLayoutId id="2147483653" r:id="rId4"/>
+    <p:sldLayoutId id="2147483654" r:id="rId5"/>
+    <p:sldLayoutId id="2147483655" r:id="rId6"/>
+    <p:sldLayoutId id="2147483660" r:id="rId7"/>
+    <p:sldLayoutId id="2147483656" r:id="rId8"/>
+    <p:sldLayoutId id="2147483657" r:id="rId9"/>
+    <p:sldLayoutId id="2147483658" r:id="rId10"/>
+    <p:sldLayoutId id="2147483659" r:id="rId11"/>
+    <p:sldLayoutId id="2147483662" r:id="rId12"/>
   </p:sldLayoutIdLst>
   <p:txStyles>
     <p:titleStyle>
@@ -5393,7 +4809,7 @@
     <p:bg>
       <p:bgPr>
         <a:blipFill dpi="0" rotWithShape="1">
-          <a:blip r:embed="rId15">
+          <a:blip r:embed="rId14">
             <a:lum/>
           </a:blip>
           <a:srcRect/>
@@ -5555,7 +4971,7 @@
                 </a:solidFill>
               </a:rPr>
               <a:pPr/>
-              <a:t>01.07.2018</a:t>
+              <a:t>22.02.2019</a:t>
             </a:fld>
             <a:endParaRPr lang="ru-RU">
               <a:solidFill>
@@ -5673,19 +5089,18 @@
   </p:cSld>
   <p:clrMap bg1="lt1" tx1="dk1" bg2="lt2" tx2="dk2" accent1="accent1" accent2="accent2" accent3="accent3" accent4="accent4" accent5="accent5" accent6="accent6" hlink="hlink" folHlink="folHlink"/>
   <p:sldLayoutIdLst>
-    <p:sldLayoutId id="2147483664" r:id="rId1"/>
-    <p:sldLayoutId id="2147483665" r:id="rId2"/>
-    <p:sldLayoutId id="2147483666" r:id="rId3"/>
-    <p:sldLayoutId id="2147483667" r:id="rId4"/>
-    <p:sldLayoutId id="2147483668" r:id="rId5"/>
-    <p:sldLayoutId id="2147483669" r:id="rId6"/>
-    <p:sldLayoutId id="2147483670" r:id="rId7"/>
-    <p:sldLayoutId id="2147483671" r:id="rId8"/>
-    <p:sldLayoutId id="2147483672" r:id="rId9"/>
-    <p:sldLayoutId id="2147483673" r:id="rId10"/>
-    <p:sldLayoutId id="2147483674" r:id="rId11"/>
-    <p:sldLayoutId id="2147483675" r:id="rId12"/>
-    <p:sldLayoutId id="2147483676" r:id="rId13"/>
+    <p:sldLayoutId id="2147483665" r:id="rId1"/>
+    <p:sldLayoutId id="2147483666" r:id="rId2"/>
+    <p:sldLayoutId id="2147483667" r:id="rId3"/>
+    <p:sldLayoutId id="2147483668" r:id="rId4"/>
+    <p:sldLayoutId id="2147483669" r:id="rId5"/>
+    <p:sldLayoutId id="2147483670" r:id="rId6"/>
+    <p:sldLayoutId id="2147483671" r:id="rId7"/>
+    <p:sldLayoutId id="2147483672" r:id="rId8"/>
+    <p:sldLayoutId id="2147483673" r:id="rId9"/>
+    <p:sldLayoutId id="2147483674" r:id="rId10"/>
+    <p:sldLayoutId id="2147483675" r:id="rId11"/>
+    <p:sldLayoutId id="2147483676" r:id="rId12"/>
   </p:sldLayoutIdLst>
   <p:txStyles>
     <p:titleStyle>
@@ -6035,6 +5450,15 @@
               </a:rPr>
               <a:t>§ Шаблоны проектирования</a:t>
             </a:r>
+            <a:r>
+              <a:rPr lang="en-US" sz="3600" b="1" dirty="0">
+                <a:solidFill>
+                  <a:schemeClr val="bg1"/>
+                </a:solidFill>
+                <a:latin typeface="Footlight MT Light" panose="0204060206030A020304" pitchFamily="18" charset="77"/>
+              </a:rPr>
+              <a:t/>
+            </a:r>
             <a:br>
               <a:rPr lang="en-US" sz="3600" b="1" dirty="0">
                 <a:solidFill>
@@ -6069,7 +5493,7 @@
           <p:cNvPr id="8" name="TextBox 7">
             <a:extLst>
               <a:ext uri="{FF2B5EF4-FFF2-40B4-BE49-F238E27FC236}">
-                <a16:creationId xmlns:a16="http://schemas.microsoft.com/office/drawing/2014/main" id="{7D230C00-F571-D94F-8BE3-71909C01B50D}"/>
+                <a16:creationId xmlns:a16="http://schemas.microsoft.com/office/drawing/2014/main" xmlns="" id="{7D230C00-F571-D94F-8BE3-71909C01B50D}"/>
               </a:ext>
             </a:extLst>
           </p:cNvPr>
@@ -7504,6 +6928,14 @@
               </a:rPr>
               <a:t>https://github.com/bazile/Training</a:t>
             </a:r>
+            <a:r>
+              <a:rPr lang="en-US" dirty="0">
+                <a:solidFill>
+                  <a:schemeClr val="bg1"/>
+                </a:solidFill>
+              </a:rPr>
+              <a:t/>
+            </a:r>
             <a:br>
               <a:rPr lang="en-US" dirty="0">
                 <a:solidFill>
@@ -7536,6 +6968,14 @@
                 <a:hlinkClick r:id="rId3"/>
               </a:rPr>
               <a:t>http://belhard.nullptr.ru/</a:t>
+            </a:r>
+            <a:r>
+              <a:rPr lang="ru-RU" dirty="0">
+                <a:solidFill>
+                  <a:schemeClr val="bg1"/>
+                </a:solidFill>
+              </a:rPr>
+              <a:t/>
             </a:r>
             <a:br>
               <a:rPr lang="ru-RU" dirty="0">
